--- a/EPRIME procedura png/Slajdy_proc1.pptx
+++ b/EPRIME procedura png/Slajdy_proc1.pptx
@@ -8928,7 +8928,7 @@
         </p:spPr>
         <p:txBody>
           <a:bodyPr vert="horz" lIns="91440" tIns="45720" rIns="91440" bIns="45720" rtlCol="0" anchor="ctr" anchorCtr="1">
-            <a:normAutofit/>
+            <a:noAutofit/>
           </a:bodyPr>
           <a:lstStyle>
             <a:lvl1pPr marL="228600" indent="-228600" algn="l" defTabSz="914400" rtl="0" eaLnBrk="1" latinLnBrk="0" hangingPunct="1">
@@ -9100,17 +9100,19 @@
               <a:buNone/>
             </a:pPr>
             <a:r>
-              <a:rPr lang="pl-PL" sz="3200" b="1" dirty="0">
+              <a:rPr lang="pl-PL" sz="6600" dirty="0">
                 <a:solidFill>
                   <a:schemeClr val="bg1"/>
                 </a:solidFill>
+                <a:latin typeface="Bell MT" panose="02020503060305020303" pitchFamily="18" charset="0"/>
               </a:rPr>
               <a:t>+</a:t>
             </a:r>
-            <a:endParaRPr lang="en-US" sz="3200" b="1" dirty="0">
+            <a:endParaRPr lang="en-US" sz="6600" dirty="0">
               <a:solidFill>
                 <a:schemeClr val="bg1"/>
               </a:solidFill>
+              <a:latin typeface="Bell MT" panose="02020503060305020303" pitchFamily="18" charset="0"/>
             </a:endParaRPr>
           </a:p>
         </p:txBody>
@@ -17779,8 +17781,8 @@
         </p:nvSpPr>
         <p:spPr>
           <a:xfrm>
-            <a:off x="1239029" y="1263406"/>
-            <a:ext cx="9713940" cy="1063634"/>
+            <a:off x="1239030" y="1143717"/>
+            <a:ext cx="9713940" cy="1314694"/>
           </a:xfrm>
           <a:prstGeom prst="rect">
             <a:avLst/>
@@ -17788,7 +17790,7 @@
         </p:spPr>
         <p:txBody>
           <a:bodyPr vert="horz" lIns="91440" tIns="45720" rIns="91440" bIns="45720" rtlCol="0">
-            <a:normAutofit fontScale="92500"/>
+            <a:normAutofit lnSpcReduction="10000"/>
           </a:bodyPr>
           <a:lstStyle>
             <a:lvl1pPr marL="228600" indent="-228600" algn="l" defTabSz="914400" rtl="0" eaLnBrk="1" latinLnBrk="0" hangingPunct="1">
@@ -17964,7 +17966,23 @@
                   <a:prstClr val="white"/>
                 </a:solidFill>
               </a:rPr>
-              <a:t>Dodatkowo, w eksperymencie pojawiać się będą tak zwane „prymy podprogowe”, czyli strzałki, które są niewidoczne gołym okiem, są poza świadomością, jednak będą one wpływać na Pani/Pana wybór naciśniętego guzika:</a:t>
+              <a:t>Dodatkowo, w eksperymencie pojawiać się będą tak zwane „prymy podprogowe”, czyli strzałki, </a:t>
+            </a:r>
+            <a:r>
+              <a:rPr lang="pl-PL" sz="2400" dirty="0">
+                <a:solidFill>
+                  <a:schemeClr val="bg1"/>
+                </a:solidFill>
+              </a:rPr>
+              <a:t>które są wyświetlane z taką szybkością, że nie są świadomie dostrzegane, jednak wpływają one na wybór naciśniętego guzika, oraz na szybkość Pani/Pana reakcji </a:t>
+            </a:r>
+            <a:r>
+              <a:rPr lang="pl-PL" sz="2400" dirty="0">
+                <a:solidFill>
+                  <a:prstClr val="white"/>
+                </a:solidFill>
+              </a:rPr>
+              <a:t>:</a:t>
             </a:r>
             <a:endParaRPr kumimoji="0" lang="en-US" sz="2400" b="0" i="0" u="none" strike="noStrike" kern="1200" cap="none" spc="0" normalizeH="0" baseline="0" noProof="0" dirty="0">
               <a:ln>

--- a/EPRIME procedura png/Slajdy_proc1.pptx
+++ b/EPRIME procedura png/Slajdy_proc1.pptx
@@ -220,7 +220,7 @@
           <a:p>
             <a:fld id="{D628A058-5DBC-41CE-B381-E249999ED40E}" type="datetimeFigureOut">
               <a:rPr lang="en-US" smtClean="0"/>
-              <a:t>2/18/2018</a:t>
+              <a:t>3/1/2018</a:t>
             </a:fld>
             <a:endParaRPr lang="en-US"/>
           </a:p>
@@ -814,7 +814,7 @@
           <a:p>
             <a:fld id="{445E621E-B824-4DF2-A6B1-90CE9D9DDCE7}" type="datetimeFigureOut">
               <a:rPr lang="en-US" smtClean="0"/>
-              <a:t>2/18/2018</a:t>
+              <a:t>3/1/2018</a:t>
             </a:fld>
             <a:endParaRPr lang="en-US"/>
           </a:p>
@@ -1012,7 +1012,7 @@
           <a:p>
             <a:fld id="{445E621E-B824-4DF2-A6B1-90CE9D9DDCE7}" type="datetimeFigureOut">
               <a:rPr lang="en-US" smtClean="0"/>
-              <a:t>2/18/2018</a:t>
+              <a:t>3/1/2018</a:t>
             </a:fld>
             <a:endParaRPr lang="en-US"/>
           </a:p>
@@ -1220,7 +1220,7 @@
           <a:p>
             <a:fld id="{445E621E-B824-4DF2-A6B1-90CE9D9DDCE7}" type="datetimeFigureOut">
               <a:rPr lang="en-US" smtClean="0"/>
-              <a:t>2/18/2018</a:t>
+              <a:t>3/1/2018</a:t>
             </a:fld>
             <a:endParaRPr lang="en-US"/>
           </a:p>
@@ -1418,7 +1418,7 @@
           <a:p>
             <a:fld id="{445E621E-B824-4DF2-A6B1-90CE9D9DDCE7}" type="datetimeFigureOut">
               <a:rPr lang="en-US" smtClean="0"/>
-              <a:t>2/18/2018</a:t>
+              <a:t>3/1/2018</a:t>
             </a:fld>
             <a:endParaRPr lang="en-US"/>
           </a:p>
@@ -1693,7 +1693,7 @@
           <a:p>
             <a:fld id="{445E621E-B824-4DF2-A6B1-90CE9D9DDCE7}" type="datetimeFigureOut">
               <a:rPr lang="en-US" smtClean="0"/>
-              <a:t>2/18/2018</a:t>
+              <a:t>3/1/2018</a:t>
             </a:fld>
             <a:endParaRPr lang="en-US"/>
           </a:p>
@@ -1958,7 +1958,7 @@
           <a:p>
             <a:fld id="{445E621E-B824-4DF2-A6B1-90CE9D9DDCE7}" type="datetimeFigureOut">
               <a:rPr lang="en-US" smtClean="0"/>
-              <a:t>2/18/2018</a:t>
+              <a:t>3/1/2018</a:t>
             </a:fld>
             <a:endParaRPr lang="en-US"/>
           </a:p>
@@ -2370,7 +2370,7 @@
           <a:p>
             <a:fld id="{445E621E-B824-4DF2-A6B1-90CE9D9DDCE7}" type="datetimeFigureOut">
               <a:rPr lang="en-US" smtClean="0"/>
-              <a:t>2/18/2018</a:t>
+              <a:t>3/1/2018</a:t>
             </a:fld>
             <a:endParaRPr lang="en-US"/>
           </a:p>
@@ -2511,7 +2511,7 @@
           <a:p>
             <a:fld id="{445E621E-B824-4DF2-A6B1-90CE9D9DDCE7}" type="datetimeFigureOut">
               <a:rPr lang="en-US" smtClean="0"/>
-              <a:t>2/18/2018</a:t>
+              <a:t>3/1/2018</a:t>
             </a:fld>
             <a:endParaRPr lang="en-US"/>
           </a:p>
@@ -2624,7 +2624,7 @@
           <a:p>
             <a:fld id="{445E621E-B824-4DF2-A6B1-90CE9D9DDCE7}" type="datetimeFigureOut">
               <a:rPr lang="en-US" smtClean="0"/>
-              <a:t>2/18/2018</a:t>
+              <a:t>3/1/2018</a:t>
             </a:fld>
             <a:endParaRPr lang="en-US"/>
           </a:p>
@@ -2935,7 +2935,7 @@
           <a:p>
             <a:fld id="{445E621E-B824-4DF2-A6B1-90CE9D9DDCE7}" type="datetimeFigureOut">
               <a:rPr lang="en-US" smtClean="0"/>
-              <a:t>2/18/2018</a:t>
+              <a:t>3/1/2018</a:t>
             </a:fld>
             <a:endParaRPr lang="en-US"/>
           </a:p>
@@ -3223,7 +3223,7 @@
           <a:p>
             <a:fld id="{445E621E-B824-4DF2-A6B1-90CE9D9DDCE7}" type="datetimeFigureOut">
               <a:rPr lang="en-US" smtClean="0"/>
-              <a:t>2/18/2018</a:t>
+              <a:t>3/1/2018</a:t>
             </a:fld>
             <a:endParaRPr lang="en-US"/>
           </a:p>
@@ -3464,7 +3464,7 @@
           <a:p>
             <a:fld id="{445E621E-B824-4DF2-A6B1-90CE9D9DDCE7}" type="datetimeFigureOut">
               <a:rPr lang="en-US" smtClean="0"/>
-              <a:t>2/18/2018</a:t>
+              <a:t>3/1/2018</a:t>
             </a:fld>
             <a:endParaRPr lang="en-US"/>
           </a:p>
@@ -12861,16 +12861,16 @@
             </a:endParaRPr>
           </a:p>
           <a:p>
-            <a:pPr marL="0" indent="0" algn="just">
+            <a:pPr marL="0" indent="0" algn="ctr">
               <a:buNone/>
             </a:pPr>
             <a:r>
-              <a:rPr lang="pl-PL" dirty="0">
+              <a:rPr lang="pl-PL" b="1" dirty="0">
                 <a:solidFill>
                   <a:schemeClr val="bg1"/>
                 </a:solidFill>
               </a:rPr>
-              <a:t>W eksperymencie było powiedziane, że będzie Pani/Pan kontrolować wyświetlanie się określonego koloru kółka. Faktycznie jednak kolor kółka był już z góry ustawiony przez eksperymentatora. Zastosowanie takiej manipulacji było konieczne do poprawnego przeprowadzenia procedury. </a:t>
+              <a:t>Informacje dla osoby uczestniczącej w badaniu</a:t>
             </a:r>
           </a:p>
           <a:p>
@@ -12893,7 +12893,7 @@
                   <a:schemeClr val="bg1"/>
                 </a:solidFill>
               </a:rPr>
-              <a:t>Poza tym w czasie badania był wywierany na Pani/Pana wpływ tak zwanych podświadomych prym, czyli strzałek, które są wyświetlane z taką szybkością, że nie są świadomie dostrzegane, jednak wpływają one na wybór naciśniętego guzika, oraz na szybkość Pani/Pana reakcji. </a:t>
+              <a:t>W czasie badania były obecne tak zwane prymy podprogowe, czyli strzałki, które są wyświetlane z taką szybkością, że nie są świadomie dostrzegane, jednak minimalnie wpływają one na wybór naciśniętego guzika (średnio o parę procent częściej naciska się klawisz zgodny z kierunkiem prymy), oraz na szybkość Pani/Pana reakcji (mniej więcej o 1/10 sekundy szybciej naciska się klawisz zgodny z kierunkiem prymy). </a:t>
             </a:r>
             <a:endParaRPr lang="en-US" sz="2400" dirty="0">
               <a:solidFill>
@@ -15423,7 +15423,7 @@
                   <a:schemeClr val="bg1"/>
                 </a:solidFill>
               </a:rPr>
-              <a:t>Poczucie sprawstwa czy kontroli polega na odczuciu, że to Pani/Pan jest twórcą, bądź osobą odpowiedzialną za swoje działania. W różnych momentach życia odczuwamy różny poziom sprawstwa, np. gdy ruszamy ręką najczęściej odczuwamy wysoki poziom sprawstwa, natomiast gdy ktoś nas popchnie, to – mimo że to nasze ciało potyka się – odczuwamy mniejszy poziom sprawstwa, ponieważ to nie my jesteśmy odpowiedzialni za ruch w tym przypadku, nie my go spowodowaliśmy. </a:t>
+              <a:t>W tym eksperymencie interesuje nas Pani/Pana poczucie kontroli. Procedura polega na tym, że naciska się klawisze, po których na ekranie pojawiają się kolorowe koła. Chcielibyśmy dowiedzieć się, czy uważa Pani/Pan, że kontroluje wydarzenia na ekranie. Zadanie eksperymentalne polega na tym, że należy odkryć – naciskając lewy, bądź prawy klawisz – w jakim stopniu Pani/Pana naciśnięcie lewego, bądź prawego klawisza powodują wyświetlenie się konkretnego koloru.</a:t>
             </a:r>
           </a:p>
         </p:txBody>

--- a/EPRIME procedura png/Slajdy_proc1.pptx
+++ b/EPRIME procedura png/Slajdy_proc1.pptx
@@ -5,7 +5,7 @@
     <p:sldMasterId id="2147483648" r:id="rId1"/>
   </p:sldMasterIdLst>
   <p:notesMasterIdLst>
-    <p:notesMasterId r:id="rId26"/>
+    <p:notesMasterId r:id="rId27"/>
   </p:notesMasterIdLst>
   <p:sldIdLst>
     <p:sldId id="256" r:id="rId2"/>
@@ -24,14 +24,15 @@
     <p:sldId id="265" r:id="rId15"/>
     <p:sldId id="268" r:id="rId16"/>
     <p:sldId id="269" r:id="rId17"/>
-    <p:sldId id="270" r:id="rId18"/>
-    <p:sldId id="266" r:id="rId19"/>
-    <p:sldId id="272" r:id="rId20"/>
-    <p:sldId id="273" r:id="rId21"/>
-    <p:sldId id="274" r:id="rId22"/>
-    <p:sldId id="277" r:id="rId23"/>
-    <p:sldId id="275" r:id="rId24"/>
-    <p:sldId id="276" r:id="rId25"/>
+    <p:sldId id="280" r:id="rId18"/>
+    <p:sldId id="270" r:id="rId19"/>
+    <p:sldId id="266" r:id="rId20"/>
+    <p:sldId id="272" r:id="rId21"/>
+    <p:sldId id="273" r:id="rId22"/>
+    <p:sldId id="274" r:id="rId23"/>
+    <p:sldId id="277" r:id="rId24"/>
+    <p:sldId id="275" r:id="rId25"/>
+    <p:sldId id="276" r:id="rId26"/>
   </p:sldIdLst>
   <p:sldSz cx="12192000" cy="6858000"/>
   <p:notesSz cx="6858000" cy="9144000"/>
@@ -220,7 +221,7 @@
           <a:p>
             <a:fld id="{D628A058-5DBC-41CE-B381-E249999ED40E}" type="datetimeFigureOut">
               <a:rPr lang="en-US" smtClean="0"/>
-              <a:t>3/1/2018</a:t>
+              <a:t>23-Mar-18</a:t>
             </a:fld>
             <a:endParaRPr lang="en-US"/>
           </a:p>
@@ -814,7 +815,7 @@
           <a:p>
             <a:fld id="{445E621E-B824-4DF2-A6B1-90CE9D9DDCE7}" type="datetimeFigureOut">
               <a:rPr lang="en-US" smtClean="0"/>
-              <a:t>3/1/2018</a:t>
+              <a:t>23-Mar-18</a:t>
             </a:fld>
             <a:endParaRPr lang="en-US"/>
           </a:p>
@@ -1012,7 +1013,7 @@
           <a:p>
             <a:fld id="{445E621E-B824-4DF2-A6B1-90CE9D9DDCE7}" type="datetimeFigureOut">
               <a:rPr lang="en-US" smtClean="0"/>
-              <a:t>3/1/2018</a:t>
+              <a:t>23-Mar-18</a:t>
             </a:fld>
             <a:endParaRPr lang="en-US"/>
           </a:p>
@@ -1220,7 +1221,7 @@
           <a:p>
             <a:fld id="{445E621E-B824-4DF2-A6B1-90CE9D9DDCE7}" type="datetimeFigureOut">
               <a:rPr lang="en-US" smtClean="0"/>
-              <a:t>3/1/2018</a:t>
+              <a:t>23-Mar-18</a:t>
             </a:fld>
             <a:endParaRPr lang="en-US"/>
           </a:p>
@@ -1418,7 +1419,7 @@
           <a:p>
             <a:fld id="{445E621E-B824-4DF2-A6B1-90CE9D9DDCE7}" type="datetimeFigureOut">
               <a:rPr lang="en-US" smtClean="0"/>
-              <a:t>3/1/2018</a:t>
+              <a:t>23-Mar-18</a:t>
             </a:fld>
             <a:endParaRPr lang="en-US"/>
           </a:p>
@@ -1693,7 +1694,7 @@
           <a:p>
             <a:fld id="{445E621E-B824-4DF2-A6B1-90CE9D9DDCE7}" type="datetimeFigureOut">
               <a:rPr lang="en-US" smtClean="0"/>
-              <a:t>3/1/2018</a:t>
+              <a:t>23-Mar-18</a:t>
             </a:fld>
             <a:endParaRPr lang="en-US"/>
           </a:p>
@@ -1958,7 +1959,7 @@
           <a:p>
             <a:fld id="{445E621E-B824-4DF2-A6B1-90CE9D9DDCE7}" type="datetimeFigureOut">
               <a:rPr lang="en-US" smtClean="0"/>
-              <a:t>3/1/2018</a:t>
+              <a:t>23-Mar-18</a:t>
             </a:fld>
             <a:endParaRPr lang="en-US"/>
           </a:p>
@@ -2370,7 +2371,7 @@
           <a:p>
             <a:fld id="{445E621E-B824-4DF2-A6B1-90CE9D9DDCE7}" type="datetimeFigureOut">
               <a:rPr lang="en-US" smtClean="0"/>
-              <a:t>3/1/2018</a:t>
+              <a:t>23-Mar-18</a:t>
             </a:fld>
             <a:endParaRPr lang="en-US"/>
           </a:p>
@@ -2511,7 +2512,7 @@
           <a:p>
             <a:fld id="{445E621E-B824-4DF2-A6B1-90CE9D9DDCE7}" type="datetimeFigureOut">
               <a:rPr lang="en-US" smtClean="0"/>
-              <a:t>3/1/2018</a:t>
+              <a:t>23-Mar-18</a:t>
             </a:fld>
             <a:endParaRPr lang="en-US"/>
           </a:p>
@@ -2624,7 +2625,7 @@
           <a:p>
             <a:fld id="{445E621E-B824-4DF2-A6B1-90CE9D9DDCE7}" type="datetimeFigureOut">
               <a:rPr lang="en-US" smtClean="0"/>
-              <a:t>3/1/2018</a:t>
+              <a:t>23-Mar-18</a:t>
             </a:fld>
             <a:endParaRPr lang="en-US"/>
           </a:p>
@@ -2935,7 +2936,7 @@
           <a:p>
             <a:fld id="{445E621E-B824-4DF2-A6B1-90CE9D9DDCE7}" type="datetimeFigureOut">
               <a:rPr lang="en-US" smtClean="0"/>
-              <a:t>3/1/2018</a:t>
+              <a:t>23-Mar-18</a:t>
             </a:fld>
             <a:endParaRPr lang="en-US"/>
           </a:p>
@@ -3223,7 +3224,7 @@
           <a:p>
             <a:fld id="{445E621E-B824-4DF2-A6B1-90CE9D9DDCE7}" type="datetimeFigureOut">
               <a:rPr lang="en-US" smtClean="0"/>
-              <a:t>3/1/2018</a:t>
+              <a:t>23-Mar-18</a:t>
             </a:fld>
             <a:endParaRPr lang="en-US"/>
           </a:p>
@@ -3464,7 +3465,7 @@
           <a:p>
             <a:fld id="{445E621E-B824-4DF2-A6B1-90CE9D9DDCE7}" type="datetimeFigureOut">
               <a:rPr lang="en-US" smtClean="0"/>
-              <a:t>3/1/2018</a:t>
+              <a:t>23-Mar-18</a:t>
             </a:fld>
             <a:endParaRPr lang="en-US"/>
           </a:p>
@@ -9909,10 +9910,1003 @@
       </p:grpSpPr>
       <p:sp>
         <p:nvSpPr>
-          <p:cNvPr id="4" name="Content Placeholder 2">
+          <p:cNvPr id="3" name="Content Placeholder 2">
             <a:extLst>
               <a:ext uri="{FF2B5EF4-FFF2-40B4-BE49-F238E27FC236}">
-                <a16:creationId xmlns:a16="http://schemas.microsoft.com/office/drawing/2014/main" id="{46DF36C4-BF62-41C8-87BC-20EB0ECF88CF}"/>
+                <a16:creationId xmlns:a16="http://schemas.microsoft.com/office/drawing/2014/main" id="{16BDB5AA-CFD0-4303-8B7F-ECCF545847F6}"/>
+              </a:ext>
+            </a:extLst>
+          </p:cNvPr>
+          <p:cNvSpPr>
+            <a:spLocks noGrp="1"/>
+          </p:cNvSpPr>
+          <p:nvPr>
+            <p:ph idx="1"/>
+          </p:nvPr>
+        </p:nvSpPr>
+        <p:spPr>
+          <a:xfrm>
+            <a:off x="2123570" y="197128"/>
+            <a:ext cx="7944855" cy="930778"/>
+          </a:xfrm>
+        </p:spPr>
+        <p:txBody>
+          <a:bodyPr>
+            <a:normAutofit/>
+          </a:bodyPr>
+          <a:lstStyle/>
+          <a:p>
+            <a:pPr marL="0" indent="0" algn="ctr">
+              <a:buNone/>
+            </a:pPr>
+            <a:r>
+              <a:rPr lang="pl-PL" sz="2400" dirty="0">
+                <a:solidFill>
+                  <a:schemeClr val="bg1"/>
+                </a:solidFill>
+              </a:rPr>
+              <a:t>Przypominamy</a:t>
+            </a:r>
+            <a:r>
+              <a:rPr lang="en-US" sz="2400" dirty="0">
+                <a:solidFill>
+                  <a:schemeClr val="bg1"/>
+                </a:solidFill>
+              </a:rPr>
+              <a:t>, </a:t>
+            </a:r>
+            <a:r>
+              <a:rPr lang="pl-PL" sz="2400" dirty="0">
+                <a:solidFill>
+                  <a:schemeClr val="bg1"/>
+                </a:solidFill>
+              </a:rPr>
+              <a:t>że teraz koła (efekty Pani/Pana działania) będą miały jeden z 4 kolorów.</a:t>
+            </a:r>
+            <a:endParaRPr lang="en-US" sz="2400" dirty="0">
+              <a:solidFill>
+                <a:schemeClr val="bg1"/>
+              </a:solidFill>
+            </a:endParaRPr>
+          </a:p>
+        </p:txBody>
+      </p:sp>
+      <p:sp>
+        <p:nvSpPr>
+          <p:cNvPr id="7" name="Content Placeholder 2">
+            <a:extLst>
+              <a:ext uri="{FF2B5EF4-FFF2-40B4-BE49-F238E27FC236}">
+                <a16:creationId xmlns:a16="http://schemas.microsoft.com/office/drawing/2014/main" id="{02466EF3-302C-4960-8543-BE397448108A}"/>
+              </a:ext>
+            </a:extLst>
+          </p:cNvPr>
+          <p:cNvSpPr txBox="1">
+            <a:spLocks/>
+          </p:cNvSpPr>
+          <p:nvPr/>
+        </p:nvSpPr>
+        <p:spPr>
+          <a:xfrm>
+            <a:off x="1223986" y="1348896"/>
+            <a:ext cx="9744021" cy="1945190"/>
+          </a:xfrm>
+          <a:prstGeom prst="rect">
+            <a:avLst/>
+          </a:prstGeom>
+        </p:spPr>
+        <p:txBody>
+          <a:bodyPr vert="horz" lIns="91440" tIns="45720" rIns="91440" bIns="45720" rtlCol="0">
+            <a:normAutofit fontScale="92500"/>
+          </a:bodyPr>
+          <a:lstStyle>
+            <a:lvl1pPr marL="228600" indent="-228600" algn="l" defTabSz="914400" rtl="0" eaLnBrk="1" latinLnBrk="0" hangingPunct="1">
+              <a:lnSpc>
+                <a:spcPct val="90000"/>
+              </a:lnSpc>
+              <a:spcBef>
+                <a:spcPts val="1000"/>
+              </a:spcBef>
+              <a:buFont typeface="Arial" panose="020B0604020202020204" pitchFamily="34" charset="0"/>
+              <a:buChar char="•"/>
+              <a:defRPr sz="2800" kern="1200">
+                <a:solidFill>
+                  <a:schemeClr val="tx1"/>
+                </a:solidFill>
+                <a:latin typeface="+mn-lt"/>
+                <a:ea typeface="+mn-ea"/>
+                <a:cs typeface="+mn-cs"/>
+              </a:defRPr>
+            </a:lvl1pPr>
+            <a:lvl2pPr marL="685800" indent="-228600" algn="l" defTabSz="914400" rtl="0" eaLnBrk="1" latinLnBrk="0" hangingPunct="1">
+              <a:lnSpc>
+                <a:spcPct val="90000"/>
+              </a:lnSpc>
+              <a:spcBef>
+                <a:spcPts val="500"/>
+              </a:spcBef>
+              <a:buFont typeface="Arial" panose="020B0604020202020204" pitchFamily="34" charset="0"/>
+              <a:buChar char="•"/>
+              <a:defRPr sz="2400" kern="1200">
+                <a:solidFill>
+                  <a:schemeClr val="tx1"/>
+                </a:solidFill>
+                <a:latin typeface="+mn-lt"/>
+                <a:ea typeface="+mn-ea"/>
+                <a:cs typeface="+mn-cs"/>
+              </a:defRPr>
+            </a:lvl2pPr>
+            <a:lvl3pPr marL="1143000" indent="-228600" algn="l" defTabSz="914400" rtl="0" eaLnBrk="1" latinLnBrk="0" hangingPunct="1">
+              <a:lnSpc>
+                <a:spcPct val="90000"/>
+              </a:lnSpc>
+              <a:spcBef>
+                <a:spcPts val="500"/>
+              </a:spcBef>
+              <a:buFont typeface="Arial" panose="020B0604020202020204" pitchFamily="34" charset="0"/>
+              <a:buChar char="•"/>
+              <a:defRPr sz="2000" kern="1200">
+                <a:solidFill>
+                  <a:schemeClr val="tx1"/>
+                </a:solidFill>
+                <a:latin typeface="+mn-lt"/>
+                <a:ea typeface="+mn-ea"/>
+                <a:cs typeface="+mn-cs"/>
+              </a:defRPr>
+            </a:lvl3pPr>
+            <a:lvl4pPr marL="1600200" indent="-228600" algn="l" defTabSz="914400" rtl="0" eaLnBrk="1" latinLnBrk="0" hangingPunct="1">
+              <a:lnSpc>
+                <a:spcPct val="90000"/>
+              </a:lnSpc>
+              <a:spcBef>
+                <a:spcPts val="500"/>
+              </a:spcBef>
+              <a:buFont typeface="Arial" panose="020B0604020202020204" pitchFamily="34" charset="0"/>
+              <a:buChar char="•"/>
+              <a:defRPr sz="1800" kern="1200">
+                <a:solidFill>
+                  <a:schemeClr val="tx1"/>
+                </a:solidFill>
+                <a:latin typeface="+mn-lt"/>
+                <a:ea typeface="+mn-ea"/>
+                <a:cs typeface="+mn-cs"/>
+              </a:defRPr>
+            </a:lvl4pPr>
+            <a:lvl5pPr marL="2057400" indent="-228600" algn="l" defTabSz="914400" rtl="0" eaLnBrk="1" latinLnBrk="0" hangingPunct="1">
+              <a:lnSpc>
+                <a:spcPct val="90000"/>
+              </a:lnSpc>
+              <a:spcBef>
+                <a:spcPts val="500"/>
+              </a:spcBef>
+              <a:buFont typeface="Arial" panose="020B0604020202020204" pitchFamily="34" charset="0"/>
+              <a:buChar char="•"/>
+              <a:defRPr sz="1800" kern="1200">
+                <a:solidFill>
+                  <a:schemeClr val="tx1"/>
+                </a:solidFill>
+                <a:latin typeface="+mn-lt"/>
+                <a:ea typeface="+mn-ea"/>
+                <a:cs typeface="+mn-cs"/>
+              </a:defRPr>
+            </a:lvl5pPr>
+            <a:lvl6pPr marL="2514600" indent="-228600" algn="l" defTabSz="914400" rtl="0" eaLnBrk="1" latinLnBrk="0" hangingPunct="1">
+              <a:lnSpc>
+                <a:spcPct val="90000"/>
+              </a:lnSpc>
+              <a:spcBef>
+                <a:spcPts val="500"/>
+              </a:spcBef>
+              <a:buFont typeface="Arial" panose="020B0604020202020204" pitchFamily="34" charset="0"/>
+              <a:buChar char="•"/>
+              <a:defRPr sz="1800" kern="1200">
+                <a:solidFill>
+                  <a:schemeClr val="tx1"/>
+                </a:solidFill>
+                <a:latin typeface="+mn-lt"/>
+                <a:ea typeface="+mn-ea"/>
+                <a:cs typeface="+mn-cs"/>
+              </a:defRPr>
+            </a:lvl6pPr>
+            <a:lvl7pPr marL="2971800" indent="-228600" algn="l" defTabSz="914400" rtl="0" eaLnBrk="1" latinLnBrk="0" hangingPunct="1">
+              <a:lnSpc>
+                <a:spcPct val="90000"/>
+              </a:lnSpc>
+              <a:spcBef>
+                <a:spcPts val="500"/>
+              </a:spcBef>
+              <a:buFont typeface="Arial" panose="020B0604020202020204" pitchFamily="34" charset="0"/>
+              <a:buChar char="•"/>
+              <a:defRPr sz="1800" kern="1200">
+                <a:solidFill>
+                  <a:schemeClr val="tx1"/>
+                </a:solidFill>
+                <a:latin typeface="+mn-lt"/>
+                <a:ea typeface="+mn-ea"/>
+                <a:cs typeface="+mn-cs"/>
+              </a:defRPr>
+            </a:lvl7pPr>
+            <a:lvl8pPr marL="3429000" indent="-228600" algn="l" defTabSz="914400" rtl="0" eaLnBrk="1" latinLnBrk="0" hangingPunct="1">
+              <a:lnSpc>
+                <a:spcPct val="90000"/>
+              </a:lnSpc>
+              <a:spcBef>
+                <a:spcPts val="500"/>
+              </a:spcBef>
+              <a:buFont typeface="Arial" panose="020B0604020202020204" pitchFamily="34" charset="0"/>
+              <a:buChar char="•"/>
+              <a:defRPr sz="1800" kern="1200">
+                <a:solidFill>
+                  <a:schemeClr val="tx1"/>
+                </a:solidFill>
+                <a:latin typeface="+mn-lt"/>
+                <a:ea typeface="+mn-ea"/>
+                <a:cs typeface="+mn-cs"/>
+              </a:defRPr>
+            </a:lvl8pPr>
+            <a:lvl9pPr marL="3886200" indent="-228600" algn="l" defTabSz="914400" rtl="0" eaLnBrk="1" latinLnBrk="0" hangingPunct="1">
+              <a:lnSpc>
+                <a:spcPct val="90000"/>
+              </a:lnSpc>
+              <a:spcBef>
+                <a:spcPts val="500"/>
+              </a:spcBef>
+              <a:buFont typeface="Arial" panose="020B0604020202020204" pitchFamily="34" charset="0"/>
+              <a:buChar char="•"/>
+              <a:defRPr sz="1800" kern="1200">
+                <a:solidFill>
+                  <a:schemeClr val="tx1"/>
+                </a:solidFill>
+                <a:latin typeface="+mn-lt"/>
+                <a:ea typeface="+mn-ea"/>
+                <a:cs typeface="+mn-cs"/>
+              </a:defRPr>
+            </a:lvl9pPr>
+          </a:lstStyle>
+          <a:p>
+            <a:pPr marL="0" lvl="0" indent="0" algn="ctr">
+              <a:buNone/>
+            </a:pPr>
+            <a:r>
+              <a:rPr lang="pl-PL" sz="2400" dirty="0">
+                <a:solidFill>
+                  <a:schemeClr val="bg1"/>
+                </a:solidFill>
+              </a:rPr>
+              <a:t>Zadanie eksperymentalne polega na tym, że należy odkryć w jakim stopniu Pani/Pana naciśnięcie lewego, bądź prawego klawisza powodują wyświetlenie się konkretnego koloru.</a:t>
+            </a:r>
+          </a:p>
+          <a:p>
+            <a:pPr marL="0" lvl="0" indent="0" algn="ctr">
+              <a:buNone/>
+            </a:pPr>
+            <a:endParaRPr kumimoji="0" lang="pl-PL" sz="2400" b="0" i="0" u="none" strike="noStrike" kern="1200" cap="none" spc="0" normalizeH="0" baseline="0" noProof="0" dirty="0">
+              <a:ln>
+                <a:noFill/>
+              </a:ln>
+              <a:solidFill>
+                <a:prstClr val="white"/>
+              </a:solidFill>
+              <a:effectLst/>
+              <a:uLnTx/>
+              <a:uFillTx/>
+              <a:latin typeface="Calibri" panose="020F0502020204030204"/>
+              <a:ea typeface="+mn-ea"/>
+              <a:cs typeface="+mn-cs"/>
+            </a:endParaRPr>
+          </a:p>
+          <a:p>
+            <a:pPr marL="0" lvl="0" indent="0" algn="ctr">
+              <a:buNone/>
+            </a:pPr>
+            <a:r>
+              <a:rPr kumimoji="0" lang="pl-PL" sz="2400" b="0" i="0" u="none" strike="noStrike" kern="1200" cap="none" spc="0" normalizeH="0" baseline="0" noProof="0" dirty="0">
+                <a:ln>
+                  <a:noFill/>
+                </a:ln>
+                <a:solidFill>
+                  <a:prstClr val="white"/>
+                </a:solidFill>
+                <a:effectLst/>
+                <a:uLnTx/>
+                <a:uFillTx/>
+                <a:latin typeface="Calibri" panose="020F0502020204030204"/>
+                <a:ea typeface="+mn-ea"/>
+                <a:cs typeface="+mn-cs"/>
+              </a:rPr>
+              <a:t>Prosimy oceniać swoje poczucie kontroli nad wywołaniem danego koloru na skali:</a:t>
+            </a:r>
+            <a:endParaRPr kumimoji="0" lang="en-US" sz="2400" b="0" i="0" u="none" strike="noStrike" kern="1200" cap="none" spc="0" normalizeH="0" baseline="0" noProof="0" dirty="0">
+              <a:ln>
+                <a:noFill/>
+              </a:ln>
+              <a:solidFill>
+                <a:prstClr val="white"/>
+              </a:solidFill>
+              <a:effectLst/>
+              <a:uLnTx/>
+              <a:uFillTx/>
+              <a:latin typeface="Calibri" panose="020F0502020204030204"/>
+              <a:ea typeface="+mn-ea"/>
+              <a:cs typeface="+mn-cs"/>
+            </a:endParaRPr>
+          </a:p>
+        </p:txBody>
+      </p:sp>
+      <p:sp>
+        <p:nvSpPr>
+          <p:cNvPr id="9" name="Content Placeholder 2">
+            <a:extLst>
+              <a:ext uri="{FF2B5EF4-FFF2-40B4-BE49-F238E27FC236}">
+                <a16:creationId xmlns:a16="http://schemas.microsoft.com/office/drawing/2014/main" id="{4EF53457-C4EA-4F98-B682-2CECBF99F20B}"/>
+              </a:ext>
+            </a:extLst>
+          </p:cNvPr>
+          <p:cNvSpPr txBox="1">
+            <a:spLocks/>
+          </p:cNvSpPr>
+          <p:nvPr/>
+        </p:nvSpPr>
+        <p:spPr>
+          <a:xfrm>
+            <a:off x="1223986" y="4753929"/>
+            <a:ext cx="9744021" cy="1064595"/>
+          </a:xfrm>
+          <a:prstGeom prst="rect">
+            <a:avLst/>
+          </a:prstGeom>
+        </p:spPr>
+        <p:txBody>
+          <a:bodyPr vert="horz" lIns="91440" tIns="45720" rIns="91440" bIns="45720" rtlCol="0">
+            <a:normAutofit fontScale="92500"/>
+          </a:bodyPr>
+          <a:lstStyle>
+            <a:lvl1pPr marL="228600" indent="-228600" algn="l" defTabSz="914400" rtl="0" eaLnBrk="1" latinLnBrk="0" hangingPunct="1">
+              <a:lnSpc>
+                <a:spcPct val="90000"/>
+              </a:lnSpc>
+              <a:spcBef>
+                <a:spcPts val="1000"/>
+              </a:spcBef>
+              <a:buFont typeface="Arial" panose="020B0604020202020204" pitchFamily="34" charset="0"/>
+              <a:buChar char="•"/>
+              <a:defRPr sz="2800" kern="1200">
+                <a:solidFill>
+                  <a:schemeClr val="tx1"/>
+                </a:solidFill>
+                <a:latin typeface="+mn-lt"/>
+                <a:ea typeface="+mn-ea"/>
+                <a:cs typeface="+mn-cs"/>
+              </a:defRPr>
+            </a:lvl1pPr>
+            <a:lvl2pPr marL="685800" indent="-228600" algn="l" defTabSz="914400" rtl="0" eaLnBrk="1" latinLnBrk="0" hangingPunct="1">
+              <a:lnSpc>
+                <a:spcPct val="90000"/>
+              </a:lnSpc>
+              <a:spcBef>
+                <a:spcPts val="500"/>
+              </a:spcBef>
+              <a:buFont typeface="Arial" panose="020B0604020202020204" pitchFamily="34" charset="0"/>
+              <a:buChar char="•"/>
+              <a:defRPr sz="2400" kern="1200">
+                <a:solidFill>
+                  <a:schemeClr val="tx1"/>
+                </a:solidFill>
+                <a:latin typeface="+mn-lt"/>
+                <a:ea typeface="+mn-ea"/>
+                <a:cs typeface="+mn-cs"/>
+              </a:defRPr>
+            </a:lvl2pPr>
+            <a:lvl3pPr marL="1143000" indent="-228600" algn="l" defTabSz="914400" rtl="0" eaLnBrk="1" latinLnBrk="0" hangingPunct="1">
+              <a:lnSpc>
+                <a:spcPct val="90000"/>
+              </a:lnSpc>
+              <a:spcBef>
+                <a:spcPts val="500"/>
+              </a:spcBef>
+              <a:buFont typeface="Arial" panose="020B0604020202020204" pitchFamily="34" charset="0"/>
+              <a:buChar char="•"/>
+              <a:defRPr sz="2000" kern="1200">
+                <a:solidFill>
+                  <a:schemeClr val="tx1"/>
+                </a:solidFill>
+                <a:latin typeface="+mn-lt"/>
+                <a:ea typeface="+mn-ea"/>
+                <a:cs typeface="+mn-cs"/>
+              </a:defRPr>
+            </a:lvl3pPr>
+            <a:lvl4pPr marL="1600200" indent="-228600" algn="l" defTabSz="914400" rtl="0" eaLnBrk="1" latinLnBrk="0" hangingPunct="1">
+              <a:lnSpc>
+                <a:spcPct val="90000"/>
+              </a:lnSpc>
+              <a:spcBef>
+                <a:spcPts val="500"/>
+              </a:spcBef>
+              <a:buFont typeface="Arial" panose="020B0604020202020204" pitchFamily="34" charset="0"/>
+              <a:buChar char="•"/>
+              <a:defRPr sz="1800" kern="1200">
+                <a:solidFill>
+                  <a:schemeClr val="tx1"/>
+                </a:solidFill>
+                <a:latin typeface="+mn-lt"/>
+                <a:ea typeface="+mn-ea"/>
+                <a:cs typeface="+mn-cs"/>
+              </a:defRPr>
+            </a:lvl4pPr>
+            <a:lvl5pPr marL="2057400" indent="-228600" algn="l" defTabSz="914400" rtl="0" eaLnBrk="1" latinLnBrk="0" hangingPunct="1">
+              <a:lnSpc>
+                <a:spcPct val="90000"/>
+              </a:lnSpc>
+              <a:spcBef>
+                <a:spcPts val="500"/>
+              </a:spcBef>
+              <a:buFont typeface="Arial" panose="020B0604020202020204" pitchFamily="34" charset="0"/>
+              <a:buChar char="•"/>
+              <a:defRPr sz="1800" kern="1200">
+                <a:solidFill>
+                  <a:schemeClr val="tx1"/>
+                </a:solidFill>
+                <a:latin typeface="+mn-lt"/>
+                <a:ea typeface="+mn-ea"/>
+                <a:cs typeface="+mn-cs"/>
+              </a:defRPr>
+            </a:lvl5pPr>
+            <a:lvl6pPr marL="2514600" indent="-228600" algn="l" defTabSz="914400" rtl="0" eaLnBrk="1" latinLnBrk="0" hangingPunct="1">
+              <a:lnSpc>
+                <a:spcPct val="90000"/>
+              </a:lnSpc>
+              <a:spcBef>
+                <a:spcPts val="500"/>
+              </a:spcBef>
+              <a:buFont typeface="Arial" panose="020B0604020202020204" pitchFamily="34" charset="0"/>
+              <a:buChar char="•"/>
+              <a:defRPr sz="1800" kern="1200">
+                <a:solidFill>
+                  <a:schemeClr val="tx1"/>
+                </a:solidFill>
+                <a:latin typeface="+mn-lt"/>
+                <a:ea typeface="+mn-ea"/>
+                <a:cs typeface="+mn-cs"/>
+              </a:defRPr>
+            </a:lvl6pPr>
+            <a:lvl7pPr marL="2971800" indent="-228600" algn="l" defTabSz="914400" rtl="0" eaLnBrk="1" latinLnBrk="0" hangingPunct="1">
+              <a:lnSpc>
+                <a:spcPct val="90000"/>
+              </a:lnSpc>
+              <a:spcBef>
+                <a:spcPts val="500"/>
+              </a:spcBef>
+              <a:buFont typeface="Arial" panose="020B0604020202020204" pitchFamily="34" charset="0"/>
+              <a:buChar char="•"/>
+              <a:defRPr sz="1800" kern="1200">
+                <a:solidFill>
+                  <a:schemeClr val="tx1"/>
+                </a:solidFill>
+                <a:latin typeface="+mn-lt"/>
+                <a:ea typeface="+mn-ea"/>
+                <a:cs typeface="+mn-cs"/>
+              </a:defRPr>
+            </a:lvl7pPr>
+            <a:lvl8pPr marL="3429000" indent="-228600" algn="l" defTabSz="914400" rtl="0" eaLnBrk="1" latinLnBrk="0" hangingPunct="1">
+              <a:lnSpc>
+                <a:spcPct val="90000"/>
+              </a:lnSpc>
+              <a:spcBef>
+                <a:spcPts val="500"/>
+              </a:spcBef>
+              <a:buFont typeface="Arial" panose="020B0604020202020204" pitchFamily="34" charset="0"/>
+              <a:buChar char="•"/>
+              <a:defRPr sz="1800" kern="1200">
+                <a:solidFill>
+                  <a:schemeClr val="tx1"/>
+                </a:solidFill>
+                <a:latin typeface="+mn-lt"/>
+                <a:ea typeface="+mn-ea"/>
+                <a:cs typeface="+mn-cs"/>
+              </a:defRPr>
+            </a:lvl8pPr>
+            <a:lvl9pPr marL="3886200" indent="-228600" algn="l" defTabSz="914400" rtl="0" eaLnBrk="1" latinLnBrk="0" hangingPunct="1">
+              <a:lnSpc>
+                <a:spcPct val="90000"/>
+              </a:lnSpc>
+              <a:spcBef>
+                <a:spcPts val="500"/>
+              </a:spcBef>
+              <a:buFont typeface="Arial" panose="020B0604020202020204" pitchFamily="34" charset="0"/>
+              <a:buChar char="•"/>
+              <a:defRPr sz="1800" kern="1200">
+                <a:solidFill>
+                  <a:schemeClr val="tx1"/>
+                </a:solidFill>
+                <a:latin typeface="+mn-lt"/>
+                <a:ea typeface="+mn-ea"/>
+                <a:cs typeface="+mn-cs"/>
+              </a:defRPr>
+            </a:lvl9pPr>
+          </a:lstStyle>
+          <a:p>
+            <a:pPr marL="0" marR="0" lvl="0" indent="0" algn="ctr" defTabSz="914400" rtl="0" eaLnBrk="1" fontAlgn="auto" latinLnBrk="0" hangingPunct="1">
+              <a:lnSpc>
+                <a:spcPct val="90000"/>
+              </a:lnSpc>
+              <a:spcBef>
+                <a:spcPts val="1000"/>
+              </a:spcBef>
+              <a:spcAft>
+                <a:spcPts val="0"/>
+              </a:spcAft>
+              <a:buClrTx/>
+              <a:buSzTx/>
+              <a:buFont typeface="Arial" panose="020B0604020202020204" pitchFamily="34" charset="0"/>
+              <a:buNone/>
+              <a:tabLst/>
+              <a:defRPr/>
+            </a:pPr>
+            <a:r>
+              <a:rPr kumimoji="0" lang="pl-PL" sz="2400" b="0" i="0" u="none" strike="noStrike" kern="1200" cap="none" spc="0" normalizeH="0" baseline="0" noProof="0" dirty="0">
+                <a:ln>
+                  <a:noFill/>
+                </a:ln>
+                <a:solidFill>
+                  <a:prstClr val="white"/>
+                </a:solidFill>
+                <a:effectLst/>
+                <a:uLnTx/>
+                <a:uFillTx/>
+                <a:latin typeface="Calibri" panose="020F0502020204030204"/>
+                <a:ea typeface="+mn-ea"/>
+                <a:cs typeface="+mn-cs"/>
+              </a:rPr>
+              <a:t>Po skali porusza się używając klawiszy „</a:t>
+            </a:r>
+            <a:r>
+              <a:rPr kumimoji="0" lang="en-US" sz="2400" b="0" i="0" u="none" strike="noStrike" kern="1200" cap="none" spc="0" normalizeH="0" baseline="0" noProof="0" dirty="0">
+                <a:ln>
+                  <a:noFill/>
+                </a:ln>
+                <a:solidFill>
+                  <a:prstClr val="white"/>
+                </a:solidFill>
+                <a:effectLst/>
+                <a:uLnTx/>
+                <a:uFillTx/>
+                <a:latin typeface="Calibri" panose="020F0502020204030204"/>
+                <a:ea typeface="+mn-ea"/>
+                <a:cs typeface="+mn-cs"/>
+              </a:rPr>
+              <a:t>D</a:t>
+            </a:r>
+            <a:r>
+              <a:rPr kumimoji="0" lang="pl-PL" sz="2400" b="0" i="0" u="none" strike="noStrike" kern="1200" cap="none" spc="0" normalizeH="0" baseline="0" noProof="0" dirty="0">
+                <a:ln>
+                  <a:noFill/>
+                </a:ln>
+                <a:solidFill>
+                  <a:prstClr val="white"/>
+                </a:solidFill>
+                <a:effectLst/>
+                <a:uLnTx/>
+                <a:uFillTx/>
+                <a:latin typeface="Calibri" panose="020F0502020204030204"/>
+                <a:ea typeface="+mn-ea"/>
+                <a:cs typeface="+mn-cs"/>
+              </a:rPr>
+              <a:t>” (lewo) i „</a:t>
+            </a:r>
+            <a:r>
+              <a:rPr kumimoji="0" lang="en-US" sz="2400" b="0" i="0" u="none" strike="noStrike" kern="1200" cap="none" spc="0" normalizeH="0" baseline="0" noProof="0" dirty="0">
+                <a:ln>
+                  <a:noFill/>
+                </a:ln>
+                <a:solidFill>
+                  <a:prstClr val="white"/>
+                </a:solidFill>
+                <a:effectLst/>
+                <a:uLnTx/>
+                <a:uFillTx/>
+                <a:latin typeface="Calibri" panose="020F0502020204030204"/>
+                <a:ea typeface="+mn-ea"/>
+                <a:cs typeface="+mn-cs"/>
+              </a:rPr>
+              <a:t>L</a:t>
+            </a:r>
+            <a:r>
+              <a:rPr kumimoji="0" lang="pl-PL" sz="2400" b="0" i="0" u="none" strike="noStrike" kern="1200" cap="none" spc="0" normalizeH="0" baseline="0" noProof="0" dirty="0">
+                <a:ln>
+                  <a:noFill/>
+                </a:ln>
+                <a:solidFill>
+                  <a:prstClr val="white"/>
+                </a:solidFill>
+                <a:effectLst/>
+                <a:uLnTx/>
+                <a:uFillTx/>
+                <a:latin typeface="Calibri" panose="020F0502020204030204"/>
+                <a:ea typeface="+mn-ea"/>
+                <a:cs typeface="+mn-cs"/>
+              </a:rPr>
+              <a:t>” (prawo)</a:t>
+            </a:r>
+            <a:r>
+              <a:rPr kumimoji="0" lang="en-US" sz="2400" b="0" i="0" u="none" strike="noStrike" kern="1200" cap="none" spc="0" normalizeH="0" baseline="0" noProof="0" dirty="0">
+                <a:ln>
+                  <a:noFill/>
+                </a:ln>
+                <a:solidFill>
+                  <a:prstClr val="white"/>
+                </a:solidFill>
+                <a:effectLst/>
+                <a:uLnTx/>
+                <a:uFillTx/>
+                <a:latin typeface="Calibri" panose="020F0502020204030204"/>
+                <a:ea typeface="+mn-ea"/>
+                <a:cs typeface="+mn-cs"/>
+              </a:rPr>
+              <a:t>, </a:t>
+            </a:r>
+            <a:r>
+              <a:rPr kumimoji="0" lang="en-US" sz="2400" b="0" i="0" u="none" strike="noStrike" kern="1200" cap="none" spc="0" normalizeH="0" baseline="0" noProof="0" dirty="0" err="1">
+                <a:ln>
+                  <a:noFill/>
+                </a:ln>
+                <a:solidFill>
+                  <a:prstClr val="white"/>
+                </a:solidFill>
+                <a:effectLst/>
+                <a:uLnTx/>
+                <a:uFillTx/>
+                <a:latin typeface="Calibri" panose="020F0502020204030204"/>
+                <a:ea typeface="+mn-ea"/>
+                <a:cs typeface="+mn-cs"/>
+              </a:rPr>
+              <a:t>wyb</a:t>
+            </a:r>
+            <a:r>
+              <a:rPr kumimoji="0" lang="pl-PL" sz="2400" b="0" i="0" u="none" strike="noStrike" kern="1200" cap="none" spc="0" normalizeH="0" baseline="0" noProof="0" dirty="0" err="1">
+                <a:ln>
+                  <a:noFill/>
+                </a:ln>
+                <a:solidFill>
+                  <a:prstClr val="white"/>
+                </a:solidFill>
+                <a:effectLst/>
+                <a:uLnTx/>
+                <a:uFillTx/>
+                <a:latin typeface="Calibri" panose="020F0502020204030204"/>
+                <a:ea typeface="+mn-ea"/>
+                <a:cs typeface="+mn-cs"/>
+              </a:rPr>
+              <a:t>ór</a:t>
+            </a:r>
+            <a:r>
+              <a:rPr kumimoji="0" lang="pl-PL" sz="2400" b="0" i="0" u="none" strike="noStrike" kern="1200" cap="none" spc="0" normalizeH="0" baseline="0" noProof="0" dirty="0">
+                <a:ln>
+                  <a:noFill/>
+                </a:ln>
+                <a:solidFill>
+                  <a:prstClr val="white"/>
+                </a:solidFill>
+                <a:effectLst/>
+                <a:uLnTx/>
+                <a:uFillTx/>
+                <a:latin typeface="Calibri" panose="020F0502020204030204"/>
+                <a:ea typeface="+mn-ea"/>
+                <a:cs typeface="+mn-cs"/>
+              </a:rPr>
+              <a:t> zatwierdza się „SPACJĄ”. </a:t>
+            </a:r>
+            <a:r>
+              <a:rPr kumimoji="0" lang="pl-PL" sz="2400" b="1" i="0" u="none" strike="noStrike" kern="1200" cap="none" spc="0" normalizeH="0" baseline="0" noProof="0" dirty="0">
+                <a:ln>
+                  <a:noFill/>
+                </a:ln>
+                <a:solidFill>
+                  <a:prstClr val="white"/>
+                </a:solidFill>
+                <a:effectLst/>
+                <a:uLnTx/>
+                <a:uFillTx/>
+                <a:latin typeface="Calibri" panose="020F0502020204030204"/>
+                <a:ea typeface="+mn-ea"/>
+                <a:cs typeface="+mn-cs"/>
+              </a:rPr>
+              <a:t>Bardzo prosimy o używanie CAŁEJ skali, czyli używanie jej w sposób zróżnicowany, nie tylko punktów skrajnych, bądź najbliższych środka</a:t>
+            </a:r>
+            <a:r>
+              <a:rPr kumimoji="0" lang="pl-PL" sz="2400" b="0" i="0" u="none" strike="noStrike" kern="1200" cap="none" spc="0" normalizeH="0" baseline="0" noProof="0" dirty="0">
+                <a:ln>
+                  <a:noFill/>
+                </a:ln>
+                <a:solidFill>
+                  <a:prstClr val="white"/>
+                </a:solidFill>
+                <a:effectLst/>
+                <a:uLnTx/>
+                <a:uFillTx/>
+                <a:latin typeface="Calibri" panose="020F0502020204030204"/>
+                <a:ea typeface="+mn-ea"/>
+                <a:cs typeface="+mn-cs"/>
+              </a:rPr>
+              <a:t>.</a:t>
+            </a:r>
+            <a:endParaRPr kumimoji="0" lang="en-US" sz="2400" b="0" i="0" u="none" strike="noStrike" kern="1200" cap="none" spc="0" normalizeH="0" baseline="0" noProof="0" dirty="0">
+              <a:ln>
+                <a:noFill/>
+              </a:ln>
+              <a:solidFill>
+                <a:prstClr val="white"/>
+              </a:solidFill>
+              <a:effectLst/>
+              <a:uLnTx/>
+              <a:uFillTx/>
+              <a:latin typeface="Calibri" panose="020F0502020204030204"/>
+              <a:ea typeface="+mn-ea"/>
+              <a:cs typeface="+mn-cs"/>
+            </a:endParaRPr>
+          </a:p>
+        </p:txBody>
+      </p:sp>
+      <p:sp>
+        <p:nvSpPr>
+          <p:cNvPr id="10" name="Content Placeholder 2">
+            <a:extLst>
+              <a:ext uri="{FF2B5EF4-FFF2-40B4-BE49-F238E27FC236}">
+                <a16:creationId xmlns:a16="http://schemas.microsoft.com/office/drawing/2014/main" id="{D509D985-8D79-4F4F-B16C-CBD1ED1FBCF6}"/>
+              </a:ext>
+            </a:extLst>
+          </p:cNvPr>
+          <p:cNvSpPr txBox="1">
+            <a:spLocks/>
+          </p:cNvSpPr>
+          <p:nvPr/>
+        </p:nvSpPr>
+        <p:spPr>
+          <a:xfrm>
+            <a:off x="1800724" y="3653669"/>
+            <a:ext cx="8590546" cy="740677"/>
+          </a:xfrm>
+          <a:prstGeom prst="rect">
+            <a:avLst/>
+          </a:prstGeom>
+        </p:spPr>
+        <p:txBody>
+          <a:bodyPr vert="horz" lIns="91440" tIns="45720" rIns="91440" bIns="45720" rtlCol="0">
+            <a:normAutofit fontScale="92500" lnSpcReduction="10000"/>
+          </a:bodyPr>
+          <a:lstStyle>
+            <a:lvl1pPr marL="228600" indent="-228600" algn="l" defTabSz="914400" rtl="0" eaLnBrk="1" latinLnBrk="0" hangingPunct="1">
+              <a:lnSpc>
+                <a:spcPct val="90000"/>
+              </a:lnSpc>
+              <a:spcBef>
+                <a:spcPts val="1000"/>
+              </a:spcBef>
+              <a:buFont typeface="Arial" panose="020B0604020202020204" pitchFamily="34" charset="0"/>
+              <a:buChar char="•"/>
+              <a:defRPr sz="2800" kern="1200">
+                <a:solidFill>
+                  <a:schemeClr val="tx1"/>
+                </a:solidFill>
+                <a:latin typeface="+mn-lt"/>
+                <a:ea typeface="+mn-ea"/>
+                <a:cs typeface="+mn-cs"/>
+              </a:defRPr>
+            </a:lvl1pPr>
+            <a:lvl2pPr marL="685800" indent="-228600" algn="l" defTabSz="914400" rtl="0" eaLnBrk="1" latinLnBrk="0" hangingPunct="1">
+              <a:lnSpc>
+                <a:spcPct val="90000"/>
+              </a:lnSpc>
+              <a:spcBef>
+                <a:spcPts val="500"/>
+              </a:spcBef>
+              <a:buFont typeface="Arial" panose="020B0604020202020204" pitchFamily="34" charset="0"/>
+              <a:buChar char="•"/>
+              <a:defRPr sz="2400" kern="1200">
+                <a:solidFill>
+                  <a:schemeClr val="tx1"/>
+                </a:solidFill>
+                <a:latin typeface="+mn-lt"/>
+                <a:ea typeface="+mn-ea"/>
+                <a:cs typeface="+mn-cs"/>
+              </a:defRPr>
+            </a:lvl2pPr>
+            <a:lvl3pPr marL="1143000" indent="-228600" algn="l" defTabSz="914400" rtl="0" eaLnBrk="1" latinLnBrk="0" hangingPunct="1">
+              <a:lnSpc>
+                <a:spcPct val="90000"/>
+              </a:lnSpc>
+              <a:spcBef>
+                <a:spcPts val="500"/>
+              </a:spcBef>
+              <a:buFont typeface="Arial" panose="020B0604020202020204" pitchFamily="34" charset="0"/>
+              <a:buChar char="•"/>
+              <a:defRPr sz="2000" kern="1200">
+                <a:solidFill>
+                  <a:schemeClr val="tx1"/>
+                </a:solidFill>
+                <a:latin typeface="+mn-lt"/>
+                <a:ea typeface="+mn-ea"/>
+                <a:cs typeface="+mn-cs"/>
+              </a:defRPr>
+            </a:lvl3pPr>
+            <a:lvl4pPr marL="1600200" indent="-228600" algn="l" defTabSz="914400" rtl="0" eaLnBrk="1" latinLnBrk="0" hangingPunct="1">
+              <a:lnSpc>
+                <a:spcPct val="90000"/>
+              </a:lnSpc>
+              <a:spcBef>
+                <a:spcPts val="500"/>
+              </a:spcBef>
+              <a:buFont typeface="Arial" panose="020B0604020202020204" pitchFamily="34" charset="0"/>
+              <a:buChar char="•"/>
+              <a:defRPr sz="1800" kern="1200">
+                <a:solidFill>
+                  <a:schemeClr val="tx1"/>
+                </a:solidFill>
+                <a:latin typeface="+mn-lt"/>
+                <a:ea typeface="+mn-ea"/>
+                <a:cs typeface="+mn-cs"/>
+              </a:defRPr>
+            </a:lvl4pPr>
+            <a:lvl5pPr marL="2057400" indent="-228600" algn="l" defTabSz="914400" rtl="0" eaLnBrk="1" latinLnBrk="0" hangingPunct="1">
+              <a:lnSpc>
+                <a:spcPct val="90000"/>
+              </a:lnSpc>
+              <a:spcBef>
+                <a:spcPts val="500"/>
+              </a:spcBef>
+              <a:buFont typeface="Arial" panose="020B0604020202020204" pitchFamily="34" charset="0"/>
+              <a:buChar char="•"/>
+              <a:defRPr sz="1800" kern="1200">
+                <a:solidFill>
+                  <a:schemeClr val="tx1"/>
+                </a:solidFill>
+                <a:latin typeface="+mn-lt"/>
+                <a:ea typeface="+mn-ea"/>
+                <a:cs typeface="+mn-cs"/>
+              </a:defRPr>
+            </a:lvl5pPr>
+            <a:lvl6pPr marL="2514600" indent="-228600" algn="l" defTabSz="914400" rtl="0" eaLnBrk="1" latinLnBrk="0" hangingPunct="1">
+              <a:lnSpc>
+                <a:spcPct val="90000"/>
+              </a:lnSpc>
+              <a:spcBef>
+                <a:spcPts val="500"/>
+              </a:spcBef>
+              <a:buFont typeface="Arial" panose="020B0604020202020204" pitchFamily="34" charset="0"/>
+              <a:buChar char="•"/>
+              <a:defRPr sz="1800" kern="1200">
+                <a:solidFill>
+                  <a:schemeClr val="tx1"/>
+                </a:solidFill>
+                <a:latin typeface="+mn-lt"/>
+                <a:ea typeface="+mn-ea"/>
+                <a:cs typeface="+mn-cs"/>
+              </a:defRPr>
+            </a:lvl6pPr>
+            <a:lvl7pPr marL="2971800" indent="-228600" algn="l" defTabSz="914400" rtl="0" eaLnBrk="1" latinLnBrk="0" hangingPunct="1">
+              <a:lnSpc>
+                <a:spcPct val="90000"/>
+              </a:lnSpc>
+              <a:spcBef>
+                <a:spcPts val="500"/>
+              </a:spcBef>
+              <a:buFont typeface="Arial" panose="020B0604020202020204" pitchFamily="34" charset="0"/>
+              <a:buChar char="•"/>
+              <a:defRPr sz="1800" kern="1200">
+                <a:solidFill>
+                  <a:schemeClr val="tx1"/>
+                </a:solidFill>
+                <a:latin typeface="+mn-lt"/>
+                <a:ea typeface="+mn-ea"/>
+                <a:cs typeface="+mn-cs"/>
+              </a:defRPr>
+            </a:lvl7pPr>
+            <a:lvl8pPr marL="3429000" indent="-228600" algn="l" defTabSz="914400" rtl="0" eaLnBrk="1" latinLnBrk="0" hangingPunct="1">
+              <a:lnSpc>
+                <a:spcPct val="90000"/>
+              </a:lnSpc>
+              <a:spcBef>
+                <a:spcPts val="500"/>
+              </a:spcBef>
+              <a:buFont typeface="Arial" panose="020B0604020202020204" pitchFamily="34" charset="0"/>
+              <a:buChar char="•"/>
+              <a:defRPr sz="1800" kern="1200">
+                <a:solidFill>
+                  <a:schemeClr val="tx1"/>
+                </a:solidFill>
+                <a:latin typeface="+mn-lt"/>
+                <a:ea typeface="+mn-ea"/>
+                <a:cs typeface="+mn-cs"/>
+              </a:defRPr>
+            </a:lvl8pPr>
+            <a:lvl9pPr marL="3886200" indent="-228600" algn="l" defTabSz="914400" rtl="0" eaLnBrk="1" latinLnBrk="0" hangingPunct="1">
+              <a:lnSpc>
+                <a:spcPct val="90000"/>
+              </a:lnSpc>
+              <a:spcBef>
+                <a:spcPts val="500"/>
+              </a:spcBef>
+              <a:buFont typeface="Arial" panose="020B0604020202020204" pitchFamily="34" charset="0"/>
+              <a:buChar char="•"/>
+              <a:defRPr sz="1800" kern="1200">
+                <a:solidFill>
+                  <a:schemeClr val="tx1"/>
+                </a:solidFill>
+                <a:latin typeface="+mn-lt"/>
+                <a:ea typeface="+mn-ea"/>
+                <a:cs typeface="+mn-cs"/>
+              </a:defRPr>
+            </a:lvl9pPr>
+          </a:lstStyle>
+          <a:p>
+            <a:pPr marL="0" marR="0" lvl="0" indent="0" algn="ctr" defTabSz="914400" rtl="0" eaLnBrk="1" fontAlgn="auto" latinLnBrk="0" hangingPunct="1">
+              <a:lnSpc>
+                <a:spcPct val="90000"/>
+              </a:lnSpc>
+              <a:spcBef>
+                <a:spcPts val="1000"/>
+              </a:spcBef>
+              <a:spcAft>
+                <a:spcPts val="0"/>
+              </a:spcAft>
+              <a:buClrTx/>
+              <a:buSzTx/>
+              <a:buFont typeface="Arial" panose="020B0604020202020204" pitchFamily="34" charset="0"/>
+              <a:buNone/>
+              <a:tabLst/>
+              <a:defRPr/>
+            </a:pPr>
+            <a:endParaRPr kumimoji="0" lang="en-US" sz="5400" b="0" i="0" u="none" strike="noStrike" kern="1200" cap="none" spc="0" normalizeH="0" baseline="0" noProof="0" dirty="0">
+              <a:ln>
+                <a:noFill/>
+              </a:ln>
+              <a:solidFill>
+                <a:srgbClr val="FF0000"/>
+              </a:solidFill>
+              <a:effectLst/>
+              <a:uLnTx/>
+              <a:uFillTx/>
+              <a:latin typeface="Calibri" panose="020F0502020204030204"/>
+              <a:ea typeface="+mn-ea"/>
+              <a:cs typeface="+mn-cs"/>
+            </a:endParaRPr>
+          </a:p>
+        </p:txBody>
+      </p:sp>
+      <p:pic>
+        <p:nvPicPr>
+          <p:cNvPr id="2" name="Picture 1">
+            <a:extLst>
+              <a:ext uri="{FF2B5EF4-FFF2-40B4-BE49-F238E27FC236}">
+                <a16:creationId xmlns:a16="http://schemas.microsoft.com/office/drawing/2014/main" id="{E8756F97-DA66-4705-98BF-14ABCD4D7DCA}"/>
+              </a:ext>
+            </a:extLst>
+          </p:cNvPr>
+          <p:cNvPicPr>
+            <a:picLocks noChangeAspect="1"/>
+          </p:cNvPicPr>
+          <p:nvPr/>
+        </p:nvPicPr>
+        <p:blipFill>
+          <a:blip r:embed="rId2"/>
+          <a:stretch>
+            <a:fillRect/>
+          </a:stretch>
+        </p:blipFill>
+        <p:spPr>
+          <a:xfrm>
+            <a:off x="3552822" y="3294086"/>
+            <a:ext cx="5086350" cy="1504950"/>
+          </a:xfrm>
+          <a:prstGeom prst="rect">
+            <a:avLst/>
+          </a:prstGeom>
+        </p:spPr>
+      </p:pic>
+      <p:sp>
+        <p:nvSpPr>
+          <p:cNvPr id="11" name="Content Placeholder 2">
+            <a:extLst>
+              <a:ext uri="{FF2B5EF4-FFF2-40B4-BE49-F238E27FC236}">
+                <a16:creationId xmlns:a16="http://schemas.microsoft.com/office/drawing/2014/main" id="{45F9B9AB-32F4-41B5-BEB2-F8CFAA6565AD}"/>
               </a:ext>
             </a:extLst>
           </p:cNvPr>
@@ -10099,272 +11093,225 @@
             </a:lvl9pPr>
           </a:lstStyle>
           <a:p>
-            <a:pPr marL="0" indent="0" algn="ctr">
+            <a:pPr marL="0" marR="0" lvl="0" indent="0" algn="ctr" defTabSz="914400" rtl="0" eaLnBrk="1" fontAlgn="auto" latinLnBrk="0" hangingPunct="1">
+              <a:lnSpc>
+                <a:spcPct val="90000"/>
+              </a:lnSpc>
+              <a:spcBef>
+                <a:spcPts val="1000"/>
+              </a:spcBef>
+              <a:spcAft>
+                <a:spcPts val="0"/>
+              </a:spcAft>
+              <a:buClrTx/>
+              <a:buSzTx/>
               <a:buFont typeface="Arial" panose="020B0604020202020204" pitchFamily="34" charset="0"/>
               <a:buNone/>
+              <a:tabLst/>
+              <a:defRPr/>
             </a:pPr>
             <a:r>
-              <a:rPr lang="pl-PL" sz="2000" dirty="0">
-                <a:solidFill>
-                  <a:srgbClr val="FF0000"/>
-                </a:solidFill>
-              </a:rPr>
-              <a:t>Proszę nacisnąć „L”, aby ROZPOCZĄĆ EKSPERYMENT…</a:t>
+              <a:rPr kumimoji="0" lang="pl-PL" sz="2000" b="0" i="0" u="none" strike="noStrike" kern="1200" cap="none" spc="0" normalizeH="0" baseline="0" noProof="0" dirty="0">
+                <a:ln>
+                  <a:noFill/>
+                </a:ln>
+                <a:solidFill>
+                  <a:prstClr val="white"/>
+                </a:solidFill>
+                <a:effectLst/>
+                <a:uLnTx/>
+                <a:uFillTx/>
+                <a:latin typeface="Calibri" panose="020F0502020204030204"/>
+                <a:ea typeface="+mn-ea"/>
+                <a:cs typeface="+mn-cs"/>
+              </a:rPr>
+              <a:t>Proszę nacisnąć </a:t>
+            </a:r>
+            <a:r>
+              <a:rPr kumimoji="0" lang="en-US" sz="2000" b="0" i="0" u="none" strike="noStrike" kern="1200" cap="none" spc="0" normalizeH="0" baseline="0" noProof="0" dirty="0" err="1">
+                <a:ln>
+                  <a:noFill/>
+                </a:ln>
+                <a:solidFill>
+                  <a:prstClr val="white"/>
+                </a:solidFill>
+                <a:effectLst/>
+                <a:uLnTx/>
+                <a:uFillTx/>
+                <a:latin typeface="Calibri" panose="020F0502020204030204"/>
+                <a:ea typeface="+mn-ea"/>
+                <a:cs typeface="+mn-cs"/>
+              </a:rPr>
+              <a:t>klawisz</a:t>
+            </a:r>
+            <a:r>
+              <a:rPr kumimoji="0" lang="pl-PL" sz="2000" b="0" i="0" u="none" strike="noStrike" kern="1200" cap="none" spc="0" normalizeH="0" baseline="0" noProof="0" dirty="0">
+                <a:ln>
+                  <a:noFill/>
+                </a:ln>
+                <a:solidFill>
+                  <a:prstClr val="white"/>
+                </a:solidFill>
+                <a:effectLst/>
+                <a:uLnTx/>
+                <a:uFillTx/>
+                <a:latin typeface="Calibri" panose="020F0502020204030204"/>
+                <a:ea typeface="+mn-ea"/>
+                <a:cs typeface="+mn-cs"/>
+              </a:rPr>
+              <a:t> „</a:t>
+            </a:r>
+            <a:r>
+              <a:rPr kumimoji="0" lang="en-US" sz="2000" b="0" i="0" u="none" strike="noStrike" kern="1200" cap="none" spc="0" normalizeH="0" baseline="0" noProof="0" dirty="0">
+                <a:ln>
+                  <a:noFill/>
+                </a:ln>
+                <a:solidFill>
+                  <a:prstClr val="white"/>
+                </a:solidFill>
+                <a:effectLst/>
+                <a:uLnTx/>
+                <a:uFillTx/>
+                <a:latin typeface="Calibri" panose="020F0502020204030204"/>
+                <a:ea typeface="+mn-ea"/>
+                <a:cs typeface="+mn-cs"/>
+              </a:rPr>
+              <a:t>L</a:t>
+            </a:r>
+            <a:r>
+              <a:rPr kumimoji="0" lang="pl-PL" sz="2000" b="0" i="0" u="none" strike="noStrike" kern="1200" cap="none" spc="0" normalizeH="0" baseline="0" noProof="0" dirty="0">
+                <a:ln>
+                  <a:noFill/>
+                </a:ln>
+                <a:solidFill>
+                  <a:prstClr val="white"/>
+                </a:solidFill>
+                <a:effectLst/>
+                <a:uLnTx/>
+                <a:uFillTx/>
+                <a:latin typeface="Calibri" panose="020F0502020204030204"/>
+                <a:ea typeface="+mn-ea"/>
+                <a:cs typeface="+mn-cs"/>
+              </a:rPr>
+              <a:t>”, aby kontynuować…</a:t>
             </a:r>
           </a:p>
           <a:p>
-            <a:pPr marL="0" indent="0" algn="ctr">
+            <a:pPr marL="0" marR="0" lvl="0" indent="0" algn="ctr" defTabSz="914400" rtl="0" eaLnBrk="1" fontAlgn="auto" latinLnBrk="0" hangingPunct="1">
+              <a:lnSpc>
+                <a:spcPct val="90000"/>
+              </a:lnSpc>
+              <a:spcBef>
+                <a:spcPts val="1000"/>
+              </a:spcBef>
+              <a:spcAft>
+                <a:spcPts val="0"/>
+              </a:spcAft>
+              <a:buClrTx/>
+              <a:buSzTx/>
               <a:buFont typeface="Arial" panose="020B0604020202020204" pitchFamily="34" charset="0"/>
               <a:buNone/>
+              <a:tabLst/>
+              <a:defRPr/>
             </a:pPr>
             <a:r>
-              <a:rPr lang="pl-PL" sz="2000" dirty="0">
-                <a:solidFill>
-                  <a:srgbClr val="FF0000"/>
-                </a:solidFill>
-              </a:rPr>
-              <a:t>lub „D”, aby cofnąć się do poprzedniego slajdu…</a:t>
-            </a:r>
-            <a:endParaRPr lang="en-US" sz="2000" dirty="0">
+              <a:rPr kumimoji="0" lang="pl-PL" sz="2000" b="0" i="0" u="none" strike="noStrike" kern="1200" cap="none" spc="0" normalizeH="0" baseline="0" noProof="0" dirty="0">
+                <a:ln>
+                  <a:noFill/>
+                </a:ln>
+                <a:solidFill>
+                  <a:prstClr val="white"/>
+                </a:solidFill>
+                <a:effectLst/>
+                <a:uLnTx/>
+                <a:uFillTx/>
+                <a:latin typeface="Calibri" panose="020F0502020204030204"/>
+                <a:ea typeface="+mn-ea"/>
+                <a:cs typeface="+mn-cs"/>
+              </a:rPr>
+              <a:t>lub </a:t>
+            </a:r>
+            <a:r>
+              <a:rPr kumimoji="0" lang="en-US" sz="2000" b="0" i="0" u="none" strike="noStrike" kern="1200" cap="none" spc="0" normalizeH="0" baseline="0" noProof="0" dirty="0" err="1">
+                <a:ln>
+                  <a:noFill/>
+                </a:ln>
+                <a:solidFill>
+                  <a:prstClr val="white"/>
+                </a:solidFill>
+                <a:effectLst/>
+                <a:uLnTx/>
+                <a:uFillTx/>
+                <a:latin typeface="Calibri" panose="020F0502020204030204"/>
+                <a:ea typeface="+mn-ea"/>
+                <a:cs typeface="+mn-cs"/>
+              </a:rPr>
+              <a:t>klawisz</a:t>
+            </a:r>
+            <a:r>
+              <a:rPr kumimoji="0" lang="pl-PL" sz="2000" b="0" i="0" u="none" strike="noStrike" kern="1200" cap="none" spc="0" normalizeH="0" baseline="0" noProof="0" dirty="0">
+                <a:ln>
+                  <a:noFill/>
+                </a:ln>
+                <a:solidFill>
+                  <a:prstClr val="white"/>
+                </a:solidFill>
+                <a:effectLst/>
+                <a:uLnTx/>
+                <a:uFillTx/>
+                <a:latin typeface="Calibri" panose="020F0502020204030204"/>
+                <a:ea typeface="+mn-ea"/>
+                <a:cs typeface="+mn-cs"/>
+              </a:rPr>
+              <a:t> „</a:t>
+            </a:r>
+            <a:r>
+              <a:rPr kumimoji="0" lang="en-US" sz="2000" b="0" i="0" u="none" strike="noStrike" kern="1200" cap="none" spc="0" normalizeH="0" baseline="0" noProof="0" dirty="0">
+                <a:ln>
+                  <a:noFill/>
+                </a:ln>
+                <a:solidFill>
+                  <a:prstClr val="white"/>
+                </a:solidFill>
+                <a:effectLst/>
+                <a:uLnTx/>
+                <a:uFillTx/>
+                <a:latin typeface="Calibri" panose="020F0502020204030204"/>
+                <a:ea typeface="+mn-ea"/>
+                <a:cs typeface="+mn-cs"/>
+              </a:rPr>
+              <a:t>D</a:t>
+            </a:r>
+            <a:r>
+              <a:rPr kumimoji="0" lang="pl-PL" sz="2000" b="0" i="0" u="none" strike="noStrike" kern="1200" cap="none" spc="0" normalizeH="0" baseline="0" noProof="0" dirty="0">
+                <a:ln>
+                  <a:noFill/>
+                </a:ln>
+                <a:solidFill>
+                  <a:prstClr val="white"/>
+                </a:solidFill>
+                <a:effectLst/>
+                <a:uLnTx/>
+                <a:uFillTx/>
+                <a:latin typeface="Calibri" panose="020F0502020204030204"/>
+                <a:ea typeface="+mn-ea"/>
+                <a:cs typeface="+mn-cs"/>
+              </a:rPr>
+              <a:t>”, aby cofnąć się do poprzedniego slajdu…</a:t>
+            </a:r>
+            <a:endParaRPr kumimoji="0" lang="en-US" sz="2000" b="0" i="0" u="none" strike="noStrike" kern="1200" cap="none" spc="0" normalizeH="0" baseline="0" noProof="0" dirty="0">
+              <a:ln>
+                <a:noFill/>
+              </a:ln>
               <a:solidFill>
-                <a:srgbClr val="FF0000"/>
+                <a:prstClr val="white"/>
               </a:solidFill>
-            </a:endParaRPr>
-          </a:p>
-        </p:txBody>
-      </p:sp>
-      <p:sp>
-        <p:nvSpPr>
-          <p:cNvPr id="7" name="Content Placeholder 2">
-            <a:extLst>
-              <a:ext uri="{FF2B5EF4-FFF2-40B4-BE49-F238E27FC236}">
-                <a16:creationId xmlns:a16="http://schemas.microsoft.com/office/drawing/2014/main" id="{02466EF3-302C-4960-8543-BE397448108A}"/>
-              </a:ext>
-            </a:extLst>
-          </p:cNvPr>
-          <p:cNvSpPr txBox="1">
-            <a:spLocks/>
-          </p:cNvSpPr>
-          <p:nvPr/>
-        </p:nvSpPr>
-        <p:spPr>
-          <a:xfrm>
-            <a:off x="1800727" y="3058661"/>
-            <a:ext cx="8590546" cy="740677"/>
-          </a:xfrm>
-          <a:prstGeom prst="rect">
-            <a:avLst/>
-          </a:prstGeom>
-        </p:spPr>
-        <p:txBody>
-          <a:bodyPr vert="horz" lIns="91440" tIns="45720" rIns="91440" bIns="45720" rtlCol="0">
-            <a:normAutofit lnSpcReduction="10000"/>
-          </a:bodyPr>
-          <a:lstStyle>
-            <a:lvl1pPr marL="228600" indent="-228600" algn="l" defTabSz="914400" rtl="0" eaLnBrk="1" latinLnBrk="0" hangingPunct="1">
-              <a:lnSpc>
-                <a:spcPct val="90000"/>
-              </a:lnSpc>
-              <a:spcBef>
-                <a:spcPts val="1000"/>
-              </a:spcBef>
-              <a:buFont typeface="Arial" panose="020B0604020202020204" pitchFamily="34" charset="0"/>
-              <a:buChar char="•"/>
-              <a:defRPr sz="2800" kern="1200">
-                <a:solidFill>
-                  <a:schemeClr val="tx1"/>
-                </a:solidFill>
-                <a:latin typeface="+mn-lt"/>
-                <a:ea typeface="+mn-ea"/>
-                <a:cs typeface="+mn-cs"/>
-              </a:defRPr>
-            </a:lvl1pPr>
-            <a:lvl2pPr marL="685800" indent="-228600" algn="l" defTabSz="914400" rtl="0" eaLnBrk="1" latinLnBrk="0" hangingPunct="1">
-              <a:lnSpc>
-                <a:spcPct val="90000"/>
-              </a:lnSpc>
-              <a:spcBef>
-                <a:spcPts val="500"/>
-              </a:spcBef>
-              <a:buFont typeface="Arial" panose="020B0604020202020204" pitchFamily="34" charset="0"/>
-              <a:buChar char="•"/>
-              <a:defRPr sz="2400" kern="1200">
-                <a:solidFill>
-                  <a:schemeClr val="tx1"/>
-                </a:solidFill>
-                <a:latin typeface="+mn-lt"/>
-                <a:ea typeface="+mn-ea"/>
-                <a:cs typeface="+mn-cs"/>
-              </a:defRPr>
-            </a:lvl2pPr>
-            <a:lvl3pPr marL="1143000" indent="-228600" algn="l" defTabSz="914400" rtl="0" eaLnBrk="1" latinLnBrk="0" hangingPunct="1">
-              <a:lnSpc>
-                <a:spcPct val="90000"/>
-              </a:lnSpc>
-              <a:spcBef>
-                <a:spcPts val="500"/>
-              </a:spcBef>
-              <a:buFont typeface="Arial" panose="020B0604020202020204" pitchFamily="34" charset="0"/>
-              <a:buChar char="•"/>
-              <a:defRPr sz="2000" kern="1200">
-                <a:solidFill>
-                  <a:schemeClr val="tx1"/>
-                </a:solidFill>
-                <a:latin typeface="+mn-lt"/>
-                <a:ea typeface="+mn-ea"/>
-                <a:cs typeface="+mn-cs"/>
-              </a:defRPr>
-            </a:lvl3pPr>
-            <a:lvl4pPr marL="1600200" indent="-228600" algn="l" defTabSz="914400" rtl="0" eaLnBrk="1" latinLnBrk="0" hangingPunct="1">
-              <a:lnSpc>
-                <a:spcPct val="90000"/>
-              </a:lnSpc>
-              <a:spcBef>
-                <a:spcPts val="500"/>
-              </a:spcBef>
-              <a:buFont typeface="Arial" panose="020B0604020202020204" pitchFamily="34" charset="0"/>
-              <a:buChar char="•"/>
-              <a:defRPr sz="1800" kern="1200">
-                <a:solidFill>
-                  <a:schemeClr val="tx1"/>
-                </a:solidFill>
-                <a:latin typeface="+mn-lt"/>
-                <a:ea typeface="+mn-ea"/>
-                <a:cs typeface="+mn-cs"/>
-              </a:defRPr>
-            </a:lvl4pPr>
-            <a:lvl5pPr marL="2057400" indent="-228600" algn="l" defTabSz="914400" rtl="0" eaLnBrk="1" latinLnBrk="0" hangingPunct="1">
-              <a:lnSpc>
-                <a:spcPct val="90000"/>
-              </a:lnSpc>
-              <a:spcBef>
-                <a:spcPts val="500"/>
-              </a:spcBef>
-              <a:buFont typeface="Arial" panose="020B0604020202020204" pitchFamily="34" charset="0"/>
-              <a:buChar char="•"/>
-              <a:defRPr sz="1800" kern="1200">
-                <a:solidFill>
-                  <a:schemeClr val="tx1"/>
-                </a:solidFill>
-                <a:latin typeface="+mn-lt"/>
-                <a:ea typeface="+mn-ea"/>
-                <a:cs typeface="+mn-cs"/>
-              </a:defRPr>
-            </a:lvl5pPr>
-            <a:lvl6pPr marL="2514600" indent="-228600" algn="l" defTabSz="914400" rtl="0" eaLnBrk="1" latinLnBrk="0" hangingPunct="1">
-              <a:lnSpc>
-                <a:spcPct val="90000"/>
-              </a:lnSpc>
-              <a:spcBef>
-                <a:spcPts val="500"/>
-              </a:spcBef>
-              <a:buFont typeface="Arial" panose="020B0604020202020204" pitchFamily="34" charset="0"/>
-              <a:buChar char="•"/>
-              <a:defRPr sz="1800" kern="1200">
-                <a:solidFill>
-                  <a:schemeClr val="tx1"/>
-                </a:solidFill>
-                <a:latin typeface="+mn-lt"/>
-                <a:ea typeface="+mn-ea"/>
-                <a:cs typeface="+mn-cs"/>
-              </a:defRPr>
-            </a:lvl6pPr>
-            <a:lvl7pPr marL="2971800" indent="-228600" algn="l" defTabSz="914400" rtl="0" eaLnBrk="1" latinLnBrk="0" hangingPunct="1">
-              <a:lnSpc>
-                <a:spcPct val="90000"/>
-              </a:lnSpc>
-              <a:spcBef>
-                <a:spcPts val="500"/>
-              </a:spcBef>
-              <a:buFont typeface="Arial" panose="020B0604020202020204" pitchFamily="34" charset="0"/>
-              <a:buChar char="•"/>
-              <a:defRPr sz="1800" kern="1200">
-                <a:solidFill>
-                  <a:schemeClr val="tx1"/>
-                </a:solidFill>
-                <a:latin typeface="+mn-lt"/>
-                <a:ea typeface="+mn-ea"/>
-                <a:cs typeface="+mn-cs"/>
-              </a:defRPr>
-            </a:lvl7pPr>
-            <a:lvl8pPr marL="3429000" indent="-228600" algn="l" defTabSz="914400" rtl="0" eaLnBrk="1" latinLnBrk="0" hangingPunct="1">
-              <a:lnSpc>
-                <a:spcPct val="90000"/>
-              </a:lnSpc>
-              <a:spcBef>
-                <a:spcPts val="500"/>
-              </a:spcBef>
-              <a:buFont typeface="Arial" panose="020B0604020202020204" pitchFamily="34" charset="0"/>
-              <a:buChar char="•"/>
-              <a:defRPr sz="1800" kern="1200">
-                <a:solidFill>
-                  <a:schemeClr val="tx1"/>
-                </a:solidFill>
-                <a:latin typeface="+mn-lt"/>
-                <a:ea typeface="+mn-ea"/>
-                <a:cs typeface="+mn-cs"/>
-              </a:defRPr>
-            </a:lvl8pPr>
-            <a:lvl9pPr marL="3886200" indent="-228600" algn="l" defTabSz="914400" rtl="0" eaLnBrk="1" latinLnBrk="0" hangingPunct="1">
-              <a:lnSpc>
-                <a:spcPct val="90000"/>
-              </a:lnSpc>
-              <a:spcBef>
-                <a:spcPts val="500"/>
-              </a:spcBef>
-              <a:buFont typeface="Arial" panose="020B0604020202020204" pitchFamily="34" charset="0"/>
-              <a:buChar char="•"/>
-              <a:defRPr sz="1800" kern="1200">
-                <a:solidFill>
-                  <a:schemeClr val="tx1"/>
-                </a:solidFill>
-                <a:latin typeface="+mn-lt"/>
-                <a:ea typeface="+mn-ea"/>
-                <a:cs typeface="+mn-cs"/>
-              </a:defRPr>
-            </a:lvl9pPr>
-          </a:lstStyle>
-          <a:p>
-            <a:pPr marL="0" indent="0" algn="ctr">
-              <a:buFont typeface="Arial" panose="020B0604020202020204" pitchFamily="34" charset="0"/>
-              <a:buNone/>
-            </a:pPr>
-            <a:r>
-              <a:rPr lang="pl-PL" sz="2400" dirty="0">
-                <a:solidFill>
-                  <a:schemeClr val="bg1"/>
-                </a:solidFill>
-              </a:rPr>
-              <a:t>Proszę</a:t>
-            </a:r>
-            <a:r>
-              <a:rPr lang="en-US" sz="2400" dirty="0">
-                <a:solidFill>
-                  <a:schemeClr val="bg1"/>
-                </a:solidFill>
-              </a:rPr>
-              <a:t> </a:t>
-            </a:r>
-            <a:r>
-              <a:rPr lang="en-US" sz="2400" dirty="0" err="1">
-                <a:solidFill>
-                  <a:schemeClr val="bg1"/>
-                </a:solidFill>
-              </a:rPr>
-              <a:t>teraz</a:t>
-            </a:r>
-            <a:r>
-              <a:rPr lang="pl-PL" sz="2400" dirty="0">
-                <a:solidFill>
-                  <a:schemeClr val="bg1"/>
-                </a:solidFill>
-              </a:rPr>
-              <a:t> położyć palec wskazujący lewej ręki na klawiszu „D” na klawiaturze, a prawej ręki na klawiszu „L”.</a:t>
-            </a:r>
-            <a:endParaRPr lang="en-US" sz="2400" dirty="0">
-              <a:solidFill>
-                <a:schemeClr val="bg1"/>
-              </a:solidFill>
+              <a:effectLst/>
+              <a:uLnTx/>
+              <a:uFillTx/>
+              <a:latin typeface="Calibri" panose="020F0502020204030204"/>
+              <a:ea typeface="+mn-ea"/>
+              <a:cs typeface="+mn-cs"/>
             </a:endParaRPr>
           </a:p>
         </p:txBody>
@@ -10372,7 +11319,7 @@
     </p:spTree>
     <p:extLst>
       <p:ext uri="{BB962C8B-B14F-4D97-AF65-F5344CB8AC3E}">
-        <p14:creationId xmlns:p14="http://schemas.microsoft.com/office/powerpoint/2010/main" val="4220115985"/>
+        <p14:creationId xmlns:p14="http://schemas.microsoft.com/office/powerpoint/2010/main" val="2035428680"/>
       </p:ext>
     </p:extLst>
   </p:cSld>
@@ -10383,98 +11330,6 @@
 </file>
 
 <file path=ppt/slides/slide18.xml><?xml version="1.0" encoding="utf-8"?>
-<p:sld xmlns:a="http://schemas.openxmlformats.org/drawingml/2006/main" xmlns:r="http://schemas.openxmlformats.org/officeDocument/2006/relationships" xmlns:p="http://schemas.openxmlformats.org/presentationml/2006/main">
-  <p:cSld>
-    <p:spTree>
-      <p:nvGrpSpPr>
-        <p:cNvPr id="1" name=""/>
-        <p:cNvGrpSpPr/>
-        <p:nvPr/>
-      </p:nvGrpSpPr>
-      <p:grpSpPr>
-        <a:xfrm>
-          <a:off x="0" y="0"/>
-          <a:ext cx="0" cy="0"/>
-          <a:chOff x="0" y="0"/>
-          <a:chExt cx="0" cy="0"/>
-        </a:xfrm>
-      </p:grpSpPr>
-      <p:sp>
-        <p:nvSpPr>
-          <p:cNvPr id="2" name="Title 1">
-            <a:extLst>
-              <a:ext uri="{FF2B5EF4-FFF2-40B4-BE49-F238E27FC236}">
-                <a16:creationId xmlns:a16="http://schemas.microsoft.com/office/drawing/2014/main" id="{E497033F-4B7C-43D5-8BCB-CEF91A534120}"/>
-              </a:ext>
-            </a:extLst>
-          </p:cNvPr>
-          <p:cNvSpPr>
-            <a:spLocks noGrp="1"/>
-          </p:cNvSpPr>
-          <p:nvPr>
-            <p:ph type="title"/>
-          </p:nvPr>
-        </p:nvSpPr>
-        <p:spPr/>
-        <p:txBody>
-          <a:bodyPr/>
-          <a:lstStyle/>
-          <a:p>
-            <a:r>
-              <a:rPr lang="pl-PL" dirty="0"/>
-              <a:t>Slajdy wewnątrz </a:t>
-            </a:r>
-            <a:r>
-              <a:rPr lang="pl-PL" dirty="0" err="1"/>
-              <a:t>triali</a:t>
-            </a:r>
-            <a:r>
-              <a:rPr lang="pl-PL" dirty="0"/>
-              <a:t> (końce bloków)</a:t>
-            </a:r>
-            <a:endParaRPr lang="en-US" dirty="0"/>
-          </a:p>
-        </p:txBody>
-      </p:sp>
-      <p:sp>
-        <p:nvSpPr>
-          <p:cNvPr id="3" name="Content Placeholder 2">
-            <a:extLst>
-              <a:ext uri="{FF2B5EF4-FFF2-40B4-BE49-F238E27FC236}">
-                <a16:creationId xmlns:a16="http://schemas.microsoft.com/office/drawing/2014/main" id="{4442F038-6072-4A5A-BA30-02286A83305C}"/>
-              </a:ext>
-            </a:extLst>
-          </p:cNvPr>
-          <p:cNvSpPr>
-            <a:spLocks noGrp="1"/>
-          </p:cNvSpPr>
-          <p:nvPr>
-            <p:ph idx="1"/>
-          </p:nvPr>
-        </p:nvSpPr>
-        <p:spPr/>
-        <p:txBody>
-          <a:bodyPr/>
-          <a:lstStyle/>
-          <a:p>
-            <a:endParaRPr lang="en-US"/>
-          </a:p>
-        </p:txBody>
-      </p:sp>
-    </p:spTree>
-    <p:extLst>
-      <p:ext uri="{BB962C8B-B14F-4D97-AF65-F5344CB8AC3E}">
-        <p14:creationId xmlns:p14="http://schemas.microsoft.com/office/powerpoint/2010/main" val="314155207"/>
-      </p:ext>
-    </p:extLst>
-  </p:cSld>
-  <p:clrMapOvr>
-    <a:masterClrMapping/>
-  </p:clrMapOvr>
-</p:sld>
-</file>
-
-<file path=ppt/slides/slide19.xml><?xml version="1.0" encoding="utf-8"?>
 <p:sld xmlns:a="http://schemas.openxmlformats.org/drawingml/2006/main" xmlns:r="http://schemas.openxmlformats.org/officeDocument/2006/relationships" xmlns:p="http://schemas.openxmlformats.org/presentationml/2006/main">
   <p:cSld>
     <p:bg>
@@ -10524,7 +11379,7 @@
         </p:spPr>
         <p:txBody>
           <a:bodyPr vert="horz" lIns="91440" tIns="45720" rIns="91440" bIns="45720" rtlCol="0">
-            <a:normAutofit/>
+            <a:normAutofit lnSpcReduction="10000"/>
           </a:bodyPr>
           <a:lstStyle>
             <a:lvl1pPr marL="228600" indent="-228600" algn="l" defTabSz="914400" rtl="0" eaLnBrk="1" latinLnBrk="0" hangingPunct="1">
@@ -10698,11 +11553,30 @@
             <a:r>
               <a:rPr lang="pl-PL" sz="2000" dirty="0">
                 <a:solidFill>
-                  <a:schemeClr val="bg1"/>
-                </a:solidFill>
-              </a:rPr>
-              <a:t>Proszę nacisnąć „L”, aby kontynuować…</a:t>
-            </a:r>
+                  <a:srgbClr val="FF0000"/>
+                </a:solidFill>
+              </a:rPr>
+              <a:t>Proszę nacisnąć „L”, aby ROZPOCZĄĆ EKSPERYMENT…</a:t>
+            </a:r>
+          </a:p>
+          <a:p>
+            <a:pPr marL="0" indent="0" algn="ctr">
+              <a:buFont typeface="Arial" panose="020B0604020202020204" pitchFamily="34" charset="0"/>
+              <a:buNone/>
+            </a:pPr>
+            <a:r>
+              <a:rPr lang="pl-PL" sz="2000" dirty="0">
+                <a:solidFill>
+                  <a:srgbClr val="FF0000"/>
+                </a:solidFill>
+              </a:rPr>
+              <a:t>lub „D”, aby cofnąć się do poprzedniego slajdu…</a:t>
+            </a:r>
+            <a:endParaRPr lang="en-US" sz="2000" dirty="0">
+              <a:solidFill>
+                <a:srgbClr val="FF0000"/>
+              </a:solidFill>
+            </a:endParaRPr>
           </a:p>
         </p:txBody>
       </p:sp>
@@ -10722,7 +11596,7 @@
         </p:nvSpPr>
         <p:spPr>
           <a:xfrm>
-            <a:off x="1800723" y="1408634"/>
+            <a:off x="1800727" y="3058661"/>
             <a:ext cx="8590546" cy="740677"/>
           </a:xfrm>
           <a:prstGeom prst="rect">
@@ -10731,7 +11605,7 @@
         </p:spPr>
         <p:txBody>
           <a:bodyPr vert="horz" lIns="91440" tIns="45720" rIns="91440" bIns="45720" rtlCol="0">
-            <a:normAutofit/>
+            <a:normAutofit lnSpcReduction="10000"/>
           </a:bodyPr>
           <a:lstStyle>
             <a:lvl1pPr marL="228600" indent="-228600" algn="l" defTabSz="914400" rtl="0" eaLnBrk="1" latinLnBrk="0" hangingPunct="1">
@@ -10908,7 +11782,23 @@
                   <a:schemeClr val="bg1"/>
                 </a:solidFill>
               </a:rPr>
-              <a:t>Dziękujemy!</a:t>
+              <a:t>Proszę</a:t>
+            </a:r>
+            <a:r>
+              <a:rPr lang="en-US" sz="2400" dirty="0">
+                <a:solidFill>
+                  <a:schemeClr val="bg1"/>
+                </a:solidFill>
+              </a:rPr>
+              <a:t> </a:t>
+            </a:r>
+            <a:r>
+              <a:rPr lang="pl-PL" sz="2400" dirty="0">
+                <a:solidFill>
+                  <a:schemeClr val="bg1"/>
+                </a:solidFill>
+              </a:rPr>
+              <a:t>teraz położyć palec wskazujący lewej ręki na klawiszu „D” na klawiaturze, a prawej ręki na klawiszu „L”.</a:t>
             </a:r>
             <a:endParaRPr lang="en-US" sz="2400" dirty="0">
               <a:solidFill>
@@ -10918,262 +11808,102 @@
           </a:p>
         </p:txBody>
       </p:sp>
+    </p:spTree>
+    <p:extLst>
+      <p:ext uri="{BB962C8B-B14F-4D97-AF65-F5344CB8AC3E}">
+        <p14:creationId xmlns:p14="http://schemas.microsoft.com/office/powerpoint/2010/main" val="4220115985"/>
+      </p:ext>
+    </p:extLst>
+  </p:cSld>
+  <p:clrMapOvr>
+    <a:masterClrMapping/>
+  </p:clrMapOvr>
+</p:sld>
+</file>
+
+<file path=ppt/slides/slide19.xml><?xml version="1.0" encoding="utf-8"?>
+<p:sld xmlns:a="http://schemas.openxmlformats.org/drawingml/2006/main" xmlns:r="http://schemas.openxmlformats.org/officeDocument/2006/relationships" xmlns:p="http://schemas.openxmlformats.org/presentationml/2006/main">
+  <p:cSld>
+    <p:spTree>
+      <p:nvGrpSpPr>
+        <p:cNvPr id="1" name=""/>
+        <p:cNvGrpSpPr/>
+        <p:nvPr/>
+      </p:nvGrpSpPr>
+      <p:grpSpPr>
+        <a:xfrm>
+          <a:off x="0" y="0"/>
+          <a:ext cx="0" cy="0"/>
+          <a:chOff x="0" y="0"/>
+          <a:chExt cx="0" cy="0"/>
+        </a:xfrm>
+      </p:grpSpPr>
       <p:sp>
         <p:nvSpPr>
-          <p:cNvPr id="9" name="Content Placeholder 2">
+          <p:cNvPr id="2" name="Title 1">
             <a:extLst>
               <a:ext uri="{FF2B5EF4-FFF2-40B4-BE49-F238E27FC236}">
-                <a16:creationId xmlns:a16="http://schemas.microsoft.com/office/drawing/2014/main" id="{6AE46264-68D9-4CE3-A51C-8EC1E628ABC6}"/>
+                <a16:creationId xmlns:a16="http://schemas.microsoft.com/office/drawing/2014/main" id="{E497033F-4B7C-43D5-8BCB-CEF91A534120}"/>
               </a:ext>
             </a:extLst>
           </p:cNvPr>
-          <p:cNvSpPr txBox="1">
-            <a:spLocks/>
+          <p:cNvSpPr>
+            <a:spLocks noGrp="1"/>
           </p:cNvSpPr>
-          <p:nvPr/>
+          <p:nvPr>
+            <p:ph type="title"/>
+          </p:nvPr>
         </p:nvSpPr>
-        <p:spPr>
-          <a:xfrm>
-            <a:off x="3031459" y="2476476"/>
-            <a:ext cx="6129074" cy="1078624"/>
-          </a:xfrm>
-          <a:prstGeom prst="rect">
-            <a:avLst/>
-          </a:prstGeom>
-        </p:spPr>
+        <p:spPr/>
         <p:txBody>
-          <a:bodyPr vert="horz" lIns="91440" tIns="45720" rIns="91440" bIns="45720" rtlCol="0">
-            <a:normAutofit/>
-          </a:bodyPr>
-          <a:lstStyle>
-            <a:lvl1pPr marL="228600" indent="-228600" algn="l" defTabSz="914400" rtl="0" eaLnBrk="1" latinLnBrk="0" hangingPunct="1">
-              <a:lnSpc>
-                <a:spcPct val="90000"/>
-              </a:lnSpc>
-              <a:spcBef>
-                <a:spcPts val="1000"/>
-              </a:spcBef>
-              <a:buFont typeface="Arial" panose="020B0604020202020204" pitchFamily="34" charset="0"/>
-              <a:buChar char="•"/>
-              <a:defRPr sz="2800" kern="1200">
-                <a:solidFill>
-                  <a:schemeClr val="tx1"/>
-                </a:solidFill>
-                <a:latin typeface="+mn-lt"/>
-                <a:ea typeface="+mn-ea"/>
-                <a:cs typeface="+mn-cs"/>
-              </a:defRPr>
-            </a:lvl1pPr>
-            <a:lvl2pPr marL="685800" indent="-228600" algn="l" defTabSz="914400" rtl="0" eaLnBrk="1" latinLnBrk="0" hangingPunct="1">
-              <a:lnSpc>
-                <a:spcPct val="90000"/>
-              </a:lnSpc>
-              <a:spcBef>
-                <a:spcPts val="500"/>
-              </a:spcBef>
-              <a:buFont typeface="Arial" panose="020B0604020202020204" pitchFamily="34" charset="0"/>
-              <a:buChar char="•"/>
-              <a:defRPr sz="2400" kern="1200">
-                <a:solidFill>
-                  <a:schemeClr val="tx1"/>
-                </a:solidFill>
-                <a:latin typeface="+mn-lt"/>
-                <a:ea typeface="+mn-ea"/>
-                <a:cs typeface="+mn-cs"/>
-              </a:defRPr>
-            </a:lvl2pPr>
-            <a:lvl3pPr marL="1143000" indent="-228600" algn="l" defTabSz="914400" rtl="0" eaLnBrk="1" latinLnBrk="0" hangingPunct="1">
-              <a:lnSpc>
-                <a:spcPct val="90000"/>
-              </a:lnSpc>
-              <a:spcBef>
-                <a:spcPts val="500"/>
-              </a:spcBef>
-              <a:buFont typeface="Arial" panose="020B0604020202020204" pitchFamily="34" charset="0"/>
-              <a:buChar char="•"/>
-              <a:defRPr sz="2000" kern="1200">
-                <a:solidFill>
-                  <a:schemeClr val="tx1"/>
-                </a:solidFill>
-                <a:latin typeface="+mn-lt"/>
-                <a:ea typeface="+mn-ea"/>
-                <a:cs typeface="+mn-cs"/>
-              </a:defRPr>
-            </a:lvl3pPr>
-            <a:lvl4pPr marL="1600200" indent="-228600" algn="l" defTabSz="914400" rtl="0" eaLnBrk="1" latinLnBrk="0" hangingPunct="1">
-              <a:lnSpc>
-                <a:spcPct val="90000"/>
-              </a:lnSpc>
-              <a:spcBef>
-                <a:spcPts val="500"/>
-              </a:spcBef>
-              <a:buFont typeface="Arial" panose="020B0604020202020204" pitchFamily="34" charset="0"/>
-              <a:buChar char="•"/>
-              <a:defRPr sz="1800" kern="1200">
-                <a:solidFill>
-                  <a:schemeClr val="tx1"/>
-                </a:solidFill>
-                <a:latin typeface="+mn-lt"/>
-                <a:ea typeface="+mn-ea"/>
-                <a:cs typeface="+mn-cs"/>
-              </a:defRPr>
-            </a:lvl4pPr>
-            <a:lvl5pPr marL="2057400" indent="-228600" algn="l" defTabSz="914400" rtl="0" eaLnBrk="1" latinLnBrk="0" hangingPunct="1">
-              <a:lnSpc>
-                <a:spcPct val="90000"/>
-              </a:lnSpc>
-              <a:spcBef>
-                <a:spcPts val="500"/>
-              </a:spcBef>
-              <a:buFont typeface="Arial" panose="020B0604020202020204" pitchFamily="34" charset="0"/>
-              <a:buChar char="•"/>
-              <a:defRPr sz="1800" kern="1200">
-                <a:solidFill>
-                  <a:schemeClr val="tx1"/>
-                </a:solidFill>
-                <a:latin typeface="+mn-lt"/>
-                <a:ea typeface="+mn-ea"/>
-                <a:cs typeface="+mn-cs"/>
-              </a:defRPr>
-            </a:lvl5pPr>
-            <a:lvl6pPr marL="2514600" indent="-228600" algn="l" defTabSz="914400" rtl="0" eaLnBrk="1" latinLnBrk="0" hangingPunct="1">
-              <a:lnSpc>
-                <a:spcPct val="90000"/>
-              </a:lnSpc>
-              <a:spcBef>
-                <a:spcPts val="500"/>
-              </a:spcBef>
-              <a:buFont typeface="Arial" panose="020B0604020202020204" pitchFamily="34" charset="0"/>
-              <a:buChar char="•"/>
-              <a:defRPr sz="1800" kern="1200">
-                <a:solidFill>
-                  <a:schemeClr val="tx1"/>
-                </a:solidFill>
-                <a:latin typeface="+mn-lt"/>
-                <a:ea typeface="+mn-ea"/>
-                <a:cs typeface="+mn-cs"/>
-              </a:defRPr>
-            </a:lvl6pPr>
-            <a:lvl7pPr marL="2971800" indent="-228600" algn="l" defTabSz="914400" rtl="0" eaLnBrk="1" latinLnBrk="0" hangingPunct="1">
-              <a:lnSpc>
-                <a:spcPct val="90000"/>
-              </a:lnSpc>
-              <a:spcBef>
-                <a:spcPts val="500"/>
-              </a:spcBef>
-              <a:buFont typeface="Arial" panose="020B0604020202020204" pitchFamily="34" charset="0"/>
-              <a:buChar char="•"/>
-              <a:defRPr sz="1800" kern="1200">
-                <a:solidFill>
-                  <a:schemeClr val="tx1"/>
-                </a:solidFill>
-                <a:latin typeface="+mn-lt"/>
-                <a:ea typeface="+mn-ea"/>
-                <a:cs typeface="+mn-cs"/>
-              </a:defRPr>
-            </a:lvl7pPr>
-            <a:lvl8pPr marL="3429000" indent="-228600" algn="l" defTabSz="914400" rtl="0" eaLnBrk="1" latinLnBrk="0" hangingPunct="1">
-              <a:lnSpc>
-                <a:spcPct val="90000"/>
-              </a:lnSpc>
-              <a:spcBef>
-                <a:spcPts val="500"/>
-              </a:spcBef>
-              <a:buFont typeface="Arial" panose="020B0604020202020204" pitchFamily="34" charset="0"/>
-              <a:buChar char="•"/>
-              <a:defRPr sz="1800" kern="1200">
-                <a:solidFill>
-                  <a:schemeClr val="tx1"/>
-                </a:solidFill>
-                <a:latin typeface="+mn-lt"/>
-                <a:ea typeface="+mn-ea"/>
-                <a:cs typeface="+mn-cs"/>
-              </a:defRPr>
-            </a:lvl8pPr>
-            <a:lvl9pPr marL="3886200" indent="-228600" algn="l" defTabSz="914400" rtl="0" eaLnBrk="1" latinLnBrk="0" hangingPunct="1">
-              <a:lnSpc>
-                <a:spcPct val="90000"/>
-              </a:lnSpc>
-              <a:spcBef>
-                <a:spcPts val="500"/>
-              </a:spcBef>
-              <a:buFont typeface="Arial" panose="020B0604020202020204" pitchFamily="34" charset="0"/>
-              <a:buChar char="•"/>
-              <a:defRPr sz="1800" kern="1200">
-                <a:solidFill>
-                  <a:schemeClr val="tx1"/>
-                </a:solidFill>
-                <a:latin typeface="+mn-lt"/>
-                <a:ea typeface="+mn-ea"/>
-                <a:cs typeface="+mn-cs"/>
-              </a:defRPr>
-            </a:lvl9pPr>
-          </a:lstStyle>
+          <a:bodyPr/>
+          <a:lstStyle/>
           <a:p>
-            <a:pPr marL="0" indent="0" algn="ctr">
-              <a:buNone/>
-            </a:pPr>
-            <a:r>
-              <a:rPr lang="pl-PL" sz="2400" dirty="0">
-                <a:solidFill>
-                  <a:schemeClr val="bg1"/>
-                </a:solidFill>
-              </a:rPr>
-              <a:t>To koniec jednego z czterech bloków eksperymentu. Zaraz zacznie się kolejny. </a:t>
-            </a:r>
-            <a:endParaRPr lang="en-US" sz="2400" dirty="0">
-              <a:solidFill>
-                <a:schemeClr val="bg1"/>
-              </a:solidFill>
-            </a:endParaRPr>
+            <a:r>
+              <a:rPr lang="pl-PL" dirty="0"/>
+              <a:t>Slajdy wewnątrz </a:t>
+            </a:r>
+            <a:r>
+              <a:rPr lang="pl-PL" dirty="0" err="1"/>
+              <a:t>triali</a:t>
+            </a:r>
+            <a:r>
+              <a:rPr lang="pl-PL" dirty="0"/>
+              <a:t> (końce bloków)</a:t>
+            </a:r>
+            <a:endParaRPr lang="en-US" dirty="0"/>
           </a:p>
         </p:txBody>
       </p:sp>
       <p:sp>
         <p:nvSpPr>
-          <p:cNvPr id="2" name="TextBox 1">
+          <p:cNvPr id="3" name="Content Placeholder 2">
             <a:extLst>
               <a:ext uri="{FF2B5EF4-FFF2-40B4-BE49-F238E27FC236}">
-                <a16:creationId xmlns:a16="http://schemas.microsoft.com/office/drawing/2014/main" id="{53F3EEE2-45E7-4906-9DD3-0CFC053FF6C8}"/>
+                <a16:creationId xmlns:a16="http://schemas.microsoft.com/office/drawing/2014/main" id="{4442F038-6072-4A5A-BA30-02286A83305C}"/>
               </a:ext>
             </a:extLst>
           </p:cNvPr>
-          <p:cNvSpPr txBox="1"/>
-          <p:nvPr/>
+          <p:cNvSpPr>
+            <a:spLocks noGrp="1"/>
+          </p:cNvSpPr>
+          <p:nvPr>
+            <p:ph idx="1"/>
+          </p:nvPr>
         </p:nvSpPr>
-        <p:spPr>
-          <a:xfrm>
-            <a:off x="2068354" y="4017177"/>
-            <a:ext cx="8055284" cy="954107"/>
-          </a:xfrm>
-          <a:prstGeom prst="rect">
-            <a:avLst/>
-          </a:prstGeom>
-          <a:noFill/>
-        </p:spPr>
+        <p:spPr/>
         <p:txBody>
-          <a:bodyPr wrap="square" rtlCol="0">
-            <a:spAutoFit/>
-          </a:bodyPr>
+          <a:bodyPr/>
           <a:lstStyle/>
           <a:p>
-            <a:pPr algn="ctr"/>
-            <a:r>
-              <a:rPr lang="pl-PL" sz="2800" dirty="0">
-                <a:solidFill>
-                  <a:schemeClr val="bg1"/>
-                </a:solidFill>
-              </a:rPr>
-              <a:t>Uwaga! Teraz rozkład kolorów zmieni się, i trzeba będzie na nowo przypisać do niego poczucie kontroli.</a:t>
-            </a:r>
-            <a:endParaRPr lang="en-US" sz="2800" dirty="0"/>
+            <a:endParaRPr lang="en-US"/>
           </a:p>
         </p:txBody>
       </p:sp>
     </p:spTree>
     <p:extLst>
       <p:ext uri="{BB962C8B-B14F-4D97-AF65-F5344CB8AC3E}">
-        <p14:creationId xmlns:p14="http://schemas.microsoft.com/office/powerpoint/2010/main" val="73397376"/>
+        <p14:creationId xmlns:p14="http://schemas.microsoft.com/office/powerpoint/2010/main" val="314155207"/>
       </p:ext>
     </p:extLst>
   </p:cSld>
@@ -11317,7 +12047,7 @@
         </p:spPr>
         <p:txBody>
           <a:bodyPr vert="horz" lIns="91440" tIns="45720" rIns="91440" bIns="45720" rtlCol="0">
-            <a:normAutofit lnSpcReduction="10000"/>
+            <a:normAutofit/>
           </a:bodyPr>
           <a:lstStyle>
             <a:lvl1pPr marL="228600" indent="-228600" algn="l" defTabSz="914400" rtl="0" eaLnBrk="1" latinLnBrk="0" hangingPunct="1">
@@ -11491,30 +12221,11 @@
             <a:r>
               <a:rPr lang="pl-PL" sz="2000" dirty="0">
                 <a:solidFill>
-                  <a:srgbClr val="FF0000"/>
-                </a:solidFill>
-              </a:rPr>
-              <a:t>Proszę nacisnąć „L”, aby ROZPOCZĄĆ KOLEJNY BLOK…</a:t>
-            </a:r>
-          </a:p>
-          <a:p>
-            <a:pPr marL="0" indent="0" algn="ctr">
-              <a:buFont typeface="Arial" panose="020B0604020202020204" pitchFamily="34" charset="0"/>
-              <a:buNone/>
-            </a:pPr>
-            <a:r>
-              <a:rPr lang="pl-PL" sz="2000" dirty="0">
-                <a:solidFill>
-                  <a:srgbClr val="FF0000"/>
-                </a:solidFill>
-              </a:rPr>
-              <a:t>lub „D”, aby cofnąć się do poprzedniego slajdu…</a:t>
-            </a:r>
-            <a:endParaRPr lang="en-US" sz="2000" dirty="0">
-              <a:solidFill>
-                <a:srgbClr val="FF0000"/>
-              </a:solidFill>
-            </a:endParaRPr>
+                  <a:schemeClr val="bg1"/>
+                </a:solidFill>
+              </a:rPr>
+              <a:t>Proszę nacisnąć „L”, aby kontynuować…</a:t>
+            </a:r>
           </a:p>
         </p:txBody>
       </p:sp>
@@ -11534,7 +12245,7 @@
         </p:nvSpPr>
         <p:spPr>
           <a:xfrm>
-            <a:off x="1800727" y="3058661"/>
+            <a:off x="1800723" y="1408634"/>
             <a:ext cx="8590546" cy="740677"/>
           </a:xfrm>
           <a:prstGeom prst="rect">
@@ -11543,7 +12254,7 @@
         </p:spPr>
         <p:txBody>
           <a:bodyPr vert="horz" lIns="91440" tIns="45720" rIns="91440" bIns="45720" rtlCol="0">
-            <a:normAutofit lnSpcReduction="10000"/>
+            <a:normAutofit/>
           </a:bodyPr>
           <a:lstStyle>
             <a:lvl1pPr marL="228600" indent="-228600" algn="l" defTabSz="914400" rtl="0" eaLnBrk="1" latinLnBrk="0" hangingPunct="1">
@@ -11720,31 +12431,7 @@
                   <a:schemeClr val="bg1"/>
                 </a:solidFill>
               </a:rPr>
-              <a:t>Proszę</a:t>
-            </a:r>
-            <a:r>
-              <a:rPr lang="en-US" sz="2400" dirty="0">
-                <a:solidFill>
-                  <a:schemeClr val="bg1"/>
-                </a:solidFill>
-              </a:rPr>
-              <a:t> </a:t>
-            </a:r>
-            <a:r>
-              <a:rPr lang="en-US" sz="2400" dirty="0" err="1">
-                <a:solidFill>
-                  <a:schemeClr val="bg1"/>
-                </a:solidFill>
-              </a:rPr>
-              <a:t>teraz</a:t>
-            </a:r>
-            <a:r>
-              <a:rPr lang="pl-PL" sz="2400" dirty="0">
-                <a:solidFill>
-                  <a:schemeClr val="bg1"/>
-                </a:solidFill>
-              </a:rPr>
-              <a:t> położyć palec wskazujący lewej ręki na klawiszu „D” na klawiaturze, a prawej ręki na klawiszu „L”.</a:t>
+              <a:t>Dziękujemy!</a:t>
             </a:r>
             <a:endParaRPr lang="en-US" sz="2400" dirty="0">
               <a:solidFill>
@@ -11754,10 +12441,262 @@
           </a:p>
         </p:txBody>
       </p:sp>
+      <p:sp>
+        <p:nvSpPr>
+          <p:cNvPr id="9" name="Content Placeholder 2">
+            <a:extLst>
+              <a:ext uri="{FF2B5EF4-FFF2-40B4-BE49-F238E27FC236}">
+                <a16:creationId xmlns:a16="http://schemas.microsoft.com/office/drawing/2014/main" id="{6AE46264-68D9-4CE3-A51C-8EC1E628ABC6}"/>
+              </a:ext>
+            </a:extLst>
+          </p:cNvPr>
+          <p:cNvSpPr txBox="1">
+            <a:spLocks/>
+          </p:cNvSpPr>
+          <p:nvPr/>
+        </p:nvSpPr>
+        <p:spPr>
+          <a:xfrm>
+            <a:off x="3031459" y="2476476"/>
+            <a:ext cx="6129074" cy="1078624"/>
+          </a:xfrm>
+          <a:prstGeom prst="rect">
+            <a:avLst/>
+          </a:prstGeom>
+        </p:spPr>
+        <p:txBody>
+          <a:bodyPr vert="horz" lIns="91440" tIns="45720" rIns="91440" bIns="45720" rtlCol="0">
+            <a:normAutofit/>
+          </a:bodyPr>
+          <a:lstStyle>
+            <a:lvl1pPr marL="228600" indent="-228600" algn="l" defTabSz="914400" rtl="0" eaLnBrk="1" latinLnBrk="0" hangingPunct="1">
+              <a:lnSpc>
+                <a:spcPct val="90000"/>
+              </a:lnSpc>
+              <a:spcBef>
+                <a:spcPts val="1000"/>
+              </a:spcBef>
+              <a:buFont typeface="Arial" panose="020B0604020202020204" pitchFamily="34" charset="0"/>
+              <a:buChar char="•"/>
+              <a:defRPr sz="2800" kern="1200">
+                <a:solidFill>
+                  <a:schemeClr val="tx1"/>
+                </a:solidFill>
+                <a:latin typeface="+mn-lt"/>
+                <a:ea typeface="+mn-ea"/>
+                <a:cs typeface="+mn-cs"/>
+              </a:defRPr>
+            </a:lvl1pPr>
+            <a:lvl2pPr marL="685800" indent="-228600" algn="l" defTabSz="914400" rtl="0" eaLnBrk="1" latinLnBrk="0" hangingPunct="1">
+              <a:lnSpc>
+                <a:spcPct val="90000"/>
+              </a:lnSpc>
+              <a:spcBef>
+                <a:spcPts val="500"/>
+              </a:spcBef>
+              <a:buFont typeface="Arial" panose="020B0604020202020204" pitchFamily="34" charset="0"/>
+              <a:buChar char="•"/>
+              <a:defRPr sz="2400" kern="1200">
+                <a:solidFill>
+                  <a:schemeClr val="tx1"/>
+                </a:solidFill>
+                <a:latin typeface="+mn-lt"/>
+                <a:ea typeface="+mn-ea"/>
+                <a:cs typeface="+mn-cs"/>
+              </a:defRPr>
+            </a:lvl2pPr>
+            <a:lvl3pPr marL="1143000" indent="-228600" algn="l" defTabSz="914400" rtl="0" eaLnBrk="1" latinLnBrk="0" hangingPunct="1">
+              <a:lnSpc>
+                <a:spcPct val="90000"/>
+              </a:lnSpc>
+              <a:spcBef>
+                <a:spcPts val="500"/>
+              </a:spcBef>
+              <a:buFont typeface="Arial" panose="020B0604020202020204" pitchFamily="34" charset="0"/>
+              <a:buChar char="•"/>
+              <a:defRPr sz="2000" kern="1200">
+                <a:solidFill>
+                  <a:schemeClr val="tx1"/>
+                </a:solidFill>
+                <a:latin typeface="+mn-lt"/>
+                <a:ea typeface="+mn-ea"/>
+                <a:cs typeface="+mn-cs"/>
+              </a:defRPr>
+            </a:lvl3pPr>
+            <a:lvl4pPr marL="1600200" indent="-228600" algn="l" defTabSz="914400" rtl="0" eaLnBrk="1" latinLnBrk="0" hangingPunct="1">
+              <a:lnSpc>
+                <a:spcPct val="90000"/>
+              </a:lnSpc>
+              <a:spcBef>
+                <a:spcPts val="500"/>
+              </a:spcBef>
+              <a:buFont typeface="Arial" panose="020B0604020202020204" pitchFamily="34" charset="0"/>
+              <a:buChar char="•"/>
+              <a:defRPr sz="1800" kern="1200">
+                <a:solidFill>
+                  <a:schemeClr val="tx1"/>
+                </a:solidFill>
+                <a:latin typeface="+mn-lt"/>
+                <a:ea typeface="+mn-ea"/>
+                <a:cs typeface="+mn-cs"/>
+              </a:defRPr>
+            </a:lvl4pPr>
+            <a:lvl5pPr marL="2057400" indent="-228600" algn="l" defTabSz="914400" rtl="0" eaLnBrk="1" latinLnBrk="0" hangingPunct="1">
+              <a:lnSpc>
+                <a:spcPct val="90000"/>
+              </a:lnSpc>
+              <a:spcBef>
+                <a:spcPts val="500"/>
+              </a:spcBef>
+              <a:buFont typeface="Arial" panose="020B0604020202020204" pitchFamily="34" charset="0"/>
+              <a:buChar char="•"/>
+              <a:defRPr sz="1800" kern="1200">
+                <a:solidFill>
+                  <a:schemeClr val="tx1"/>
+                </a:solidFill>
+                <a:latin typeface="+mn-lt"/>
+                <a:ea typeface="+mn-ea"/>
+                <a:cs typeface="+mn-cs"/>
+              </a:defRPr>
+            </a:lvl5pPr>
+            <a:lvl6pPr marL="2514600" indent="-228600" algn="l" defTabSz="914400" rtl="0" eaLnBrk="1" latinLnBrk="0" hangingPunct="1">
+              <a:lnSpc>
+                <a:spcPct val="90000"/>
+              </a:lnSpc>
+              <a:spcBef>
+                <a:spcPts val="500"/>
+              </a:spcBef>
+              <a:buFont typeface="Arial" panose="020B0604020202020204" pitchFamily="34" charset="0"/>
+              <a:buChar char="•"/>
+              <a:defRPr sz="1800" kern="1200">
+                <a:solidFill>
+                  <a:schemeClr val="tx1"/>
+                </a:solidFill>
+                <a:latin typeface="+mn-lt"/>
+                <a:ea typeface="+mn-ea"/>
+                <a:cs typeface="+mn-cs"/>
+              </a:defRPr>
+            </a:lvl6pPr>
+            <a:lvl7pPr marL="2971800" indent="-228600" algn="l" defTabSz="914400" rtl="0" eaLnBrk="1" latinLnBrk="0" hangingPunct="1">
+              <a:lnSpc>
+                <a:spcPct val="90000"/>
+              </a:lnSpc>
+              <a:spcBef>
+                <a:spcPts val="500"/>
+              </a:spcBef>
+              <a:buFont typeface="Arial" panose="020B0604020202020204" pitchFamily="34" charset="0"/>
+              <a:buChar char="•"/>
+              <a:defRPr sz="1800" kern="1200">
+                <a:solidFill>
+                  <a:schemeClr val="tx1"/>
+                </a:solidFill>
+                <a:latin typeface="+mn-lt"/>
+                <a:ea typeface="+mn-ea"/>
+                <a:cs typeface="+mn-cs"/>
+              </a:defRPr>
+            </a:lvl7pPr>
+            <a:lvl8pPr marL="3429000" indent="-228600" algn="l" defTabSz="914400" rtl="0" eaLnBrk="1" latinLnBrk="0" hangingPunct="1">
+              <a:lnSpc>
+                <a:spcPct val="90000"/>
+              </a:lnSpc>
+              <a:spcBef>
+                <a:spcPts val="500"/>
+              </a:spcBef>
+              <a:buFont typeface="Arial" panose="020B0604020202020204" pitchFamily="34" charset="0"/>
+              <a:buChar char="•"/>
+              <a:defRPr sz="1800" kern="1200">
+                <a:solidFill>
+                  <a:schemeClr val="tx1"/>
+                </a:solidFill>
+                <a:latin typeface="+mn-lt"/>
+                <a:ea typeface="+mn-ea"/>
+                <a:cs typeface="+mn-cs"/>
+              </a:defRPr>
+            </a:lvl8pPr>
+            <a:lvl9pPr marL="3886200" indent="-228600" algn="l" defTabSz="914400" rtl="0" eaLnBrk="1" latinLnBrk="0" hangingPunct="1">
+              <a:lnSpc>
+                <a:spcPct val="90000"/>
+              </a:lnSpc>
+              <a:spcBef>
+                <a:spcPts val="500"/>
+              </a:spcBef>
+              <a:buFont typeface="Arial" panose="020B0604020202020204" pitchFamily="34" charset="0"/>
+              <a:buChar char="•"/>
+              <a:defRPr sz="1800" kern="1200">
+                <a:solidFill>
+                  <a:schemeClr val="tx1"/>
+                </a:solidFill>
+                <a:latin typeface="+mn-lt"/>
+                <a:ea typeface="+mn-ea"/>
+                <a:cs typeface="+mn-cs"/>
+              </a:defRPr>
+            </a:lvl9pPr>
+          </a:lstStyle>
+          <a:p>
+            <a:pPr marL="0" indent="0" algn="ctr">
+              <a:buNone/>
+            </a:pPr>
+            <a:r>
+              <a:rPr lang="pl-PL" sz="2400" dirty="0">
+                <a:solidFill>
+                  <a:schemeClr val="bg1"/>
+                </a:solidFill>
+              </a:rPr>
+              <a:t>To koniec jednego z czterech bloków eksperymentu. Zaraz zacznie się kolejny. </a:t>
+            </a:r>
+            <a:endParaRPr lang="en-US" sz="2400" dirty="0">
+              <a:solidFill>
+                <a:schemeClr val="bg1"/>
+              </a:solidFill>
+            </a:endParaRPr>
+          </a:p>
+        </p:txBody>
+      </p:sp>
+      <p:sp>
+        <p:nvSpPr>
+          <p:cNvPr id="2" name="TextBox 1">
+            <a:extLst>
+              <a:ext uri="{FF2B5EF4-FFF2-40B4-BE49-F238E27FC236}">
+                <a16:creationId xmlns:a16="http://schemas.microsoft.com/office/drawing/2014/main" id="{53F3EEE2-45E7-4906-9DD3-0CFC053FF6C8}"/>
+              </a:ext>
+            </a:extLst>
+          </p:cNvPr>
+          <p:cNvSpPr txBox="1"/>
+          <p:nvPr/>
+        </p:nvSpPr>
+        <p:spPr>
+          <a:xfrm>
+            <a:off x="2068354" y="4017177"/>
+            <a:ext cx="8055284" cy="954107"/>
+          </a:xfrm>
+          <a:prstGeom prst="rect">
+            <a:avLst/>
+          </a:prstGeom>
+          <a:noFill/>
+        </p:spPr>
+        <p:txBody>
+          <a:bodyPr wrap="square" rtlCol="0">
+            <a:spAutoFit/>
+          </a:bodyPr>
+          <a:lstStyle/>
+          <a:p>
+            <a:pPr algn="ctr"/>
+            <a:r>
+              <a:rPr lang="pl-PL" sz="2800" dirty="0">
+                <a:solidFill>
+                  <a:schemeClr val="bg1"/>
+                </a:solidFill>
+              </a:rPr>
+              <a:t>Uwaga! Teraz rozkład kolorów zmieni się, i trzeba będzie na nowo przypisać do niego poczucie kontroli.</a:t>
+            </a:r>
+            <a:endParaRPr lang="en-US" sz="2800" dirty="0"/>
+          </a:p>
+        </p:txBody>
+      </p:sp>
     </p:spTree>
     <p:extLst>
       <p:ext uri="{BB962C8B-B14F-4D97-AF65-F5344CB8AC3E}">
-        <p14:creationId xmlns:p14="http://schemas.microsoft.com/office/powerpoint/2010/main" val="339610578"/>
+        <p14:creationId xmlns:p14="http://schemas.microsoft.com/office/powerpoint/2010/main" val="73397376"/>
       </p:ext>
     </p:extLst>
   </p:cSld>
@@ -11817,7 +12756,7 @@
         </p:spPr>
         <p:txBody>
           <a:bodyPr vert="horz" lIns="91440" tIns="45720" rIns="91440" bIns="45720" rtlCol="0">
-            <a:normAutofit/>
+            <a:normAutofit lnSpcReduction="10000"/>
           </a:bodyPr>
           <a:lstStyle>
             <a:lvl1pPr marL="228600" indent="-228600" algn="l" defTabSz="914400" rtl="0" eaLnBrk="1" latinLnBrk="0" hangingPunct="1">
@@ -11991,11 +12930,30 @@
             <a:r>
               <a:rPr lang="pl-PL" sz="2000" dirty="0">
                 <a:solidFill>
-                  <a:schemeClr val="bg1"/>
-                </a:solidFill>
-              </a:rPr>
-              <a:t>Proszę nacisnąć „L”, aby kontynuować…</a:t>
-            </a:r>
+                  <a:srgbClr val="FF0000"/>
+                </a:solidFill>
+              </a:rPr>
+              <a:t>Proszę nacisnąć „L”, aby ROZPOCZĄĆ KOLEJNY BLOK…</a:t>
+            </a:r>
+          </a:p>
+          <a:p>
+            <a:pPr marL="0" indent="0" algn="ctr">
+              <a:buFont typeface="Arial" panose="020B0604020202020204" pitchFamily="34" charset="0"/>
+              <a:buNone/>
+            </a:pPr>
+            <a:r>
+              <a:rPr lang="pl-PL" sz="2000" dirty="0">
+                <a:solidFill>
+                  <a:srgbClr val="FF0000"/>
+                </a:solidFill>
+              </a:rPr>
+              <a:t>lub „D”, aby cofnąć się do poprzedniego slajdu…</a:t>
+            </a:r>
+            <a:endParaRPr lang="en-US" sz="2000" dirty="0">
+              <a:solidFill>
+                <a:srgbClr val="FF0000"/>
+              </a:solidFill>
+            </a:endParaRPr>
           </a:p>
         </p:txBody>
       </p:sp>
@@ -12015,7 +12973,7 @@
         </p:nvSpPr>
         <p:spPr>
           <a:xfrm>
-            <a:off x="1800723" y="1408634"/>
+            <a:off x="1800727" y="3058661"/>
             <a:ext cx="8590546" cy="740677"/>
           </a:xfrm>
           <a:prstGeom prst="rect">
@@ -12024,7 +12982,7 @@
         </p:spPr>
         <p:txBody>
           <a:bodyPr vert="horz" lIns="91440" tIns="45720" rIns="91440" bIns="45720" rtlCol="0">
-            <a:normAutofit/>
+            <a:normAutofit lnSpcReduction="10000"/>
           </a:bodyPr>
           <a:lstStyle>
             <a:lvl1pPr marL="228600" indent="-228600" algn="l" defTabSz="914400" rtl="0" eaLnBrk="1" latinLnBrk="0" hangingPunct="1">
@@ -12201,211 +13159,32 @@
                   <a:schemeClr val="bg1"/>
                 </a:solidFill>
               </a:rPr>
-              <a:t>To już koniec tej części eksperymentu.</a:t>
-            </a:r>
-            <a:endParaRPr lang="en-US" sz="2400" dirty="0">
-              <a:solidFill>
-                <a:schemeClr val="bg1"/>
-              </a:solidFill>
-            </a:endParaRPr>
-          </a:p>
-        </p:txBody>
-      </p:sp>
-      <p:sp>
-        <p:nvSpPr>
-          <p:cNvPr id="9" name="Content Placeholder 2">
-            <a:extLst>
-              <a:ext uri="{FF2B5EF4-FFF2-40B4-BE49-F238E27FC236}">
-                <a16:creationId xmlns:a16="http://schemas.microsoft.com/office/drawing/2014/main" id="{6AE46264-68D9-4CE3-A51C-8EC1E628ABC6}"/>
-              </a:ext>
-            </a:extLst>
-          </p:cNvPr>
-          <p:cNvSpPr txBox="1">
-            <a:spLocks/>
-          </p:cNvSpPr>
-          <p:nvPr/>
-        </p:nvSpPr>
-        <p:spPr>
-          <a:xfrm>
-            <a:off x="1800723" y="3058661"/>
-            <a:ext cx="8590546" cy="740677"/>
-          </a:xfrm>
-          <a:prstGeom prst="rect">
-            <a:avLst/>
-          </a:prstGeom>
-        </p:spPr>
-        <p:txBody>
-          <a:bodyPr vert="horz" lIns="91440" tIns="45720" rIns="91440" bIns="45720" rtlCol="0">
-            <a:normAutofit/>
-          </a:bodyPr>
-          <a:lstStyle>
-            <a:lvl1pPr marL="228600" indent="-228600" algn="l" defTabSz="914400" rtl="0" eaLnBrk="1" latinLnBrk="0" hangingPunct="1">
-              <a:lnSpc>
-                <a:spcPct val="90000"/>
-              </a:lnSpc>
-              <a:spcBef>
-                <a:spcPts val="1000"/>
-              </a:spcBef>
-              <a:buFont typeface="Arial" panose="020B0604020202020204" pitchFamily="34" charset="0"/>
-              <a:buChar char="•"/>
-              <a:defRPr sz="2800" kern="1200">
-                <a:solidFill>
-                  <a:schemeClr val="tx1"/>
-                </a:solidFill>
-                <a:latin typeface="+mn-lt"/>
-                <a:ea typeface="+mn-ea"/>
-                <a:cs typeface="+mn-cs"/>
-              </a:defRPr>
-            </a:lvl1pPr>
-            <a:lvl2pPr marL="685800" indent="-228600" algn="l" defTabSz="914400" rtl="0" eaLnBrk="1" latinLnBrk="0" hangingPunct="1">
-              <a:lnSpc>
-                <a:spcPct val="90000"/>
-              </a:lnSpc>
-              <a:spcBef>
-                <a:spcPts val="500"/>
-              </a:spcBef>
-              <a:buFont typeface="Arial" panose="020B0604020202020204" pitchFamily="34" charset="0"/>
-              <a:buChar char="•"/>
-              <a:defRPr sz="2400" kern="1200">
-                <a:solidFill>
-                  <a:schemeClr val="tx1"/>
-                </a:solidFill>
-                <a:latin typeface="+mn-lt"/>
-                <a:ea typeface="+mn-ea"/>
-                <a:cs typeface="+mn-cs"/>
-              </a:defRPr>
-            </a:lvl2pPr>
-            <a:lvl3pPr marL="1143000" indent="-228600" algn="l" defTabSz="914400" rtl="0" eaLnBrk="1" latinLnBrk="0" hangingPunct="1">
-              <a:lnSpc>
-                <a:spcPct val="90000"/>
-              </a:lnSpc>
-              <a:spcBef>
-                <a:spcPts val="500"/>
-              </a:spcBef>
-              <a:buFont typeface="Arial" panose="020B0604020202020204" pitchFamily="34" charset="0"/>
-              <a:buChar char="•"/>
-              <a:defRPr sz="2000" kern="1200">
-                <a:solidFill>
-                  <a:schemeClr val="tx1"/>
-                </a:solidFill>
-                <a:latin typeface="+mn-lt"/>
-                <a:ea typeface="+mn-ea"/>
-                <a:cs typeface="+mn-cs"/>
-              </a:defRPr>
-            </a:lvl3pPr>
-            <a:lvl4pPr marL="1600200" indent="-228600" algn="l" defTabSz="914400" rtl="0" eaLnBrk="1" latinLnBrk="0" hangingPunct="1">
-              <a:lnSpc>
-                <a:spcPct val="90000"/>
-              </a:lnSpc>
-              <a:spcBef>
-                <a:spcPts val="500"/>
-              </a:spcBef>
-              <a:buFont typeface="Arial" panose="020B0604020202020204" pitchFamily="34" charset="0"/>
-              <a:buChar char="•"/>
-              <a:defRPr sz="1800" kern="1200">
-                <a:solidFill>
-                  <a:schemeClr val="tx1"/>
-                </a:solidFill>
-                <a:latin typeface="+mn-lt"/>
-                <a:ea typeface="+mn-ea"/>
-                <a:cs typeface="+mn-cs"/>
-              </a:defRPr>
-            </a:lvl4pPr>
-            <a:lvl5pPr marL="2057400" indent="-228600" algn="l" defTabSz="914400" rtl="0" eaLnBrk="1" latinLnBrk="0" hangingPunct="1">
-              <a:lnSpc>
-                <a:spcPct val="90000"/>
-              </a:lnSpc>
-              <a:spcBef>
-                <a:spcPts val="500"/>
-              </a:spcBef>
-              <a:buFont typeface="Arial" panose="020B0604020202020204" pitchFamily="34" charset="0"/>
-              <a:buChar char="•"/>
-              <a:defRPr sz="1800" kern="1200">
-                <a:solidFill>
-                  <a:schemeClr val="tx1"/>
-                </a:solidFill>
-                <a:latin typeface="+mn-lt"/>
-                <a:ea typeface="+mn-ea"/>
-                <a:cs typeface="+mn-cs"/>
-              </a:defRPr>
-            </a:lvl5pPr>
-            <a:lvl6pPr marL="2514600" indent="-228600" algn="l" defTabSz="914400" rtl="0" eaLnBrk="1" latinLnBrk="0" hangingPunct="1">
-              <a:lnSpc>
-                <a:spcPct val="90000"/>
-              </a:lnSpc>
-              <a:spcBef>
-                <a:spcPts val="500"/>
-              </a:spcBef>
-              <a:buFont typeface="Arial" panose="020B0604020202020204" pitchFamily="34" charset="0"/>
-              <a:buChar char="•"/>
-              <a:defRPr sz="1800" kern="1200">
-                <a:solidFill>
-                  <a:schemeClr val="tx1"/>
-                </a:solidFill>
-                <a:latin typeface="+mn-lt"/>
-                <a:ea typeface="+mn-ea"/>
-                <a:cs typeface="+mn-cs"/>
-              </a:defRPr>
-            </a:lvl6pPr>
-            <a:lvl7pPr marL="2971800" indent="-228600" algn="l" defTabSz="914400" rtl="0" eaLnBrk="1" latinLnBrk="0" hangingPunct="1">
-              <a:lnSpc>
-                <a:spcPct val="90000"/>
-              </a:lnSpc>
-              <a:spcBef>
-                <a:spcPts val="500"/>
-              </a:spcBef>
-              <a:buFont typeface="Arial" panose="020B0604020202020204" pitchFamily="34" charset="0"/>
-              <a:buChar char="•"/>
-              <a:defRPr sz="1800" kern="1200">
-                <a:solidFill>
-                  <a:schemeClr val="tx1"/>
-                </a:solidFill>
-                <a:latin typeface="+mn-lt"/>
-                <a:ea typeface="+mn-ea"/>
-                <a:cs typeface="+mn-cs"/>
-              </a:defRPr>
-            </a:lvl7pPr>
-            <a:lvl8pPr marL="3429000" indent="-228600" algn="l" defTabSz="914400" rtl="0" eaLnBrk="1" latinLnBrk="0" hangingPunct="1">
-              <a:lnSpc>
-                <a:spcPct val="90000"/>
-              </a:lnSpc>
-              <a:spcBef>
-                <a:spcPts val="500"/>
-              </a:spcBef>
-              <a:buFont typeface="Arial" panose="020B0604020202020204" pitchFamily="34" charset="0"/>
-              <a:buChar char="•"/>
-              <a:defRPr sz="1800" kern="1200">
-                <a:solidFill>
-                  <a:schemeClr val="tx1"/>
-                </a:solidFill>
-                <a:latin typeface="+mn-lt"/>
-                <a:ea typeface="+mn-ea"/>
-                <a:cs typeface="+mn-cs"/>
-              </a:defRPr>
-            </a:lvl8pPr>
-            <a:lvl9pPr marL="3886200" indent="-228600" algn="l" defTabSz="914400" rtl="0" eaLnBrk="1" latinLnBrk="0" hangingPunct="1">
-              <a:lnSpc>
-                <a:spcPct val="90000"/>
-              </a:lnSpc>
-              <a:spcBef>
-                <a:spcPts val="500"/>
-              </a:spcBef>
-              <a:buFont typeface="Arial" panose="020B0604020202020204" pitchFamily="34" charset="0"/>
-              <a:buChar char="•"/>
-              <a:defRPr sz="1800" kern="1200">
-                <a:solidFill>
-                  <a:schemeClr val="tx1"/>
-                </a:solidFill>
-                <a:latin typeface="+mn-lt"/>
-                <a:ea typeface="+mn-ea"/>
-                <a:cs typeface="+mn-cs"/>
-              </a:defRPr>
-            </a:lvl9pPr>
-          </a:lstStyle>
-          <a:p>
-            <a:pPr marL="0" indent="0" algn="ctr">
-              <a:buNone/>
-            </a:pPr>
+              <a:t>Proszę</a:t>
+            </a:r>
+            <a:r>
+              <a:rPr lang="en-US" sz="2400" dirty="0">
+                <a:solidFill>
+                  <a:schemeClr val="bg1"/>
+                </a:solidFill>
+              </a:rPr>
+              <a:t> </a:t>
+            </a:r>
+            <a:r>
+              <a:rPr lang="en-US" sz="2400" dirty="0" err="1">
+                <a:solidFill>
+                  <a:schemeClr val="bg1"/>
+                </a:solidFill>
+              </a:rPr>
+              <a:t>teraz</a:t>
+            </a:r>
+            <a:r>
+              <a:rPr lang="pl-PL" sz="2400" dirty="0">
+                <a:solidFill>
+                  <a:schemeClr val="bg1"/>
+                </a:solidFill>
+              </a:rPr>
+              <a:t> położyć palec wskazujący lewej ręki na klawiszu „D” na klawiaturze, a prawej ręki na klawiszu „L”.</a:t>
+            </a:r>
             <a:endParaRPr lang="en-US" sz="2400" dirty="0">
               <a:solidFill>
                 <a:schemeClr val="bg1"/>
@@ -12417,7 +13196,7 @@
     </p:spTree>
     <p:extLst>
       <p:ext uri="{BB962C8B-B14F-4D97-AF65-F5344CB8AC3E}">
-        <p14:creationId xmlns:p14="http://schemas.microsoft.com/office/powerpoint/2010/main" val="3762113772"/>
+        <p14:creationId xmlns:p14="http://schemas.microsoft.com/office/powerpoint/2010/main" val="339610578"/>
       </p:ext>
     </p:extLst>
   </p:cSld>
@@ -12675,8 +13454,8 @@
         </p:nvSpPr>
         <p:spPr>
           <a:xfrm>
-            <a:off x="575733" y="342849"/>
-            <a:ext cx="11040533" cy="5431623"/>
+            <a:off x="1800723" y="1408634"/>
+            <a:ext cx="8590546" cy="740677"/>
           </a:xfrm>
           <a:prstGeom prst="rect">
             <a:avLst/>
@@ -12851,49 +13630,17 @@
             </a:lvl9pPr>
           </a:lstStyle>
           <a:p>
-            <a:pPr marL="0" indent="0" algn="just">
+            <a:pPr marL="0" indent="0" algn="ctr">
+              <a:buFont typeface="Arial" panose="020B0604020202020204" pitchFamily="34" charset="0"/>
               <a:buNone/>
             </a:pPr>
-            <a:endParaRPr lang="pl-PL" dirty="0">
-              <a:solidFill>
-                <a:schemeClr val="bg1"/>
-              </a:solidFill>
-            </a:endParaRPr>
-          </a:p>
-          <a:p>
-            <a:pPr marL="0" indent="0" algn="ctr">
-              <a:buNone/>
-            </a:pPr>
-            <a:r>
-              <a:rPr lang="pl-PL" b="1" dirty="0">
+            <a:r>
+              <a:rPr lang="pl-PL" sz="2400" dirty="0">
                 <a:solidFill>
                   <a:schemeClr val="bg1"/>
                 </a:solidFill>
               </a:rPr>
-              <a:t>Informacje dla osoby uczestniczącej w badaniu</a:t>
-            </a:r>
-          </a:p>
-          <a:p>
-            <a:pPr marL="0" indent="0" algn="just">
-              <a:buNone/>
-            </a:pPr>
-            <a:endParaRPr lang="pl-PL" dirty="0">
-              <a:solidFill>
-                <a:schemeClr val="bg1"/>
-              </a:solidFill>
-            </a:endParaRPr>
-          </a:p>
-          <a:p>
-            <a:pPr marL="0" indent="0" algn="just">
-              <a:buNone/>
-            </a:pPr>
-            <a:r>
-              <a:rPr lang="pl-PL" dirty="0">
-                <a:solidFill>
-                  <a:schemeClr val="bg1"/>
-                </a:solidFill>
-              </a:rPr>
-              <a:t>W czasie badania były obecne tak zwane prymy podprogowe, czyli strzałki, które są wyświetlane z taką szybkością, że nie są świadomie dostrzegane, jednak minimalnie wpływają one na wybór naciśniętego guzika (średnio o parę procent częściej naciska się klawisz zgodny z kierunkiem prymy), oraz na szybkość Pani/Pana reakcji (mniej więcej o 1/10 sekundy szybciej naciska się klawisz zgodny z kierunkiem prymy). </a:t>
+              <a:t>To już koniec tej części eksperymentu.</a:t>
             </a:r>
             <a:endParaRPr lang="en-US" sz="2400" dirty="0">
               <a:solidFill>
@@ -13109,6 +13856,698 @@
     </p:spTree>
     <p:extLst>
       <p:ext uri="{BB962C8B-B14F-4D97-AF65-F5344CB8AC3E}">
+        <p14:creationId xmlns:p14="http://schemas.microsoft.com/office/powerpoint/2010/main" val="3762113772"/>
+      </p:ext>
+    </p:extLst>
+  </p:cSld>
+  <p:clrMapOvr>
+    <a:masterClrMapping/>
+  </p:clrMapOvr>
+</p:sld>
+</file>
+
+<file path=ppt/slides/slide23.xml><?xml version="1.0" encoding="utf-8"?>
+<p:sld xmlns:a="http://schemas.openxmlformats.org/drawingml/2006/main" xmlns:r="http://schemas.openxmlformats.org/officeDocument/2006/relationships" xmlns:p="http://schemas.openxmlformats.org/presentationml/2006/main">
+  <p:cSld>
+    <p:bg>
+      <p:bgPr>
+        <a:solidFill>
+          <a:schemeClr val="tx1"/>
+        </a:solidFill>
+        <a:effectLst/>
+      </p:bgPr>
+    </p:bg>
+    <p:spTree>
+      <p:nvGrpSpPr>
+        <p:cNvPr id="1" name=""/>
+        <p:cNvGrpSpPr/>
+        <p:nvPr/>
+      </p:nvGrpSpPr>
+      <p:grpSpPr>
+        <a:xfrm>
+          <a:off x="0" y="0"/>
+          <a:ext cx="0" cy="0"/>
+          <a:chOff x="0" y="0"/>
+          <a:chExt cx="0" cy="0"/>
+        </a:xfrm>
+      </p:grpSpPr>
+      <p:sp>
+        <p:nvSpPr>
+          <p:cNvPr id="4" name="Content Placeholder 2">
+            <a:extLst>
+              <a:ext uri="{FF2B5EF4-FFF2-40B4-BE49-F238E27FC236}">
+                <a16:creationId xmlns:a16="http://schemas.microsoft.com/office/drawing/2014/main" id="{46DF36C4-BF62-41C8-87BC-20EB0ECF88CF}"/>
+              </a:ext>
+            </a:extLst>
+          </p:cNvPr>
+          <p:cNvSpPr txBox="1">
+            <a:spLocks/>
+          </p:cNvSpPr>
+          <p:nvPr/>
+        </p:nvSpPr>
+        <p:spPr>
+          <a:xfrm>
+            <a:off x="838200" y="6039514"/>
+            <a:ext cx="10515600" cy="730253"/>
+          </a:xfrm>
+          <a:prstGeom prst="rect">
+            <a:avLst/>
+          </a:prstGeom>
+        </p:spPr>
+        <p:txBody>
+          <a:bodyPr vert="horz" lIns="91440" tIns="45720" rIns="91440" bIns="45720" rtlCol="0">
+            <a:normAutofit/>
+          </a:bodyPr>
+          <a:lstStyle>
+            <a:lvl1pPr marL="228600" indent="-228600" algn="l" defTabSz="914400" rtl="0" eaLnBrk="1" latinLnBrk="0" hangingPunct="1">
+              <a:lnSpc>
+                <a:spcPct val="90000"/>
+              </a:lnSpc>
+              <a:spcBef>
+                <a:spcPts val="1000"/>
+              </a:spcBef>
+              <a:buFont typeface="Arial" panose="020B0604020202020204" pitchFamily="34" charset="0"/>
+              <a:buChar char="•"/>
+              <a:defRPr sz="2800" kern="1200">
+                <a:solidFill>
+                  <a:schemeClr val="tx1"/>
+                </a:solidFill>
+                <a:latin typeface="+mn-lt"/>
+                <a:ea typeface="+mn-ea"/>
+                <a:cs typeface="+mn-cs"/>
+              </a:defRPr>
+            </a:lvl1pPr>
+            <a:lvl2pPr marL="685800" indent="-228600" algn="l" defTabSz="914400" rtl="0" eaLnBrk="1" latinLnBrk="0" hangingPunct="1">
+              <a:lnSpc>
+                <a:spcPct val="90000"/>
+              </a:lnSpc>
+              <a:spcBef>
+                <a:spcPts val="500"/>
+              </a:spcBef>
+              <a:buFont typeface="Arial" panose="020B0604020202020204" pitchFamily="34" charset="0"/>
+              <a:buChar char="•"/>
+              <a:defRPr sz="2400" kern="1200">
+                <a:solidFill>
+                  <a:schemeClr val="tx1"/>
+                </a:solidFill>
+                <a:latin typeface="+mn-lt"/>
+                <a:ea typeface="+mn-ea"/>
+                <a:cs typeface="+mn-cs"/>
+              </a:defRPr>
+            </a:lvl2pPr>
+            <a:lvl3pPr marL="1143000" indent="-228600" algn="l" defTabSz="914400" rtl="0" eaLnBrk="1" latinLnBrk="0" hangingPunct="1">
+              <a:lnSpc>
+                <a:spcPct val="90000"/>
+              </a:lnSpc>
+              <a:spcBef>
+                <a:spcPts val="500"/>
+              </a:spcBef>
+              <a:buFont typeface="Arial" panose="020B0604020202020204" pitchFamily="34" charset="0"/>
+              <a:buChar char="•"/>
+              <a:defRPr sz="2000" kern="1200">
+                <a:solidFill>
+                  <a:schemeClr val="tx1"/>
+                </a:solidFill>
+                <a:latin typeface="+mn-lt"/>
+                <a:ea typeface="+mn-ea"/>
+                <a:cs typeface="+mn-cs"/>
+              </a:defRPr>
+            </a:lvl3pPr>
+            <a:lvl4pPr marL="1600200" indent="-228600" algn="l" defTabSz="914400" rtl="0" eaLnBrk="1" latinLnBrk="0" hangingPunct="1">
+              <a:lnSpc>
+                <a:spcPct val="90000"/>
+              </a:lnSpc>
+              <a:spcBef>
+                <a:spcPts val="500"/>
+              </a:spcBef>
+              <a:buFont typeface="Arial" panose="020B0604020202020204" pitchFamily="34" charset="0"/>
+              <a:buChar char="•"/>
+              <a:defRPr sz="1800" kern="1200">
+                <a:solidFill>
+                  <a:schemeClr val="tx1"/>
+                </a:solidFill>
+                <a:latin typeface="+mn-lt"/>
+                <a:ea typeface="+mn-ea"/>
+                <a:cs typeface="+mn-cs"/>
+              </a:defRPr>
+            </a:lvl4pPr>
+            <a:lvl5pPr marL="2057400" indent="-228600" algn="l" defTabSz="914400" rtl="0" eaLnBrk="1" latinLnBrk="0" hangingPunct="1">
+              <a:lnSpc>
+                <a:spcPct val="90000"/>
+              </a:lnSpc>
+              <a:spcBef>
+                <a:spcPts val="500"/>
+              </a:spcBef>
+              <a:buFont typeface="Arial" panose="020B0604020202020204" pitchFamily="34" charset="0"/>
+              <a:buChar char="•"/>
+              <a:defRPr sz="1800" kern="1200">
+                <a:solidFill>
+                  <a:schemeClr val="tx1"/>
+                </a:solidFill>
+                <a:latin typeface="+mn-lt"/>
+                <a:ea typeface="+mn-ea"/>
+                <a:cs typeface="+mn-cs"/>
+              </a:defRPr>
+            </a:lvl5pPr>
+            <a:lvl6pPr marL="2514600" indent="-228600" algn="l" defTabSz="914400" rtl="0" eaLnBrk="1" latinLnBrk="0" hangingPunct="1">
+              <a:lnSpc>
+                <a:spcPct val="90000"/>
+              </a:lnSpc>
+              <a:spcBef>
+                <a:spcPts val="500"/>
+              </a:spcBef>
+              <a:buFont typeface="Arial" panose="020B0604020202020204" pitchFamily="34" charset="0"/>
+              <a:buChar char="•"/>
+              <a:defRPr sz="1800" kern="1200">
+                <a:solidFill>
+                  <a:schemeClr val="tx1"/>
+                </a:solidFill>
+                <a:latin typeface="+mn-lt"/>
+                <a:ea typeface="+mn-ea"/>
+                <a:cs typeface="+mn-cs"/>
+              </a:defRPr>
+            </a:lvl6pPr>
+            <a:lvl7pPr marL="2971800" indent="-228600" algn="l" defTabSz="914400" rtl="0" eaLnBrk="1" latinLnBrk="0" hangingPunct="1">
+              <a:lnSpc>
+                <a:spcPct val="90000"/>
+              </a:lnSpc>
+              <a:spcBef>
+                <a:spcPts val="500"/>
+              </a:spcBef>
+              <a:buFont typeface="Arial" panose="020B0604020202020204" pitchFamily="34" charset="0"/>
+              <a:buChar char="•"/>
+              <a:defRPr sz="1800" kern="1200">
+                <a:solidFill>
+                  <a:schemeClr val="tx1"/>
+                </a:solidFill>
+                <a:latin typeface="+mn-lt"/>
+                <a:ea typeface="+mn-ea"/>
+                <a:cs typeface="+mn-cs"/>
+              </a:defRPr>
+            </a:lvl7pPr>
+            <a:lvl8pPr marL="3429000" indent="-228600" algn="l" defTabSz="914400" rtl="0" eaLnBrk="1" latinLnBrk="0" hangingPunct="1">
+              <a:lnSpc>
+                <a:spcPct val="90000"/>
+              </a:lnSpc>
+              <a:spcBef>
+                <a:spcPts val="500"/>
+              </a:spcBef>
+              <a:buFont typeface="Arial" panose="020B0604020202020204" pitchFamily="34" charset="0"/>
+              <a:buChar char="•"/>
+              <a:defRPr sz="1800" kern="1200">
+                <a:solidFill>
+                  <a:schemeClr val="tx1"/>
+                </a:solidFill>
+                <a:latin typeface="+mn-lt"/>
+                <a:ea typeface="+mn-ea"/>
+                <a:cs typeface="+mn-cs"/>
+              </a:defRPr>
+            </a:lvl8pPr>
+            <a:lvl9pPr marL="3886200" indent="-228600" algn="l" defTabSz="914400" rtl="0" eaLnBrk="1" latinLnBrk="0" hangingPunct="1">
+              <a:lnSpc>
+                <a:spcPct val="90000"/>
+              </a:lnSpc>
+              <a:spcBef>
+                <a:spcPts val="500"/>
+              </a:spcBef>
+              <a:buFont typeface="Arial" panose="020B0604020202020204" pitchFamily="34" charset="0"/>
+              <a:buChar char="•"/>
+              <a:defRPr sz="1800" kern="1200">
+                <a:solidFill>
+                  <a:schemeClr val="tx1"/>
+                </a:solidFill>
+                <a:latin typeface="+mn-lt"/>
+                <a:ea typeface="+mn-ea"/>
+                <a:cs typeface="+mn-cs"/>
+              </a:defRPr>
+            </a:lvl9pPr>
+          </a:lstStyle>
+          <a:p>
+            <a:pPr marL="0" indent="0" algn="ctr">
+              <a:buFont typeface="Arial" panose="020B0604020202020204" pitchFamily="34" charset="0"/>
+              <a:buNone/>
+            </a:pPr>
+            <a:r>
+              <a:rPr lang="pl-PL" sz="2000" dirty="0">
+                <a:solidFill>
+                  <a:schemeClr val="bg1"/>
+                </a:solidFill>
+              </a:rPr>
+              <a:t>Proszę nacisnąć „L”, aby kontynuować…</a:t>
+            </a:r>
+          </a:p>
+        </p:txBody>
+      </p:sp>
+      <p:sp>
+        <p:nvSpPr>
+          <p:cNvPr id="7" name="Content Placeholder 2">
+            <a:extLst>
+              <a:ext uri="{FF2B5EF4-FFF2-40B4-BE49-F238E27FC236}">
+                <a16:creationId xmlns:a16="http://schemas.microsoft.com/office/drawing/2014/main" id="{02466EF3-302C-4960-8543-BE397448108A}"/>
+              </a:ext>
+            </a:extLst>
+          </p:cNvPr>
+          <p:cNvSpPr txBox="1">
+            <a:spLocks/>
+          </p:cNvSpPr>
+          <p:nvPr/>
+        </p:nvSpPr>
+        <p:spPr>
+          <a:xfrm>
+            <a:off x="575733" y="342849"/>
+            <a:ext cx="11040533" cy="5431623"/>
+          </a:xfrm>
+          <a:prstGeom prst="rect">
+            <a:avLst/>
+          </a:prstGeom>
+        </p:spPr>
+        <p:txBody>
+          <a:bodyPr vert="horz" lIns="91440" tIns="45720" rIns="91440" bIns="45720" rtlCol="0">
+            <a:normAutofit/>
+          </a:bodyPr>
+          <a:lstStyle>
+            <a:lvl1pPr marL="228600" indent="-228600" algn="l" defTabSz="914400" rtl="0" eaLnBrk="1" latinLnBrk="0" hangingPunct="1">
+              <a:lnSpc>
+                <a:spcPct val="90000"/>
+              </a:lnSpc>
+              <a:spcBef>
+                <a:spcPts val="1000"/>
+              </a:spcBef>
+              <a:buFont typeface="Arial" panose="020B0604020202020204" pitchFamily="34" charset="0"/>
+              <a:buChar char="•"/>
+              <a:defRPr sz="2800" kern="1200">
+                <a:solidFill>
+                  <a:schemeClr val="tx1"/>
+                </a:solidFill>
+                <a:latin typeface="+mn-lt"/>
+                <a:ea typeface="+mn-ea"/>
+                <a:cs typeface="+mn-cs"/>
+              </a:defRPr>
+            </a:lvl1pPr>
+            <a:lvl2pPr marL="685800" indent="-228600" algn="l" defTabSz="914400" rtl="0" eaLnBrk="1" latinLnBrk="0" hangingPunct="1">
+              <a:lnSpc>
+                <a:spcPct val="90000"/>
+              </a:lnSpc>
+              <a:spcBef>
+                <a:spcPts val="500"/>
+              </a:spcBef>
+              <a:buFont typeface="Arial" panose="020B0604020202020204" pitchFamily="34" charset="0"/>
+              <a:buChar char="•"/>
+              <a:defRPr sz="2400" kern="1200">
+                <a:solidFill>
+                  <a:schemeClr val="tx1"/>
+                </a:solidFill>
+                <a:latin typeface="+mn-lt"/>
+                <a:ea typeface="+mn-ea"/>
+                <a:cs typeface="+mn-cs"/>
+              </a:defRPr>
+            </a:lvl2pPr>
+            <a:lvl3pPr marL="1143000" indent="-228600" algn="l" defTabSz="914400" rtl="0" eaLnBrk="1" latinLnBrk="0" hangingPunct="1">
+              <a:lnSpc>
+                <a:spcPct val="90000"/>
+              </a:lnSpc>
+              <a:spcBef>
+                <a:spcPts val="500"/>
+              </a:spcBef>
+              <a:buFont typeface="Arial" panose="020B0604020202020204" pitchFamily="34" charset="0"/>
+              <a:buChar char="•"/>
+              <a:defRPr sz="2000" kern="1200">
+                <a:solidFill>
+                  <a:schemeClr val="tx1"/>
+                </a:solidFill>
+                <a:latin typeface="+mn-lt"/>
+                <a:ea typeface="+mn-ea"/>
+                <a:cs typeface="+mn-cs"/>
+              </a:defRPr>
+            </a:lvl3pPr>
+            <a:lvl4pPr marL="1600200" indent="-228600" algn="l" defTabSz="914400" rtl="0" eaLnBrk="1" latinLnBrk="0" hangingPunct="1">
+              <a:lnSpc>
+                <a:spcPct val="90000"/>
+              </a:lnSpc>
+              <a:spcBef>
+                <a:spcPts val="500"/>
+              </a:spcBef>
+              <a:buFont typeface="Arial" panose="020B0604020202020204" pitchFamily="34" charset="0"/>
+              <a:buChar char="•"/>
+              <a:defRPr sz="1800" kern="1200">
+                <a:solidFill>
+                  <a:schemeClr val="tx1"/>
+                </a:solidFill>
+                <a:latin typeface="+mn-lt"/>
+                <a:ea typeface="+mn-ea"/>
+                <a:cs typeface="+mn-cs"/>
+              </a:defRPr>
+            </a:lvl4pPr>
+            <a:lvl5pPr marL="2057400" indent="-228600" algn="l" defTabSz="914400" rtl="0" eaLnBrk="1" latinLnBrk="0" hangingPunct="1">
+              <a:lnSpc>
+                <a:spcPct val="90000"/>
+              </a:lnSpc>
+              <a:spcBef>
+                <a:spcPts val="500"/>
+              </a:spcBef>
+              <a:buFont typeface="Arial" panose="020B0604020202020204" pitchFamily="34" charset="0"/>
+              <a:buChar char="•"/>
+              <a:defRPr sz="1800" kern="1200">
+                <a:solidFill>
+                  <a:schemeClr val="tx1"/>
+                </a:solidFill>
+                <a:latin typeface="+mn-lt"/>
+                <a:ea typeface="+mn-ea"/>
+                <a:cs typeface="+mn-cs"/>
+              </a:defRPr>
+            </a:lvl5pPr>
+            <a:lvl6pPr marL="2514600" indent="-228600" algn="l" defTabSz="914400" rtl="0" eaLnBrk="1" latinLnBrk="0" hangingPunct="1">
+              <a:lnSpc>
+                <a:spcPct val="90000"/>
+              </a:lnSpc>
+              <a:spcBef>
+                <a:spcPts val="500"/>
+              </a:spcBef>
+              <a:buFont typeface="Arial" panose="020B0604020202020204" pitchFamily="34" charset="0"/>
+              <a:buChar char="•"/>
+              <a:defRPr sz="1800" kern="1200">
+                <a:solidFill>
+                  <a:schemeClr val="tx1"/>
+                </a:solidFill>
+                <a:latin typeface="+mn-lt"/>
+                <a:ea typeface="+mn-ea"/>
+                <a:cs typeface="+mn-cs"/>
+              </a:defRPr>
+            </a:lvl6pPr>
+            <a:lvl7pPr marL="2971800" indent="-228600" algn="l" defTabSz="914400" rtl="0" eaLnBrk="1" latinLnBrk="0" hangingPunct="1">
+              <a:lnSpc>
+                <a:spcPct val="90000"/>
+              </a:lnSpc>
+              <a:spcBef>
+                <a:spcPts val="500"/>
+              </a:spcBef>
+              <a:buFont typeface="Arial" panose="020B0604020202020204" pitchFamily="34" charset="0"/>
+              <a:buChar char="•"/>
+              <a:defRPr sz="1800" kern="1200">
+                <a:solidFill>
+                  <a:schemeClr val="tx1"/>
+                </a:solidFill>
+                <a:latin typeface="+mn-lt"/>
+                <a:ea typeface="+mn-ea"/>
+                <a:cs typeface="+mn-cs"/>
+              </a:defRPr>
+            </a:lvl7pPr>
+            <a:lvl8pPr marL="3429000" indent="-228600" algn="l" defTabSz="914400" rtl="0" eaLnBrk="1" latinLnBrk="0" hangingPunct="1">
+              <a:lnSpc>
+                <a:spcPct val="90000"/>
+              </a:lnSpc>
+              <a:spcBef>
+                <a:spcPts val="500"/>
+              </a:spcBef>
+              <a:buFont typeface="Arial" panose="020B0604020202020204" pitchFamily="34" charset="0"/>
+              <a:buChar char="•"/>
+              <a:defRPr sz="1800" kern="1200">
+                <a:solidFill>
+                  <a:schemeClr val="tx1"/>
+                </a:solidFill>
+                <a:latin typeface="+mn-lt"/>
+                <a:ea typeface="+mn-ea"/>
+                <a:cs typeface="+mn-cs"/>
+              </a:defRPr>
+            </a:lvl8pPr>
+            <a:lvl9pPr marL="3886200" indent="-228600" algn="l" defTabSz="914400" rtl="0" eaLnBrk="1" latinLnBrk="0" hangingPunct="1">
+              <a:lnSpc>
+                <a:spcPct val="90000"/>
+              </a:lnSpc>
+              <a:spcBef>
+                <a:spcPts val="500"/>
+              </a:spcBef>
+              <a:buFont typeface="Arial" panose="020B0604020202020204" pitchFamily="34" charset="0"/>
+              <a:buChar char="•"/>
+              <a:defRPr sz="1800" kern="1200">
+                <a:solidFill>
+                  <a:schemeClr val="tx1"/>
+                </a:solidFill>
+                <a:latin typeface="+mn-lt"/>
+                <a:ea typeface="+mn-ea"/>
+                <a:cs typeface="+mn-cs"/>
+              </a:defRPr>
+            </a:lvl9pPr>
+          </a:lstStyle>
+          <a:p>
+            <a:pPr marL="0" indent="0" algn="just">
+              <a:buNone/>
+            </a:pPr>
+            <a:endParaRPr lang="pl-PL" dirty="0">
+              <a:solidFill>
+                <a:schemeClr val="bg1"/>
+              </a:solidFill>
+            </a:endParaRPr>
+          </a:p>
+          <a:p>
+            <a:pPr marL="0" indent="0" algn="ctr">
+              <a:buNone/>
+            </a:pPr>
+            <a:r>
+              <a:rPr lang="pl-PL" b="1" dirty="0">
+                <a:solidFill>
+                  <a:schemeClr val="bg1"/>
+                </a:solidFill>
+              </a:rPr>
+              <a:t>Informacje dla osoby uczestniczącej w badaniu</a:t>
+            </a:r>
+          </a:p>
+          <a:p>
+            <a:pPr marL="0" indent="0" algn="just">
+              <a:buNone/>
+            </a:pPr>
+            <a:endParaRPr lang="pl-PL" dirty="0">
+              <a:solidFill>
+                <a:schemeClr val="bg1"/>
+              </a:solidFill>
+            </a:endParaRPr>
+          </a:p>
+          <a:p>
+            <a:pPr marL="0" indent="0" algn="just">
+              <a:buNone/>
+            </a:pPr>
+            <a:r>
+              <a:rPr lang="pl-PL" dirty="0">
+                <a:solidFill>
+                  <a:schemeClr val="bg1"/>
+                </a:solidFill>
+              </a:rPr>
+              <a:t>W czasie badania były obecne tak zwane prymy podprogowe, czyli strzałki, które są wyświetlane z taką szybkością, że nie są świadomie dostrzegane, jednak minimalnie wpływają one na wybór naciśniętego guzika (średnio o parę procent częściej naciska się klawisz zgodny z kierunkiem prymy), oraz na szybkość Pani/Pana reakcji (mniej więcej o 1/10 sekundy szybciej naciska się klawisz zgodny z kierunkiem prymy). </a:t>
+            </a:r>
+            <a:endParaRPr lang="en-US" sz="2400" dirty="0">
+              <a:solidFill>
+                <a:schemeClr val="bg1"/>
+              </a:solidFill>
+            </a:endParaRPr>
+          </a:p>
+        </p:txBody>
+      </p:sp>
+      <p:sp>
+        <p:nvSpPr>
+          <p:cNvPr id="9" name="Content Placeholder 2">
+            <a:extLst>
+              <a:ext uri="{FF2B5EF4-FFF2-40B4-BE49-F238E27FC236}">
+                <a16:creationId xmlns:a16="http://schemas.microsoft.com/office/drawing/2014/main" id="{6AE46264-68D9-4CE3-A51C-8EC1E628ABC6}"/>
+              </a:ext>
+            </a:extLst>
+          </p:cNvPr>
+          <p:cNvSpPr txBox="1">
+            <a:spLocks/>
+          </p:cNvSpPr>
+          <p:nvPr/>
+        </p:nvSpPr>
+        <p:spPr>
+          <a:xfrm>
+            <a:off x="1800723" y="3058661"/>
+            <a:ext cx="8590546" cy="740677"/>
+          </a:xfrm>
+          <a:prstGeom prst="rect">
+            <a:avLst/>
+          </a:prstGeom>
+        </p:spPr>
+        <p:txBody>
+          <a:bodyPr vert="horz" lIns="91440" tIns="45720" rIns="91440" bIns="45720" rtlCol="0">
+            <a:normAutofit/>
+          </a:bodyPr>
+          <a:lstStyle>
+            <a:lvl1pPr marL="228600" indent="-228600" algn="l" defTabSz="914400" rtl="0" eaLnBrk="1" latinLnBrk="0" hangingPunct="1">
+              <a:lnSpc>
+                <a:spcPct val="90000"/>
+              </a:lnSpc>
+              <a:spcBef>
+                <a:spcPts val="1000"/>
+              </a:spcBef>
+              <a:buFont typeface="Arial" panose="020B0604020202020204" pitchFamily="34" charset="0"/>
+              <a:buChar char="•"/>
+              <a:defRPr sz="2800" kern="1200">
+                <a:solidFill>
+                  <a:schemeClr val="tx1"/>
+                </a:solidFill>
+                <a:latin typeface="+mn-lt"/>
+                <a:ea typeface="+mn-ea"/>
+                <a:cs typeface="+mn-cs"/>
+              </a:defRPr>
+            </a:lvl1pPr>
+            <a:lvl2pPr marL="685800" indent="-228600" algn="l" defTabSz="914400" rtl="0" eaLnBrk="1" latinLnBrk="0" hangingPunct="1">
+              <a:lnSpc>
+                <a:spcPct val="90000"/>
+              </a:lnSpc>
+              <a:spcBef>
+                <a:spcPts val="500"/>
+              </a:spcBef>
+              <a:buFont typeface="Arial" panose="020B0604020202020204" pitchFamily="34" charset="0"/>
+              <a:buChar char="•"/>
+              <a:defRPr sz="2400" kern="1200">
+                <a:solidFill>
+                  <a:schemeClr val="tx1"/>
+                </a:solidFill>
+                <a:latin typeface="+mn-lt"/>
+                <a:ea typeface="+mn-ea"/>
+                <a:cs typeface="+mn-cs"/>
+              </a:defRPr>
+            </a:lvl2pPr>
+            <a:lvl3pPr marL="1143000" indent="-228600" algn="l" defTabSz="914400" rtl="0" eaLnBrk="1" latinLnBrk="0" hangingPunct="1">
+              <a:lnSpc>
+                <a:spcPct val="90000"/>
+              </a:lnSpc>
+              <a:spcBef>
+                <a:spcPts val="500"/>
+              </a:spcBef>
+              <a:buFont typeface="Arial" panose="020B0604020202020204" pitchFamily="34" charset="0"/>
+              <a:buChar char="•"/>
+              <a:defRPr sz="2000" kern="1200">
+                <a:solidFill>
+                  <a:schemeClr val="tx1"/>
+                </a:solidFill>
+                <a:latin typeface="+mn-lt"/>
+                <a:ea typeface="+mn-ea"/>
+                <a:cs typeface="+mn-cs"/>
+              </a:defRPr>
+            </a:lvl3pPr>
+            <a:lvl4pPr marL="1600200" indent="-228600" algn="l" defTabSz="914400" rtl="0" eaLnBrk="1" latinLnBrk="0" hangingPunct="1">
+              <a:lnSpc>
+                <a:spcPct val="90000"/>
+              </a:lnSpc>
+              <a:spcBef>
+                <a:spcPts val="500"/>
+              </a:spcBef>
+              <a:buFont typeface="Arial" panose="020B0604020202020204" pitchFamily="34" charset="0"/>
+              <a:buChar char="•"/>
+              <a:defRPr sz="1800" kern="1200">
+                <a:solidFill>
+                  <a:schemeClr val="tx1"/>
+                </a:solidFill>
+                <a:latin typeface="+mn-lt"/>
+                <a:ea typeface="+mn-ea"/>
+                <a:cs typeface="+mn-cs"/>
+              </a:defRPr>
+            </a:lvl4pPr>
+            <a:lvl5pPr marL="2057400" indent="-228600" algn="l" defTabSz="914400" rtl="0" eaLnBrk="1" latinLnBrk="0" hangingPunct="1">
+              <a:lnSpc>
+                <a:spcPct val="90000"/>
+              </a:lnSpc>
+              <a:spcBef>
+                <a:spcPts val="500"/>
+              </a:spcBef>
+              <a:buFont typeface="Arial" panose="020B0604020202020204" pitchFamily="34" charset="0"/>
+              <a:buChar char="•"/>
+              <a:defRPr sz="1800" kern="1200">
+                <a:solidFill>
+                  <a:schemeClr val="tx1"/>
+                </a:solidFill>
+                <a:latin typeface="+mn-lt"/>
+                <a:ea typeface="+mn-ea"/>
+                <a:cs typeface="+mn-cs"/>
+              </a:defRPr>
+            </a:lvl5pPr>
+            <a:lvl6pPr marL="2514600" indent="-228600" algn="l" defTabSz="914400" rtl="0" eaLnBrk="1" latinLnBrk="0" hangingPunct="1">
+              <a:lnSpc>
+                <a:spcPct val="90000"/>
+              </a:lnSpc>
+              <a:spcBef>
+                <a:spcPts val="500"/>
+              </a:spcBef>
+              <a:buFont typeface="Arial" panose="020B0604020202020204" pitchFamily="34" charset="0"/>
+              <a:buChar char="•"/>
+              <a:defRPr sz="1800" kern="1200">
+                <a:solidFill>
+                  <a:schemeClr val="tx1"/>
+                </a:solidFill>
+                <a:latin typeface="+mn-lt"/>
+                <a:ea typeface="+mn-ea"/>
+                <a:cs typeface="+mn-cs"/>
+              </a:defRPr>
+            </a:lvl6pPr>
+            <a:lvl7pPr marL="2971800" indent="-228600" algn="l" defTabSz="914400" rtl="0" eaLnBrk="1" latinLnBrk="0" hangingPunct="1">
+              <a:lnSpc>
+                <a:spcPct val="90000"/>
+              </a:lnSpc>
+              <a:spcBef>
+                <a:spcPts val="500"/>
+              </a:spcBef>
+              <a:buFont typeface="Arial" panose="020B0604020202020204" pitchFamily="34" charset="0"/>
+              <a:buChar char="•"/>
+              <a:defRPr sz="1800" kern="1200">
+                <a:solidFill>
+                  <a:schemeClr val="tx1"/>
+                </a:solidFill>
+                <a:latin typeface="+mn-lt"/>
+                <a:ea typeface="+mn-ea"/>
+                <a:cs typeface="+mn-cs"/>
+              </a:defRPr>
+            </a:lvl7pPr>
+            <a:lvl8pPr marL="3429000" indent="-228600" algn="l" defTabSz="914400" rtl="0" eaLnBrk="1" latinLnBrk="0" hangingPunct="1">
+              <a:lnSpc>
+                <a:spcPct val="90000"/>
+              </a:lnSpc>
+              <a:spcBef>
+                <a:spcPts val="500"/>
+              </a:spcBef>
+              <a:buFont typeface="Arial" panose="020B0604020202020204" pitchFamily="34" charset="0"/>
+              <a:buChar char="•"/>
+              <a:defRPr sz="1800" kern="1200">
+                <a:solidFill>
+                  <a:schemeClr val="tx1"/>
+                </a:solidFill>
+                <a:latin typeface="+mn-lt"/>
+                <a:ea typeface="+mn-ea"/>
+                <a:cs typeface="+mn-cs"/>
+              </a:defRPr>
+            </a:lvl8pPr>
+            <a:lvl9pPr marL="3886200" indent="-228600" algn="l" defTabSz="914400" rtl="0" eaLnBrk="1" latinLnBrk="0" hangingPunct="1">
+              <a:lnSpc>
+                <a:spcPct val="90000"/>
+              </a:lnSpc>
+              <a:spcBef>
+                <a:spcPts val="500"/>
+              </a:spcBef>
+              <a:buFont typeface="Arial" panose="020B0604020202020204" pitchFamily="34" charset="0"/>
+              <a:buChar char="•"/>
+              <a:defRPr sz="1800" kern="1200">
+                <a:solidFill>
+                  <a:schemeClr val="tx1"/>
+                </a:solidFill>
+                <a:latin typeface="+mn-lt"/>
+                <a:ea typeface="+mn-ea"/>
+                <a:cs typeface="+mn-cs"/>
+              </a:defRPr>
+            </a:lvl9pPr>
+          </a:lstStyle>
+          <a:p>
+            <a:pPr marL="0" indent="0" algn="ctr">
+              <a:buNone/>
+            </a:pPr>
+            <a:endParaRPr lang="en-US" sz="2400" dirty="0">
+              <a:solidFill>
+                <a:schemeClr val="bg1"/>
+              </a:solidFill>
+            </a:endParaRPr>
+          </a:p>
+        </p:txBody>
+      </p:sp>
+    </p:spTree>
+    <p:extLst>
+      <p:ext uri="{BB962C8B-B14F-4D97-AF65-F5344CB8AC3E}">
         <p14:creationId xmlns:p14="http://schemas.microsoft.com/office/powerpoint/2010/main" val="4132754944"/>
       </p:ext>
     </p:extLst>
@@ -13119,7 +14558,7 @@
 </p:sld>
 </file>
 
-<file path=ppt/slides/slide23.xml><?xml version="1.0" encoding="utf-8"?>
+<file path=ppt/slides/slide24.xml><?xml version="1.0" encoding="utf-8"?>
 <p:sld xmlns:a="http://schemas.openxmlformats.org/drawingml/2006/main" xmlns:r="http://schemas.openxmlformats.org/officeDocument/2006/relationships" xmlns:p="http://schemas.openxmlformats.org/presentationml/2006/main">
   <p:cSld>
     <p:bg>
@@ -13902,7 +15341,7 @@
 </p:sld>
 </file>
 
-<file path=ppt/slides/slide24.xml><?xml version="1.0" encoding="utf-8"?>
+<file path=ppt/slides/slide25.xml><?xml version="1.0" encoding="utf-8"?>
 <p:sld xmlns:a="http://schemas.openxmlformats.org/drawingml/2006/main" xmlns:r="http://schemas.openxmlformats.org/officeDocument/2006/relationships" xmlns:p="http://schemas.openxmlformats.org/presentationml/2006/main" show="0">
   <p:cSld>
     <p:bg>

--- a/EPRIME procedura png/Slajdy_proc1.pptx
+++ b/EPRIME procedura png/Slajdy_proc1.pptx
@@ -5,7 +5,7 @@
     <p:sldMasterId id="2147483648" r:id="rId1"/>
   </p:sldMasterIdLst>
   <p:notesMasterIdLst>
-    <p:notesMasterId r:id="rId27"/>
+    <p:notesMasterId r:id="rId28"/>
   </p:notesMasterIdLst>
   <p:sldIdLst>
     <p:sldId id="256" r:id="rId2"/>
@@ -25,14 +25,15 @@
     <p:sldId id="268" r:id="rId16"/>
     <p:sldId id="269" r:id="rId17"/>
     <p:sldId id="280" r:id="rId18"/>
-    <p:sldId id="270" r:id="rId19"/>
-    <p:sldId id="266" r:id="rId20"/>
-    <p:sldId id="272" r:id="rId21"/>
-    <p:sldId id="273" r:id="rId22"/>
-    <p:sldId id="274" r:id="rId23"/>
-    <p:sldId id="277" r:id="rId24"/>
-    <p:sldId id="275" r:id="rId25"/>
-    <p:sldId id="276" r:id="rId26"/>
+    <p:sldId id="281" r:id="rId19"/>
+    <p:sldId id="270" r:id="rId20"/>
+    <p:sldId id="266" r:id="rId21"/>
+    <p:sldId id="272" r:id="rId22"/>
+    <p:sldId id="273" r:id="rId23"/>
+    <p:sldId id="274" r:id="rId24"/>
+    <p:sldId id="277" r:id="rId25"/>
+    <p:sldId id="275" r:id="rId26"/>
+    <p:sldId id="276" r:id="rId27"/>
   </p:sldIdLst>
   <p:sldSz cx="12192000" cy="6858000"/>
   <p:notesSz cx="6858000" cy="9144000"/>
@@ -133,7 +134,7 @@
   </p:defaultTextStyle>
   <p:extLst>
     <p:ext uri="{EFAFB233-063F-42B5-8137-9DF3F51BA10A}">
-      <p15:sldGuideLst xmlns:p15="http://schemas.microsoft.com/office/powerpoint/2012/main"/>
+      <p15:sldGuideLst xmlns:p15="http://schemas.microsoft.com/office/powerpoint/2012/main" xmlns=""/>
     </p:ext>
   </p:extLst>
 </p:presentation>
@@ -221,7 +222,8 @@
           <a:p>
             <a:fld id="{D628A058-5DBC-41CE-B381-E249999ED40E}" type="datetimeFigureOut">
               <a:rPr lang="en-US" smtClean="0"/>
-              <a:t>23-Mar-18</a:t>
+              <a:pPr/>
+              <a:t>4/4/2018</a:t>
             </a:fld>
             <a:endParaRPr lang="en-US"/>
           </a:p>
@@ -379,6 +381,7 @@
           <a:p>
             <a:fld id="{A996FE17-D064-44FC-9D88-B9D5B4EE0745}" type="slidenum">
               <a:rPr lang="en-US" smtClean="0"/>
+              <a:pPr/>
               <a:t>‹#›</a:t>
             </a:fld>
             <a:endParaRPr lang="en-US"/>
@@ -388,7 +391,7 @@
     </p:spTree>
     <p:extLst>
       <p:ext uri="{BB962C8B-B14F-4D97-AF65-F5344CB8AC3E}">
-        <p14:creationId xmlns:p14="http://schemas.microsoft.com/office/powerpoint/2010/main" val="2145874591"/>
+        <p14:creationId xmlns:p14="http://schemas.microsoft.com/office/powerpoint/2010/main" xmlns="" val="2145874591"/>
       </p:ext>
     </p:extLst>
   </p:cSld>
@@ -561,6 +564,7 @@
           <a:p>
             <a:fld id="{A996FE17-D064-44FC-9D88-B9D5B4EE0745}" type="slidenum">
               <a:rPr lang="en-US" smtClean="0"/>
+              <a:pPr/>
               <a:t>14</a:t>
             </a:fld>
             <a:endParaRPr lang="en-US"/>
@@ -570,7 +574,7 @@
     </p:spTree>
     <p:extLst>
       <p:ext uri="{BB962C8B-B14F-4D97-AF65-F5344CB8AC3E}">
-        <p14:creationId xmlns:p14="http://schemas.microsoft.com/office/powerpoint/2010/main" val="3153767262"/>
+        <p14:creationId xmlns:p14="http://schemas.microsoft.com/office/powerpoint/2010/main" xmlns="" val="3153767262"/>
       </p:ext>
     </p:extLst>
   </p:cSld>
@@ -649,6 +653,7 @@
           <a:p>
             <a:fld id="{A996FE17-D064-44FC-9D88-B9D5B4EE0745}" type="slidenum">
               <a:rPr lang="en-US" smtClean="0"/>
+              <a:pPr/>
               <a:t>15</a:t>
             </a:fld>
             <a:endParaRPr lang="en-US"/>
@@ -658,7 +663,7 @@
     </p:spTree>
     <p:extLst>
       <p:ext uri="{BB962C8B-B14F-4D97-AF65-F5344CB8AC3E}">
-        <p14:creationId xmlns:p14="http://schemas.microsoft.com/office/powerpoint/2010/main" val="1733337319"/>
+        <p14:creationId xmlns:p14="http://schemas.microsoft.com/office/powerpoint/2010/main" xmlns="" val="1733337319"/>
       </p:ext>
     </p:extLst>
   </p:cSld>
@@ -690,7 +695,7 @@
           <p:cNvPr id="2" name="Title 1">
             <a:extLst>
               <a:ext uri="{FF2B5EF4-FFF2-40B4-BE49-F238E27FC236}">
-                <a16:creationId xmlns:a16="http://schemas.microsoft.com/office/drawing/2014/main" id="{75035AE1-C1A6-4348-A7D5-075A173FEC7F}"/>
+                <a16:creationId xmlns:a16="http://schemas.microsoft.com/office/drawing/2014/main" xmlns="" id="{75035AE1-C1A6-4348-A7D5-075A173FEC7F}"/>
               </a:ext>
             </a:extLst>
           </p:cNvPr>
@@ -727,7 +732,7 @@
           <p:cNvPr id="3" name="Subtitle 2">
             <a:extLst>
               <a:ext uri="{FF2B5EF4-FFF2-40B4-BE49-F238E27FC236}">
-                <a16:creationId xmlns:a16="http://schemas.microsoft.com/office/drawing/2014/main" id="{31E11515-BF00-433F-BE94-8DCE0B1A9011}"/>
+                <a16:creationId xmlns:a16="http://schemas.microsoft.com/office/drawing/2014/main" xmlns="" id="{31E11515-BF00-433F-BE94-8DCE0B1A9011}"/>
               </a:ext>
             </a:extLst>
           </p:cNvPr>
@@ -797,7 +802,7 @@
           <p:cNvPr id="4" name="Date Placeholder 3">
             <a:extLst>
               <a:ext uri="{FF2B5EF4-FFF2-40B4-BE49-F238E27FC236}">
-                <a16:creationId xmlns:a16="http://schemas.microsoft.com/office/drawing/2014/main" id="{7802ABEB-F829-47B5-862E-F0CDEF47EB92}"/>
+                <a16:creationId xmlns:a16="http://schemas.microsoft.com/office/drawing/2014/main" xmlns="" id="{7802ABEB-F829-47B5-862E-F0CDEF47EB92}"/>
               </a:ext>
             </a:extLst>
           </p:cNvPr>
@@ -815,7 +820,8 @@
           <a:p>
             <a:fld id="{445E621E-B824-4DF2-A6B1-90CE9D9DDCE7}" type="datetimeFigureOut">
               <a:rPr lang="en-US" smtClean="0"/>
-              <a:t>23-Mar-18</a:t>
+              <a:pPr/>
+              <a:t>4/4/2018</a:t>
             </a:fld>
             <a:endParaRPr lang="en-US"/>
           </a:p>
@@ -826,7 +832,7 @@
           <p:cNvPr id="5" name="Footer Placeholder 4">
             <a:extLst>
               <a:ext uri="{FF2B5EF4-FFF2-40B4-BE49-F238E27FC236}">
-                <a16:creationId xmlns:a16="http://schemas.microsoft.com/office/drawing/2014/main" id="{8FA4DF7B-7B84-4C9D-B69F-D34DBF43AB3A}"/>
+                <a16:creationId xmlns:a16="http://schemas.microsoft.com/office/drawing/2014/main" xmlns="" id="{8FA4DF7B-7B84-4C9D-B69F-D34DBF43AB3A}"/>
               </a:ext>
             </a:extLst>
           </p:cNvPr>
@@ -851,7 +857,7 @@
           <p:cNvPr id="6" name="Slide Number Placeholder 5">
             <a:extLst>
               <a:ext uri="{FF2B5EF4-FFF2-40B4-BE49-F238E27FC236}">
-                <a16:creationId xmlns:a16="http://schemas.microsoft.com/office/drawing/2014/main" id="{F0A8FBD6-A2AE-4117-A890-3A22182EA7EF}"/>
+                <a16:creationId xmlns:a16="http://schemas.microsoft.com/office/drawing/2014/main" xmlns="" id="{F0A8FBD6-A2AE-4117-A890-3A22182EA7EF}"/>
               </a:ext>
             </a:extLst>
           </p:cNvPr>
@@ -869,6 +875,7 @@
           <a:p>
             <a:fld id="{7126A475-FFE7-4A4D-A291-CF27FBC687EF}" type="slidenum">
               <a:rPr lang="en-US" smtClean="0"/>
+              <a:pPr/>
               <a:t>‹#›</a:t>
             </a:fld>
             <a:endParaRPr lang="en-US"/>
@@ -878,7 +885,7 @@
     </p:spTree>
     <p:extLst>
       <p:ext uri="{BB962C8B-B14F-4D97-AF65-F5344CB8AC3E}">
-        <p14:creationId xmlns:p14="http://schemas.microsoft.com/office/powerpoint/2010/main" val="3315028655"/>
+        <p14:creationId xmlns:p14="http://schemas.microsoft.com/office/powerpoint/2010/main" xmlns="" val="3315028655"/>
       </p:ext>
     </p:extLst>
   </p:cSld>
@@ -910,7 +917,7 @@
           <p:cNvPr id="2" name="Title 1">
             <a:extLst>
               <a:ext uri="{FF2B5EF4-FFF2-40B4-BE49-F238E27FC236}">
-                <a16:creationId xmlns:a16="http://schemas.microsoft.com/office/drawing/2014/main" id="{A54113E6-55F2-4362-9C11-64D545CCA908}"/>
+                <a16:creationId xmlns:a16="http://schemas.microsoft.com/office/drawing/2014/main" xmlns="" id="{A54113E6-55F2-4362-9C11-64D545CCA908}"/>
               </a:ext>
             </a:extLst>
           </p:cNvPr>
@@ -938,7 +945,7 @@
           <p:cNvPr id="3" name="Vertical Text Placeholder 2">
             <a:extLst>
               <a:ext uri="{FF2B5EF4-FFF2-40B4-BE49-F238E27FC236}">
-                <a16:creationId xmlns:a16="http://schemas.microsoft.com/office/drawing/2014/main" id="{AC759331-5839-4806-81FE-AD927F880E75}"/>
+                <a16:creationId xmlns:a16="http://schemas.microsoft.com/office/drawing/2014/main" xmlns="" id="{AC759331-5839-4806-81FE-AD927F880E75}"/>
               </a:ext>
             </a:extLst>
           </p:cNvPr>
@@ -995,7 +1002,7 @@
           <p:cNvPr id="4" name="Date Placeholder 3">
             <a:extLst>
               <a:ext uri="{FF2B5EF4-FFF2-40B4-BE49-F238E27FC236}">
-                <a16:creationId xmlns:a16="http://schemas.microsoft.com/office/drawing/2014/main" id="{3936EAE6-3A58-430A-96C9-31D50F36CE68}"/>
+                <a16:creationId xmlns:a16="http://schemas.microsoft.com/office/drawing/2014/main" xmlns="" id="{3936EAE6-3A58-430A-96C9-31D50F36CE68}"/>
               </a:ext>
             </a:extLst>
           </p:cNvPr>
@@ -1013,7 +1020,8 @@
           <a:p>
             <a:fld id="{445E621E-B824-4DF2-A6B1-90CE9D9DDCE7}" type="datetimeFigureOut">
               <a:rPr lang="en-US" smtClean="0"/>
-              <a:t>23-Mar-18</a:t>
+              <a:pPr/>
+              <a:t>4/4/2018</a:t>
             </a:fld>
             <a:endParaRPr lang="en-US"/>
           </a:p>
@@ -1024,7 +1032,7 @@
           <p:cNvPr id="5" name="Footer Placeholder 4">
             <a:extLst>
               <a:ext uri="{FF2B5EF4-FFF2-40B4-BE49-F238E27FC236}">
-                <a16:creationId xmlns:a16="http://schemas.microsoft.com/office/drawing/2014/main" id="{CC9A3BA1-29AE-4AA7-87DE-E8B14C8C38D3}"/>
+                <a16:creationId xmlns:a16="http://schemas.microsoft.com/office/drawing/2014/main" xmlns="" id="{CC9A3BA1-29AE-4AA7-87DE-E8B14C8C38D3}"/>
               </a:ext>
             </a:extLst>
           </p:cNvPr>
@@ -1049,7 +1057,7 @@
           <p:cNvPr id="6" name="Slide Number Placeholder 5">
             <a:extLst>
               <a:ext uri="{FF2B5EF4-FFF2-40B4-BE49-F238E27FC236}">
-                <a16:creationId xmlns:a16="http://schemas.microsoft.com/office/drawing/2014/main" id="{9B795581-0332-4A4F-AEE7-9E98648CBAAD}"/>
+                <a16:creationId xmlns:a16="http://schemas.microsoft.com/office/drawing/2014/main" xmlns="" id="{9B795581-0332-4A4F-AEE7-9E98648CBAAD}"/>
               </a:ext>
             </a:extLst>
           </p:cNvPr>
@@ -1067,6 +1075,7 @@
           <a:p>
             <a:fld id="{7126A475-FFE7-4A4D-A291-CF27FBC687EF}" type="slidenum">
               <a:rPr lang="en-US" smtClean="0"/>
+              <a:pPr/>
               <a:t>‹#›</a:t>
             </a:fld>
             <a:endParaRPr lang="en-US"/>
@@ -1076,7 +1085,7 @@
     </p:spTree>
     <p:extLst>
       <p:ext uri="{BB962C8B-B14F-4D97-AF65-F5344CB8AC3E}">
-        <p14:creationId xmlns:p14="http://schemas.microsoft.com/office/powerpoint/2010/main" val="1199833293"/>
+        <p14:creationId xmlns:p14="http://schemas.microsoft.com/office/powerpoint/2010/main" xmlns="" val="1199833293"/>
       </p:ext>
     </p:extLst>
   </p:cSld>
@@ -1108,7 +1117,7 @@
           <p:cNvPr id="2" name="Vertical Title 1">
             <a:extLst>
               <a:ext uri="{FF2B5EF4-FFF2-40B4-BE49-F238E27FC236}">
-                <a16:creationId xmlns:a16="http://schemas.microsoft.com/office/drawing/2014/main" id="{666EEC7D-BED3-4B25-97A1-0F661B2767E9}"/>
+                <a16:creationId xmlns:a16="http://schemas.microsoft.com/office/drawing/2014/main" xmlns="" id="{666EEC7D-BED3-4B25-97A1-0F661B2767E9}"/>
               </a:ext>
             </a:extLst>
           </p:cNvPr>
@@ -1141,7 +1150,7 @@
           <p:cNvPr id="3" name="Vertical Text Placeholder 2">
             <a:extLst>
               <a:ext uri="{FF2B5EF4-FFF2-40B4-BE49-F238E27FC236}">
-                <a16:creationId xmlns:a16="http://schemas.microsoft.com/office/drawing/2014/main" id="{34A9BD76-4882-4B49-AB5B-F4F7473CD15E}"/>
+                <a16:creationId xmlns:a16="http://schemas.microsoft.com/office/drawing/2014/main" xmlns="" id="{34A9BD76-4882-4B49-AB5B-F4F7473CD15E}"/>
               </a:ext>
             </a:extLst>
           </p:cNvPr>
@@ -1203,7 +1212,7 @@
           <p:cNvPr id="4" name="Date Placeholder 3">
             <a:extLst>
               <a:ext uri="{FF2B5EF4-FFF2-40B4-BE49-F238E27FC236}">
-                <a16:creationId xmlns:a16="http://schemas.microsoft.com/office/drawing/2014/main" id="{F1AC908F-6E93-4D90-AD19-37A327108E17}"/>
+                <a16:creationId xmlns:a16="http://schemas.microsoft.com/office/drawing/2014/main" xmlns="" id="{F1AC908F-6E93-4D90-AD19-37A327108E17}"/>
               </a:ext>
             </a:extLst>
           </p:cNvPr>
@@ -1221,7 +1230,8 @@
           <a:p>
             <a:fld id="{445E621E-B824-4DF2-A6B1-90CE9D9DDCE7}" type="datetimeFigureOut">
               <a:rPr lang="en-US" smtClean="0"/>
-              <a:t>23-Mar-18</a:t>
+              <a:pPr/>
+              <a:t>4/4/2018</a:t>
             </a:fld>
             <a:endParaRPr lang="en-US"/>
           </a:p>
@@ -1232,7 +1242,7 @@
           <p:cNvPr id="5" name="Footer Placeholder 4">
             <a:extLst>
               <a:ext uri="{FF2B5EF4-FFF2-40B4-BE49-F238E27FC236}">
-                <a16:creationId xmlns:a16="http://schemas.microsoft.com/office/drawing/2014/main" id="{EA816370-17A6-4054-99BD-D41F4449EA97}"/>
+                <a16:creationId xmlns:a16="http://schemas.microsoft.com/office/drawing/2014/main" xmlns="" id="{EA816370-17A6-4054-99BD-D41F4449EA97}"/>
               </a:ext>
             </a:extLst>
           </p:cNvPr>
@@ -1257,7 +1267,7 @@
           <p:cNvPr id="6" name="Slide Number Placeholder 5">
             <a:extLst>
               <a:ext uri="{FF2B5EF4-FFF2-40B4-BE49-F238E27FC236}">
-                <a16:creationId xmlns:a16="http://schemas.microsoft.com/office/drawing/2014/main" id="{CF12947D-571D-4701-A882-D391F8672310}"/>
+                <a16:creationId xmlns:a16="http://schemas.microsoft.com/office/drawing/2014/main" xmlns="" id="{CF12947D-571D-4701-A882-D391F8672310}"/>
               </a:ext>
             </a:extLst>
           </p:cNvPr>
@@ -1275,6 +1285,7 @@
           <a:p>
             <a:fld id="{7126A475-FFE7-4A4D-A291-CF27FBC687EF}" type="slidenum">
               <a:rPr lang="en-US" smtClean="0"/>
+              <a:pPr/>
               <a:t>‹#›</a:t>
             </a:fld>
             <a:endParaRPr lang="en-US"/>
@@ -1284,7 +1295,7 @@
     </p:spTree>
     <p:extLst>
       <p:ext uri="{BB962C8B-B14F-4D97-AF65-F5344CB8AC3E}">
-        <p14:creationId xmlns:p14="http://schemas.microsoft.com/office/powerpoint/2010/main" val="3857799641"/>
+        <p14:creationId xmlns:p14="http://schemas.microsoft.com/office/powerpoint/2010/main" xmlns="" val="3857799641"/>
       </p:ext>
     </p:extLst>
   </p:cSld>
@@ -1316,7 +1327,7 @@
           <p:cNvPr id="2" name="Title 1">
             <a:extLst>
               <a:ext uri="{FF2B5EF4-FFF2-40B4-BE49-F238E27FC236}">
-                <a16:creationId xmlns:a16="http://schemas.microsoft.com/office/drawing/2014/main" id="{A214A123-88D2-4317-BC5D-9088AFEBC680}"/>
+                <a16:creationId xmlns:a16="http://schemas.microsoft.com/office/drawing/2014/main" xmlns="" id="{A214A123-88D2-4317-BC5D-9088AFEBC680}"/>
               </a:ext>
             </a:extLst>
           </p:cNvPr>
@@ -1344,7 +1355,7 @@
           <p:cNvPr id="3" name="Content Placeholder 2">
             <a:extLst>
               <a:ext uri="{FF2B5EF4-FFF2-40B4-BE49-F238E27FC236}">
-                <a16:creationId xmlns:a16="http://schemas.microsoft.com/office/drawing/2014/main" id="{CC7A3962-3DB6-453B-A328-E9A20816A290}"/>
+                <a16:creationId xmlns:a16="http://schemas.microsoft.com/office/drawing/2014/main" xmlns="" id="{CC7A3962-3DB6-453B-A328-E9A20816A290}"/>
               </a:ext>
             </a:extLst>
           </p:cNvPr>
@@ -1401,7 +1412,7 @@
           <p:cNvPr id="4" name="Date Placeholder 3">
             <a:extLst>
               <a:ext uri="{FF2B5EF4-FFF2-40B4-BE49-F238E27FC236}">
-                <a16:creationId xmlns:a16="http://schemas.microsoft.com/office/drawing/2014/main" id="{3EE33D21-373E-4A6F-AC39-ADF9F86EB395}"/>
+                <a16:creationId xmlns:a16="http://schemas.microsoft.com/office/drawing/2014/main" xmlns="" id="{3EE33D21-373E-4A6F-AC39-ADF9F86EB395}"/>
               </a:ext>
             </a:extLst>
           </p:cNvPr>
@@ -1419,7 +1430,8 @@
           <a:p>
             <a:fld id="{445E621E-B824-4DF2-A6B1-90CE9D9DDCE7}" type="datetimeFigureOut">
               <a:rPr lang="en-US" smtClean="0"/>
-              <a:t>23-Mar-18</a:t>
+              <a:pPr/>
+              <a:t>4/4/2018</a:t>
             </a:fld>
             <a:endParaRPr lang="en-US"/>
           </a:p>
@@ -1430,7 +1442,7 @@
           <p:cNvPr id="5" name="Footer Placeholder 4">
             <a:extLst>
               <a:ext uri="{FF2B5EF4-FFF2-40B4-BE49-F238E27FC236}">
-                <a16:creationId xmlns:a16="http://schemas.microsoft.com/office/drawing/2014/main" id="{9B4C21AC-05AC-438B-B704-6FA651B76016}"/>
+                <a16:creationId xmlns:a16="http://schemas.microsoft.com/office/drawing/2014/main" xmlns="" id="{9B4C21AC-05AC-438B-B704-6FA651B76016}"/>
               </a:ext>
             </a:extLst>
           </p:cNvPr>
@@ -1455,7 +1467,7 @@
           <p:cNvPr id="6" name="Slide Number Placeholder 5">
             <a:extLst>
               <a:ext uri="{FF2B5EF4-FFF2-40B4-BE49-F238E27FC236}">
-                <a16:creationId xmlns:a16="http://schemas.microsoft.com/office/drawing/2014/main" id="{D5CDA9CC-38B2-4B92-B6E5-C8E6F2909491}"/>
+                <a16:creationId xmlns:a16="http://schemas.microsoft.com/office/drawing/2014/main" xmlns="" id="{D5CDA9CC-38B2-4B92-B6E5-C8E6F2909491}"/>
               </a:ext>
             </a:extLst>
           </p:cNvPr>
@@ -1473,6 +1485,7 @@
           <a:p>
             <a:fld id="{7126A475-FFE7-4A4D-A291-CF27FBC687EF}" type="slidenum">
               <a:rPr lang="en-US" smtClean="0"/>
+              <a:pPr/>
               <a:t>‹#›</a:t>
             </a:fld>
             <a:endParaRPr lang="en-US"/>
@@ -1482,7 +1495,7 @@
     </p:spTree>
     <p:extLst>
       <p:ext uri="{BB962C8B-B14F-4D97-AF65-F5344CB8AC3E}">
-        <p14:creationId xmlns:p14="http://schemas.microsoft.com/office/powerpoint/2010/main" val="1971053311"/>
+        <p14:creationId xmlns:p14="http://schemas.microsoft.com/office/powerpoint/2010/main" xmlns="" val="1971053311"/>
       </p:ext>
     </p:extLst>
   </p:cSld>
@@ -1514,7 +1527,7 @@
           <p:cNvPr id="2" name="Title 1">
             <a:extLst>
               <a:ext uri="{FF2B5EF4-FFF2-40B4-BE49-F238E27FC236}">
-                <a16:creationId xmlns:a16="http://schemas.microsoft.com/office/drawing/2014/main" id="{DD51CC95-FFF1-497C-8D2C-90C07E867480}"/>
+                <a16:creationId xmlns:a16="http://schemas.microsoft.com/office/drawing/2014/main" xmlns="" id="{DD51CC95-FFF1-497C-8D2C-90C07E867480}"/>
               </a:ext>
             </a:extLst>
           </p:cNvPr>
@@ -1551,7 +1564,7 @@
           <p:cNvPr id="3" name="Text Placeholder 2">
             <a:extLst>
               <a:ext uri="{FF2B5EF4-FFF2-40B4-BE49-F238E27FC236}">
-                <a16:creationId xmlns:a16="http://schemas.microsoft.com/office/drawing/2014/main" id="{3D6D8CB3-B679-4317-A2D5-6AFE1F69FEC5}"/>
+                <a16:creationId xmlns:a16="http://schemas.microsoft.com/office/drawing/2014/main" xmlns="" id="{3D6D8CB3-B679-4317-A2D5-6AFE1F69FEC5}"/>
               </a:ext>
             </a:extLst>
           </p:cNvPr>
@@ -1676,7 +1689,7 @@
           <p:cNvPr id="4" name="Date Placeholder 3">
             <a:extLst>
               <a:ext uri="{FF2B5EF4-FFF2-40B4-BE49-F238E27FC236}">
-                <a16:creationId xmlns:a16="http://schemas.microsoft.com/office/drawing/2014/main" id="{392AFB81-884F-414A-B453-0CF9F8009435}"/>
+                <a16:creationId xmlns:a16="http://schemas.microsoft.com/office/drawing/2014/main" xmlns="" id="{392AFB81-884F-414A-B453-0CF9F8009435}"/>
               </a:ext>
             </a:extLst>
           </p:cNvPr>
@@ -1694,7 +1707,8 @@
           <a:p>
             <a:fld id="{445E621E-B824-4DF2-A6B1-90CE9D9DDCE7}" type="datetimeFigureOut">
               <a:rPr lang="en-US" smtClean="0"/>
-              <a:t>23-Mar-18</a:t>
+              <a:pPr/>
+              <a:t>4/4/2018</a:t>
             </a:fld>
             <a:endParaRPr lang="en-US"/>
           </a:p>
@@ -1705,7 +1719,7 @@
           <p:cNvPr id="5" name="Footer Placeholder 4">
             <a:extLst>
               <a:ext uri="{FF2B5EF4-FFF2-40B4-BE49-F238E27FC236}">
-                <a16:creationId xmlns:a16="http://schemas.microsoft.com/office/drawing/2014/main" id="{8895AE0B-4E2E-483A-B061-28EF0D665BA1}"/>
+                <a16:creationId xmlns:a16="http://schemas.microsoft.com/office/drawing/2014/main" xmlns="" id="{8895AE0B-4E2E-483A-B061-28EF0D665BA1}"/>
               </a:ext>
             </a:extLst>
           </p:cNvPr>
@@ -1730,7 +1744,7 @@
           <p:cNvPr id="6" name="Slide Number Placeholder 5">
             <a:extLst>
               <a:ext uri="{FF2B5EF4-FFF2-40B4-BE49-F238E27FC236}">
-                <a16:creationId xmlns:a16="http://schemas.microsoft.com/office/drawing/2014/main" id="{1AC84247-DF6E-45D2-AFF2-39FE664BAC9A}"/>
+                <a16:creationId xmlns:a16="http://schemas.microsoft.com/office/drawing/2014/main" xmlns="" id="{1AC84247-DF6E-45D2-AFF2-39FE664BAC9A}"/>
               </a:ext>
             </a:extLst>
           </p:cNvPr>
@@ -1748,6 +1762,7 @@
           <a:p>
             <a:fld id="{7126A475-FFE7-4A4D-A291-CF27FBC687EF}" type="slidenum">
               <a:rPr lang="en-US" smtClean="0"/>
+              <a:pPr/>
               <a:t>‹#›</a:t>
             </a:fld>
             <a:endParaRPr lang="en-US"/>
@@ -1757,7 +1772,7 @@
     </p:spTree>
     <p:extLst>
       <p:ext uri="{BB962C8B-B14F-4D97-AF65-F5344CB8AC3E}">
-        <p14:creationId xmlns:p14="http://schemas.microsoft.com/office/powerpoint/2010/main" val="3912951"/>
+        <p14:creationId xmlns:p14="http://schemas.microsoft.com/office/powerpoint/2010/main" xmlns="" val="3912951"/>
       </p:ext>
     </p:extLst>
   </p:cSld>
@@ -1789,7 +1804,7 @@
           <p:cNvPr id="2" name="Title 1">
             <a:extLst>
               <a:ext uri="{FF2B5EF4-FFF2-40B4-BE49-F238E27FC236}">
-                <a16:creationId xmlns:a16="http://schemas.microsoft.com/office/drawing/2014/main" id="{4DDD0D59-192E-4B6E-8E8B-B50290D173EF}"/>
+                <a16:creationId xmlns:a16="http://schemas.microsoft.com/office/drawing/2014/main" xmlns="" id="{4DDD0D59-192E-4B6E-8E8B-B50290D173EF}"/>
               </a:ext>
             </a:extLst>
           </p:cNvPr>
@@ -1817,7 +1832,7 @@
           <p:cNvPr id="3" name="Content Placeholder 2">
             <a:extLst>
               <a:ext uri="{FF2B5EF4-FFF2-40B4-BE49-F238E27FC236}">
-                <a16:creationId xmlns:a16="http://schemas.microsoft.com/office/drawing/2014/main" id="{BAB9490C-9F69-4570-9B92-C8F4C9EF4A8B}"/>
+                <a16:creationId xmlns:a16="http://schemas.microsoft.com/office/drawing/2014/main" xmlns="" id="{BAB9490C-9F69-4570-9B92-C8F4C9EF4A8B}"/>
               </a:ext>
             </a:extLst>
           </p:cNvPr>
@@ -1879,7 +1894,7 @@
           <p:cNvPr id="4" name="Content Placeholder 3">
             <a:extLst>
               <a:ext uri="{FF2B5EF4-FFF2-40B4-BE49-F238E27FC236}">
-                <a16:creationId xmlns:a16="http://schemas.microsoft.com/office/drawing/2014/main" id="{AB46FEF5-B083-4603-82E6-B18633A157E5}"/>
+                <a16:creationId xmlns:a16="http://schemas.microsoft.com/office/drawing/2014/main" xmlns="" id="{AB46FEF5-B083-4603-82E6-B18633A157E5}"/>
               </a:ext>
             </a:extLst>
           </p:cNvPr>
@@ -1941,7 +1956,7 @@
           <p:cNvPr id="5" name="Date Placeholder 4">
             <a:extLst>
               <a:ext uri="{FF2B5EF4-FFF2-40B4-BE49-F238E27FC236}">
-                <a16:creationId xmlns:a16="http://schemas.microsoft.com/office/drawing/2014/main" id="{47765CCA-DBF7-461E-A0D0-E1208374E251}"/>
+                <a16:creationId xmlns:a16="http://schemas.microsoft.com/office/drawing/2014/main" xmlns="" id="{47765CCA-DBF7-461E-A0D0-E1208374E251}"/>
               </a:ext>
             </a:extLst>
           </p:cNvPr>
@@ -1959,7 +1974,8 @@
           <a:p>
             <a:fld id="{445E621E-B824-4DF2-A6B1-90CE9D9DDCE7}" type="datetimeFigureOut">
               <a:rPr lang="en-US" smtClean="0"/>
-              <a:t>23-Mar-18</a:t>
+              <a:pPr/>
+              <a:t>4/4/2018</a:t>
             </a:fld>
             <a:endParaRPr lang="en-US"/>
           </a:p>
@@ -1970,7 +1986,7 @@
           <p:cNvPr id="6" name="Footer Placeholder 5">
             <a:extLst>
               <a:ext uri="{FF2B5EF4-FFF2-40B4-BE49-F238E27FC236}">
-                <a16:creationId xmlns:a16="http://schemas.microsoft.com/office/drawing/2014/main" id="{9E1B1FB4-44FB-4277-A58F-50B033B30BB3}"/>
+                <a16:creationId xmlns:a16="http://schemas.microsoft.com/office/drawing/2014/main" xmlns="" id="{9E1B1FB4-44FB-4277-A58F-50B033B30BB3}"/>
               </a:ext>
             </a:extLst>
           </p:cNvPr>
@@ -1995,7 +2011,7 @@
           <p:cNvPr id="7" name="Slide Number Placeholder 6">
             <a:extLst>
               <a:ext uri="{FF2B5EF4-FFF2-40B4-BE49-F238E27FC236}">
-                <a16:creationId xmlns:a16="http://schemas.microsoft.com/office/drawing/2014/main" id="{485D7537-881D-4035-A7E9-B06B0155285A}"/>
+                <a16:creationId xmlns:a16="http://schemas.microsoft.com/office/drawing/2014/main" xmlns="" id="{485D7537-881D-4035-A7E9-B06B0155285A}"/>
               </a:ext>
             </a:extLst>
           </p:cNvPr>
@@ -2013,6 +2029,7 @@
           <a:p>
             <a:fld id="{7126A475-FFE7-4A4D-A291-CF27FBC687EF}" type="slidenum">
               <a:rPr lang="en-US" smtClean="0"/>
+              <a:pPr/>
               <a:t>‹#›</a:t>
             </a:fld>
             <a:endParaRPr lang="en-US"/>
@@ -2022,7 +2039,7 @@
     </p:spTree>
     <p:extLst>
       <p:ext uri="{BB962C8B-B14F-4D97-AF65-F5344CB8AC3E}">
-        <p14:creationId xmlns:p14="http://schemas.microsoft.com/office/powerpoint/2010/main" val="2201112336"/>
+        <p14:creationId xmlns:p14="http://schemas.microsoft.com/office/powerpoint/2010/main" xmlns="" val="2201112336"/>
       </p:ext>
     </p:extLst>
   </p:cSld>
@@ -2054,7 +2071,7 @@
           <p:cNvPr id="2" name="Title 1">
             <a:extLst>
               <a:ext uri="{FF2B5EF4-FFF2-40B4-BE49-F238E27FC236}">
-                <a16:creationId xmlns:a16="http://schemas.microsoft.com/office/drawing/2014/main" id="{E7937012-9684-4C83-B1AB-0F583A196933}"/>
+                <a16:creationId xmlns:a16="http://schemas.microsoft.com/office/drawing/2014/main" xmlns="" id="{E7937012-9684-4C83-B1AB-0F583A196933}"/>
               </a:ext>
             </a:extLst>
           </p:cNvPr>
@@ -2087,7 +2104,7 @@
           <p:cNvPr id="3" name="Text Placeholder 2">
             <a:extLst>
               <a:ext uri="{FF2B5EF4-FFF2-40B4-BE49-F238E27FC236}">
-                <a16:creationId xmlns:a16="http://schemas.microsoft.com/office/drawing/2014/main" id="{6393BAF7-1B61-4EDB-8520-16CE11CB6BCA}"/>
+                <a16:creationId xmlns:a16="http://schemas.microsoft.com/office/drawing/2014/main" xmlns="" id="{6393BAF7-1B61-4EDB-8520-16CE11CB6BCA}"/>
               </a:ext>
             </a:extLst>
           </p:cNvPr>
@@ -2158,7 +2175,7 @@
           <p:cNvPr id="4" name="Content Placeholder 3">
             <a:extLst>
               <a:ext uri="{FF2B5EF4-FFF2-40B4-BE49-F238E27FC236}">
-                <a16:creationId xmlns:a16="http://schemas.microsoft.com/office/drawing/2014/main" id="{AA8B7DEA-B994-4F2A-B22C-004381814D0D}"/>
+                <a16:creationId xmlns:a16="http://schemas.microsoft.com/office/drawing/2014/main" xmlns="" id="{AA8B7DEA-B994-4F2A-B22C-004381814D0D}"/>
               </a:ext>
             </a:extLst>
           </p:cNvPr>
@@ -2220,7 +2237,7 @@
           <p:cNvPr id="5" name="Text Placeholder 4">
             <a:extLst>
               <a:ext uri="{FF2B5EF4-FFF2-40B4-BE49-F238E27FC236}">
-                <a16:creationId xmlns:a16="http://schemas.microsoft.com/office/drawing/2014/main" id="{BB9622AA-A8E2-46B3-ADEE-39EA74C498DE}"/>
+                <a16:creationId xmlns:a16="http://schemas.microsoft.com/office/drawing/2014/main" xmlns="" id="{BB9622AA-A8E2-46B3-ADEE-39EA74C498DE}"/>
               </a:ext>
             </a:extLst>
           </p:cNvPr>
@@ -2291,7 +2308,7 @@
           <p:cNvPr id="6" name="Content Placeholder 5">
             <a:extLst>
               <a:ext uri="{FF2B5EF4-FFF2-40B4-BE49-F238E27FC236}">
-                <a16:creationId xmlns:a16="http://schemas.microsoft.com/office/drawing/2014/main" id="{AC320093-624A-49B7-A0BF-9F537DF1EE2F}"/>
+                <a16:creationId xmlns:a16="http://schemas.microsoft.com/office/drawing/2014/main" xmlns="" id="{AC320093-624A-49B7-A0BF-9F537DF1EE2F}"/>
               </a:ext>
             </a:extLst>
           </p:cNvPr>
@@ -2353,7 +2370,7 @@
           <p:cNvPr id="7" name="Date Placeholder 6">
             <a:extLst>
               <a:ext uri="{FF2B5EF4-FFF2-40B4-BE49-F238E27FC236}">
-                <a16:creationId xmlns:a16="http://schemas.microsoft.com/office/drawing/2014/main" id="{DA5DB89E-92DE-4BA7-8602-489C8236F1D4}"/>
+                <a16:creationId xmlns:a16="http://schemas.microsoft.com/office/drawing/2014/main" xmlns="" id="{DA5DB89E-92DE-4BA7-8602-489C8236F1D4}"/>
               </a:ext>
             </a:extLst>
           </p:cNvPr>
@@ -2371,7 +2388,8 @@
           <a:p>
             <a:fld id="{445E621E-B824-4DF2-A6B1-90CE9D9DDCE7}" type="datetimeFigureOut">
               <a:rPr lang="en-US" smtClean="0"/>
-              <a:t>23-Mar-18</a:t>
+              <a:pPr/>
+              <a:t>4/4/2018</a:t>
             </a:fld>
             <a:endParaRPr lang="en-US"/>
           </a:p>
@@ -2382,7 +2400,7 @@
           <p:cNvPr id="8" name="Footer Placeholder 7">
             <a:extLst>
               <a:ext uri="{FF2B5EF4-FFF2-40B4-BE49-F238E27FC236}">
-                <a16:creationId xmlns:a16="http://schemas.microsoft.com/office/drawing/2014/main" id="{F76F2962-DDF7-4633-A62C-828CD37B972E}"/>
+                <a16:creationId xmlns:a16="http://schemas.microsoft.com/office/drawing/2014/main" xmlns="" id="{F76F2962-DDF7-4633-A62C-828CD37B972E}"/>
               </a:ext>
             </a:extLst>
           </p:cNvPr>
@@ -2407,7 +2425,7 @@
           <p:cNvPr id="9" name="Slide Number Placeholder 8">
             <a:extLst>
               <a:ext uri="{FF2B5EF4-FFF2-40B4-BE49-F238E27FC236}">
-                <a16:creationId xmlns:a16="http://schemas.microsoft.com/office/drawing/2014/main" id="{48A2D97D-A470-4F30-99FE-ABBBE190554C}"/>
+                <a16:creationId xmlns:a16="http://schemas.microsoft.com/office/drawing/2014/main" xmlns="" id="{48A2D97D-A470-4F30-99FE-ABBBE190554C}"/>
               </a:ext>
             </a:extLst>
           </p:cNvPr>
@@ -2425,6 +2443,7 @@
           <a:p>
             <a:fld id="{7126A475-FFE7-4A4D-A291-CF27FBC687EF}" type="slidenum">
               <a:rPr lang="en-US" smtClean="0"/>
+              <a:pPr/>
               <a:t>‹#›</a:t>
             </a:fld>
             <a:endParaRPr lang="en-US"/>
@@ -2434,7 +2453,7 @@
     </p:spTree>
     <p:extLst>
       <p:ext uri="{BB962C8B-B14F-4D97-AF65-F5344CB8AC3E}">
-        <p14:creationId xmlns:p14="http://schemas.microsoft.com/office/powerpoint/2010/main" val="2543364184"/>
+        <p14:creationId xmlns:p14="http://schemas.microsoft.com/office/powerpoint/2010/main" xmlns="" val="2543364184"/>
       </p:ext>
     </p:extLst>
   </p:cSld>
@@ -2466,7 +2485,7 @@
           <p:cNvPr id="2" name="Title 1">
             <a:extLst>
               <a:ext uri="{FF2B5EF4-FFF2-40B4-BE49-F238E27FC236}">
-                <a16:creationId xmlns:a16="http://schemas.microsoft.com/office/drawing/2014/main" id="{6051E5EB-7761-49B0-8943-2CC55056BF6E}"/>
+                <a16:creationId xmlns:a16="http://schemas.microsoft.com/office/drawing/2014/main" xmlns="" id="{6051E5EB-7761-49B0-8943-2CC55056BF6E}"/>
               </a:ext>
             </a:extLst>
           </p:cNvPr>
@@ -2494,7 +2513,7 @@
           <p:cNvPr id="3" name="Date Placeholder 2">
             <a:extLst>
               <a:ext uri="{FF2B5EF4-FFF2-40B4-BE49-F238E27FC236}">
-                <a16:creationId xmlns:a16="http://schemas.microsoft.com/office/drawing/2014/main" id="{5EB8C80B-A9D3-48A4-BAE9-71CA912026B3}"/>
+                <a16:creationId xmlns:a16="http://schemas.microsoft.com/office/drawing/2014/main" xmlns="" id="{5EB8C80B-A9D3-48A4-BAE9-71CA912026B3}"/>
               </a:ext>
             </a:extLst>
           </p:cNvPr>
@@ -2512,7 +2531,8 @@
           <a:p>
             <a:fld id="{445E621E-B824-4DF2-A6B1-90CE9D9DDCE7}" type="datetimeFigureOut">
               <a:rPr lang="en-US" smtClean="0"/>
-              <a:t>23-Mar-18</a:t>
+              <a:pPr/>
+              <a:t>4/4/2018</a:t>
             </a:fld>
             <a:endParaRPr lang="en-US"/>
           </a:p>
@@ -2523,7 +2543,7 @@
           <p:cNvPr id="4" name="Footer Placeholder 3">
             <a:extLst>
               <a:ext uri="{FF2B5EF4-FFF2-40B4-BE49-F238E27FC236}">
-                <a16:creationId xmlns:a16="http://schemas.microsoft.com/office/drawing/2014/main" id="{3144DBAE-BBDA-4CDA-9832-C555E3998B96}"/>
+                <a16:creationId xmlns:a16="http://schemas.microsoft.com/office/drawing/2014/main" xmlns="" id="{3144DBAE-BBDA-4CDA-9832-C555E3998B96}"/>
               </a:ext>
             </a:extLst>
           </p:cNvPr>
@@ -2548,7 +2568,7 @@
           <p:cNvPr id="5" name="Slide Number Placeholder 4">
             <a:extLst>
               <a:ext uri="{FF2B5EF4-FFF2-40B4-BE49-F238E27FC236}">
-                <a16:creationId xmlns:a16="http://schemas.microsoft.com/office/drawing/2014/main" id="{9D6CB0C3-BFAA-44DF-9D11-9FB693B78575}"/>
+                <a16:creationId xmlns:a16="http://schemas.microsoft.com/office/drawing/2014/main" xmlns="" id="{9D6CB0C3-BFAA-44DF-9D11-9FB693B78575}"/>
               </a:ext>
             </a:extLst>
           </p:cNvPr>
@@ -2566,6 +2586,7 @@
           <a:p>
             <a:fld id="{7126A475-FFE7-4A4D-A291-CF27FBC687EF}" type="slidenum">
               <a:rPr lang="en-US" smtClean="0"/>
+              <a:pPr/>
               <a:t>‹#›</a:t>
             </a:fld>
             <a:endParaRPr lang="en-US"/>
@@ -2575,7 +2596,7 @@
     </p:spTree>
     <p:extLst>
       <p:ext uri="{BB962C8B-B14F-4D97-AF65-F5344CB8AC3E}">
-        <p14:creationId xmlns:p14="http://schemas.microsoft.com/office/powerpoint/2010/main" val="675824751"/>
+        <p14:creationId xmlns:p14="http://schemas.microsoft.com/office/powerpoint/2010/main" xmlns="" val="675824751"/>
       </p:ext>
     </p:extLst>
   </p:cSld>
@@ -2607,7 +2628,7 @@
           <p:cNvPr id="2" name="Date Placeholder 1">
             <a:extLst>
               <a:ext uri="{FF2B5EF4-FFF2-40B4-BE49-F238E27FC236}">
-                <a16:creationId xmlns:a16="http://schemas.microsoft.com/office/drawing/2014/main" id="{5FD20AAC-96DF-4457-A096-385F0C6E66D2}"/>
+                <a16:creationId xmlns:a16="http://schemas.microsoft.com/office/drawing/2014/main" xmlns="" id="{5FD20AAC-96DF-4457-A096-385F0C6E66D2}"/>
               </a:ext>
             </a:extLst>
           </p:cNvPr>
@@ -2625,7 +2646,8 @@
           <a:p>
             <a:fld id="{445E621E-B824-4DF2-A6B1-90CE9D9DDCE7}" type="datetimeFigureOut">
               <a:rPr lang="en-US" smtClean="0"/>
-              <a:t>23-Mar-18</a:t>
+              <a:pPr/>
+              <a:t>4/4/2018</a:t>
             </a:fld>
             <a:endParaRPr lang="en-US"/>
           </a:p>
@@ -2636,7 +2658,7 @@
           <p:cNvPr id="3" name="Footer Placeholder 2">
             <a:extLst>
               <a:ext uri="{FF2B5EF4-FFF2-40B4-BE49-F238E27FC236}">
-                <a16:creationId xmlns:a16="http://schemas.microsoft.com/office/drawing/2014/main" id="{1293EC2B-E089-428B-9190-01AC478D7304}"/>
+                <a16:creationId xmlns:a16="http://schemas.microsoft.com/office/drawing/2014/main" xmlns="" id="{1293EC2B-E089-428B-9190-01AC478D7304}"/>
               </a:ext>
             </a:extLst>
           </p:cNvPr>
@@ -2661,7 +2683,7 @@
           <p:cNvPr id="4" name="Slide Number Placeholder 3">
             <a:extLst>
               <a:ext uri="{FF2B5EF4-FFF2-40B4-BE49-F238E27FC236}">
-                <a16:creationId xmlns:a16="http://schemas.microsoft.com/office/drawing/2014/main" id="{1EFB40AE-C87F-4339-87C2-88A38930EBFE}"/>
+                <a16:creationId xmlns:a16="http://schemas.microsoft.com/office/drawing/2014/main" xmlns="" id="{1EFB40AE-C87F-4339-87C2-88A38930EBFE}"/>
               </a:ext>
             </a:extLst>
           </p:cNvPr>
@@ -2679,6 +2701,7 @@
           <a:p>
             <a:fld id="{7126A475-FFE7-4A4D-A291-CF27FBC687EF}" type="slidenum">
               <a:rPr lang="en-US" smtClean="0"/>
+              <a:pPr/>
               <a:t>‹#›</a:t>
             </a:fld>
             <a:endParaRPr lang="en-US"/>
@@ -2688,7 +2711,7 @@
     </p:spTree>
     <p:extLst>
       <p:ext uri="{BB962C8B-B14F-4D97-AF65-F5344CB8AC3E}">
-        <p14:creationId xmlns:p14="http://schemas.microsoft.com/office/powerpoint/2010/main" val="605925142"/>
+        <p14:creationId xmlns:p14="http://schemas.microsoft.com/office/powerpoint/2010/main" xmlns="" val="605925142"/>
       </p:ext>
     </p:extLst>
   </p:cSld>
@@ -2720,7 +2743,7 @@
           <p:cNvPr id="2" name="Title 1">
             <a:extLst>
               <a:ext uri="{FF2B5EF4-FFF2-40B4-BE49-F238E27FC236}">
-                <a16:creationId xmlns:a16="http://schemas.microsoft.com/office/drawing/2014/main" id="{D4435413-5DAC-4341-93AD-DF3F0D1FCE63}"/>
+                <a16:creationId xmlns:a16="http://schemas.microsoft.com/office/drawing/2014/main" xmlns="" id="{D4435413-5DAC-4341-93AD-DF3F0D1FCE63}"/>
               </a:ext>
             </a:extLst>
           </p:cNvPr>
@@ -2757,7 +2780,7 @@
           <p:cNvPr id="3" name="Content Placeholder 2">
             <a:extLst>
               <a:ext uri="{FF2B5EF4-FFF2-40B4-BE49-F238E27FC236}">
-                <a16:creationId xmlns:a16="http://schemas.microsoft.com/office/drawing/2014/main" id="{3A59C10E-BC90-4A26-B71F-BE717164C263}"/>
+                <a16:creationId xmlns:a16="http://schemas.microsoft.com/office/drawing/2014/main" xmlns="" id="{3A59C10E-BC90-4A26-B71F-BE717164C263}"/>
               </a:ext>
             </a:extLst>
           </p:cNvPr>
@@ -2847,7 +2870,7 @@
           <p:cNvPr id="4" name="Text Placeholder 3">
             <a:extLst>
               <a:ext uri="{FF2B5EF4-FFF2-40B4-BE49-F238E27FC236}">
-                <a16:creationId xmlns:a16="http://schemas.microsoft.com/office/drawing/2014/main" id="{8BD4FE72-4369-4ECF-94FF-2E0DDD072F1E}"/>
+                <a16:creationId xmlns:a16="http://schemas.microsoft.com/office/drawing/2014/main" xmlns="" id="{8BD4FE72-4369-4ECF-94FF-2E0DDD072F1E}"/>
               </a:ext>
             </a:extLst>
           </p:cNvPr>
@@ -2918,7 +2941,7 @@
           <p:cNvPr id="5" name="Date Placeholder 4">
             <a:extLst>
               <a:ext uri="{FF2B5EF4-FFF2-40B4-BE49-F238E27FC236}">
-                <a16:creationId xmlns:a16="http://schemas.microsoft.com/office/drawing/2014/main" id="{B1A92554-6601-48E7-AD2F-5B61ED1BFBDD}"/>
+                <a16:creationId xmlns:a16="http://schemas.microsoft.com/office/drawing/2014/main" xmlns="" id="{B1A92554-6601-48E7-AD2F-5B61ED1BFBDD}"/>
               </a:ext>
             </a:extLst>
           </p:cNvPr>
@@ -2936,7 +2959,8 @@
           <a:p>
             <a:fld id="{445E621E-B824-4DF2-A6B1-90CE9D9DDCE7}" type="datetimeFigureOut">
               <a:rPr lang="en-US" smtClean="0"/>
-              <a:t>23-Mar-18</a:t>
+              <a:pPr/>
+              <a:t>4/4/2018</a:t>
             </a:fld>
             <a:endParaRPr lang="en-US"/>
           </a:p>
@@ -2947,7 +2971,7 @@
           <p:cNvPr id="6" name="Footer Placeholder 5">
             <a:extLst>
               <a:ext uri="{FF2B5EF4-FFF2-40B4-BE49-F238E27FC236}">
-                <a16:creationId xmlns:a16="http://schemas.microsoft.com/office/drawing/2014/main" id="{86B07BC4-8E2A-4E8F-9C82-1DFBF36166BD}"/>
+                <a16:creationId xmlns:a16="http://schemas.microsoft.com/office/drawing/2014/main" xmlns="" id="{86B07BC4-8E2A-4E8F-9C82-1DFBF36166BD}"/>
               </a:ext>
             </a:extLst>
           </p:cNvPr>
@@ -2972,7 +2996,7 @@
           <p:cNvPr id="7" name="Slide Number Placeholder 6">
             <a:extLst>
               <a:ext uri="{FF2B5EF4-FFF2-40B4-BE49-F238E27FC236}">
-                <a16:creationId xmlns:a16="http://schemas.microsoft.com/office/drawing/2014/main" id="{BAC53BCB-130D-47E1-9227-B142503FD3F9}"/>
+                <a16:creationId xmlns:a16="http://schemas.microsoft.com/office/drawing/2014/main" xmlns="" id="{BAC53BCB-130D-47E1-9227-B142503FD3F9}"/>
               </a:ext>
             </a:extLst>
           </p:cNvPr>
@@ -2990,6 +3014,7 @@
           <a:p>
             <a:fld id="{7126A475-FFE7-4A4D-A291-CF27FBC687EF}" type="slidenum">
               <a:rPr lang="en-US" smtClean="0"/>
+              <a:pPr/>
               <a:t>‹#›</a:t>
             </a:fld>
             <a:endParaRPr lang="en-US"/>
@@ -2999,7 +3024,7 @@
     </p:spTree>
     <p:extLst>
       <p:ext uri="{BB962C8B-B14F-4D97-AF65-F5344CB8AC3E}">
-        <p14:creationId xmlns:p14="http://schemas.microsoft.com/office/powerpoint/2010/main" val="54767726"/>
+        <p14:creationId xmlns:p14="http://schemas.microsoft.com/office/powerpoint/2010/main" xmlns="" val="54767726"/>
       </p:ext>
     </p:extLst>
   </p:cSld>
@@ -3031,7 +3056,7 @@
           <p:cNvPr id="2" name="Title 1">
             <a:extLst>
               <a:ext uri="{FF2B5EF4-FFF2-40B4-BE49-F238E27FC236}">
-                <a16:creationId xmlns:a16="http://schemas.microsoft.com/office/drawing/2014/main" id="{3E1E27F7-809A-4AE4-BF1C-AA2DBDF9E3F4}"/>
+                <a16:creationId xmlns:a16="http://schemas.microsoft.com/office/drawing/2014/main" xmlns="" id="{3E1E27F7-809A-4AE4-BF1C-AA2DBDF9E3F4}"/>
               </a:ext>
             </a:extLst>
           </p:cNvPr>
@@ -3068,7 +3093,7 @@
           <p:cNvPr id="3" name="Picture Placeholder 2">
             <a:extLst>
               <a:ext uri="{FF2B5EF4-FFF2-40B4-BE49-F238E27FC236}">
-                <a16:creationId xmlns:a16="http://schemas.microsoft.com/office/drawing/2014/main" id="{D85EA3A5-A4D3-4045-A7CC-F678445CA5A7}"/>
+                <a16:creationId xmlns:a16="http://schemas.microsoft.com/office/drawing/2014/main" xmlns="" id="{D85EA3A5-A4D3-4045-A7CC-F678445CA5A7}"/>
               </a:ext>
             </a:extLst>
           </p:cNvPr>
@@ -3135,7 +3160,7 @@
           <p:cNvPr id="4" name="Text Placeholder 3">
             <a:extLst>
               <a:ext uri="{FF2B5EF4-FFF2-40B4-BE49-F238E27FC236}">
-                <a16:creationId xmlns:a16="http://schemas.microsoft.com/office/drawing/2014/main" id="{0DA33BF4-746F-47F2-9851-9FD1BA8C1F54}"/>
+                <a16:creationId xmlns:a16="http://schemas.microsoft.com/office/drawing/2014/main" xmlns="" id="{0DA33BF4-746F-47F2-9851-9FD1BA8C1F54}"/>
               </a:ext>
             </a:extLst>
           </p:cNvPr>
@@ -3206,7 +3231,7 @@
           <p:cNvPr id="5" name="Date Placeholder 4">
             <a:extLst>
               <a:ext uri="{FF2B5EF4-FFF2-40B4-BE49-F238E27FC236}">
-                <a16:creationId xmlns:a16="http://schemas.microsoft.com/office/drawing/2014/main" id="{1B229CE5-39A6-4269-BBA6-56850D3EC067}"/>
+                <a16:creationId xmlns:a16="http://schemas.microsoft.com/office/drawing/2014/main" xmlns="" id="{1B229CE5-39A6-4269-BBA6-56850D3EC067}"/>
               </a:ext>
             </a:extLst>
           </p:cNvPr>
@@ -3224,7 +3249,8 @@
           <a:p>
             <a:fld id="{445E621E-B824-4DF2-A6B1-90CE9D9DDCE7}" type="datetimeFigureOut">
               <a:rPr lang="en-US" smtClean="0"/>
-              <a:t>23-Mar-18</a:t>
+              <a:pPr/>
+              <a:t>4/4/2018</a:t>
             </a:fld>
             <a:endParaRPr lang="en-US"/>
           </a:p>
@@ -3235,7 +3261,7 @@
           <p:cNvPr id="6" name="Footer Placeholder 5">
             <a:extLst>
               <a:ext uri="{FF2B5EF4-FFF2-40B4-BE49-F238E27FC236}">
-                <a16:creationId xmlns:a16="http://schemas.microsoft.com/office/drawing/2014/main" id="{649FE03D-7BC6-4FF5-8C31-2450E351CB3F}"/>
+                <a16:creationId xmlns:a16="http://schemas.microsoft.com/office/drawing/2014/main" xmlns="" id="{649FE03D-7BC6-4FF5-8C31-2450E351CB3F}"/>
               </a:ext>
             </a:extLst>
           </p:cNvPr>
@@ -3260,7 +3286,7 @@
           <p:cNvPr id="7" name="Slide Number Placeholder 6">
             <a:extLst>
               <a:ext uri="{FF2B5EF4-FFF2-40B4-BE49-F238E27FC236}">
-                <a16:creationId xmlns:a16="http://schemas.microsoft.com/office/drawing/2014/main" id="{1B200F0C-10D1-48A1-AFBF-863F16852068}"/>
+                <a16:creationId xmlns:a16="http://schemas.microsoft.com/office/drawing/2014/main" xmlns="" id="{1B200F0C-10D1-48A1-AFBF-863F16852068}"/>
               </a:ext>
             </a:extLst>
           </p:cNvPr>
@@ -3278,6 +3304,7 @@
           <a:p>
             <a:fld id="{7126A475-FFE7-4A4D-A291-CF27FBC687EF}" type="slidenum">
               <a:rPr lang="en-US" smtClean="0"/>
+              <a:pPr/>
               <a:t>‹#›</a:t>
             </a:fld>
             <a:endParaRPr lang="en-US"/>
@@ -3287,7 +3314,7 @@
     </p:spTree>
     <p:extLst>
       <p:ext uri="{BB962C8B-B14F-4D97-AF65-F5344CB8AC3E}">
-        <p14:creationId xmlns:p14="http://schemas.microsoft.com/office/powerpoint/2010/main" val="2290206835"/>
+        <p14:creationId xmlns:p14="http://schemas.microsoft.com/office/powerpoint/2010/main" xmlns="" val="2290206835"/>
       </p:ext>
     </p:extLst>
   </p:cSld>
@@ -3324,7 +3351,7 @@
           <p:cNvPr id="2" name="Title Placeholder 1">
             <a:extLst>
               <a:ext uri="{FF2B5EF4-FFF2-40B4-BE49-F238E27FC236}">
-                <a16:creationId xmlns:a16="http://schemas.microsoft.com/office/drawing/2014/main" id="{B841C1B5-A188-413E-A8E2-5B76E14D4BB2}"/>
+                <a16:creationId xmlns:a16="http://schemas.microsoft.com/office/drawing/2014/main" xmlns="" id="{B841C1B5-A188-413E-A8E2-5B76E14D4BB2}"/>
               </a:ext>
             </a:extLst>
           </p:cNvPr>
@@ -3362,7 +3389,7 @@
           <p:cNvPr id="3" name="Text Placeholder 2">
             <a:extLst>
               <a:ext uri="{FF2B5EF4-FFF2-40B4-BE49-F238E27FC236}">
-                <a16:creationId xmlns:a16="http://schemas.microsoft.com/office/drawing/2014/main" id="{27FC2423-6328-41C2-B3C4-6AB021963567}"/>
+                <a16:creationId xmlns:a16="http://schemas.microsoft.com/office/drawing/2014/main" xmlns="" id="{27FC2423-6328-41C2-B3C4-6AB021963567}"/>
               </a:ext>
             </a:extLst>
           </p:cNvPr>
@@ -3429,7 +3456,7 @@
           <p:cNvPr id="4" name="Date Placeholder 3">
             <a:extLst>
               <a:ext uri="{FF2B5EF4-FFF2-40B4-BE49-F238E27FC236}">
-                <a16:creationId xmlns:a16="http://schemas.microsoft.com/office/drawing/2014/main" id="{A246FA1C-E699-4F45-A911-5E89EEBE533E}"/>
+                <a16:creationId xmlns:a16="http://schemas.microsoft.com/office/drawing/2014/main" xmlns="" id="{A246FA1C-E699-4F45-A911-5E89EEBE533E}"/>
               </a:ext>
             </a:extLst>
           </p:cNvPr>
@@ -3465,7 +3492,8 @@
           <a:p>
             <a:fld id="{445E621E-B824-4DF2-A6B1-90CE9D9DDCE7}" type="datetimeFigureOut">
               <a:rPr lang="en-US" smtClean="0"/>
-              <a:t>23-Mar-18</a:t>
+              <a:pPr/>
+              <a:t>4/4/2018</a:t>
             </a:fld>
             <a:endParaRPr lang="en-US"/>
           </a:p>
@@ -3476,7 +3504,7 @@
           <p:cNvPr id="5" name="Footer Placeholder 4">
             <a:extLst>
               <a:ext uri="{FF2B5EF4-FFF2-40B4-BE49-F238E27FC236}">
-                <a16:creationId xmlns:a16="http://schemas.microsoft.com/office/drawing/2014/main" id="{F937B4FE-C3A3-48A0-A915-EF867F51795E}"/>
+                <a16:creationId xmlns:a16="http://schemas.microsoft.com/office/drawing/2014/main" xmlns="" id="{F937B4FE-C3A3-48A0-A915-EF867F51795E}"/>
               </a:ext>
             </a:extLst>
           </p:cNvPr>
@@ -3519,7 +3547,7 @@
           <p:cNvPr id="6" name="Slide Number Placeholder 5">
             <a:extLst>
               <a:ext uri="{FF2B5EF4-FFF2-40B4-BE49-F238E27FC236}">
-                <a16:creationId xmlns:a16="http://schemas.microsoft.com/office/drawing/2014/main" id="{1B136C6C-37AB-4A6A-9E19-931E990A89A9}"/>
+                <a16:creationId xmlns:a16="http://schemas.microsoft.com/office/drawing/2014/main" xmlns="" id="{1B136C6C-37AB-4A6A-9E19-931E990A89A9}"/>
               </a:ext>
             </a:extLst>
           </p:cNvPr>
@@ -3555,6 +3583,7 @@
           <a:p>
             <a:fld id="{7126A475-FFE7-4A4D-A291-CF27FBC687EF}" type="slidenum">
               <a:rPr lang="en-US" smtClean="0"/>
+              <a:pPr/>
               <a:t>‹#›</a:t>
             </a:fld>
             <a:endParaRPr lang="en-US"/>
@@ -3564,7 +3593,7 @@
     </p:spTree>
     <p:extLst>
       <p:ext uri="{BB962C8B-B14F-4D97-AF65-F5344CB8AC3E}">
-        <p14:creationId xmlns:p14="http://schemas.microsoft.com/office/powerpoint/2010/main" val="2193973683"/>
+        <p14:creationId xmlns:p14="http://schemas.microsoft.com/office/powerpoint/2010/main" xmlns="" val="2193973683"/>
       </p:ext>
     </p:extLst>
   </p:cSld>
@@ -3887,7 +3916,7 @@
           <p:cNvPr id="2" name="Title 1">
             <a:extLst>
               <a:ext uri="{FF2B5EF4-FFF2-40B4-BE49-F238E27FC236}">
-                <a16:creationId xmlns:a16="http://schemas.microsoft.com/office/drawing/2014/main" id="{AAAB41EF-2AB1-4D2E-BBC9-A14B306E819E}"/>
+                <a16:creationId xmlns:a16="http://schemas.microsoft.com/office/drawing/2014/main" xmlns="" id="{AAAB41EF-2AB1-4D2E-BBC9-A14B306E819E}"/>
               </a:ext>
             </a:extLst>
           </p:cNvPr>
@@ -3916,7 +3945,7 @@
           <p:cNvPr id="3" name="Subtitle 2">
             <a:extLst>
               <a:ext uri="{FF2B5EF4-FFF2-40B4-BE49-F238E27FC236}">
-                <a16:creationId xmlns:a16="http://schemas.microsoft.com/office/drawing/2014/main" id="{46E184DE-1C86-4F51-9453-879F48DA042D}"/>
+                <a16:creationId xmlns:a16="http://schemas.microsoft.com/office/drawing/2014/main" xmlns="" id="{46E184DE-1C86-4F51-9453-879F48DA042D}"/>
               </a:ext>
             </a:extLst>
           </p:cNvPr>
@@ -3939,7 +3968,7 @@
     </p:spTree>
     <p:extLst>
       <p:ext uri="{BB962C8B-B14F-4D97-AF65-F5344CB8AC3E}">
-        <p14:creationId xmlns:p14="http://schemas.microsoft.com/office/powerpoint/2010/main" val="2978996774"/>
+        <p14:creationId xmlns:p14="http://schemas.microsoft.com/office/powerpoint/2010/main" xmlns="" val="2978996774"/>
       </p:ext>
     </p:extLst>
   </p:cSld>
@@ -3979,7 +4008,7 @@
           <p:cNvPr id="3" name="Content Placeholder 2">
             <a:extLst>
               <a:ext uri="{FF2B5EF4-FFF2-40B4-BE49-F238E27FC236}">
-                <a16:creationId xmlns:a16="http://schemas.microsoft.com/office/drawing/2014/main" id="{16BDB5AA-CFD0-4303-8B7F-ECCF545847F6}"/>
+                <a16:creationId xmlns:a16="http://schemas.microsoft.com/office/drawing/2014/main" xmlns="" id="{16BDB5AA-CFD0-4303-8B7F-ECCF545847F6}"/>
               </a:ext>
             </a:extLst>
           </p:cNvPr>
@@ -4041,7 +4070,7 @@
           <p:cNvPr id="6" name="Content Placeholder 2">
             <a:extLst>
               <a:ext uri="{FF2B5EF4-FFF2-40B4-BE49-F238E27FC236}">
-                <a16:creationId xmlns:a16="http://schemas.microsoft.com/office/drawing/2014/main" id="{90248FE6-6618-4FD8-BEE5-96F4327C0356}"/>
+                <a16:creationId xmlns:a16="http://schemas.microsoft.com/office/drawing/2014/main" xmlns="" id="{90248FE6-6618-4FD8-BEE5-96F4327C0356}"/>
               </a:ext>
             </a:extLst>
           </p:cNvPr>
@@ -4253,7 +4282,7 @@
           <p:cNvPr id="8" name="Picture 7" descr="A picture containing airplane, aircraft, transport&#10;&#10;Description generated with high confidence">
             <a:extLst>
               <a:ext uri="{FF2B5EF4-FFF2-40B4-BE49-F238E27FC236}">
-                <a16:creationId xmlns:a16="http://schemas.microsoft.com/office/drawing/2014/main" id="{41CF9B35-C66C-4E88-8CF1-0309EE0D6159}"/>
+                <a16:creationId xmlns:a16="http://schemas.microsoft.com/office/drawing/2014/main" xmlns="" id="{41CF9B35-C66C-4E88-8CF1-0309EE0D6159}"/>
               </a:ext>
             </a:extLst>
           </p:cNvPr>
@@ -4263,10 +4292,10 @@
           <p:nvPr/>
         </p:nvPicPr>
         <p:blipFill>
-          <a:blip r:embed="rId2">
+          <a:blip r:embed="rId2" cstate="print">
             <a:extLst>
               <a:ext uri="{28A0092B-C50C-407E-A947-70E740481C1C}">
-                <a14:useLocalDpi xmlns:a14="http://schemas.microsoft.com/office/drawing/2010/main" val="0"/>
+                <a14:useLocalDpi xmlns:a14="http://schemas.microsoft.com/office/drawing/2010/main" xmlns="" val="0"/>
               </a:ext>
             </a:extLst>
           </a:blip>
@@ -4289,7 +4318,7 @@
           <p:cNvPr id="10" name="Content Placeholder 2">
             <a:extLst>
               <a:ext uri="{FF2B5EF4-FFF2-40B4-BE49-F238E27FC236}">
-                <a16:creationId xmlns:a16="http://schemas.microsoft.com/office/drawing/2014/main" id="{2A609798-F616-4492-871F-ADF6E6A88AA8}"/>
+                <a16:creationId xmlns:a16="http://schemas.microsoft.com/office/drawing/2014/main" xmlns="" id="{2A609798-F616-4492-871F-ADF6E6A88AA8}"/>
               </a:ext>
             </a:extLst>
           </p:cNvPr>
@@ -4515,7 +4544,7 @@
           <p:cNvPr id="12" name="Picture 11">
             <a:extLst>
               <a:ext uri="{FF2B5EF4-FFF2-40B4-BE49-F238E27FC236}">
-                <a16:creationId xmlns:a16="http://schemas.microsoft.com/office/drawing/2014/main" id="{69735B1A-9BF1-45B5-8F6A-251D995AF2B6}"/>
+                <a16:creationId xmlns:a16="http://schemas.microsoft.com/office/drawing/2014/main" xmlns="" id="{69735B1A-9BF1-45B5-8F6A-251D995AF2B6}"/>
               </a:ext>
             </a:extLst>
           </p:cNvPr>
@@ -4525,7 +4554,7 @@
           <p:nvPr/>
         </p:nvPicPr>
         <p:blipFill>
-          <a:blip r:embed="rId3"/>
+          <a:blip r:embed="rId3" cstate="print"/>
           <a:stretch>
             <a:fillRect/>
           </a:stretch>
@@ -4545,7 +4574,7 @@
           <p:cNvPr id="13" name="Content Placeholder 2">
             <a:extLst>
               <a:ext uri="{FF2B5EF4-FFF2-40B4-BE49-F238E27FC236}">
-                <a16:creationId xmlns:a16="http://schemas.microsoft.com/office/drawing/2014/main" id="{847EE45E-8487-4607-B6E0-7CB449999FBA}"/>
+                <a16:creationId xmlns:a16="http://schemas.microsoft.com/office/drawing/2014/main" xmlns="" id="{847EE45E-8487-4607-B6E0-7CB449999FBA}"/>
               </a:ext>
             </a:extLst>
           </p:cNvPr>
@@ -4771,7 +4800,7 @@
           <p:cNvPr id="14" name="Straight Arrow Connector 13">
             <a:extLst>
               <a:ext uri="{FF2B5EF4-FFF2-40B4-BE49-F238E27FC236}">
-                <a16:creationId xmlns:a16="http://schemas.microsoft.com/office/drawing/2014/main" id="{44DEBD10-9C76-4102-BF07-5E0FD982019A}"/>
+                <a16:creationId xmlns:a16="http://schemas.microsoft.com/office/drawing/2014/main" xmlns="" id="{44DEBD10-9C76-4102-BF07-5E0FD982019A}"/>
               </a:ext>
             </a:extLst>
           </p:cNvPr>
@@ -4815,7 +4844,7 @@
           <p:cNvPr id="15" name="Picture 14">
             <a:extLst>
               <a:ext uri="{FF2B5EF4-FFF2-40B4-BE49-F238E27FC236}">
-                <a16:creationId xmlns:a16="http://schemas.microsoft.com/office/drawing/2014/main" id="{943850CB-013A-4770-928B-E40F81675EFD}"/>
+                <a16:creationId xmlns:a16="http://schemas.microsoft.com/office/drawing/2014/main" xmlns="" id="{943850CB-013A-4770-928B-E40F81675EFD}"/>
               </a:ext>
             </a:extLst>
           </p:cNvPr>
@@ -4825,10 +4854,10 @@
           <p:nvPr/>
         </p:nvPicPr>
         <p:blipFill>
-          <a:blip r:embed="rId4">
+          <a:blip r:embed="rId4" cstate="print">
             <a:extLst>
               <a:ext uri="{28A0092B-C50C-407E-A947-70E740481C1C}">
-                <a14:useLocalDpi xmlns:a14="http://schemas.microsoft.com/office/drawing/2010/main" val="0"/>
+                <a14:useLocalDpi xmlns:a14="http://schemas.microsoft.com/office/drawing/2010/main" xmlns="" val="0"/>
               </a:ext>
             </a:extLst>
           </a:blip>
@@ -4851,7 +4880,7 @@
           <p:cNvPr id="16" name="Straight Arrow Connector 15">
             <a:extLst>
               <a:ext uri="{FF2B5EF4-FFF2-40B4-BE49-F238E27FC236}">
-                <a16:creationId xmlns:a16="http://schemas.microsoft.com/office/drawing/2014/main" id="{D98D56B1-5F73-4954-8DD6-F35556054035}"/>
+                <a16:creationId xmlns:a16="http://schemas.microsoft.com/office/drawing/2014/main" xmlns="" id="{D98D56B1-5F73-4954-8DD6-F35556054035}"/>
               </a:ext>
             </a:extLst>
           </p:cNvPr>
@@ -4895,7 +4924,7 @@
           <p:cNvPr id="17" name="Content Placeholder 2">
             <a:extLst>
               <a:ext uri="{FF2B5EF4-FFF2-40B4-BE49-F238E27FC236}">
-                <a16:creationId xmlns:a16="http://schemas.microsoft.com/office/drawing/2014/main" id="{419409FA-A156-46C0-B0AA-FDE26E8E0842}"/>
+                <a16:creationId xmlns:a16="http://schemas.microsoft.com/office/drawing/2014/main" xmlns="" id="{419409FA-A156-46C0-B0AA-FDE26E8E0842}"/>
               </a:ext>
             </a:extLst>
           </p:cNvPr>
@@ -5107,7 +5136,7 @@
           <p:cNvPr id="18" name="Content Placeholder 2">
             <a:extLst>
               <a:ext uri="{FF2B5EF4-FFF2-40B4-BE49-F238E27FC236}">
-                <a16:creationId xmlns:a16="http://schemas.microsoft.com/office/drawing/2014/main" id="{69F423C4-AB47-45E6-AD28-5C2EF617DD16}"/>
+                <a16:creationId xmlns:a16="http://schemas.microsoft.com/office/drawing/2014/main" xmlns="" id="{69F423C4-AB47-45E6-AD28-5C2EF617DD16}"/>
               </a:ext>
             </a:extLst>
           </p:cNvPr>
@@ -5319,7 +5348,7 @@
           <p:cNvPr id="20" name="Content Placeholder 2">
             <a:extLst>
               <a:ext uri="{FF2B5EF4-FFF2-40B4-BE49-F238E27FC236}">
-                <a16:creationId xmlns:a16="http://schemas.microsoft.com/office/drawing/2014/main" id="{93CE3C6B-1CE0-4F49-9821-5AEEA2814F9C}"/>
+                <a16:creationId xmlns:a16="http://schemas.microsoft.com/office/drawing/2014/main" xmlns="" id="{93CE3C6B-1CE0-4F49-9821-5AEEA2814F9C}"/>
               </a:ext>
             </a:extLst>
           </p:cNvPr>
@@ -5607,7 +5636,7 @@
           <p:cNvPr id="21" name="Picture 20">
             <a:extLst>
               <a:ext uri="{FF2B5EF4-FFF2-40B4-BE49-F238E27FC236}">
-                <a16:creationId xmlns:a16="http://schemas.microsoft.com/office/drawing/2014/main" id="{26B96B04-0101-4979-9CE5-95591F7E44ED}"/>
+                <a16:creationId xmlns:a16="http://schemas.microsoft.com/office/drawing/2014/main" xmlns="" id="{26B96B04-0101-4979-9CE5-95591F7E44ED}"/>
               </a:ext>
             </a:extLst>
           </p:cNvPr>
@@ -5617,7 +5646,7 @@
           <p:nvPr/>
         </p:nvPicPr>
         <p:blipFill>
-          <a:blip r:embed="rId5"/>
+          <a:blip r:embed="rId5" cstate="print"/>
           <a:stretch>
             <a:fillRect/>
           </a:stretch>
@@ -5637,7 +5666,7 @@
           <p:cNvPr id="19" name="Picture 18" descr="A picture containing saw&#10;&#10;Description generated with high confidence">
             <a:extLst>
               <a:ext uri="{FF2B5EF4-FFF2-40B4-BE49-F238E27FC236}">
-                <a16:creationId xmlns:a16="http://schemas.microsoft.com/office/drawing/2014/main" id="{6F83FC6B-6AC1-42B6-9194-27E889CC8871}"/>
+                <a16:creationId xmlns:a16="http://schemas.microsoft.com/office/drawing/2014/main" xmlns="" id="{6F83FC6B-6AC1-42B6-9194-27E889CC8871}"/>
               </a:ext>
             </a:extLst>
           </p:cNvPr>
@@ -5647,10 +5676,10 @@
           <p:nvPr/>
         </p:nvPicPr>
         <p:blipFill>
-          <a:blip r:embed="rId6">
+          <a:blip r:embed="rId6" cstate="print">
             <a:extLst>
               <a:ext uri="{28A0092B-C50C-407E-A947-70E740481C1C}">
-                <a14:useLocalDpi xmlns:a14="http://schemas.microsoft.com/office/drawing/2010/main" val="0"/>
+                <a14:useLocalDpi xmlns:a14="http://schemas.microsoft.com/office/drawing/2010/main" xmlns="" val="0"/>
               </a:ext>
             </a:extLst>
           </a:blip>
@@ -5673,7 +5702,7 @@
           <p:cNvPr id="22" name="Content Placeholder 2">
             <a:extLst>
               <a:ext uri="{FF2B5EF4-FFF2-40B4-BE49-F238E27FC236}">
-                <a16:creationId xmlns:a16="http://schemas.microsoft.com/office/drawing/2014/main" id="{084D799F-3956-44BB-A272-A36C5A5E3441}"/>
+                <a16:creationId xmlns:a16="http://schemas.microsoft.com/office/drawing/2014/main" xmlns="" id="{084D799F-3956-44BB-A272-A36C5A5E3441}"/>
               </a:ext>
             </a:extLst>
           </p:cNvPr>
@@ -5899,7 +5928,7 @@
           <p:cNvPr id="5" name="Straight Arrow Connector 4">
             <a:extLst>
               <a:ext uri="{FF2B5EF4-FFF2-40B4-BE49-F238E27FC236}">
-                <a16:creationId xmlns:a16="http://schemas.microsoft.com/office/drawing/2014/main" id="{2F48A442-F17A-49B3-A499-66A8D0AC1D9D}"/>
+                <a16:creationId xmlns:a16="http://schemas.microsoft.com/office/drawing/2014/main" xmlns="" id="{2F48A442-F17A-49B3-A499-66A8D0AC1D9D}"/>
               </a:ext>
             </a:extLst>
           </p:cNvPr>
@@ -5943,7 +5972,7 @@
           <p:cNvPr id="23" name="Straight Arrow Connector 22">
             <a:extLst>
               <a:ext uri="{FF2B5EF4-FFF2-40B4-BE49-F238E27FC236}">
-                <a16:creationId xmlns:a16="http://schemas.microsoft.com/office/drawing/2014/main" id="{FFA688BF-1101-48A2-8A93-505D31C9A16A}"/>
+                <a16:creationId xmlns:a16="http://schemas.microsoft.com/office/drawing/2014/main" xmlns="" id="{FFA688BF-1101-48A2-8A93-505D31C9A16A}"/>
               </a:ext>
             </a:extLst>
           </p:cNvPr>
@@ -5985,7 +6014,7 @@
     </p:spTree>
     <p:extLst>
       <p:ext uri="{BB962C8B-B14F-4D97-AF65-F5344CB8AC3E}">
-        <p14:creationId xmlns:p14="http://schemas.microsoft.com/office/powerpoint/2010/main" val="3293717209"/>
+        <p14:creationId xmlns:p14="http://schemas.microsoft.com/office/powerpoint/2010/main" xmlns="" val="3293717209"/>
       </p:ext>
     </p:extLst>
   </p:cSld>
@@ -6025,7 +6054,7 @@
           <p:cNvPr id="7" name="Content Placeholder 2">
             <a:extLst>
               <a:ext uri="{FF2B5EF4-FFF2-40B4-BE49-F238E27FC236}">
-                <a16:creationId xmlns:a16="http://schemas.microsoft.com/office/drawing/2014/main" id="{02466EF3-302C-4960-8543-BE397448108A}"/>
+                <a16:creationId xmlns:a16="http://schemas.microsoft.com/office/drawing/2014/main" xmlns="" id="{02466EF3-302C-4960-8543-BE397448108A}"/>
               </a:ext>
             </a:extLst>
           </p:cNvPr>
@@ -6237,7 +6266,7 @@
           <p:cNvPr id="9" name="Content Placeholder 2">
             <a:extLst>
               <a:ext uri="{FF2B5EF4-FFF2-40B4-BE49-F238E27FC236}">
-                <a16:creationId xmlns:a16="http://schemas.microsoft.com/office/drawing/2014/main" id="{4DFA48B5-93FD-4283-A674-9B8386D419A1}"/>
+                <a16:creationId xmlns:a16="http://schemas.microsoft.com/office/drawing/2014/main" xmlns="" id="{4DFA48B5-93FD-4283-A674-9B8386D419A1}"/>
               </a:ext>
             </a:extLst>
           </p:cNvPr>
@@ -6449,7 +6478,7 @@
           <p:cNvPr id="5" name="Content Placeholder 2">
             <a:extLst>
               <a:ext uri="{FF2B5EF4-FFF2-40B4-BE49-F238E27FC236}">
-                <a16:creationId xmlns:a16="http://schemas.microsoft.com/office/drawing/2014/main" id="{C25E2BBA-4773-4C93-B1F1-3834B607D540}"/>
+                <a16:creationId xmlns:a16="http://schemas.microsoft.com/office/drawing/2014/main" xmlns="" id="{C25E2BBA-4773-4C93-B1F1-3834B607D540}"/>
               </a:ext>
             </a:extLst>
           </p:cNvPr>
@@ -6735,7 +6764,7 @@
     </p:spTree>
     <p:extLst>
       <p:ext uri="{BB962C8B-B14F-4D97-AF65-F5344CB8AC3E}">
-        <p14:creationId xmlns:p14="http://schemas.microsoft.com/office/powerpoint/2010/main" val="1654411682"/>
+        <p14:creationId xmlns:p14="http://schemas.microsoft.com/office/powerpoint/2010/main" xmlns="" val="1654411682"/>
       </p:ext>
     </p:extLst>
   </p:cSld>
@@ -6775,7 +6804,7 @@
           <p:cNvPr id="3" name="Content Placeholder 2">
             <a:extLst>
               <a:ext uri="{FF2B5EF4-FFF2-40B4-BE49-F238E27FC236}">
-                <a16:creationId xmlns:a16="http://schemas.microsoft.com/office/drawing/2014/main" id="{16BDB5AA-CFD0-4303-8B7F-ECCF545847F6}"/>
+                <a16:creationId xmlns:a16="http://schemas.microsoft.com/office/drawing/2014/main" xmlns="" id="{16BDB5AA-CFD0-4303-8B7F-ECCF545847F6}"/>
               </a:ext>
             </a:extLst>
           </p:cNvPr>
@@ -6822,7 +6851,7 @@
           <p:cNvPr id="7" name="Content Placeholder 2">
             <a:extLst>
               <a:ext uri="{FF2B5EF4-FFF2-40B4-BE49-F238E27FC236}">
-                <a16:creationId xmlns:a16="http://schemas.microsoft.com/office/drawing/2014/main" id="{02466EF3-302C-4960-8543-BE397448108A}"/>
+                <a16:creationId xmlns:a16="http://schemas.microsoft.com/office/drawing/2014/main" xmlns="" id="{02466EF3-302C-4960-8543-BE397448108A}"/>
               </a:ext>
             </a:extLst>
           </p:cNvPr>
@@ -7059,7 +7088,7 @@
           <p:cNvPr id="6" name="Content Placeholder 2">
             <a:extLst>
               <a:ext uri="{FF2B5EF4-FFF2-40B4-BE49-F238E27FC236}">
-                <a16:creationId xmlns:a16="http://schemas.microsoft.com/office/drawing/2014/main" id="{AAA89E46-E9E7-4006-ACC1-42A9D5B3AFEE}"/>
+                <a16:creationId xmlns:a16="http://schemas.microsoft.com/office/drawing/2014/main" xmlns="" id="{AAA89E46-E9E7-4006-ACC1-42A9D5B3AFEE}"/>
               </a:ext>
             </a:extLst>
           </p:cNvPr>
@@ -7345,7 +7374,7 @@
     </p:spTree>
     <p:extLst>
       <p:ext uri="{BB962C8B-B14F-4D97-AF65-F5344CB8AC3E}">
-        <p14:creationId xmlns:p14="http://schemas.microsoft.com/office/powerpoint/2010/main" val="3044839156"/>
+        <p14:creationId xmlns:p14="http://schemas.microsoft.com/office/powerpoint/2010/main" xmlns="" val="3044839156"/>
       </p:ext>
     </p:extLst>
   </p:cSld>
@@ -7385,7 +7414,7 @@
           <p:cNvPr id="3" name="Content Placeholder 2">
             <a:extLst>
               <a:ext uri="{FF2B5EF4-FFF2-40B4-BE49-F238E27FC236}">
-                <a16:creationId xmlns:a16="http://schemas.microsoft.com/office/drawing/2014/main" id="{16BDB5AA-CFD0-4303-8B7F-ECCF545847F6}"/>
+                <a16:creationId xmlns:a16="http://schemas.microsoft.com/office/drawing/2014/main" xmlns="" id="{16BDB5AA-CFD0-4303-8B7F-ECCF545847F6}"/>
               </a:ext>
             </a:extLst>
           </p:cNvPr>
@@ -7432,7 +7461,7 @@
           <p:cNvPr id="7" name="Content Placeholder 2">
             <a:extLst>
               <a:ext uri="{FF2B5EF4-FFF2-40B4-BE49-F238E27FC236}">
-                <a16:creationId xmlns:a16="http://schemas.microsoft.com/office/drawing/2014/main" id="{02466EF3-302C-4960-8543-BE397448108A}"/>
+                <a16:creationId xmlns:a16="http://schemas.microsoft.com/office/drawing/2014/main" xmlns="" id="{02466EF3-302C-4960-8543-BE397448108A}"/>
               </a:ext>
             </a:extLst>
           </p:cNvPr>
@@ -7644,7 +7673,7 @@
           <p:cNvPr id="9" name="Content Placeholder 2">
             <a:extLst>
               <a:ext uri="{FF2B5EF4-FFF2-40B4-BE49-F238E27FC236}">
-                <a16:creationId xmlns:a16="http://schemas.microsoft.com/office/drawing/2014/main" id="{6AE46264-68D9-4CE3-A51C-8EC1E628ABC6}"/>
+                <a16:creationId xmlns:a16="http://schemas.microsoft.com/office/drawing/2014/main" xmlns="" id="{6AE46264-68D9-4CE3-A51C-8EC1E628ABC6}"/>
               </a:ext>
             </a:extLst>
           </p:cNvPr>
@@ -7856,7 +7885,7 @@
           <p:cNvPr id="10" name="Content Placeholder 2">
             <a:extLst>
               <a:ext uri="{FF2B5EF4-FFF2-40B4-BE49-F238E27FC236}">
-                <a16:creationId xmlns:a16="http://schemas.microsoft.com/office/drawing/2014/main" id="{717A175A-BDC2-4F44-A64D-3AF71AD793A5}"/>
+                <a16:creationId xmlns:a16="http://schemas.microsoft.com/office/drawing/2014/main" xmlns="" id="{717A175A-BDC2-4F44-A64D-3AF71AD793A5}"/>
               </a:ext>
             </a:extLst>
           </p:cNvPr>
@@ -8082,7 +8111,7 @@
           <p:cNvPr id="8" name="Content Placeholder 2">
             <a:extLst>
               <a:ext uri="{FF2B5EF4-FFF2-40B4-BE49-F238E27FC236}">
-                <a16:creationId xmlns:a16="http://schemas.microsoft.com/office/drawing/2014/main" id="{249CA055-F973-42B2-8C67-E6368343C83F}"/>
+                <a16:creationId xmlns:a16="http://schemas.microsoft.com/office/drawing/2014/main" xmlns="" id="{249CA055-F973-42B2-8C67-E6368343C83F}"/>
               </a:ext>
             </a:extLst>
           </p:cNvPr>
@@ -8368,7 +8397,7 @@
     </p:spTree>
     <p:extLst>
       <p:ext uri="{BB962C8B-B14F-4D97-AF65-F5344CB8AC3E}">
-        <p14:creationId xmlns:p14="http://schemas.microsoft.com/office/powerpoint/2010/main" val="2292238186"/>
+        <p14:creationId xmlns:p14="http://schemas.microsoft.com/office/powerpoint/2010/main" xmlns="" val="2292238186"/>
       </p:ext>
     </p:extLst>
   </p:cSld>
@@ -8408,7 +8437,7 @@
           <p:cNvPr id="3" name="Content Placeholder 2">
             <a:extLst>
               <a:ext uri="{FF2B5EF4-FFF2-40B4-BE49-F238E27FC236}">
-                <a16:creationId xmlns:a16="http://schemas.microsoft.com/office/drawing/2014/main" id="{16BDB5AA-CFD0-4303-8B7F-ECCF545847F6}"/>
+                <a16:creationId xmlns:a16="http://schemas.microsoft.com/office/drawing/2014/main" xmlns="" id="{16BDB5AA-CFD0-4303-8B7F-ECCF545847F6}"/>
               </a:ext>
             </a:extLst>
           </p:cNvPr>
@@ -8455,7 +8484,7 @@
           <p:cNvPr id="4" name="Content Placeholder 2">
             <a:extLst>
               <a:ext uri="{FF2B5EF4-FFF2-40B4-BE49-F238E27FC236}">
-                <a16:creationId xmlns:a16="http://schemas.microsoft.com/office/drawing/2014/main" id="{46DF36C4-BF62-41C8-87BC-20EB0ECF88CF}"/>
+                <a16:creationId xmlns:a16="http://schemas.microsoft.com/office/drawing/2014/main" xmlns="" id="{46DF36C4-BF62-41C8-87BC-20EB0ECF88CF}"/>
               </a:ext>
             </a:extLst>
           </p:cNvPr>
@@ -8697,7 +8726,7 @@
           <p:cNvPr id="7" name="Content Placeholder 2">
             <a:extLst>
               <a:ext uri="{FF2B5EF4-FFF2-40B4-BE49-F238E27FC236}">
-                <a16:creationId xmlns:a16="http://schemas.microsoft.com/office/drawing/2014/main" id="{02466EF3-302C-4960-8543-BE397448108A}"/>
+                <a16:creationId xmlns:a16="http://schemas.microsoft.com/office/drawing/2014/main" xmlns="" id="{02466EF3-302C-4960-8543-BE397448108A}"/>
               </a:ext>
             </a:extLst>
           </p:cNvPr>
@@ -8909,7 +8938,7 @@
           <p:cNvPr id="13" name="Content Placeholder 2">
             <a:extLst>
               <a:ext uri="{FF2B5EF4-FFF2-40B4-BE49-F238E27FC236}">
-                <a16:creationId xmlns:a16="http://schemas.microsoft.com/office/drawing/2014/main" id="{09FEC758-F4FE-4D66-9531-CC9DD7E88667}"/>
+                <a16:creationId xmlns:a16="http://schemas.microsoft.com/office/drawing/2014/main" xmlns="" id="{09FEC758-F4FE-4D66-9531-CC9DD7E88667}"/>
               </a:ext>
             </a:extLst>
           </p:cNvPr>
@@ -9121,7 +9150,7 @@
     </p:spTree>
     <p:extLst>
       <p:ext uri="{BB962C8B-B14F-4D97-AF65-F5344CB8AC3E}">
-        <p14:creationId xmlns:p14="http://schemas.microsoft.com/office/powerpoint/2010/main" val="571677132"/>
+        <p14:creationId xmlns:p14="http://schemas.microsoft.com/office/powerpoint/2010/main" xmlns="" val="571677132"/>
       </p:ext>
     </p:extLst>
   </p:cSld>
@@ -9153,7 +9182,7 @@
           <p:cNvPr id="2" name="Title 1">
             <a:extLst>
               <a:ext uri="{FF2B5EF4-FFF2-40B4-BE49-F238E27FC236}">
-                <a16:creationId xmlns:a16="http://schemas.microsoft.com/office/drawing/2014/main" id="{AFF449E0-8348-47FD-9D7D-7C51B5828DC4}"/>
+                <a16:creationId xmlns:a16="http://schemas.microsoft.com/office/drawing/2014/main" xmlns="" id="{AFF449E0-8348-47FD-9D7D-7C51B5828DC4}"/>
               </a:ext>
             </a:extLst>
           </p:cNvPr>
@@ -9182,7 +9211,7 @@
           <p:cNvPr id="3" name="Content Placeholder 2">
             <a:extLst>
               <a:ext uri="{FF2B5EF4-FFF2-40B4-BE49-F238E27FC236}">
-                <a16:creationId xmlns:a16="http://schemas.microsoft.com/office/drawing/2014/main" id="{71747D69-CA75-4EE3-B596-63809664DAEF}"/>
+                <a16:creationId xmlns:a16="http://schemas.microsoft.com/office/drawing/2014/main" xmlns="" id="{71747D69-CA75-4EE3-B596-63809664DAEF}"/>
               </a:ext>
             </a:extLst>
           </p:cNvPr>
@@ -9205,7 +9234,7 @@
     </p:spTree>
     <p:extLst>
       <p:ext uri="{BB962C8B-B14F-4D97-AF65-F5344CB8AC3E}">
-        <p14:creationId xmlns:p14="http://schemas.microsoft.com/office/powerpoint/2010/main" val="796604663"/>
+        <p14:creationId xmlns:p14="http://schemas.microsoft.com/office/powerpoint/2010/main" xmlns="" val="796604663"/>
       </p:ext>
     </p:extLst>
   </p:cSld>
@@ -9245,7 +9274,7 @@
           <p:cNvPr id="4" name="Content Placeholder 2">
             <a:extLst>
               <a:ext uri="{FF2B5EF4-FFF2-40B4-BE49-F238E27FC236}">
-                <a16:creationId xmlns:a16="http://schemas.microsoft.com/office/drawing/2014/main" id="{46DF36C4-BF62-41C8-87BC-20EB0ECF88CF}"/>
+                <a16:creationId xmlns:a16="http://schemas.microsoft.com/office/drawing/2014/main" xmlns="" id="{46DF36C4-BF62-41C8-87BC-20EB0ECF88CF}"/>
               </a:ext>
             </a:extLst>
           </p:cNvPr>
@@ -9452,7 +9481,7 @@
           <p:cNvPr id="7" name="Content Placeholder 2">
             <a:extLst>
               <a:ext uri="{FF2B5EF4-FFF2-40B4-BE49-F238E27FC236}">
-                <a16:creationId xmlns:a16="http://schemas.microsoft.com/office/drawing/2014/main" id="{02466EF3-302C-4960-8543-BE397448108A}"/>
+                <a16:creationId xmlns:a16="http://schemas.microsoft.com/office/drawing/2014/main" xmlns="" id="{02466EF3-302C-4960-8543-BE397448108A}"/>
               </a:ext>
             </a:extLst>
           </p:cNvPr>
@@ -9664,7 +9693,7 @@
           <p:cNvPr id="9" name="Content Placeholder 2">
             <a:extLst>
               <a:ext uri="{FF2B5EF4-FFF2-40B4-BE49-F238E27FC236}">
-                <a16:creationId xmlns:a16="http://schemas.microsoft.com/office/drawing/2014/main" id="{6AE46264-68D9-4CE3-A51C-8EC1E628ABC6}"/>
+                <a16:creationId xmlns:a16="http://schemas.microsoft.com/office/drawing/2014/main" xmlns="" id="{6AE46264-68D9-4CE3-A51C-8EC1E628ABC6}"/>
               </a:ext>
             </a:extLst>
           </p:cNvPr>
@@ -9873,7 +9902,7 @@
     </p:spTree>
     <p:extLst>
       <p:ext uri="{BB962C8B-B14F-4D97-AF65-F5344CB8AC3E}">
-        <p14:creationId xmlns:p14="http://schemas.microsoft.com/office/powerpoint/2010/main" val="4192826454"/>
+        <p14:creationId xmlns:p14="http://schemas.microsoft.com/office/powerpoint/2010/main" xmlns="" val="4192826454"/>
       </p:ext>
     </p:extLst>
   </p:cSld>
@@ -9913,7 +9942,7 @@
           <p:cNvPr id="3" name="Content Placeholder 2">
             <a:extLst>
               <a:ext uri="{FF2B5EF4-FFF2-40B4-BE49-F238E27FC236}">
-                <a16:creationId xmlns:a16="http://schemas.microsoft.com/office/drawing/2014/main" id="{16BDB5AA-CFD0-4303-8B7F-ECCF545847F6}"/>
+                <a16:creationId xmlns:a16="http://schemas.microsoft.com/office/drawing/2014/main" xmlns="" id="{16BDB5AA-CFD0-4303-8B7F-ECCF545847F6}"/>
               </a:ext>
             </a:extLst>
           </p:cNvPr>
@@ -9976,7 +10005,7 @@
           <p:cNvPr id="7" name="Content Placeholder 2">
             <a:extLst>
               <a:ext uri="{FF2B5EF4-FFF2-40B4-BE49-F238E27FC236}">
-                <a16:creationId xmlns:a16="http://schemas.microsoft.com/office/drawing/2014/main" id="{02466EF3-302C-4960-8543-BE397448108A}"/>
+                <a16:creationId xmlns:a16="http://schemas.microsoft.com/office/drawing/2014/main" xmlns="" id="{02466EF3-302C-4960-8543-BE397448108A}"/>
               </a:ext>
             </a:extLst>
           </p:cNvPr>
@@ -9987,8 +10016,8 @@
         </p:nvSpPr>
         <p:spPr>
           <a:xfrm>
-            <a:off x="1223986" y="1348896"/>
-            <a:ext cx="9744021" cy="1945190"/>
+            <a:off x="1223990" y="1669909"/>
+            <a:ext cx="9744021" cy="839827"/>
           </a:xfrm>
           <a:prstGeom prst="rect">
             <a:avLst/>
@@ -9996,7 +10025,7 @@
         </p:spPr>
         <p:txBody>
           <a:bodyPr vert="horz" lIns="91440" tIns="45720" rIns="91440" bIns="45720" rtlCol="0">
-            <a:normAutofit fontScale="92500"/>
+            <a:normAutofit/>
           </a:bodyPr>
           <a:lstStyle>
             <a:lvl1pPr marL="228600" indent="-228600" algn="l" defTabSz="914400" rtl="0" eaLnBrk="1" latinLnBrk="0" hangingPunct="1">
@@ -10167,37 +10196,22 @@
               <a:buNone/>
             </a:pPr>
             <a:r>
-              <a:rPr lang="pl-PL" sz="2400" dirty="0">
-                <a:solidFill>
-                  <a:schemeClr val="bg1"/>
-                </a:solidFill>
-              </a:rPr>
-              <a:t>Zadanie eksperymentalne polega na tym, że należy odkryć w jakim stopniu Pani/Pana naciśnięcie lewego, bądź prawego klawisza powodują wyświetlenie się konkretnego koloru.</a:t>
-            </a:r>
-          </a:p>
-          <a:p>
-            <a:pPr marL="0" lvl="0" indent="0" algn="ctr">
-              <a:buNone/>
-            </a:pPr>
-            <a:endParaRPr kumimoji="0" lang="pl-PL" sz="2400" b="0" i="0" u="none" strike="noStrike" kern="1200" cap="none" spc="0" normalizeH="0" baseline="0" noProof="0" dirty="0">
-              <a:ln>
-                <a:noFill/>
-              </a:ln>
-              <a:solidFill>
-                <a:prstClr val="white"/>
-              </a:solidFill>
-              <a:effectLst/>
-              <a:uLnTx/>
-              <a:uFillTx/>
-              <a:latin typeface="Calibri" panose="020F0502020204030204"/>
-              <a:ea typeface="+mn-ea"/>
-              <a:cs typeface="+mn-cs"/>
-            </a:endParaRPr>
-          </a:p>
-          <a:p>
-            <a:pPr marL="0" lvl="0" indent="0" algn="ctr">
-              <a:buNone/>
-            </a:pPr>
+              <a:rPr kumimoji="0" lang="pl-PL" sz="2400" b="0" i="0" u="none" strike="noStrike" kern="1200" cap="none" spc="0" normalizeH="0" baseline="0" noProof="0" dirty="0" smtClean="0">
+                <a:ln>
+                  <a:noFill/>
+                </a:ln>
+                <a:solidFill>
+                  <a:prstClr val="white"/>
+                </a:solidFill>
+                <a:effectLst/>
+                <a:uLnTx/>
+                <a:uFillTx/>
+                <a:latin typeface="Calibri" panose="020F0502020204030204"/>
+                <a:ea typeface="+mn-ea"/>
+                <a:cs typeface="+mn-cs"/>
+              </a:rPr>
+              <a:t>Prosimy </a:t>
+            </a:r>
             <a:r>
               <a:rPr kumimoji="0" lang="pl-PL" sz="2400" b="0" i="0" u="none" strike="noStrike" kern="1200" cap="none" spc="0" normalizeH="0" baseline="0" noProof="0" dirty="0">
                 <a:ln>
@@ -10213,7 +10227,7 @@
                 <a:ea typeface="+mn-ea"/>
                 <a:cs typeface="+mn-cs"/>
               </a:rPr>
-              <a:t>Prosimy oceniać swoje poczucie kontroli nad wywołaniem danego koloru na skali:</a:t>
+              <a:t>oceniać swoje poczucie kontroli nad wywołaniem danego koloru na skali:</a:t>
             </a:r>
             <a:endParaRPr kumimoji="0" lang="en-US" sz="2400" b="0" i="0" u="none" strike="noStrike" kern="1200" cap="none" spc="0" normalizeH="0" baseline="0" noProof="0" dirty="0">
               <a:ln>
@@ -10237,7 +10251,7 @@
           <p:cNvPr id="9" name="Content Placeholder 2">
             <a:extLst>
               <a:ext uri="{FF2B5EF4-FFF2-40B4-BE49-F238E27FC236}">
-                <a16:creationId xmlns:a16="http://schemas.microsoft.com/office/drawing/2014/main" id="{4EF53457-C4EA-4F98-B682-2CECBF99F20B}"/>
+                <a16:creationId xmlns:a16="http://schemas.microsoft.com/office/drawing/2014/main" xmlns="" id="{4EF53457-C4EA-4F98-B682-2CECBF99F20B}"/>
               </a:ext>
             </a:extLst>
           </p:cNvPr>
@@ -10456,7 +10470,41 @@
                 <a:ea typeface="+mn-ea"/>
                 <a:cs typeface="+mn-cs"/>
               </a:rPr>
-              <a:t>Po skali porusza się używając klawiszy „</a:t>
+              <a:t>Po skali </a:t>
+            </a:r>
+            <a:r>
+              <a:rPr kumimoji="0" lang="pl-PL" sz="2400" b="0" i="0" u="none" strike="noStrike" kern="1200" cap="none" spc="0" normalizeH="0" baseline="0" noProof="0" dirty="0" smtClean="0">
+                <a:ln>
+                  <a:noFill/>
+                </a:ln>
+                <a:solidFill>
+                  <a:prstClr val="white"/>
+                </a:solidFill>
+                <a:effectLst/>
+                <a:uLnTx/>
+                <a:uFillTx/>
+                <a:latin typeface="Calibri" panose="020F0502020204030204"/>
+                <a:ea typeface="+mn-ea"/>
+                <a:cs typeface="+mn-cs"/>
+              </a:rPr>
+              <a:t>proszę poruszać </a:t>
+            </a:r>
+            <a:r>
+              <a:rPr kumimoji="0" lang="pl-PL" sz="2400" b="0" i="0" u="none" strike="noStrike" kern="1200" cap="none" spc="0" normalizeH="0" baseline="0" noProof="0" dirty="0">
+                <a:ln>
+                  <a:noFill/>
+                </a:ln>
+                <a:solidFill>
+                  <a:prstClr val="white"/>
+                </a:solidFill>
+                <a:effectLst/>
+                <a:uLnTx/>
+                <a:uFillTx/>
+                <a:latin typeface="Calibri" panose="020F0502020204030204"/>
+                <a:ea typeface="+mn-ea"/>
+                <a:cs typeface="+mn-cs"/>
+              </a:rPr>
+              <a:t>się używając klawiszy „</a:t>
             </a:r>
             <a:r>
               <a:rPr kumimoji="0" lang="en-US" sz="2400" b="0" i="0" u="none" strike="noStrike" kern="1200" cap="none" spc="0" normalizeH="0" baseline="0" noProof="0" dirty="0">
@@ -10650,7 +10698,7 @@
           <p:cNvPr id="10" name="Content Placeholder 2">
             <a:extLst>
               <a:ext uri="{FF2B5EF4-FFF2-40B4-BE49-F238E27FC236}">
-                <a16:creationId xmlns:a16="http://schemas.microsoft.com/office/drawing/2014/main" id="{D509D985-8D79-4F4F-B16C-CBD1ED1FBCF6}"/>
+                <a16:creationId xmlns:a16="http://schemas.microsoft.com/office/drawing/2014/main" xmlns="" id="{D509D985-8D79-4F4F-B16C-CBD1ED1FBCF6}"/>
               </a:ext>
             </a:extLst>
           </p:cNvPr>
@@ -10876,7 +10924,7 @@
           <p:cNvPr id="2" name="Picture 1">
             <a:extLst>
               <a:ext uri="{FF2B5EF4-FFF2-40B4-BE49-F238E27FC236}">
-                <a16:creationId xmlns:a16="http://schemas.microsoft.com/office/drawing/2014/main" id="{E8756F97-DA66-4705-98BF-14ABCD4D7DCA}"/>
+                <a16:creationId xmlns:a16="http://schemas.microsoft.com/office/drawing/2014/main" xmlns="" id="{E8756F97-DA66-4705-98BF-14ABCD4D7DCA}"/>
               </a:ext>
             </a:extLst>
           </p:cNvPr>
@@ -10886,14 +10934,14 @@
           <p:nvPr/>
         </p:nvPicPr>
         <p:blipFill>
-          <a:blip r:embed="rId2"/>
+          <a:blip r:embed="rId2" cstate="print"/>
           <a:stretch>
             <a:fillRect/>
           </a:stretch>
         </p:blipFill>
         <p:spPr>
           <a:xfrm>
-            <a:off x="3552822" y="3294086"/>
+            <a:off x="3552825" y="2438052"/>
             <a:ext cx="5086350" cy="1504950"/>
           </a:xfrm>
           <a:prstGeom prst="rect">
@@ -10906,7 +10954,7 @@
           <p:cNvPr id="11" name="Content Placeholder 2">
             <a:extLst>
               <a:ext uri="{FF2B5EF4-FFF2-40B4-BE49-F238E27FC236}">
-                <a16:creationId xmlns:a16="http://schemas.microsoft.com/office/drawing/2014/main" id="{45F9B9AB-32F4-41B5-BEB2-F8CFAA6565AD}"/>
+                <a16:creationId xmlns:a16="http://schemas.microsoft.com/office/drawing/2014/main" xmlns="" id="{45F9B9AB-32F4-41B5-BEB2-F8CFAA6565AD}"/>
               </a:ext>
             </a:extLst>
           </p:cNvPr>
@@ -11319,7 +11367,7 @@
     </p:spTree>
     <p:extLst>
       <p:ext uri="{BB962C8B-B14F-4D97-AF65-F5344CB8AC3E}">
-        <p14:creationId xmlns:p14="http://schemas.microsoft.com/office/powerpoint/2010/main" val="2035428680"/>
+        <p14:creationId xmlns:p14="http://schemas.microsoft.com/office/powerpoint/2010/main" xmlns="" val="2035428680"/>
       </p:ext>
     </p:extLst>
   </p:cSld>
@@ -11356,10 +11404,465 @@
       </p:grpSpPr>
       <p:sp>
         <p:nvSpPr>
-          <p:cNvPr id="4" name="Content Placeholder 2">
+          <p:cNvPr id="7" name="Content Placeholder 2">
             <a:extLst>
               <a:ext uri="{FF2B5EF4-FFF2-40B4-BE49-F238E27FC236}">
-                <a16:creationId xmlns:a16="http://schemas.microsoft.com/office/drawing/2014/main" id="{46DF36C4-BF62-41C8-87BC-20EB0ECF88CF}"/>
+                <a16:creationId xmlns:a16="http://schemas.microsoft.com/office/drawing/2014/main" xmlns="" id="{02466EF3-302C-4960-8543-BE397448108A}"/>
+              </a:ext>
+            </a:extLst>
+          </p:cNvPr>
+          <p:cNvSpPr txBox="1">
+            <a:spLocks/>
+          </p:cNvSpPr>
+          <p:nvPr/>
+        </p:nvSpPr>
+        <p:spPr>
+          <a:xfrm>
+            <a:off x="983266" y="4831412"/>
+            <a:ext cx="10225469" cy="509086"/>
+          </a:xfrm>
+          <a:prstGeom prst="rect">
+            <a:avLst/>
+          </a:prstGeom>
+        </p:spPr>
+        <p:txBody>
+          <a:bodyPr vert="horz" lIns="91440" tIns="45720" rIns="91440" bIns="45720" rtlCol="0">
+            <a:normAutofit/>
+          </a:bodyPr>
+          <a:lstStyle>
+            <a:lvl1pPr marL="228600" indent="-228600" algn="l" defTabSz="914400" rtl="0" eaLnBrk="1" latinLnBrk="0" hangingPunct="1">
+              <a:lnSpc>
+                <a:spcPct val="90000"/>
+              </a:lnSpc>
+              <a:spcBef>
+                <a:spcPts val="1000"/>
+              </a:spcBef>
+              <a:buFont typeface="Arial" panose="020B0604020202020204" pitchFamily="34" charset="0"/>
+              <a:buChar char="•"/>
+              <a:defRPr sz="2800" kern="1200">
+                <a:solidFill>
+                  <a:schemeClr val="tx1"/>
+                </a:solidFill>
+                <a:latin typeface="+mn-lt"/>
+                <a:ea typeface="+mn-ea"/>
+                <a:cs typeface="+mn-cs"/>
+              </a:defRPr>
+            </a:lvl1pPr>
+            <a:lvl2pPr marL="685800" indent="-228600" algn="l" defTabSz="914400" rtl="0" eaLnBrk="1" latinLnBrk="0" hangingPunct="1">
+              <a:lnSpc>
+                <a:spcPct val="90000"/>
+              </a:lnSpc>
+              <a:spcBef>
+                <a:spcPts val="500"/>
+              </a:spcBef>
+              <a:buFont typeface="Arial" panose="020B0604020202020204" pitchFamily="34" charset="0"/>
+              <a:buChar char="•"/>
+              <a:defRPr sz="2400" kern="1200">
+                <a:solidFill>
+                  <a:schemeClr val="tx1"/>
+                </a:solidFill>
+                <a:latin typeface="+mn-lt"/>
+                <a:ea typeface="+mn-ea"/>
+                <a:cs typeface="+mn-cs"/>
+              </a:defRPr>
+            </a:lvl2pPr>
+            <a:lvl3pPr marL="1143000" indent="-228600" algn="l" defTabSz="914400" rtl="0" eaLnBrk="1" latinLnBrk="0" hangingPunct="1">
+              <a:lnSpc>
+                <a:spcPct val="90000"/>
+              </a:lnSpc>
+              <a:spcBef>
+                <a:spcPts val="500"/>
+              </a:spcBef>
+              <a:buFont typeface="Arial" panose="020B0604020202020204" pitchFamily="34" charset="0"/>
+              <a:buChar char="•"/>
+              <a:defRPr sz="2000" kern="1200">
+                <a:solidFill>
+                  <a:schemeClr val="tx1"/>
+                </a:solidFill>
+                <a:latin typeface="+mn-lt"/>
+                <a:ea typeface="+mn-ea"/>
+                <a:cs typeface="+mn-cs"/>
+              </a:defRPr>
+            </a:lvl3pPr>
+            <a:lvl4pPr marL="1600200" indent="-228600" algn="l" defTabSz="914400" rtl="0" eaLnBrk="1" latinLnBrk="0" hangingPunct="1">
+              <a:lnSpc>
+                <a:spcPct val="90000"/>
+              </a:lnSpc>
+              <a:spcBef>
+                <a:spcPts val="500"/>
+              </a:spcBef>
+              <a:buFont typeface="Arial" panose="020B0604020202020204" pitchFamily="34" charset="0"/>
+              <a:buChar char="•"/>
+              <a:defRPr sz="1800" kern="1200">
+                <a:solidFill>
+                  <a:schemeClr val="tx1"/>
+                </a:solidFill>
+                <a:latin typeface="+mn-lt"/>
+                <a:ea typeface="+mn-ea"/>
+                <a:cs typeface="+mn-cs"/>
+              </a:defRPr>
+            </a:lvl4pPr>
+            <a:lvl5pPr marL="2057400" indent="-228600" algn="l" defTabSz="914400" rtl="0" eaLnBrk="1" latinLnBrk="0" hangingPunct="1">
+              <a:lnSpc>
+                <a:spcPct val="90000"/>
+              </a:lnSpc>
+              <a:spcBef>
+                <a:spcPts val="500"/>
+              </a:spcBef>
+              <a:buFont typeface="Arial" panose="020B0604020202020204" pitchFamily="34" charset="0"/>
+              <a:buChar char="•"/>
+              <a:defRPr sz="1800" kern="1200">
+                <a:solidFill>
+                  <a:schemeClr val="tx1"/>
+                </a:solidFill>
+                <a:latin typeface="+mn-lt"/>
+                <a:ea typeface="+mn-ea"/>
+                <a:cs typeface="+mn-cs"/>
+              </a:defRPr>
+            </a:lvl5pPr>
+            <a:lvl6pPr marL="2514600" indent="-228600" algn="l" defTabSz="914400" rtl="0" eaLnBrk="1" latinLnBrk="0" hangingPunct="1">
+              <a:lnSpc>
+                <a:spcPct val="90000"/>
+              </a:lnSpc>
+              <a:spcBef>
+                <a:spcPts val="500"/>
+              </a:spcBef>
+              <a:buFont typeface="Arial" panose="020B0604020202020204" pitchFamily="34" charset="0"/>
+              <a:buChar char="•"/>
+              <a:defRPr sz="1800" kern="1200">
+                <a:solidFill>
+                  <a:schemeClr val="tx1"/>
+                </a:solidFill>
+                <a:latin typeface="+mn-lt"/>
+                <a:ea typeface="+mn-ea"/>
+                <a:cs typeface="+mn-cs"/>
+              </a:defRPr>
+            </a:lvl6pPr>
+            <a:lvl7pPr marL="2971800" indent="-228600" algn="l" defTabSz="914400" rtl="0" eaLnBrk="1" latinLnBrk="0" hangingPunct="1">
+              <a:lnSpc>
+                <a:spcPct val="90000"/>
+              </a:lnSpc>
+              <a:spcBef>
+                <a:spcPts val="500"/>
+              </a:spcBef>
+              <a:buFont typeface="Arial" panose="020B0604020202020204" pitchFamily="34" charset="0"/>
+              <a:buChar char="•"/>
+              <a:defRPr sz="1800" kern="1200">
+                <a:solidFill>
+                  <a:schemeClr val="tx1"/>
+                </a:solidFill>
+                <a:latin typeface="+mn-lt"/>
+                <a:ea typeface="+mn-ea"/>
+                <a:cs typeface="+mn-cs"/>
+              </a:defRPr>
+            </a:lvl7pPr>
+            <a:lvl8pPr marL="3429000" indent="-228600" algn="l" defTabSz="914400" rtl="0" eaLnBrk="1" latinLnBrk="0" hangingPunct="1">
+              <a:lnSpc>
+                <a:spcPct val="90000"/>
+              </a:lnSpc>
+              <a:spcBef>
+                <a:spcPts val="500"/>
+              </a:spcBef>
+              <a:buFont typeface="Arial" panose="020B0604020202020204" pitchFamily="34" charset="0"/>
+              <a:buChar char="•"/>
+              <a:defRPr sz="1800" kern="1200">
+                <a:solidFill>
+                  <a:schemeClr val="tx1"/>
+                </a:solidFill>
+                <a:latin typeface="+mn-lt"/>
+                <a:ea typeface="+mn-ea"/>
+                <a:cs typeface="+mn-cs"/>
+              </a:defRPr>
+            </a:lvl8pPr>
+            <a:lvl9pPr marL="3886200" indent="-228600" algn="l" defTabSz="914400" rtl="0" eaLnBrk="1" latinLnBrk="0" hangingPunct="1">
+              <a:lnSpc>
+                <a:spcPct val="90000"/>
+              </a:lnSpc>
+              <a:spcBef>
+                <a:spcPts val="500"/>
+              </a:spcBef>
+              <a:buFont typeface="Arial" panose="020B0604020202020204" pitchFamily="34" charset="0"/>
+              <a:buChar char="•"/>
+              <a:defRPr sz="1800" kern="1200">
+                <a:solidFill>
+                  <a:schemeClr val="tx1"/>
+                </a:solidFill>
+                <a:latin typeface="+mn-lt"/>
+                <a:ea typeface="+mn-ea"/>
+                <a:cs typeface="+mn-cs"/>
+              </a:defRPr>
+            </a:lvl9pPr>
+          </a:lstStyle>
+          <a:p>
+            <a:pPr marL="0" lvl="0" indent="0" algn="ctr">
+              <a:buNone/>
+            </a:pPr>
+            <a:r>
+              <a:rPr lang="pl-PL" sz="2400" dirty="0" smtClean="0">
+                <a:solidFill>
+                  <a:schemeClr val="bg1"/>
+                </a:solidFill>
+              </a:rPr>
+              <a:t>Prosimy kierować się intuicją w ocenie swojego poczucia kontroli.</a:t>
+            </a:r>
+            <a:endParaRPr kumimoji="0" lang="en-US" sz="2400" b="0" i="0" u="none" strike="noStrike" kern="1200" cap="none" spc="0" normalizeH="0" baseline="0" noProof="0" dirty="0">
+              <a:ln>
+                <a:noFill/>
+              </a:ln>
+              <a:solidFill>
+                <a:prstClr val="white"/>
+              </a:solidFill>
+              <a:effectLst/>
+              <a:uLnTx/>
+              <a:uFillTx/>
+              <a:latin typeface="Calibri" panose="020F0502020204030204"/>
+              <a:ea typeface="+mn-ea"/>
+              <a:cs typeface="+mn-cs"/>
+            </a:endParaRPr>
+          </a:p>
+        </p:txBody>
+      </p:sp>
+      <p:sp>
+        <p:nvSpPr>
+          <p:cNvPr id="9" name="Content Placeholder 2">
+            <a:extLst>
+              <a:ext uri="{FF2B5EF4-FFF2-40B4-BE49-F238E27FC236}">
+                <a16:creationId xmlns:a16="http://schemas.microsoft.com/office/drawing/2014/main" xmlns="" id="{4EF53457-C4EA-4F98-B682-2CECBF99F20B}"/>
+              </a:ext>
+            </a:extLst>
+          </p:cNvPr>
+          <p:cNvSpPr txBox="1">
+            <a:spLocks/>
+          </p:cNvSpPr>
+          <p:nvPr/>
+        </p:nvSpPr>
+        <p:spPr>
+          <a:xfrm>
+            <a:off x="1223990" y="279205"/>
+            <a:ext cx="9744021" cy="1064595"/>
+          </a:xfrm>
+          <a:prstGeom prst="rect">
+            <a:avLst/>
+          </a:prstGeom>
+        </p:spPr>
+        <p:txBody>
+          <a:bodyPr vert="horz" lIns="91440" tIns="45720" rIns="91440" bIns="45720" rtlCol="0">
+            <a:normAutofit/>
+          </a:bodyPr>
+          <a:lstStyle>
+            <a:lvl1pPr marL="228600" indent="-228600" algn="l" defTabSz="914400" rtl="0" eaLnBrk="1" latinLnBrk="0" hangingPunct="1">
+              <a:lnSpc>
+                <a:spcPct val="90000"/>
+              </a:lnSpc>
+              <a:spcBef>
+                <a:spcPts val="1000"/>
+              </a:spcBef>
+              <a:buFont typeface="Arial" panose="020B0604020202020204" pitchFamily="34" charset="0"/>
+              <a:buChar char="•"/>
+              <a:defRPr sz="2800" kern="1200">
+                <a:solidFill>
+                  <a:schemeClr val="tx1"/>
+                </a:solidFill>
+                <a:latin typeface="+mn-lt"/>
+                <a:ea typeface="+mn-ea"/>
+                <a:cs typeface="+mn-cs"/>
+              </a:defRPr>
+            </a:lvl1pPr>
+            <a:lvl2pPr marL="685800" indent="-228600" algn="l" defTabSz="914400" rtl="0" eaLnBrk="1" latinLnBrk="0" hangingPunct="1">
+              <a:lnSpc>
+                <a:spcPct val="90000"/>
+              </a:lnSpc>
+              <a:spcBef>
+                <a:spcPts val="500"/>
+              </a:spcBef>
+              <a:buFont typeface="Arial" panose="020B0604020202020204" pitchFamily="34" charset="0"/>
+              <a:buChar char="•"/>
+              <a:defRPr sz="2400" kern="1200">
+                <a:solidFill>
+                  <a:schemeClr val="tx1"/>
+                </a:solidFill>
+                <a:latin typeface="+mn-lt"/>
+                <a:ea typeface="+mn-ea"/>
+                <a:cs typeface="+mn-cs"/>
+              </a:defRPr>
+            </a:lvl2pPr>
+            <a:lvl3pPr marL="1143000" indent="-228600" algn="l" defTabSz="914400" rtl="0" eaLnBrk="1" latinLnBrk="0" hangingPunct="1">
+              <a:lnSpc>
+                <a:spcPct val="90000"/>
+              </a:lnSpc>
+              <a:spcBef>
+                <a:spcPts val="500"/>
+              </a:spcBef>
+              <a:buFont typeface="Arial" panose="020B0604020202020204" pitchFamily="34" charset="0"/>
+              <a:buChar char="•"/>
+              <a:defRPr sz="2000" kern="1200">
+                <a:solidFill>
+                  <a:schemeClr val="tx1"/>
+                </a:solidFill>
+                <a:latin typeface="+mn-lt"/>
+                <a:ea typeface="+mn-ea"/>
+                <a:cs typeface="+mn-cs"/>
+              </a:defRPr>
+            </a:lvl3pPr>
+            <a:lvl4pPr marL="1600200" indent="-228600" algn="l" defTabSz="914400" rtl="0" eaLnBrk="1" latinLnBrk="0" hangingPunct="1">
+              <a:lnSpc>
+                <a:spcPct val="90000"/>
+              </a:lnSpc>
+              <a:spcBef>
+                <a:spcPts val="500"/>
+              </a:spcBef>
+              <a:buFont typeface="Arial" panose="020B0604020202020204" pitchFamily="34" charset="0"/>
+              <a:buChar char="•"/>
+              <a:defRPr sz="1800" kern="1200">
+                <a:solidFill>
+                  <a:schemeClr val="tx1"/>
+                </a:solidFill>
+                <a:latin typeface="+mn-lt"/>
+                <a:ea typeface="+mn-ea"/>
+                <a:cs typeface="+mn-cs"/>
+              </a:defRPr>
+            </a:lvl4pPr>
+            <a:lvl5pPr marL="2057400" indent="-228600" algn="l" defTabSz="914400" rtl="0" eaLnBrk="1" latinLnBrk="0" hangingPunct="1">
+              <a:lnSpc>
+                <a:spcPct val="90000"/>
+              </a:lnSpc>
+              <a:spcBef>
+                <a:spcPts val="500"/>
+              </a:spcBef>
+              <a:buFont typeface="Arial" panose="020B0604020202020204" pitchFamily="34" charset="0"/>
+              <a:buChar char="•"/>
+              <a:defRPr sz="1800" kern="1200">
+                <a:solidFill>
+                  <a:schemeClr val="tx1"/>
+                </a:solidFill>
+                <a:latin typeface="+mn-lt"/>
+                <a:ea typeface="+mn-ea"/>
+                <a:cs typeface="+mn-cs"/>
+              </a:defRPr>
+            </a:lvl5pPr>
+            <a:lvl6pPr marL="2514600" indent="-228600" algn="l" defTabSz="914400" rtl="0" eaLnBrk="1" latinLnBrk="0" hangingPunct="1">
+              <a:lnSpc>
+                <a:spcPct val="90000"/>
+              </a:lnSpc>
+              <a:spcBef>
+                <a:spcPts val="500"/>
+              </a:spcBef>
+              <a:buFont typeface="Arial" panose="020B0604020202020204" pitchFamily="34" charset="0"/>
+              <a:buChar char="•"/>
+              <a:defRPr sz="1800" kern="1200">
+                <a:solidFill>
+                  <a:schemeClr val="tx1"/>
+                </a:solidFill>
+                <a:latin typeface="+mn-lt"/>
+                <a:ea typeface="+mn-ea"/>
+                <a:cs typeface="+mn-cs"/>
+              </a:defRPr>
+            </a:lvl6pPr>
+            <a:lvl7pPr marL="2971800" indent="-228600" algn="l" defTabSz="914400" rtl="0" eaLnBrk="1" latinLnBrk="0" hangingPunct="1">
+              <a:lnSpc>
+                <a:spcPct val="90000"/>
+              </a:lnSpc>
+              <a:spcBef>
+                <a:spcPts val="500"/>
+              </a:spcBef>
+              <a:buFont typeface="Arial" panose="020B0604020202020204" pitchFamily="34" charset="0"/>
+              <a:buChar char="•"/>
+              <a:defRPr sz="1800" kern="1200">
+                <a:solidFill>
+                  <a:schemeClr val="tx1"/>
+                </a:solidFill>
+                <a:latin typeface="+mn-lt"/>
+                <a:ea typeface="+mn-ea"/>
+                <a:cs typeface="+mn-cs"/>
+              </a:defRPr>
+            </a:lvl7pPr>
+            <a:lvl8pPr marL="3429000" indent="-228600" algn="l" defTabSz="914400" rtl="0" eaLnBrk="1" latinLnBrk="0" hangingPunct="1">
+              <a:lnSpc>
+                <a:spcPct val="90000"/>
+              </a:lnSpc>
+              <a:spcBef>
+                <a:spcPts val="500"/>
+              </a:spcBef>
+              <a:buFont typeface="Arial" panose="020B0604020202020204" pitchFamily="34" charset="0"/>
+              <a:buChar char="•"/>
+              <a:defRPr sz="1800" kern="1200">
+                <a:solidFill>
+                  <a:schemeClr val="tx1"/>
+                </a:solidFill>
+                <a:latin typeface="+mn-lt"/>
+                <a:ea typeface="+mn-ea"/>
+                <a:cs typeface="+mn-cs"/>
+              </a:defRPr>
+            </a:lvl8pPr>
+            <a:lvl9pPr marL="3886200" indent="-228600" algn="l" defTabSz="914400" rtl="0" eaLnBrk="1" latinLnBrk="0" hangingPunct="1">
+              <a:lnSpc>
+                <a:spcPct val="90000"/>
+              </a:lnSpc>
+              <a:spcBef>
+                <a:spcPts val="500"/>
+              </a:spcBef>
+              <a:buFont typeface="Arial" panose="020B0604020202020204" pitchFamily="34" charset="0"/>
+              <a:buChar char="•"/>
+              <a:defRPr sz="1800" kern="1200">
+                <a:solidFill>
+                  <a:schemeClr val="tx1"/>
+                </a:solidFill>
+                <a:latin typeface="+mn-lt"/>
+                <a:ea typeface="+mn-ea"/>
+                <a:cs typeface="+mn-cs"/>
+              </a:defRPr>
+            </a:lvl9pPr>
+          </a:lstStyle>
+          <a:p>
+            <a:pPr marL="0" marR="0" lvl="0" indent="0" algn="ctr" defTabSz="914400" rtl="0" eaLnBrk="1" fontAlgn="auto" latinLnBrk="0" hangingPunct="1">
+              <a:lnSpc>
+                <a:spcPct val="90000"/>
+              </a:lnSpc>
+              <a:spcBef>
+                <a:spcPts val="1000"/>
+              </a:spcBef>
+              <a:spcAft>
+                <a:spcPts val="0"/>
+              </a:spcAft>
+              <a:buClrTx/>
+              <a:buSzTx/>
+              <a:buFont typeface="Arial" panose="020B0604020202020204" pitchFamily="34" charset="0"/>
+              <a:buNone/>
+              <a:tabLst/>
+              <a:defRPr/>
+            </a:pPr>
+            <a:r>
+              <a:rPr lang="pl-PL" sz="2400" dirty="0" smtClean="0">
+                <a:solidFill>
+                  <a:prstClr val="white"/>
+                </a:solidFill>
+                <a:latin typeface="Calibri" panose="020F0502020204030204"/>
+              </a:rPr>
+              <a:t>Prosimy, żeby Pani/Pan różnicował/a poczucie kontroli między kolorami np. w następujący sposób: </a:t>
+            </a:r>
+            <a:endParaRPr kumimoji="0" lang="en-US" sz="2400" b="0" i="0" u="none" strike="noStrike" kern="1200" cap="none" spc="0" normalizeH="0" baseline="0" noProof="0" dirty="0">
+              <a:ln>
+                <a:noFill/>
+              </a:ln>
+              <a:solidFill>
+                <a:prstClr val="white"/>
+              </a:solidFill>
+              <a:effectLst/>
+              <a:uLnTx/>
+              <a:uFillTx/>
+              <a:latin typeface="Calibri" panose="020F0502020204030204"/>
+              <a:ea typeface="+mn-ea"/>
+              <a:cs typeface="+mn-cs"/>
+            </a:endParaRPr>
+          </a:p>
+        </p:txBody>
+      </p:sp>
+      <p:sp>
+        <p:nvSpPr>
+          <p:cNvPr id="11" name="Content Placeholder 2">
+            <a:extLst>
+              <a:ext uri="{FF2B5EF4-FFF2-40B4-BE49-F238E27FC236}">
+                <a16:creationId xmlns:a16="http://schemas.microsoft.com/office/drawing/2014/main" xmlns="" id="{45F9B9AB-32F4-41B5-BEB2-F8CFAA6565AD}"/>
               </a:ext>
             </a:extLst>
           </p:cNvPr>
@@ -11546,6 +12049,1084 @@
             </a:lvl9pPr>
           </a:lstStyle>
           <a:p>
+            <a:pPr marL="0" marR="0" lvl="0" indent="0" algn="ctr" defTabSz="914400" rtl="0" eaLnBrk="1" fontAlgn="auto" latinLnBrk="0" hangingPunct="1">
+              <a:lnSpc>
+                <a:spcPct val="90000"/>
+              </a:lnSpc>
+              <a:spcBef>
+                <a:spcPts val="1000"/>
+              </a:spcBef>
+              <a:spcAft>
+                <a:spcPts val="0"/>
+              </a:spcAft>
+              <a:buClrTx/>
+              <a:buSzTx/>
+              <a:buFont typeface="Arial" panose="020B0604020202020204" pitchFamily="34" charset="0"/>
+              <a:buNone/>
+              <a:tabLst/>
+              <a:defRPr/>
+            </a:pPr>
+            <a:r>
+              <a:rPr kumimoji="0" lang="pl-PL" sz="2000" b="0" i="0" u="none" strike="noStrike" kern="1200" cap="none" spc="0" normalizeH="0" baseline="0" noProof="0" dirty="0">
+                <a:ln>
+                  <a:noFill/>
+                </a:ln>
+                <a:solidFill>
+                  <a:prstClr val="white"/>
+                </a:solidFill>
+                <a:effectLst/>
+                <a:uLnTx/>
+                <a:uFillTx/>
+                <a:latin typeface="Calibri" panose="020F0502020204030204"/>
+                <a:ea typeface="+mn-ea"/>
+                <a:cs typeface="+mn-cs"/>
+              </a:rPr>
+              <a:t>Proszę nacisnąć </a:t>
+            </a:r>
+            <a:r>
+              <a:rPr kumimoji="0" lang="en-US" sz="2000" b="0" i="0" u="none" strike="noStrike" kern="1200" cap="none" spc="0" normalizeH="0" baseline="0" noProof="0" dirty="0" err="1">
+                <a:ln>
+                  <a:noFill/>
+                </a:ln>
+                <a:solidFill>
+                  <a:prstClr val="white"/>
+                </a:solidFill>
+                <a:effectLst/>
+                <a:uLnTx/>
+                <a:uFillTx/>
+                <a:latin typeface="Calibri" panose="020F0502020204030204"/>
+                <a:ea typeface="+mn-ea"/>
+                <a:cs typeface="+mn-cs"/>
+              </a:rPr>
+              <a:t>klawisz</a:t>
+            </a:r>
+            <a:r>
+              <a:rPr kumimoji="0" lang="pl-PL" sz="2000" b="0" i="0" u="none" strike="noStrike" kern="1200" cap="none" spc="0" normalizeH="0" baseline="0" noProof="0" dirty="0">
+                <a:ln>
+                  <a:noFill/>
+                </a:ln>
+                <a:solidFill>
+                  <a:prstClr val="white"/>
+                </a:solidFill>
+                <a:effectLst/>
+                <a:uLnTx/>
+                <a:uFillTx/>
+                <a:latin typeface="Calibri" panose="020F0502020204030204"/>
+                <a:ea typeface="+mn-ea"/>
+                <a:cs typeface="+mn-cs"/>
+              </a:rPr>
+              <a:t> „</a:t>
+            </a:r>
+            <a:r>
+              <a:rPr kumimoji="0" lang="en-US" sz="2000" b="0" i="0" u="none" strike="noStrike" kern="1200" cap="none" spc="0" normalizeH="0" baseline="0" noProof="0" dirty="0">
+                <a:ln>
+                  <a:noFill/>
+                </a:ln>
+                <a:solidFill>
+                  <a:prstClr val="white"/>
+                </a:solidFill>
+                <a:effectLst/>
+                <a:uLnTx/>
+                <a:uFillTx/>
+                <a:latin typeface="Calibri" panose="020F0502020204030204"/>
+                <a:ea typeface="+mn-ea"/>
+                <a:cs typeface="+mn-cs"/>
+              </a:rPr>
+              <a:t>L</a:t>
+            </a:r>
+            <a:r>
+              <a:rPr kumimoji="0" lang="pl-PL" sz="2000" b="0" i="0" u="none" strike="noStrike" kern="1200" cap="none" spc="0" normalizeH="0" baseline="0" noProof="0" dirty="0">
+                <a:ln>
+                  <a:noFill/>
+                </a:ln>
+                <a:solidFill>
+                  <a:prstClr val="white"/>
+                </a:solidFill>
+                <a:effectLst/>
+                <a:uLnTx/>
+                <a:uFillTx/>
+                <a:latin typeface="Calibri" panose="020F0502020204030204"/>
+                <a:ea typeface="+mn-ea"/>
+                <a:cs typeface="+mn-cs"/>
+              </a:rPr>
+              <a:t>”, aby kontynuować…</a:t>
+            </a:r>
+          </a:p>
+          <a:p>
+            <a:pPr marL="0" marR="0" lvl="0" indent="0" algn="ctr" defTabSz="914400" rtl="0" eaLnBrk="1" fontAlgn="auto" latinLnBrk="0" hangingPunct="1">
+              <a:lnSpc>
+                <a:spcPct val="90000"/>
+              </a:lnSpc>
+              <a:spcBef>
+                <a:spcPts val="1000"/>
+              </a:spcBef>
+              <a:spcAft>
+                <a:spcPts val="0"/>
+              </a:spcAft>
+              <a:buClrTx/>
+              <a:buSzTx/>
+              <a:buFont typeface="Arial" panose="020B0604020202020204" pitchFamily="34" charset="0"/>
+              <a:buNone/>
+              <a:tabLst/>
+              <a:defRPr/>
+            </a:pPr>
+            <a:r>
+              <a:rPr kumimoji="0" lang="pl-PL" sz="2000" b="0" i="0" u="none" strike="noStrike" kern="1200" cap="none" spc="0" normalizeH="0" baseline="0" noProof="0" dirty="0">
+                <a:ln>
+                  <a:noFill/>
+                </a:ln>
+                <a:solidFill>
+                  <a:prstClr val="white"/>
+                </a:solidFill>
+                <a:effectLst/>
+                <a:uLnTx/>
+                <a:uFillTx/>
+                <a:latin typeface="Calibri" panose="020F0502020204030204"/>
+                <a:ea typeface="+mn-ea"/>
+                <a:cs typeface="+mn-cs"/>
+              </a:rPr>
+              <a:t>lub </a:t>
+            </a:r>
+            <a:r>
+              <a:rPr kumimoji="0" lang="en-US" sz="2000" b="0" i="0" u="none" strike="noStrike" kern="1200" cap="none" spc="0" normalizeH="0" baseline="0" noProof="0" dirty="0" err="1">
+                <a:ln>
+                  <a:noFill/>
+                </a:ln>
+                <a:solidFill>
+                  <a:prstClr val="white"/>
+                </a:solidFill>
+                <a:effectLst/>
+                <a:uLnTx/>
+                <a:uFillTx/>
+                <a:latin typeface="Calibri" panose="020F0502020204030204"/>
+                <a:ea typeface="+mn-ea"/>
+                <a:cs typeface="+mn-cs"/>
+              </a:rPr>
+              <a:t>klawisz</a:t>
+            </a:r>
+            <a:r>
+              <a:rPr kumimoji="0" lang="pl-PL" sz="2000" b="0" i="0" u="none" strike="noStrike" kern="1200" cap="none" spc="0" normalizeH="0" baseline="0" noProof="0" dirty="0">
+                <a:ln>
+                  <a:noFill/>
+                </a:ln>
+                <a:solidFill>
+                  <a:prstClr val="white"/>
+                </a:solidFill>
+                <a:effectLst/>
+                <a:uLnTx/>
+                <a:uFillTx/>
+                <a:latin typeface="Calibri" panose="020F0502020204030204"/>
+                <a:ea typeface="+mn-ea"/>
+                <a:cs typeface="+mn-cs"/>
+              </a:rPr>
+              <a:t> „</a:t>
+            </a:r>
+            <a:r>
+              <a:rPr kumimoji="0" lang="en-US" sz="2000" b="0" i="0" u="none" strike="noStrike" kern="1200" cap="none" spc="0" normalizeH="0" baseline="0" noProof="0" dirty="0">
+                <a:ln>
+                  <a:noFill/>
+                </a:ln>
+                <a:solidFill>
+                  <a:prstClr val="white"/>
+                </a:solidFill>
+                <a:effectLst/>
+                <a:uLnTx/>
+                <a:uFillTx/>
+                <a:latin typeface="Calibri" panose="020F0502020204030204"/>
+                <a:ea typeface="+mn-ea"/>
+                <a:cs typeface="+mn-cs"/>
+              </a:rPr>
+              <a:t>D</a:t>
+            </a:r>
+            <a:r>
+              <a:rPr kumimoji="0" lang="pl-PL" sz="2000" b="0" i="0" u="none" strike="noStrike" kern="1200" cap="none" spc="0" normalizeH="0" baseline="0" noProof="0" dirty="0">
+                <a:ln>
+                  <a:noFill/>
+                </a:ln>
+                <a:solidFill>
+                  <a:prstClr val="white"/>
+                </a:solidFill>
+                <a:effectLst/>
+                <a:uLnTx/>
+                <a:uFillTx/>
+                <a:latin typeface="Calibri" panose="020F0502020204030204"/>
+                <a:ea typeface="+mn-ea"/>
+                <a:cs typeface="+mn-cs"/>
+              </a:rPr>
+              <a:t>”, aby cofnąć się do poprzedniego slajdu…</a:t>
+            </a:r>
+            <a:endParaRPr kumimoji="0" lang="en-US" sz="2000" b="0" i="0" u="none" strike="noStrike" kern="1200" cap="none" spc="0" normalizeH="0" baseline="0" noProof="0" dirty="0">
+              <a:ln>
+                <a:noFill/>
+              </a:ln>
+              <a:solidFill>
+                <a:prstClr val="white"/>
+              </a:solidFill>
+              <a:effectLst/>
+              <a:uLnTx/>
+              <a:uFillTx/>
+              <a:latin typeface="Calibri" panose="020F0502020204030204"/>
+              <a:ea typeface="+mn-ea"/>
+              <a:cs typeface="+mn-cs"/>
+            </a:endParaRPr>
+          </a:p>
+        </p:txBody>
+      </p:sp>
+      <p:sp>
+        <p:nvSpPr>
+          <p:cNvPr id="13" name="Elipsa 12"/>
+          <p:cNvSpPr/>
+          <p:nvPr/>
+        </p:nvSpPr>
+        <p:spPr>
+          <a:xfrm>
+            <a:off x="2441643" y="3103124"/>
+            <a:ext cx="1099226" cy="1079770"/>
+          </a:xfrm>
+          <a:prstGeom prst="ellipse">
+            <a:avLst/>
+          </a:prstGeom>
+          <a:solidFill>
+            <a:srgbClr val="7030A0"/>
+          </a:solidFill>
+        </p:spPr>
+        <p:style>
+          <a:lnRef idx="2">
+            <a:schemeClr val="accent1">
+              <a:shade val="50000"/>
+            </a:schemeClr>
+          </a:lnRef>
+          <a:fillRef idx="1">
+            <a:schemeClr val="accent1"/>
+          </a:fillRef>
+          <a:effectRef idx="0">
+            <a:schemeClr val="accent1"/>
+          </a:effectRef>
+          <a:fontRef idx="minor">
+            <a:schemeClr val="lt1"/>
+          </a:fontRef>
+        </p:style>
+        <p:txBody>
+          <a:bodyPr rtlCol="0" anchor="ctr"/>
+          <a:lstStyle/>
+          <a:p>
+            <a:pPr algn="ctr"/>
+            <a:endParaRPr lang="pl-PL"/>
+          </a:p>
+        </p:txBody>
+      </p:sp>
+      <p:sp>
+        <p:nvSpPr>
+          <p:cNvPr id="14" name="Content Placeholder 2">
+            <a:extLst>
+              <a:ext uri="{FF2B5EF4-FFF2-40B4-BE49-F238E27FC236}">
+                <a16:creationId xmlns:a16="http://schemas.microsoft.com/office/drawing/2014/main" xmlns="" id="{4EF53457-C4EA-4F98-B682-2CECBF99F20B}"/>
+              </a:ext>
+            </a:extLst>
+          </p:cNvPr>
+          <p:cNvSpPr txBox="1">
+            <a:spLocks/>
+          </p:cNvSpPr>
+          <p:nvPr/>
+        </p:nvSpPr>
+        <p:spPr>
+          <a:xfrm>
+            <a:off x="160430" y="1585609"/>
+            <a:ext cx="5423247" cy="1527242"/>
+          </a:xfrm>
+          <a:prstGeom prst="rect">
+            <a:avLst/>
+          </a:prstGeom>
+        </p:spPr>
+        <p:txBody>
+          <a:bodyPr vert="horz" lIns="91440" tIns="45720" rIns="91440" bIns="45720" rtlCol="0">
+            <a:normAutofit/>
+          </a:bodyPr>
+          <a:lstStyle>
+            <a:lvl1pPr marL="228600" indent="-228600" algn="l" defTabSz="914400" rtl="0" eaLnBrk="1" latinLnBrk="0" hangingPunct="1">
+              <a:lnSpc>
+                <a:spcPct val="90000"/>
+              </a:lnSpc>
+              <a:spcBef>
+                <a:spcPts val="1000"/>
+              </a:spcBef>
+              <a:buFont typeface="Arial" panose="020B0604020202020204" pitchFamily="34" charset="0"/>
+              <a:buChar char="•"/>
+              <a:defRPr sz="2800" kern="1200">
+                <a:solidFill>
+                  <a:schemeClr val="tx1"/>
+                </a:solidFill>
+                <a:latin typeface="+mn-lt"/>
+                <a:ea typeface="+mn-ea"/>
+                <a:cs typeface="+mn-cs"/>
+              </a:defRPr>
+            </a:lvl1pPr>
+            <a:lvl2pPr marL="685800" indent="-228600" algn="l" defTabSz="914400" rtl="0" eaLnBrk="1" latinLnBrk="0" hangingPunct="1">
+              <a:lnSpc>
+                <a:spcPct val="90000"/>
+              </a:lnSpc>
+              <a:spcBef>
+                <a:spcPts val="500"/>
+              </a:spcBef>
+              <a:buFont typeface="Arial" panose="020B0604020202020204" pitchFamily="34" charset="0"/>
+              <a:buChar char="•"/>
+              <a:defRPr sz="2400" kern="1200">
+                <a:solidFill>
+                  <a:schemeClr val="tx1"/>
+                </a:solidFill>
+                <a:latin typeface="+mn-lt"/>
+                <a:ea typeface="+mn-ea"/>
+                <a:cs typeface="+mn-cs"/>
+              </a:defRPr>
+            </a:lvl2pPr>
+            <a:lvl3pPr marL="1143000" indent="-228600" algn="l" defTabSz="914400" rtl="0" eaLnBrk="1" latinLnBrk="0" hangingPunct="1">
+              <a:lnSpc>
+                <a:spcPct val="90000"/>
+              </a:lnSpc>
+              <a:spcBef>
+                <a:spcPts val="500"/>
+              </a:spcBef>
+              <a:buFont typeface="Arial" panose="020B0604020202020204" pitchFamily="34" charset="0"/>
+              <a:buChar char="•"/>
+              <a:defRPr sz="2000" kern="1200">
+                <a:solidFill>
+                  <a:schemeClr val="tx1"/>
+                </a:solidFill>
+                <a:latin typeface="+mn-lt"/>
+                <a:ea typeface="+mn-ea"/>
+                <a:cs typeface="+mn-cs"/>
+              </a:defRPr>
+            </a:lvl3pPr>
+            <a:lvl4pPr marL="1600200" indent="-228600" algn="l" defTabSz="914400" rtl="0" eaLnBrk="1" latinLnBrk="0" hangingPunct="1">
+              <a:lnSpc>
+                <a:spcPct val="90000"/>
+              </a:lnSpc>
+              <a:spcBef>
+                <a:spcPts val="500"/>
+              </a:spcBef>
+              <a:buFont typeface="Arial" panose="020B0604020202020204" pitchFamily="34" charset="0"/>
+              <a:buChar char="•"/>
+              <a:defRPr sz="1800" kern="1200">
+                <a:solidFill>
+                  <a:schemeClr val="tx1"/>
+                </a:solidFill>
+                <a:latin typeface="+mn-lt"/>
+                <a:ea typeface="+mn-ea"/>
+                <a:cs typeface="+mn-cs"/>
+              </a:defRPr>
+            </a:lvl4pPr>
+            <a:lvl5pPr marL="2057400" indent="-228600" algn="l" defTabSz="914400" rtl="0" eaLnBrk="1" latinLnBrk="0" hangingPunct="1">
+              <a:lnSpc>
+                <a:spcPct val="90000"/>
+              </a:lnSpc>
+              <a:spcBef>
+                <a:spcPts val="500"/>
+              </a:spcBef>
+              <a:buFont typeface="Arial" panose="020B0604020202020204" pitchFamily="34" charset="0"/>
+              <a:buChar char="•"/>
+              <a:defRPr sz="1800" kern="1200">
+                <a:solidFill>
+                  <a:schemeClr val="tx1"/>
+                </a:solidFill>
+                <a:latin typeface="+mn-lt"/>
+                <a:ea typeface="+mn-ea"/>
+                <a:cs typeface="+mn-cs"/>
+              </a:defRPr>
+            </a:lvl5pPr>
+            <a:lvl6pPr marL="2514600" indent="-228600" algn="l" defTabSz="914400" rtl="0" eaLnBrk="1" latinLnBrk="0" hangingPunct="1">
+              <a:lnSpc>
+                <a:spcPct val="90000"/>
+              </a:lnSpc>
+              <a:spcBef>
+                <a:spcPts val="500"/>
+              </a:spcBef>
+              <a:buFont typeface="Arial" panose="020B0604020202020204" pitchFamily="34" charset="0"/>
+              <a:buChar char="•"/>
+              <a:defRPr sz="1800" kern="1200">
+                <a:solidFill>
+                  <a:schemeClr val="tx1"/>
+                </a:solidFill>
+                <a:latin typeface="+mn-lt"/>
+                <a:ea typeface="+mn-ea"/>
+                <a:cs typeface="+mn-cs"/>
+              </a:defRPr>
+            </a:lvl6pPr>
+            <a:lvl7pPr marL="2971800" indent="-228600" algn="l" defTabSz="914400" rtl="0" eaLnBrk="1" latinLnBrk="0" hangingPunct="1">
+              <a:lnSpc>
+                <a:spcPct val="90000"/>
+              </a:lnSpc>
+              <a:spcBef>
+                <a:spcPts val="500"/>
+              </a:spcBef>
+              <a:buFont typeface="Arial" panose="020B0604020202020204" pitchFamily="34" charset="0"/>
+              <a:buChar char="•"/>
+              <a:defRPr sz="1800" kern="1200">
+                <a:solidFill>
+                  <a:schemeClr val="tx1"/>
+                </a:solidFill>
+                <a:latin typeface="+mn-lt"/>
+                <a:ea typeface="+mn-ea"/>
+                <a:cs typeface="+mn-cs"/>
+              </a:defRPr>
+            </a:lvl7pPr>
+            <a:lvl8pPr marL="3429000" indent="-228600" algn="l" defTabSz="914400" rtl="0" eaLnBrk="1" latinLnBrk="0" hangingPunct="1">
+              <a:lnSpc>
+                <a:spcPct val="90000"/>
+              </a:lnSpc>
+              <a:spcBef>
+                <a:spcPts val="500"/>
+              </a:spcBef>
+              <a:buFont typeface="Arial" panose="020B0604020202020204" pitchFamily="34" charset="0"/>
+              <a:buChar char="•"/>
+              <a:defRPr sz="1800" kern="1200">
+                <a:solidFill>
+                  <a:schemeClr val="tx1"/>
+                </a:solidFill>
+                <a:latin typeface="+mn-lt"/>
+                <a:ea typeface="+mn-ea"/>
+                <a:cs typeface="+mn-cs"/>
+              </a:defRPr>
+            </a:lvl8pPr>
+            <a:lvl9pPr marL="3886200" indent="-228600" algn="l" defTabSz="914400" rtl="0" eaLnBrk="1" latinLnBrk="0" hangingPunct="1">
+              <a:lnSpc>
+                <a:spcPct val="90000"/>
+              </a:lnSpc>
+              <a:spcBef>
+                <a:spcPts val="500"/>
+              </a:spcBef>
+              <a:buFont typeface="Arial" panose="020B0604020202020204" pitchFamily="34" charset="0"/>
+              <a:buChar char="•"/>
+              <a:defRPr sz="1800" kern="1200">
+                <a:solidFill>
+                  <a:schemeClr val="tx1"/>
+                </a:solidFill>
+                <a:latin typeface="+mn-lt"/>
+                <a:ea typeface="+mn-ea"/>
+                <a:cs typeface="+mn-cs"/>
+              </a:defRPr>
+            </a:lvl9pPr>
+          </a:lstStyle>
+          <a:p>
+            <a:pPr marL="0" marR="0" lvl="0" indent="0" algn="ctr" defTabSz="914400" rtl="0" eaLnBrk="1" fontAlgn="auto" latinLnBrk="0" hangingPunct="1">
+              <a:lnSpc>
+                <a:spcPct val="90000"/>
+              </a:lnSpc>
+              <a:spcBef>
+                <a:spcPts val="1000"/>
+              </a:spcBef>
+              <a:spcAft>
+                <a:spcPts val="0"/>
+              </a:spcAft>
+              <a:buClrTx/>
+              <a:buSzTx/>
+              <a:buFont typeface="Arial" panose="020B0604020202020204" pitchFamily="34" charset="0"/>
+              <a:buNone/>
+              <a:tabLst/>
+              <a:defRPr/>
+            </a:pPr>
+            <a:r>
+              <a:rPr lang="pl-PL" sz="2400" dirty="0" smtClean="0">
+                <a:solidFill>
+                  <a:prstClr val="white"/>
+                </a:solidFill>
+                <a:latin typeface="Calibri" panose="020F0502020204030204"/>
+              </a:rPr>
+              <a:t>Przy Pani/Pana reakcji wywołującej poniższy kolor odczuł/a Pani/Pan </a:t>
+            </a:r>
+            <a:r>
+              <a:rPr lang="pl-PL" sz="2400" dirty="0" smtClean="0">
+                <a:solidFill>
+                  <a:srgbClr val="FF0000"/>
+                </a:solidFill>
+                <a:latin typeface="Calibri" panose="020F0502020204030204"/>
+              </a:rPr>
+              <a:t>dużo</a:t>
+            </a:r>
+            <a:r>
+              <a:rPr lang="pl-PL" sz="2400" dirty="0" smtClean="0">
+                <a:solidFill>
+                  <a:prstClr val="white"/>
+                </a:solidFill>
+                <a:latin typeface="Calibri" panose="020F0502020204030204"/>
+              </a:rPr>
+              <a:t> kontroli, dlatego ocenia go Pani/Pan w danej próbie </a:t>
+            </a:r>
+            <a:r>
+              <a:rPr lang="pl-PL" sz="2400" dirty="0" smtClean="0">
+                <a:solidFill>
+                  <a:srgbClr val="FF0000"/>
+                </a:solidFill>
+                <a:latin typeface="Calibri" panose="020F0502020204030204"/>
+              </a:rPr>
+              <a:t>wysoko</a:t>
+            </a:r>
+            <a:r>
+              <a:rPr lang="pl-PL" sz="2400" dirty="0" smtClean="0">
+                <a:solidFill>
+                  <a:prstClr val="white"/>
+                </a:solidFill>
+                <a:latin typeface="Calibri" panose="020F0502020204030204"/>
+              </a:rPr>
+              <a:t> na skali</a:t>
+            </a:r>
+            <a:endParaRPr kumimoji="0" lang="en-US" sz="2400" b="0" i="0" u="none" strike="noStrike" kern="1200" cap="none" spc="0" normalizeH="0" baseline="0" noProof="0" dirty="0">
+              <a:ln>
+                <a:noFill/>
+              </a:ln>
+              <a:solidFill>
+                <a:prstClr val="white"/>
+              </a:solidFill>
+              <a:effectLst/>
+              <a:uLnTx/>
+              <a:uFillTx/>
+              <a:latin typeface="Calibri" panose="020F0502020204030204"/>
+              <a:ea typeface="+mn-ea"/>
+              <a:cs typeface="+mn-cs"/>
+            </a:endParaRPr>
+          </a:p>
+        </p:txBody>
+      </p:sp>
+      <p:sp>
+        <p:nvSpPr>
+          <p:cNvPr id="15" name="Elipsa 14"/>
+          <p:cNvSpPr/>
+          <p:nvPr/>
+        </p:nvSpPr>
+        <p:spPr>
+          <a:xfrm>
+            <a:off x="8839201" y="3051244"/>
+            <a:ext cx="1099226" cy="1079770"/>
+          </a:xfrm>
+          <a:prstGeom prst="ellipse">
+            <a:avLst/>
+          </a:prstGeom>
+          <a:solidFill>
+            <a:schemeClr val="bg1">
+              <a:lumMod val="85000"/>
+            </a:schemeClr>
+          </a:solidFill>
+        </p:spPr>
+        <p:style>
+          <a:lnRef idx="2">
+            <a:schemeClr val="accent1">
+              <a:shade val="50000"/>
+            </a:schemeClr>
+          </a:lnRef>
+          <a:fillRef idx="1">
+            <a:schemeClr val="accent1"/>
+          </a:fillRef>
+          <a:effectRef idx="0">
+            <a:schemeClr val="accent1"/>
+          </a:effectRef>
+          <a:fontRef idx="minor">
+            <a:schemeClr val="lt1"/>
+          </a:fontRef>
+        </p:style>
+        <p:txBody>
+          <a:bodyPr rtlCol="0" anchor="ctr"/>
+          <a:lstStyle/>
+          <a:p>
+            <a:pPr algn="ctr"/>
+            <a:endParaRPr lang="pl-PL"/>
+          </a:p>
+        </p:txBody>
+      </p:sp>
+      <p:sp>
+        <p:nvSpPr>
+          <p:cNvPr id="16" name="Content Placeholder 2">
+            <a:extLst>
+              <a:ext uri="{FF2B5EF4-FFF2-40B4-BE49-F238E27FC236}">
+                <a16:creationId xmlns:a16="http://schemas.microsoft.com/office/drawing/2014/main" xmlns="" id="{4EF53457-C4EA-4F98-B682-2CECBF99F20B}"/>
+              </a:ext>
+            </a:extLst>
+          </p:cNvPr>
+          <p:cNvSpPr txBox="1">
+            <a:spLocks/>
+          </p:cNvSpPr>
+          <p:nvPr/>
+        </p:nvSpPr>
+        <p:spPr>
+          <a:xfrm>
+            <a:off x="6557988" y="1562911"/>
+            <a:ext cx="5423247" cy="1527242"/>
+          </a:xfrm>
+          <a:prstGeom prst="rect">
+            <a:avLst/>
+          </a:prstGeom>
+        </p:spPr>
+        <p:txBody>
+          <a:bodyPr vert="horz" lIns="91440" tIns="45720" rIns="91440" bIns="45720" rtlCol="0">
+            <a:normAutofit/>
+          </a:bodyPr>
+          <a:lstStyle>
+            <a:lvl1pPr marL="228600" indent="-228600" algn="l" defTabSz="914400" rtl="0" eaLnBrk="1" latinLnBrk="0" hangingPunct="1">
+              <a:lnSpc>
+                <a:spcPct val="90000"/>
+              </a:lnSpc>
+              <a:spcBef>
+                <a:spcPts val="1000"/>
+              </a:spcBef>
+              <a:buFont typeface="Arial" panose="020B0604020202020204" pitchFamily="34" charset="0"/>
+              <a:buChar char="•"/>
+              <a:defRPr sz="2800" kern="1200">
+                <a:solidFill>
+                  <a:schemeClr val="tx1"/>
+                </a:solidFill>
+                <a:latin typeface="+mn-lt"/>
+                <a:ea typeface="+mn-ea"/>
+                <a:cs typeface="+mn-cs"/>
+              </a:defRPr>
+            </a:lvl1pPr>
+            <a:lvl2pPr marL="685800" indent="-228600" algn="l" defTabSz="914400" rtl="0" eaLnBrk="1" latinLnBrk="0" hangingPunct="1">
+              <a:lnSpc>
+                <a:spcPct val="90000"/>
+              </a:lnSpc>
+              <a:spcBef>
+                <a:spcPts val="500"/>
+              </a:spcBef>
+              <a:buFont typeface="Arial" panose="020B0604020202020204" pitchFamily="34" charset="0"/>
+              <a:buChar char="•"/>
+              <a:defRPr sz="2400" kern="1200">
+                <a:solidFill>
+                  <a:schemeClr val="tx1"/>
+                </a:solidFill>
+                <a:latin typeface="+mn-lt"/>
+                <a:ea typeface="+mn-ea"/>
+                <a:cs typeface="+mn-cs"/>
+              </a:defRPr>
+            </a:lvl2pPr>
+            <a:lvl3pPr marL="1143000" indent="-228600" algn="l" defTabSz="914400" rtl="0" eaLnBrk="1" latinLnBrk="0" hangingPunct="1">
+              <a:lnSpc>
+                <a:spcPct val="90000"/>
+              </a:lnSpc>
+              <a:spcBef>
+                <a:spcPts val="500"/>
+              </a:spcBef>
+              <a:buFont typeface="Arial" panose="020B0604020202020204" pitchFamily="34" charset="0"/>
+              <a:buChar char="•"/>
+              <a:defRPr sz="2000" kern="1200">
+                <a:solidFill>
+                  <a:schemeClr val="tx1"/>
+                </a:solidFill>
+                <a:latin typeface="+mn-lt"/>
+                <a:ea typeface="+mn-ea"/>
+                <a:cs typeface="+mn-cs"/>
+              </a:defRPr>
+            </a:lvl3pPr>
+            <a:lvl4pPr marL="1600200" indent="-228600" algn="l" defTabSz="914400" rtl="0" eaLnBrk="1" latinLnBrk="0" hangingPunct="1">
+              <a:lnSpc>
+                <a:spcPct val="90000"/>
+              </a:lnSpc>
+              <a:spcBef>
+                <a:spcPts val="500"/>
+              </a:spcBef>
+              <a:buFont typeface="Arial" panose="020B0604020202020204" pitchFamily="34" charset="0"/>
+              <a:buChar char="•"/>
+              <a:defRPr sz="1800" kern="1200">
+                <a:solidFill>
+                  <a:schemeClr val="tx1"/>
+                </a:solidFill>
+                <a:latin typeface="+mn-lt"/>
+                <a:ea typeface="+mn-ea"/>
+                <a:cs typeface="+mn-cs"/>
+              </a:defRPr>
+            </a:lvl4pPr>
+            <a:lvl5pPr marL="2057400" indent="-228600" algn="l" defTabSz="914400" rtl="0" eaLnBrk="1" latinLnBrk="0" hangingPunct="1">
+              <a:lnSpc>
+                <a:spcPct val="90000"/>
+              </a:lnSpc>
+              <a:spcBef>
+                <a:spcPts val="500"/>
+              </a:spcBef>
+              <a:buFont typeface="Arial" panose="020B0604020202020204" pitchFamily="34" charset="0"/>
+              <a:buChar char="•"/>
+              <a:defRPr sz="1800" kern="1200">
+                <a:solidFill>
+                  <a:schemeClr val="tx1"/>
+                </a:solidFill>
+                <a:latin typeface="+mn-lt"/>
+                <a:ea typeface="+mn-ea"/>
+                <a:cs typeface="+mn-cs"/>
+              </a:defRPr>
+            </a:lvl5pPr>
+            <a:lvl6pPr marL="2514600" indent="-228600" algn="l" defTabSz="914400" rtl="0" eaLnBrk="1" latinLnBrk="0" hangingPunct="1">
+              <a:lnSpc>
+                <a:spcPct val="90000"/>
+              </a:lnSpc>
+              <a:spcBef>
+                <a:spcPts val="500"/>
+              </a:spcBef>
+              <a:buFont typeface="Arial" panose="020B0604020202020204" pitchFamily="34" charset="0"/>
+              <a:buChar char="•"/>
+              <a:defRPr sz="1800" kern="1200">
+                <a:solidFill>
+                  <a:schemeClr val="tx1"/>
+                </a:solidFill>
+                <a:latin typeface="+mn-lt"/>
+                <a:ea typeface="+mn-ea"/>
+                <a:cs typeface="+mn-cs"/>
+              </a:defRPr>
+            </a:lvl6pPr>
+            <a:lvl7pPr marL="2971800" indent="-228600" algn="l" defTabSz="914400" rtl="0" eaLnBrk="1" latinLnBrk="0" hangingPunct="1">
+              <a:lnSpc>
+                <a:spcPct val="90000"/>
+              </a:lnSpc>
+              <a:spcBef>
+                <a:spcPts val="500"/>
+              </a:spcBef>
+              <a:buFont typeface="Arial" panose="020B0604020202020204" pitchFamily="34" charset="0"/>
+              <a:buChar char="•"/>
+              <a:defRPr sz="1800" kern="1200">
+                <a:solidFill>
+                  <a:schemeClr val="tx1"/>
+                </a:solidFill>
+                <a:latin typeface="+mn-lt"/>
+                <a:ea typeface="+mn-ea"/>
+                <a:cs typeface="+mn-cs"/>
+              </a:defRPr>
+            </a:lvl7pPr>
+            <a:lvl8pPr marL="3429000" indent="-228600" algn="l" defTabSz="914400" rtl="0" eaLnBrk="1" latinLnBrk="0" hangingPunct="1">
+              <a:lnSpc>
+                <a:spcPct val="90000"/>
+              </a:lnSpc>
+              <a:spcBef>
+                <a:spcPts val="500"/>
+              </a:spcBef>
+              <a:buFont typeface="Arial" panose="020B0604020202020204" pitchFamily="34" charset="0"/>
+              <a:buChar char="•"/>
+              <a:defRPr sz="1800" kern="1200">
+                <a:solidFill>
+                  <a:schemeClr val="tx1"/>
+                </a:solidFill>
+                <a:latin typeface="+mn-lt"/>
+                <a:ea typeface="+mn-ea"/>
+                <a:cs typeface="+mn-cs"/>
+              </a:defRPr>
+            </a:lvl8pPr>
+            <a:lvl9pPr marL="3886200" indent="-228600" algn="l" defTabSz="914400" rtl="0" eaLnBrk="1" latinLnBrk="0" hangingPunct="1">
+              <a:lnSpc>
+                <a:spcPct val="90000"/>
+              </a:lnSpc>
+              <a:spcBef>
+                <a:spcPts val="500"/>
+              </a:spcBef>
+              <a:buFont typeface="Arial" panose="020B0604020202020204" pitchFamily="34" charset="0"/>
+              <a:buChar char="•"/>
+              <a:defRPr sz="1800" kern="1200">
+                <a:solidFill>
+                  <a:schemeClr val="tx1"/>
+                </a:solidFill>
+                <a:latin typeface="+mn-lt"/>
+                <a:ea typeface="+mn-ea"/>
+                <a:cs typeface="+mn-cs"/>
+              </a:defRPr>
+            </a:lvl9pPr>
+          </a:lstStyle>
+          <a:p>
+            <a:pPr marL="0" lvl="0" indent="0" algn="ctr">
+              <a:buNone/>
+              <a:defRPr/>
+            </a:pPr>
+            <a:r>
+              <a:rPr lang="pl-PL" sz="2400" dirty="0" smtClean="0">
+                <a:solidFill>
+                  <a:prstClr val="white"/>
+                </a:solidFill>
+                <a:latin typeface="Calibri" panose="020F0502020204030204"/>
+              </a:rPr>
+              <a:t>Przy Pani/Pana reakcji wywołującej poniższy kolor odczuł/a Pani/Pan </a:t>
+            </a:r>
+            <a:r>
+              <a:rPr lang="pl-PL" sz="2400" dirty="0" smtClean="0">
+                <a:solidFill>
+                  <a:srgbClr val="FF0000"/>
+                </a:solidFill>
+                <a:latin typeface="Calibri" panose="020F0502020204030204"/>
+              </a:rPr>
+              <a:t>mało</a:t>
+            </a:r>
+            <a:r>
+              <a:rPr lang="pl-PL" sz="2400" dirty="0" smtClean="0">
+                <a:solidFill>
+                  <a:prstClr val="white"/>
+                </a:solidFill>
+                <a:latin typeface="Calibri" panose="020F0502020204030204"/>
+              </a:rPr>
+              <a:t> kontroli, dlatego ocenia go Pani/Pan w </a:t>
+            </a:r>
+            <a:r>
+              <a:rPr lang="pl-PL" sz="2400" dirty="0" smtClean="0">
+                <a:solidFill>
+                  <a:prstClr val="white"/>
+                </a:solidFill>
+              </a:rPr>
+              <a:t>danej próbie </a:t>
+            </a:r>
+            <a:r>
+              <a:rPr lang="pl-PL" sz="2400" dirty="0" smtClean="0">
+                <a:solidFill>
+                  <a:srgbClr val="FF0000"/>
+                </a:solidFill>
+                <a:latin typeface="Calibri" panose="020F0502020204030204"/>
+              </a:rPr>
+              <a:t>nisko</a:t>
+            </a:r>
+            <a:r>
+              <a:rPr lang="pl-PL" sz="2400" dirty="0" smtClean="0">
+                <a:solidFill>
+                  <a:prstClr val="white"/>
+                </a:solidFill>
+                <a:latin typeface="Calibri" panose="020F0502020204030204"/>
+              </a:rPr>
+              <a:t> na skali</a:t>
+            </a:r>
+            <a:endParaRPr kumimoji="0" lang="en-US" sz="2400" b="0" i="0" u="none" strike="noStrike" kern="1200" cap="none" spc="0" normalizeH="0" baseline="0" noProof="0" dirty="0">
+              <a:ln>
+                <a:noFill/>
+              </a:ln>
+              <a:solidFill>
+                <a:prstClr val="white"/>
+              </a:solidFill>
+              <a:effectLst/>
+              <a:uLnTx/>
+              <a:uFillTx/>
+              <a:latin typeface="Calibri" panose="020F0502020204030204"/>
+              <a:ea typeface="+mn-ea"/>
+              <a:cs typeface="+mn-cs"/>
+            </a:endParaRPr>
+          </a:p>
+        </p:txBody>
+      </p:sp>
+    </p:spTree>
+    <p:extLst>
+      <p:ext uri="{BB962C8B-B14F-4D97-AF65-F5344CB8AC3E}">
+        <p14:creationId xmlns:p14="http://schemas.microsoft.com/office/powerpoint/2010/main" xmlns="" val="2035428680"/>
+      </p:ext>
+    </p:extLst>
+  </p:cSld>
+  <p:clrMapOvr>
+    <a:masterClrMapping/>
+  </p:clrMapOvr>
+</p:sld>
+</file>
+
+<file path=ppt/slides/slide19.xml><?xml version="1.0" encoding="utf-8"?>
+<p:sld xmlns:a="http://schemas.openxmlformats.org/drawingml/2006/main" xmlns:r="http://schemas.openxmlformats.org/officeDocument/2006/relationships" xmlns:p="http://schemas.openxmlformats.org/presentationml/2006/main">
+  <p:cSld>
+    <p:bg>
+      <p:bgPr>
+        <a:solidFill>
+          <a:schemeClr val="tx1"/>
+        </a:solidFill>
+        <a:effectLst/>
+      </p:bgPr>
+    </p:bg>
+    <p:spTree>
+      <p:nvGrpSpPr>
+        <p:cNvPr id="1" name=""/>
+        <p:cNvGrpSpPr/>
+        <p:nvPr/>
+      </p:nvGrpSpPr>
+      <p:grpSpPr>
+        <a:xfrm>
+          <a:off x="0" y="0"/>
+          <a:ext cx="0" cy="0"/>
+          <a:chOff x="0" y="0"/>
+          <a:chExt cx="0" cy="0"/>
+        </a:xfrm>
+      </p:grpSpPr>
+      <p:sp>
+        <p:nvSpPr>
+          <p:cNvPr id="4" name="Content Placeholder 2">
+            <a:extLst>
+              <a:ext uri="{FF2B5EF4-FFF2-40B4-BE49-F238E27FC236}">
+                <a16:creationId xmlns:a16="http://schemas.microsoft.com/office/drawing/2014/main" xmlns="" id="{46DF36C4-BF62-41C8-87BC-20EB0ECF88CF}"/>
+              </a:ext>
+            </a:extLst>
+          </p:cNvPr>
+          <p:cNvSpPr txBox="1">
+            <a:spLocks/>
+          </p:cNvSpPr>
+          <p:nvPr/>
+        </p:nvSpPr>
+        <p:spPr>
+          <a:xfrm>
+            <a:off x="838200" y="6039514"/>
+            <a:ext cx="10515600" cy="730253"/>
+          </a:xfrm>
+          <a:prstGeom prst="rect">
+            <a:avLst/>
+          </a:prstGeom>
+        </p:spPr>
+        <p:txBody>
+          <a:bodyPr vert="horz" lIns="91440" tIns="45720" rIns="91440" bIns="45720" rtlCol="0">
+            <a:normAutofit lnSpcReduction="10000"/>
+          </a:bodyPr>
+          <a:lstStyle>
+            <a:lvl1pPr marL="228600" indent="-228600" algn="l" defTabSz="914400" rtl="0" eaLnBrk="1" latinLnBrk="0" hangingPunct="1">
+              <a:lnSpc>
+                <a:spcPct val="90000"/>
+              </a:lnSpc>
+              <a:spcBef>
+                <a:spcPts val="1000"/>
+              </a:spcBef>
+              <a:buFont typeface="Arial" panose="020B0604020202020204" pitchFamily="34" charset="0"/>
+              <a:buChar char="•"/>
+              <a:defRPr sz="2800" kern="1200">
+                <a:solidFill>
+                  <a:schemeClr val="tx1"/>
+                </a:solidFill>
+                <a:latin typeface="+mn-lt"/>
+                <a:ea typeface="+mn-ea"/>
+                <a:cs typeface="+mn-cs"/>
+              </a:defRPr>
+            </a:lvl1pPr>
+            <a:lvl2pPr marL="685800" indent="-228600" algn="l" defTabSz="914400" rtl="0" eaLnBrk="1" latinLnBrk="0" hangingPunct="1">
+              <a:lnSpc>
+                <a:spcPct val="90000"/>
+              </a:lnSpc>
+              <a:spcBef>
+                <a:spcPts val="500"/>
+              </a:spcBef>
+              <a:buFont typeface="Arial" panose="020B0604020202020204" pitchFamily="34" charset="0"/>
+              <a:buChar char="•"/>
+              <a:defRPr sz="2400" kern="1200">
+                <a:solidFill>
+                  <a:schemeClr val="tx1"/>
+                </a:solidFill>
+                <a:latin typeface="+mn-lt"/>
+                <a:ea typeface="+mn-ea"/>
+                <a:cs typeface="+mn-cs"/>
+              </a:defRPr>
+            </a:lvl2pPr>
+            <a:lvl3pPr marL="1143000" indent="-228600" algn="l" defTabSz="914400" rtl="0" eaLnBrk="1" latinLnBrk="0" hangingPunct="1">
+              <a:lnSpc>
+                <a:spcPct val="90000"/>
+              </a:lnSpc>
+              <a:spcBef>
+                <a:spcPts val="500"/>
+              </a:spcBef>
+              <a:buFont typeface="Arial" panose="020B0604020202020204" pitchFamily="34" charset="0"/>
+              <a:buChar char="•"/>
+              <a:defRPr sz="2000" kern="1200">
+                <a:solidFill>
+                  <a:schemeClr val="tx1"/>
+                </a:solidFill>
+                <a:latin typeface="+mn-lt"/>
+                <a:ea typeface="+mn-ea"/>
+                <a:cs typeface="+mn-cs"/>
+              </a:defRPr>
+            </a:lvl3pPr>
+            <a:lvl4pPr marL="1600200" indent="-228600" algn="l" defTabSz="914400" rtl="0" eaLnBrk="1" latinLnBrk="0" hangingPunct="1">
+              <a:lnSpc>
+                <a:spcPct val="90000"/>
+              </a:lnSpc>
+              <a:spcBef>
+                <a:spcPts val="500"/>
+              </a:spcBef>
+              <a:buFont typeface="Arial" panose="020B0604020202020204" pitchFamily="34" charset="0"/>
+              <a:buChar char="•"/>
+              <a:defRPr sz="1800" kern="1200">
+                <a:solidFill>
+                  <a:schemeClr val="tx1"/>
+                </a:solidFill>
+                <a:latin typeface="+mn-lt"/>
+                <a:ea typeface="+mn-ea"/>
+                <a:cs typeface="+mn-cs"/>
+              </a:defRPr>
+            </a:lvl4pPr>
+            <a:lvl5pPr marL="2057400" indent="-228600" algn="l" defTabSz="914400" rtl="0" eaLnBrk="1" latinLnBrk="0" hangingPunct="1">
+              <a:lnSpc>
+                <a:spcPct val="90000"/>
+              </a:lnSpc>
+              <a:spcBef>
+                <a:spcPts val="500"/>
+              </a:spcBef>
+              <a:buFont typeface="Arial" panose="020B0604020202020204" pitchFamily="34" charset="0"/>
+              <a:buChar char="•"/>
+              <a:defRPr sz="1800" kern="1200">
+                <a:solidFill>
+                  <a:schemeClr val="tx1"/>
+                </a:solidFill>
+                <a:latin typeface="+mn-lt"/>
+                <a:ea typeface="+mn-ea"/>
+                <a:cs typeface="+mn-cs"/>
+              </a:defRPr>
+            </a:lvl5pPr>
+            <a:lvl6pPr marL="2514600" indent="-228600" algn="l" defTabSz="914400" rtl="0" eaLnBrk="1" latinLnBrk="0" hangingPunct="1">
+              <a:lnSpc>
+                <a:spcPct val="90000"/>
+              </a:lnSpc>
+              <a:spcBef>
+                <a:spcPts val="500"/>
+              </a:spcBef>
+              <a:buFont typeface="Arial" panose="020B0604020202020204" pitchFamily="34" charset="0"/>
+              <a:buChar char="•"/>
+              <a:defRPr sz="1800" kern="1200">
+                <a:solidFill>
+                  <a:schemeClr val="tx1"/>
+                </a:solidFill>
+                <a:latin typeface="+mn-lt"/>
+                <a:ea typeface="+mn-ea"/>
+                <a:cs typeface="+mn-cs"/>
+              </a:defRPr>
+            </a:lvl6pPr>
+            <a:lvl7pPr marL="2971800" indent="-228600" algn="l" defTabSz="914400" rtl="0" eaLnBrk="1" latinLnBrk="0" hangingPunct="1">
+              <a:lnSpc>
+                <a:spcPct val="90000"/>
+              </a:lnSpc>
+              <a:spcBef>
+                <a:spcPts val="500"/>
+              </a:spcBef>
+              <a:buFont typeface="Arial" panose="020B0604020202020204" pitchFamily="34" charset="0"/>
+              <a:buChar char="•"/>
+              <a:defRPr sz="1800" kern="1200">
+                <a:solidFill>
+                  <a:schemeClr val="tx1"/>
+                </a:solidFill>
+                <a:latin typeface="+mn-lt"/>
+                <a:ea typeface="+mn-ea"/>
+                <a:cs typeface="+mn-cs"/>
+              </a:defRPr>
+            </a:lvl7pPr>
+            <a:lvl8pPr marL="3429000" indent="-228600" algn="l" defTabSz="914400" rtl="0" eaLnBrk="1" latinLnBrk="0" hangingPunct="1">
+              <a:lnSpc>
+                <a:spcPct val="90000"/>
+              </a:lnSpc>
+              <a:spcBef>
+                <a:spcPts val="500"/>
+              </a:spcBef>
+              <a:buFont typeface="Arial" panose="020B0604020202020204" pitchFamily="34" charset="0"/>
+              <a:buChar char="•"/>
+              <a:defRPr sz="1800" kern="1200">
+                <a:solidFill>
+                  <a:schemeClr val="tx1"/>
+                </a:solidFill>
+                <a:latin typeface="+mn-lt"/>
+                <a:ea typeface="+mn-ea"/>
+                <a:cs typeface="+mn-cs"/>
+              </a:defRPr>
+            </a:lvl8pPr>
+            <a:lvl9pPr marL="3886200" indent="-228600" algn="l" defTabSz="914400" rtl="0" eaLnBrk="1" latinLnBrk="0" hangingPunct="1">
+              <a:lnSpc>
+                <a:spcPct val="90000"/>
+              </a:lnSpc>
+              <a:spcBef>
+                <a:spcPts val="500"/>
+              </a:spcBef>
+              <a:buFont typeface="Arial" panose="020B0604020202020204" pitchFamily="34" charset="0"/>
+              <a:buChar char="•"/>
+              <a:defRPr sz="1800" kern="1200">
+                <a:solidFill>
+                  <a:schemeClr val="tx1"/>
+                </a:solidFill>
+                <a:latin typeface="+mn-lt"/>
+                <a:ea typeface="+mn-ea"/>
+                <a:cs typeface="+mn-cs"/>
+              </a:defRPr>
+            </a:lvl9pPr>
+          </a:lstStyle>
+          <a:p>
             <a:pPr marL="0" indent="0" algn="ctr">
               <a:buFont typeface="Arial" panose="020B0604020202020204" pitchFamily="34" charset="0"/>
               <a:buNone/>
@@ -11585,7 +13166,7 @@
           <p:cNvPr id="7" name="Content Placeholder 2">
             <a:extLst>
               <a:ext uri="{FF2B5EF4-FFF2-40B4-BE49-F238E27FC236}">
-                <a16:creationId xmlns:a16="http://schemas.microsoft.com/office/drawing/2014/main" id="{02466EF3-302C-4960-8543-BE397448108A}"/>
+                <a16:creationId xmlns:a16="http://schemas.microsoft.com/office/drawing/2014/main" xmlns="" id="{02466EF3-302C-4960-8543-BE397448108A}"/>
               </a:ext>
             </a:extLst>
           </p:cNvPr>
@@ -11811,99 +13392,7 @@
     </p:spTree>
     <p:extLst>
       <p:ext uri="{BB962C8B-B14F-4D97-AF65-F5344CB8AC3E}">
-        <p14:creationId xmlns:p14="http://schemas.microsoft.com/office/powerpoint/2010/main" val="4220115985"/>
-      </p:ext>
-    </p:extLst>
-  </p:cSld>
-  <p:clrMapOvr>
-    <a:masterClrMapping/>
-  </p:clrMapOvr>
-</p:sld>
-</file>
-
-<file path=ppt/slides/slide19.xml><?xml version="1.0" encoding="utf-8"?>
-<p:sld xmlns:a="http://schemas.openxmlformats.org/drawingml/2006/main" xmlns:r="http://schemas.openxmlformats.org/officeDocument/2006/relationships" xmlns:p="http://schemas.openxmlformats.org/presentationml/2006/main">
-  <p:cSld>
-    <p:spTree>
-      <p:nvGrpSpPr>
-        <p:cNvPr id="1" name=""/>
-        <p:cNvGrpSpPr/>
-        <p:nvPr/>
-      </p:nvGrpSpPr>
-      <p:grpSpPr>
-        <a:xfrm>
-          <a:off x="0" y="0"/>
-          <a:ext cx="0" cy="0"/>
-          <a:chOff x="0" y="0"/>
-          <a:chExt cx="0" cy="0"/>
-        </a:xfrm>
-      </p:grpSpPr>
-      <p:sp>
-        <p:nvSpPr>
-          <p:cNvPr id="2" name="Title 1">
-            <a:extLst>
-              <a:ext uri="{FF2B5EF4-FFF2-40B4-BE49-F238E27FC236}">
-                <a16:creationId xmlns:a16="http://schemas.microsoft.com/office/drawing/2014/main" id="{E497033F-4B7C-43D5-8BCB-CEF91A534120}"/>
-              </a:ext>
-            </a:extLst>
-          </p:cNvPr>
-          <p:cNvSpPr>
-            <a:spLocks noGrp="1"/>
-          </p:cNvSpPr>
-          <p:nvPr>
-            <p:ph type="title"/>
-          </p:nvPr>
-        </p:nvSpPr>
-        <p:spPr/>
-        <p:txBody>
-          <a:bodyPr/>
-          <a:lstStyle/>
-          <a:p>
-            <a:r>
-              <a:rPr lang="pl-PL" dirty="0"/>
-              <a:t>Slajdy wewnątrz </a:t>
-            </a:r>
-            <a:r>
-              <a:rPr lang="pl-PL" dirty="0" err="1"/>
-              <a:t>triali</a:t>
-            </a:r>
-            <a:r>
-              <a:rPr lang="pl-PL" dirty="0"/>
-              <a:t> (końce bloków)</a:t>
-            </a:r>
-            <a:endParaRPr lang="en-US" dirty="0"/>
-          </a:p>
-        </p:txBody>
-      </p:sp>
-      <p:sp>
-        <p:nvSpPr>
-          <p:cNvPr id="3" name="Content Placeholder 2">
-            <a:extLst>
-              <a:ext uri="{FF2B5EF4-FFF2-40B4-BE49-F238E27FC236}">
-                <a16:creationId xmlns:a16="http://schemas.microsoft.com/office/drawing/2014/main" id="{4442F038-6072-4A5A-BA30-02286A83305C}"/>
-              </a:ext>
-            </a:extLst>
-          </p:cNvPr>
-          <p:cNvSpPr>
-            <a:spLocks noGrp="1"/>
-          </p:cNvSpPr>
-          <p:nvPr>
-            <p:ph idx="1"/>
-          </p:nvPr>
-        </p:nvSpPr>
-        <p:spPr/>
-        <p:txBody>
-          <a:bodyPr/>
-          <a:lstStyle/>
-          <a:p>
-            <a:endParaRPr lang="en-US"/>
-          </a:p>
-        </p:txBody>
-      </p:sp>
-    </p:spTree>
-    <p:extLst>
-      <p:ext uri="{BB962C8B-B14F-4D97-AF65-F5344CB8AC3E}">
-        <p14:creationId xmlns:p14="http://schemas.microsoft.com/office/powerpoint/2010/main" val="314155207"/>
+        <p14:creationId xmlns:p14="http://schemas.microsoft.com/office/powerpoint/2010/main" xmlns="" val="4220115985"/>
       </p:ext>
     </p:extLst>
   </p:cSld>
@@ -11935,7 +13424,7 @@
           <p:cNvPr id="2" name="Title 1">
             <a:extLst>
               <a:ext uri="{FF2B5EF4-FFF2-40B4-BE49-F238E27FC236}">
-                <a16:creationId xmlns:a16="http://schemas.microsoft.com/office/drawing/2014/main" id="{D2FE69DE-C660-41F7-A94F-60EAA74A391F}"/>
+                <a16:creationId xmlns:a16="http://schemas.microsoft.com/office/drawing/2014/main" xmlns="" id="{D2FE69DE-C660-41F7-A94F-60EAA74A391F}"/>
               </a:ext>
             </a:extLst>
           </p:cNvPr>
@@ -11964,7 +13453,7 @@
           <p:cNvPr id="3" name="Content Placeholder 2">
             <a:extLst>
               <a:ext uri="{FF2B5EF4-FFF2-40B4-BE49-F238E27FC236}">
-                <a16:creationId xmlns:a16="http://schemas.microsoft.com/office/drawing/2014/main" id="{E1AA84DE-F712-41B4-97A2-004524148D5E}"/>
+                <a16:creationId xmlns:a16="http://schemas.microsoft.com/office/drawing/2014/main" xmlns="" id="{E1AA84DE-F712-41B4-97A2-004524148D5E}"/>
               </a:ext>
             </a:extLst>
           </p:cNvPr>
@@ -11987,7 +13476,7 @@
     </p:spTree>
     <p:extLst>
       <p:ext uri="{BB962C8B-B14F-4D97-AF65-F5344CB8AC3E}">
-        <p14:creationId xmlns:p14="http://schemas.microsoft.com/office/powerpoint/2010/main" val="3454062296"/>
+        <p14:creationId xmlns:p14="http://schemas.microsoft.com/office/powerpoint/2010/main" xmlns="" val="3454062296"/>
       </p:ext>
     </p:extLst>
   </p:cSld>
@@ -12000,14 +13489,6 @@
 <file path=ppt/slides/slide20.xml><?xml version="1.0" encoding="utf-8"?>
 <p:sld xmlns:a="http://schemas.openxmlformats.org/drawingml/2006/main" xmlns:r="http://schemas.openxmlformats.org/officeDocument/2006/relationships" xmlns:p="http://schemas.openxmlformats.org/presentationml/2006/main">
   <p:cSld>
-    <p:bg>
-      <p:bgPr>
-        <a:solidFill>
-          <a:schemeClr val="tx1"/>
-        </a:solidFill>
-        <a:effectLst/>
-      </p:bgPr>
-    </p:bg>
     <p:spTree>
       <p:nvGrpSpPr>
         <p:cNvPr id="1" name=""/>
@@ -12024,679 +13505,70 @@
       </p:grpSpPr>
       <p:sp>
         <p:nvSpPr>
-          <p:cNvPr id="4" name="Content Placeholder 2">
+          <p:cNvPr id="2" name="Title 1">
             <a:extLst>
               <a:ext uri="{FF2B5EF4-FFF2-40B4-BE49-F238E27FC236}">
-                <a16:creationId xmlns:a16="http://schemas.microsoft.com/office/drawing/2014/main" id="{46DF36C4-BF62-41C8-87BC-20EB0ECF88CF}"/>
+                <a16:creationId xmlns:a16="http://schemas.microsoft.com/office/drawing/2014/main" xmlns="" id="{E497033F-4B7C-43D5-8BCB-CEF91A534120}"/>
               </a:ext>
             </a:extLst>
           </p:cNvPr>
-          <p:cNvSpPr txBox="1">
-            <a:spLocks/>
+          <p:cNvSpPr>
+            <a:spLocks noGrp="1"/>
           </p:cNvSpPr>
-          <p:nvPr/>
+          <p:nvPr>
+            <p:ph type="title"/>
+          </p:nvPr>
         </p:nvSpPr>
-        <p:spPr>
-          <a:xfrm>
-            <a:off x="838200" y="6039514"/>
-            <a:ext cx="10515600" cy="730253"/>
-          </a:xfrm>
-          <a:prstGeom prst="rect">
-            <a:avLst/>
-          </a:prstGeom>
-        </p:spPr>
+        <p:spPr/>
         <p:txBody>
-          <a:bodyPr vert="horz" lIns="91440" tIns="45720" rIns="91440" bIns="45720" rtlCol="0">
-            <a:normAutofit/>
-          </a:bodyPr>
-          <a:lstStyle>
-            <a:lvl1pPr marL="228600" indent="-228600" algn="l" defTabSz="914400" rtl="0" eaLnBrk="1" latinLnBrk="0" hangingPunct="1">
-              <a:lnSpc>
-                <a:spcPct val="90000"/>
-              </a:lnSpc>
-              <a:spcBef>
-                <a:spcPts val="1000"/>
-              </a:spcBef>
-              <a:buFont typeface="Arial" panose="020B0604020202020204" pitchFamily="34" charset="0"/>
-              <a:buChar char="•"/>
-              <a:defRPr sz="2800" kern="1200">
-                <a:solidFill>
-                  <a:schemeClr val="tx1"/>
-                </a:solidFill>
-                <a:latin typeface="+mn-lt"/>
-                <a:ea typeface="+mn-ea"/>
-                <a:cs typeface="+mn-cs"/>
-              </a:defRPr>
-            </a:lvl1pPr>
-            <a:lvl2pPr marL="685800" indent="-228600" algn="l" defTabSz="914400" rtl="0" eaLnBrk="1" latinLnBrk="0" hangingPunct="1">
-              <a:lnSpc>
-                <a:spcPct val="90000"/>
-              </a:lnSpc>
-              <a:spcBef>
-                <a:spcPts val="500"/>
-              </a:spcBef>
-              <a:buFont typeface="Arial" panose="020B0604020202020204" pitchFamily="34" charset="0"/>
-              <a:buChar char="•"/>
-              <a:defRPr sz="2400" kern="1200">
-                <a:solidFill>
-                  <a:schemeClr val="tx1"/>
-                </a:solidFill>
-                <a:latin typeface="+mn-lt"/>
-                <a:ea typeface="+mn-ea"/>
-                <a:cs typeface="+mn-cs"/>
-              </a:defRPr>
-            </a:lvl2pPr>
-            <a:lvl3pPr marL="1143000" indent="-228600" algn="l" defTabSz="914400" rtl="0" eaLnBrk="1" latinLnBrk="0" hangingPunct="1">
-              <a:lnSpc>
-                <a:spcPct val="90000"/>
-              </a:lnSpc>
-              <a:spcBef>
-                <a:spcPts val="500"/>
-              </a:spcBef>
-              <a:buFont typeface="Arial" panose="020B0604020202020204" pitchFamily="34" charset="0"/>
-              <a:buChar char="•"/>
-              <a:defRPr sz="2000" kern="1200">
-                <a:solidFill>
-                  <a:schemeClr val="tx1"/>
-                </a:solidFill>
-                <a:latin typeface="+mn-lt"/>
-                <a:ea typeface="+mn-ea"/>
-                <a:cs typeface="+mn-cs"/>
-              </a:defRPr>
-            </a:lvl3pPr>
-            <a:lvl4pPr marL="1600200" indent="-228600" algn="l" defTabSz="914400" rtl="0" eaLnBrk="1" latinLnBrk="0" hangingPunct="1">
-              <a:lnSpc>
-                <a:spcPct val="90000"/>
-              </a:lnSpc>
-              <a:spcBef>
-                <a:spcPts val="500"/>
-              </a:spcBef>
-              <a:buFont typeface="Arial" panose="020B0604020202020204" pitchFamily="34" charset="0"/>
-              <a:buChar char="•"/>
-              <a:defRPr sz="1800" kern="1200">
-                <a:solidFill>
-                  <a:schemeClr val="tx1"/>
-                </a:solidFill>
-                <a:latin typeface="+mn-lt"/>
-                <a:ea typeface="+mn-ea"/>
-                <a:cs typeface="+mn-cs"/>
-              </a:defRPr>
-            </a:lvl4pPr>
-            <a:lvl5pPr marL="2057400" indent="-228600" algn="l" defTabSz="914400" rtl="0" eaLnBrk="1" latinLnBrk="0" hangingPunct="1">
-              <a:lnSpc>
-                <a:spcPct val="90000"/>
-              </a:lnSpc>
-              <a:spcBef>
-                <a:spcPts val="500"/>
-              </a:spcBef>
-              <a:buFont typeface="Arial" panose="020B0604020202020204" pitchFamily="34" charset="0"/>
-              <a:buChar char="•"/>
-              <a:defRPr sz="1800" kern="1200">
-                <a:solidFill>
-                  <a:schemeClr val="tx1"/>
-                </a:solidFill>
-                <a:latin typeface="+mn-lt"/>
-                <a:ea typeface="+mn-ea"/>
-                <a:cs typeface="+mn-cs"/>
-              </a:defRPr>
-            </a:lvl5pPr>
-            <a:lvl6pPr marL="2514600" indent="-228600" algn="l" defTabSz="914400" rtl="0" eaLnBrk="1" latinLnBrk="0" hangingPunct="1">
-              <a:lnSpc>
-                <a:spcPct val="90000"/>
-              </a:lnSpc>
-              <a:spcBef>
-                <a:spcPts val="500"/>
-              </a:spcBef>
-              <a:buFont typeface="Arial" panose="020B0604020202020204" pitchFamily="34" charset="0"/>
-              <a:buChar char="•"/>
-              <a:defRPr sz="1800" kern="1200">
-                <a:solidFill>
-                  <a:schemeClr val="tx1"/>
-                </a:solidFill>
-                <a:latin typeface="+mn-lt"/>
-                <a:ea typeface="+mn-ea"/>
-                <a:cs typeface="+mn-cs"/>
-              </a:defRPr>
-            </a:lvl6pPr>
-            <a:lvl7pPr marL="2971800" indent="-228600" algn="l" defTabSz="914400" rtl="0" eaLnBrk="1" latinLnBrk="0" hangingPunct="1">
-              <a:lnSpc>
-                <a:spcPct val="90000"/>
-              </a:lnSpc>
-              <a:spcBef>
-                <a:spcPts val="500"/>
-              </a:spcBef>
-              <a:buFont typeface="Arial" panose="020B0604020202020204" pitchFamily="34" charset="0"/>
-              <a:buChar char="•"/>
-              <a:defRPr sz="1800" kern="1200">
-                <a:solidFill>
-                  <a:schemeClr val="tx1"/>
-                </a:solidFill>
-                <a:latin typeface="+mn-lt"/>
-                <a:ea typeface="+mn-ea"/>
-                <a:cs typeface="+mn-cs"/>
-              </a:defRPr>
-            </a:lvl7pPr>
-            <a:lvl8pPr marL="3429000" indent="-228600" algn="l" defTabSz="914400" rtl="0" eaLnBrk="1" latinLnBrk="0" hangingPunct="1">
-              <a:lnSpc>
-                <a:spcPct val="90000"/>
-              </a:lnSpc>
-              <a:spcBef>
-                <a:spcPts val="500"/>
-              </a:spcBef>
-              <a:buFont typeface="Arial" panose="020B0604020202020204" pitchFamily="34" charset="0"/>
-              <a:buChar char="•"/>
-              <a:defRPr sz="1800" kern="1200">
-                <a:solidFill>
-                  <a:schemeClr val="tx1"/>
-                </a:solidFill>
-                <a:latin typeface="+mn-lt"/>
-                <a:ea typeface="+mn-ea"/>
-                <a:cs typeface="+mn-cs"/>
-              </a:defRPr>
-            </a:lvl8pPr>
-            <a:lvl9pPr marL="3886200" indent="-228600" algn="l" defTabSz="914400" rtl="0" eaLnBrk="1" latinLnBrk="0" hangingPunct="1">
-              <a:lnSpc>
-                <a:spcPct val="90000"/>
-              </a:lnSpc>
-              <a:spcBef>
-                <a:spcPts val="500"/>
-              </a:spcBef>
-              <a:buFont typeface="Arial" panose="020B0604020202020204" pitchFamily="34" charset="0"/>
-              <a:buChar char="•"/>
-              <a:defRPr sz="1800" kern="1200">
-                <a:solidFill>
-                  <a:schemeClr val="tx1"/>
-                </a:solidFill>
-                <a:latin typeface="+mn-lt"/>
-                <a:ea typeface="+mn-ea"/>
-                <a:cs typeface="+mn-cs"/>
-              </a:defRPr>
-            </a:lvl9pPr>
-          </a:lstStyle>
+          <a:bodyPr/>
+          <a:lstStyle/>
           <a:p>
-            <a:pPr marL="0" indent="0" algn="ctr">
-              <a:buFont typeface="Arial" panose="020B0604020202020204" pitchFamily="34" charset="0"/>
-              <a:buNone/>
-            </a:pPr>
-            <a:r>
-              <a:rPr lang="pl-PL" sz="2000" dirty="0">
-                <a:solidFill>
-                  <a:schemeClr val="bg1"/>
-                </a:solidFill>
-              </a:rPr>
-              <a:t>Proszę nacisnąć „L”, aby kontynuować…</a:t>
-            </a:r>
+            <a:r>
+              <a:rPr lang="pl-PL" dirty="0"/>
+              <a:t>Slajdy wewnątrz </a:t>
+            </a:r>
+            <a:r>
+              <a:rPr lang="pl-PL" dirty="0" err="1"/>
+              <a:t>triali</a:t>
+            </a:r>
+            <a:r>
+              <a:rPr lang="pl-PL" dirty="0"/>
+              <a:t> (końce bloków)</a:t>
+            </a:r>
+            <a:endParaRPr lang="en-US" dirty="0"/>
           </a:p>
         </p:txBody>
       </p:sp>
       <p:sp>
         <p:nvSpPr>
-          <p:cNvPr id="7" name="Content Placeholder 2">
+          <p:cNvPr id="3" name="Content Placeholder 2">
             <a:extLst>
               <a:ext uri="{FF2B5EF4-FFF2-40B4-BE49-F238E27FC236}">
-                <a16:creationId xmlns:a16="http://schemas.microsoft.com/office/drawing/2014/main" id="{02466EF3-302C-4960-8543-BE397448108A}"/>
+                <a16:creationId xmlns:a16="http://schemas.microsoft.com/office/drawing/2014/main" xmlns="" id="{4442F038-6072-4A5A-BA30-02286A83305C}"/>
               </a:ext>
             </a:extLst>
           </p:cNvPr>
-          <p:cNvSpPr txBox="1">
-            <a:spLocks/>
+          <p:cNvSpPr>
+            <a:spLocks noGrp="1"/>
           </p:cNvSpPr>
-          <p:nvPr/>
+          <p:nvPr>
+            <p:ph idx="1"/>
+          </p:nvPr>
         </p:nvSpPr>
-        <p:spPr>
-          <a:xfrm>
-            <a:off x="1800723" y="1408634"/>
-            <a:ext cx="8590546" cy="740677"/>
-          </a:xfrm>
-          <a:prstGeom prst="rect">
-            <a:avLst/>
-          </a:prstGeom>
-        </p:spPr>
+        <p:spPr/>
         <p:txBody>
-          <a:bodyPr vert="horz" lIns="91440" tIns="45720" rIns="91440" bIns="45720" rtlCol="0">
-            <a:normAutofit/>
-          </a:bodyPr>
-          <a:lstStyle>
-            <a:lvl1pPr marL="228600" indent="-228600" algn="l" defTabSz="914400" rtl="0" eaLnBrk="1" latinLnBrk="0" hangingPunct="1">
-              <a:lnSpc>
-                <a:spcPct val="90000"/>
-              </a:lnSpc>
-              <a:spcBef>
-                <a:spcPts val="1000"/>
-              </a:spcBef>
-              <a:buFont typeface="Arial" panose="020B0604020202020204" pitchFamily="34" charset="0"/>
-              <a:buChar char="•"/>
-              <a:defRPr sz="2800" kern="1200">
-                <a:solidFill>
-                  <a:schemeClr val="tx1"/>
-                </a:solidFill>
-                <a:latin typeface="+mn-lt"/>
-                <a:ea typeface="+mn-ea"/>
-                <a:cs typeface="+mn-cs"/>
-              </a:defRPr>
-            </a:lvl1pPr>
-            <a:lvl2pPr marL="685800" indent="-228600" algn="l" defTabSz="914400" rtl="0" eaLnBrk="1" latinLnBrk="0" hangingPunct="1">
-              <a:lnSpc>
-                <a:spcPct val="90000"/>
-              </a:lnSpc>
-              <a:spcBef>
-                <a:spcPts val="500"/>
-              </a:spcBef>
-              <a:buFont typeface="Arial" panose="020B0604020202020204" pitchFamily="34" charset="0"/>
-              <a:buChar char="•"/>
-              <a:defRPr sz="2400" kern="1200">
-                <a:solidFill>
-                  <a:schemeClr val="tx1"/>
-                </a:solidFill>
-                <a:latin typeface="+mn-lt"/>
-                <a:ea typeface="+mn-ea"/>
-                <a:cs typeface="+mn-cs"/>
-              </a:defRPr>
-            </a:lvl2pPr>
-            <a:lvl3pPr marL="1143000" indent="-228600" algn="l" defTabSz="914400" rtl="0" eaLnBrk="1" latinLnBrk="0" hangingPunct="1">
-              <a:lnSpc>
-                <a:spcPct val="90000"/>
-              </a:lnSpc>
-              <a:spcBef>
-                <a:spcPts val="500"/>
-              </a:spcBef>
-              <a:buFont typeface="Arial" panose="020B0604020202020204" pitchFamily="34" charset="0"/>
-              <a:buChar char="•"/>
-              <a:defRPr sz="2000" kern="1200">
-                <a:solidFill>
-                  <a:schemeClr val="tx1"/>
-                </a:solidFill>
-                <a:latin typeface="+mn-lt"/>
-                <a:ea typeface="+mn-ea"/>
-                <a:cs typeface="+mn-cs"/>
-              </a:defRPr>
-            </a:lvl3pPr>
-            <a:lvl4pPr marL="1600200" indent="-228600" algn="l" defTabSz="914400" rtl="0" eaLnBrk="1" latinLnBrk="0" hangingPunct="1">
-              <a:lnSpc>
-                <a:spcPct val="90000"/>
-              </a:lnSpc>
-              <a:spcBef>
-                <a:spcPts val="500"/>
-              </a:spcBef>
-              <a:buFont typeface="Arial" panose="020B0604020202020204" pitchFamily="34" charset="0"/>
-              <a:buChar char="•"/>
-              <a:defRPr sz="1800" kern="1200">
-                <a:solidFill>
-                  <a:schemeClr val="tx1"/>
-                </a:solidFill>
-                <a:latin typeface="+mn-lt"/>
-                <a:ea typeface="+mn-ea"/>
-                <a:cs typeface="+mn-cs"/>
-              </a:defRPr>
-            </a:lvl4pPr>
-            <a:lvl5pPr marL="2057400" indent="-228600" algn="l" defTabSz="914400" rtl="0" eaLnBrk="1" latinLnBrk="0" hangingPunct="1">
-              <a:lnSpc>
-                <a:spcPct val="90000"/>
-              </a:lnSpc>
-              <a:spcBef>
-                <a:spcPts val="500"/>
-              </a:spcBef>
-              <a:buFont typeface="Arial" panose="020B0604020202020204" pitchFamily="34" charset="0"/>
-              <a:buChar char="•"/>
-              <a:defRPr sz="1800" kern="1200">
-                <a:solidFill>
-                  <a:schemeClr val="tx1"/>
-                </a:solidFill>
-                <a:latin typeface="+mn-lt"/>
-                <a:ea typeface="+mn-ea"/>
-                <a:cs typeface="+mn-cs"/>
-              </a:defRPr>
-            </a:lvl5pPr>
-            <a:lvl6pPr marL="2514600" indent="-228600" algn="l" defTabSz="914400" rtl="0" eaLnBrk="1" latinLnBrk="0" hangingPunct="1">
-              <a:lnSpc>
-                <a:spcPct val="90000"/>
-              </a:lnSpc>
-              <a:spcBef>
-                <a:spcPts val="500"/>
-              </a:spcBef>
-              <a:buFont typeface="Arial" panose="020B0604020202020204" pitchFamily="34" charset="0"/>
-              <a:buChar char="•"/>
-              <a:defRPr sz="1800" kern="1200">
-                <a:solidFill>
-                  <a:schemeClr val="tx1"/>
-                </a:solidFill>
-                <a:latin typeface="+mn-lt"/>
-                <a:ea typeface="+mn-ea"/>
-                <a:cs typeface="+mn-cs"/>
-              </a:defRPr>
-            </a:lvl6pPr>
-            <a:lvl7pPr marL="2971800" indent="-228600" algn="l" defTabSz="914400" rtl="0" eaLnBrk="1" latinLnBrk="0" hangingPunct="1">
-              <a:lnSpc>
-                <a:spcPct val="90000"/>
-              </a:lnSpc>
-              <a:spcBef>
-                <a:spcPts val="500"/>
-              </a:spcBef>
-              <a:buFont typeface="Arial" panose="020B0604020202020204" pitchFamily="34" charset="0"/>
-              <a:buChar char="•"/>
-              <a:defRPr sz="1800" kern="1200">
-                <a:solidFill>
-                  <a:schemeClr val="tx1"/>
-                </a:solidFill>
-                <a:latin typeface="+mn-lt"/>
-                <a:ea typeface="+mn-ea"/>
-                <a:cs typeface="+mn-cs"/>
-              </a:defRPr>
-            </a:lvl7pPr>
-            <a:lvl8pPr marL="3429000" indent="-228600" algn="l" defTabSz="914400" rtl="0" eaLnBrk="1" latinLnBrk="0" hangingPunct="1">
-              <a:lnSpc>
-                <a:spcPct val="90000"/>
-              </a:lnSpc>
-              <a:spcBef>
-                <a:spcPts val="500"/>
-              </a:spcBef>
-              <a:buFont typeface="Arial" panose="020B0604020202020204" pitchFamily="34" charset="0"/>
-              <a:buChar char="•"/>
-              <a:defRPr sz="1800" kern="1200">
-                <a:solidFill>
-                  <a:schemeClr val="tx1"/>
-                </a:solidFill>
-                <a:latin typeface="+mn-lt"/>
-                <a:ea typeface="+mn-ea"/>
-                <a:cs typeface="+mn-cs"/>
-              </a:defRPr>
-            </a:lvl8pPr>
-            <a:lvl9pPr marL="3886200" indent="-228600" algn="l" defTabSz="914400" rtl="0" eaLnBrk="1" latinLnBrk="0" hangingPunct="1">
-              <a:lnSpc>
-                <a:spcPct val="90000"/>
-              </a:lnSpc>
-              <a:spcBef>
-                <a:spcPts val="500"/>
-              </a:spcBef>
-              <a:buFont typeface="Arial" panose="020B0604020202020204" pitchFamily="34" charset="0"/>
-              <a:buChar char="•"/>
-              <a:defRPr sz="1800" kern="1200">
-                <a:solidFill>
-                  <a:schemeClr val="tx1"/>
-                </a:solidFill>
-                <a:latin typeface="+mn-lt"/>
-                <a:ea typeface="+mn-ea"/>
-                <a:cs typeface="+mn-cs"/>
-              </a:defRPr>
-            </a:lvl9pPr>
-          </a:lstStyle>
-          <a:p>
-            <a:pPr marL="0" indent="0" algn="ctr">
-              <a:buFont typeface="Arial" panose="020B0604020202020204" pitchFamily="34" charset="0"/>
-              <a:buNone/>
-            </a:pPr>
-            <a:r>
-              <a:rPr lang="pl-PL" sz="2400" dirty="0">
-                <a:solidFill>
-                  <a:schemeClr val="bg1"/>
-                </a:solidFill>
-              </a:rPr>
-              <a:t>Dziękujemy!</a:t>
-            </a:r>
-            <a:endParaRPr lang="en-US" sz="2400" dirty="0">
-              <a:solidFill>
-                <a:schemeClr val="bg1"/>
-              </a:solidFill>
-            </a:endParaRPr>
-          </a:p>
-        </p:txBody>
-      </p:sp>
-      <p:sp>
-        <p:nvSpPr>
-          <p:cNvPr id="9" name="Content Placeholder 2">
-            <a:extLst>
-              <a:ext uri="{FF2B5EF4-FFF2-40B4-BE49-F238E27FC236}">
-                <a16:creationId xmlns:a16="http://schemas.microsoft.com/office/drawing/2014/main" id="{6AE46264-68D9-4CE3-A51C-8EC1E628ABC6}"/>
-              </a:ext>
-            </a:extLst>
-          </p:cNvPr>
-          <p:cNvSpPr txBox="1">
-            <a:spLocks/>
-          </p:cNvSpPr>
-          <p:nvPr/>
-        </p:nvSpPr>
-        <p:spPr>
-          <a:xfrm>
-            <a:off x="3031459" y="2476476"/>
-            <a:ext cx="6129074" cy="1078624"/>
-          </a:xfrm>
-          <a:prstGeom prst="rect">
-            <a:avLst/>
-          </a:prstGeom>
-        </p:spPr>
-        <p:txBody>
-          <a:bodyPr vert="horz" lIns="91440" tIns="45720" rIns="91440" bIns="45720" rtlCol="0">
-            <a:normAutofit/>
-          </a:bodyPr>
-          <a:lstStyle>
-            <a:lvl1pPr marL="228600" indent="-228600" algn="l" defTabSz="914400" rtl="0" eaLnBrk="1" latinLnBrk="0" hangingPunct="1">
-              <a:lnSpc>
-                <a:spcPct val="90000"/>
-              </a:lnSpc>
-              <a:spcBef>
-                <a:spcPts val="1000"/>
-              </a:spcBef>
-              <a:buFont typeface="Arial" panose="020B0604020202020204" pitchFamily="34" charset="0"/>
-              <a:buChar char="•"/>
-              <a:defRPr sz="2800" kern="1200">
-                <a:solidFill>
-                  <a:schemeClr val="tx1"/>
-                </a:solidFill>
-                <a:latin typeface="+mn-lt"/>
-                <a:ea typeface="+mn-ea"/>
-                <a:cs typeface="+mn-cs"/>
-              </a:defRPr>
-            </a:lvl1pPr>
-            <a:lvl2pPr marL="685800" indent="-228600" algn="l" defTabSz="914400" rtl="0" eaLnBrk="1" latinLnBrk="0" hangingPunct="1">
-              <a:lnSpc>
-                <a:spcPct val="90000"/>
-              </a:lnSpc>
-              <a:spcBef>
-                <a:spcPts val="500"/>
-              </a:spcBef>
-              <a:buFont typeface="Arial" panose="020B0604020202020204" pitchFamily="34" charset="0"/>
-              <a:buChar char="•"/>
-              <a:defRPr sz="2400" kern="1200">
-                <a:solidFill>
-                  <a:schemeClr val="tx1"/>
-                </a:solidFill>
-                <a:latin typeface="+mn-lt"/>
-                <a:ea typeface="+mn-ea"/>
-                <a:cs typeface="+mn-cs"/>
-              </a:defRPr>
-            </a:lvl2pPr>
-            <a:lvl3pPr marL="1143000" indent="-228600" algn="l" defTabSz="914400" rtl="0" eaLnBrk="1" latinLnBrk="0" hangingPunct="1">
-              <a:lnSpc>
-                <a:spcPct val="90000"/>
-              </a:lnSpc>
-              <a:spcBef>
-                <a:spcPts val="500"/>
-              </a:spcBef>
-              <a:buFont typeface="Arial" panose="020B0604020202020204" pitchFamily="34" charset="0"/>
-              <a:buChar char="•"/>
-              <a:defRPr sz="2000" kern="1200">
-                <a:solidFill>
-                  <a:schemeClr val="tx1"/>
-                </a:solidFill>
-                <a:latin typeface="+mn-lt"/>
-                <a:ea typeface="+mn-ea"/>
-                <a:cs typeface="+mn-cs"/>
-              </a:defRPr>
-            </a:lvl3pPr>
-            <a:lvl4pPr marL="1600200" indent="-228600" algn="l" defTabSz="914400" rtl="0" eaLnBrk="1" latinLnBrk="0" hangingPunct="1">
-              <a:lnSpc>
-                <a:spcPct val="90000"/>
-              </a:lnSpc>
-              <a:spcBef>
-                <a:spcPts val="500"/>
-              </a:spcBef>
-              <a:buFont typeface="Arial" panose="020B0604020202020204" pitchFamily="34" charset="0"/>
-              <a:buChar char="•"/>
-              <a:defRPr sz="1800" kern="1200">
-                <a:solidFill>
-                  <a:schemeClr val="tx1"/>
-                </a:solidFill>
-                <a:latin typeface="+mn-lt"/>
-                <a:ea typeface="+mn-ea"/>
-                <a:cs typeface="+mn-cs"/>
-              </a:defRPr>
-            </a:lvl4pPr>
-            <a:lvl5pPr marL="2057400" indent="-228600" algn="l" defTabSz="914400" rtl="0" eaLnBrk="1" latinLnBrk="0" hangingPunct="1">
-              <a:lnSpc>
-                <a:spcPct val="90000"/>
-              </a:lnSpc>
-              <a:spcBef>
-                <a:spcPts val="500"/>
-              </a:spcBef>
-              <a:buFont typeface="Arial" panose="020B0604020202020204" pitchFamily="34" charset="0"/>
-              <a:buChar char="•"/>
-              <a:defRPr sz="1800" kern="1200">
-                <a:solidFill>
-                  <a:schemeClr val="tx1"/>
-                </a:solidFill>
-                <a:latin typeface="+mn-lt"/>
-                <a:ea typeface="+mn-ea"/>
-                <a:cs typeface="+mn-cs"/>
-              </a:defRPr>
-            </a:lvl5pPr>
-            <a:lvl6pPr marL="2514600" indent="-228600" algn="l" defTabSz="914400" rtl="0" eaLnBrk="1" latinLnBrk="0" hangingPunct="1">
-              <a:lnSpc>
-                <a:spcPct val="90000"/>
-              </a:lnSpc>
-              <a:spcBef>
-                <a:spcPts val="500"/>
-              </a:spcBef>
-              <a:buFont typeface="Arial" panose="020B0604020202020204" pitchFamily="34" charset="0"/>
-              <a:buChar char="•"/>
-              <a:defRPr sz="1800" kern="1200">
-                <a:solidFill>
-                  <a:schemeClr val="tx1"/>
-                </a:solidFill>
-                <a:latin typeface="+mn-lt"/>
-                <a:ea typeface="+mn-ea"/>
-                <a:cs typeface="+mn-cs"/>
-              </a:defRPr>
-            </a:lvl6pPr>
-            <a:lvl7pPr marL="2971800" indent="-228600" algn="l" defTabSz="914400" rtl="0" eaLnBrk="1" latinLnBrk="0" hangingPunct="1">
-              <a:lnSpc>
-                <a:spcPct val="90000"/>
-              </a:lnSpc>
-              <a:spcBef>
-                <a:spcPts val="500"/>
-              </a:spcBef>
-              <a:buFont typeface="Arial" panose="020B0604020202020204" pitchFamily="34" charset="0"/>
-              <a:buChar char="•"/>
-              <a:defRPr sz="1800" kern="1200">
-                <a:solidFill>
-                  <a:schemeClr val="tx1"/>
-                </a:solidFill>
-                <a:latin typeface="+mn-lt"/>
-                <a:ea typeface="+mn-ea"/>
-                <a:cs typeface="+mn-cs"/>
-              </a:defRPr>
-            </a:lvl7pPr>
-            <a:lvl8pPr marL="3429000" indent="-228600" algn="l" defTabSz="914400" rtl="0" eaLnBrk="1" latinLnBrk="0" hangingPunct="1">
-              <a:lnSpc>
-                <a:spcPct val="90000"/>
-              </a:lnSpc>
-              <a:spcBef>
-                <a:spcPts val="500"/>
-              </a:spcBef>
-              <a:buFont typeface="Arial" panose="020B0604020202020204" pitchFamily="34" charset="0"/>
-              <a:buChar char="•"/>
-              <a:defRPr sz="1800" kern="1200">
-                <a:solidFill>
-                  <a:schemeClr val="tx1"/>
-                </a:solidFill>
-                <a:latin typeface="+mn-lt"/>
-                <a:ea typeface="+mn-ea"/>
-                <a:cs typeface="+mn-cs"/>
-              </a:defRPr>
-            </a:lvl8pPr>
-            <a:lvl9pPr marL="3886200" indent="-228600" algn="l" defTabSz="914400" rtl="0" eaLnBrk="1" latinLnBrk="0" hangingPunct="1">
-              <a:lnSpc>
-                <a:spcPct val="90000"/>
-              </a:lnSpc>
-              <a:spcBef>
-                <a:spcPts val="500"/>
-              </a:spcBef>
-              <a:buFont typeface="Arial" panose="020B0604020202020204" pitchFamily="34" charset="0"/>
-              <a:buChar char="•"/>
-              <a:defRPr sz="1800" kern="1200">
-                <a:solidFill>
-                  <a:schemeClr val="tx1"/>
-                </a:solidFill>
-                <a:latin typeface="+mn-lt"/>
-                <a:ea typeface="+mn-ea"/>
-                <a:cs typeface="+mn-cs"/>
-              </a:defRPr>
-            </a:lvl9pPr>
-          </a:lstStyle>
-          <a:p>
-            <a:pPr marL="0" indent="0" algn="ctr">
-              <a:buNone/>
-            </a:pPr>
-            <a:r>
-              <a:rPr lang="pl-PL" sz="2400" dirty="0">
-                <a:solidFill>
-                  <a:schemeClr val="bg1"/>
-                </a:solidFill>
-              </a:rPr>
-              <a:t>To koniec jednego z czterech bloków eksperymentu. Zaraz zacznie się kolejny. </a:t>
-            </a:r>
-            <a:endParaRPr lang="en-US" sz="2400" dirty="0">
-              <a:solidFill>
-                <a:schemeClr val="bg1"/>
-              </a:solidFill>
-            </a:endParaRPr>
-          </a:p>
-        </p:txBody>
-      </p:sp>
-      <p:sp>
-        <p:nvSpPr>
-          <p:cNvPr id="2" name="TextBox 1">
-            <a:extLst>
-              <a:ext uri="{FF2B5EF4-FFF2-40B4-BE49-F238E27FC236}">
-                <a16:creationId xmlns:a16="http://schemas.microsoft.com/office/drawing/2014/main" id="{53F3EEE2-45E7-4906-9DD3-0CFC053FF6C8}"/>
-              </a:ext>
-            </a:extLst>
-          </p:cNvPr>
-          <p:cNvSpPr txBox="1"/>
-          <p:nvPr/>
-        </p:nvSpPr>
-        <p:spPr>
-          <a:xfrm>
-            <a:off x="2068354" y="4017177"/>
-            <a:ext cx="8055284" cy="954107"/>
-          </a:xfrm>
-          <a:prstGeom prst="rect">
-            <a:avLst/>
-          </a:prstGeom>
-          <a:noFill/>
-        </p:spPr>
-        <p:txBody>
-          <a:bodyPr wrap="square" rtlCol="0">
-            <a:spAutoFit/>
-          </a:bodyPr>
+          <a:bodyPr/>
           <a:lstStyle/>
           <a:p>
-            <a:pPr algn="ctr"/>
-            <a:r>
-              <a:rPr lang="pl-PL" sz="2800" dirty="0">
-                <a:solidFill>
-                  <a:schemeClr val="bg1"/>
-                </a:solidFill>
-              </a:rPr>
-              <a:t>Uwaga! Teraz rozkład kolorów zmieni się, i trzeba będzie na nowo przypisać do niego poczucie kontroli.</a:t>
-            </a:r>
-            <a:endParaRPr lang="en-US" sz="2800" dirty="0"/>
+            <a:endParaRPr lang="en-US"/>
           </a:p>
         </p:txBody>
       </p:sp>
     </p:spTree>
     <p:extLst>
       <p:ext uri="{BB962C8B-B14F-4D97-AF65-F5344CB8AC3E}">
-        <p14:creationId xmlns:p14="http://schemas.microsoft.com/office/powerpoint/2010/main" val="73397376"/>
+        <p14:creationId xmlns:p14="http://schemas.microsoft.com/office/powerpoint/2010/main" xmlns="" val="314155207"/>
       </p:ext>
     </p:extLst>
   </p:cSld>
@@ -12736,7 +13608,7 @@
           <p:cNvPr id="4" name="Content Placeholder 2">
             <a:extLst>
               <a:ext uri="{FF2B5EF4-FFF2-40B4-BE49-F238E27FC236}">
-                <a16:creationId xmlns:a16="http://schemas.microsoft.com/office/drawing/2014/main" id="{46DF36C4-BF62-41C8-87BC-20EB0ECF88CF}"/>
+                <a16:creationId xmlns:a16="http://schemas.microsoft.com/office/drawing/2014/main" xmlns="" id="{46DF36C4-BF62-41C8-87BC-20EB0ECF88CF}"/>
               </a:ext>
             </a:extLst>
           </p:cNvPr>
@@ -12756,7 +13628,7 @@
         </p:spPr>
         <p:txBody>
           <a:bodyPr vert="horz" lIns="91440" tIns="45720" rIns="91440" bIns="45720" rtlCol="0">
-            <a:normAutofit lnSpcReduction="10000"/>
+            <a:normAutofit/>
           </a:bodyPr>
           <a:lstStyle>
             <a:lvl1pPr marL="228600" indent="-228600" algn="l" defTabSz="914400" rtl="0" eaLnBrk="1" latinLnBrk="0" hangingPunct="1">
@@ -12930,30 +13802,11 @@
             <a:r>
               <a:rPr lang="pl-PL" sz="2000" dirty="0">
                 <a:solidFill>
-                  <a:srgbClr val="FF0000"/>
-                </a:solidFill>
-              </a:rPr>
-              <a:t>Proszę nacisnąć „L”, aby ROZPOCZĄĆ KOLEJNY BLOK…</a:t>
-            </a:r>
-          </a:p>
-          <a:p>
-            <a:pPr marL="0" indent="0" algn="ctr">
-              <a:buFont typeface="Arial" panose="020B0604020202020204" pitchFamily="34" charset="0"/>
-              <a:buNone/>
-            </a:pPr>
-            <a:r>
-              <a:rPr lang="pl-PL" sz="2000" dirty="0">
-                <a:solidFill>
-                  <a:srgbClr val="FF0000"/>
-                </a:solidFill>
-              </a:rPr>
-              <a:t>lub „D”, aby cofnąć się do poprzedniego slajdu…</a:t>
-            </a:r>
-            <a:endParaRPr lang="en-US" sz="2000" dirty="0">
-              <a:solidFill>
-                <a:srgbClr val="FF0000"/>
-              </a:solidFill>
-            </a:endParaRPr>
+                  <a:schemeClr val="bg1"/>
+                </a:solidFill>
+              </a:rPr>
+              <a:t>Proszę nacisnąć „L”, aby kontynuować…</a:t>
+            </a:r>
           </a:p>
         </p:txBody>
       </p:sp>
@@ -12962,7 +13815,7 @@
           <p:cNvPr id="7" name="Content Placeholder 2">
             <a:extLst>
               <a:ext uri="{FF2B5EF4-FFF2-40B4-BE49-F238E27FC236}">
-                <a16:creationId xmlns:a16="http://schemas.microsoft.com/office/drawing/2014/main" id="{02466EF3-302C-4960-8543-BE397448108A}"/>
+                <a16:creationId xmlns:a16="http://schemas.microsoft.com/office/drawing/2014/main" xmlns="" id="{02466EF3-302C-4960-8543-BE397448108A}"/>
               </a:ext>
             </a:extLst>
           </p:cNvPr>
@@ -12973,7 +13826,7 @@
         </p:nvSpPr>
         <p:spPr>
           <a:xfrm>
-            <a:off x="1800727" y="3058661"/>
+            <a:off x="1800723" y="1408634"/>
             <a:ext cx="8590546" cy="740677"/>
           </a:xfrm>
           <a:prstGeom prst="rect">
@@ -12982,7 +13835,7 @@
         </p:spPr>
         <p:txBody>
           <a:bodyPr vert="horz" lIns="91440" tIns="45720" rIns="91440" bIns="45720" rtlCol="0">
-            <a:normAutofit lnSpcReduction="10000"/>
+            <a:normAutofit/>
           </a:bodyPr>
           <a:lstStyle>
             <a:lvl1pPr marL="228600" indent="-228600" algn="l" defTabSz="914400" rtl="0" eaLnBrk="1" latinLnBrk="0" hangingPunct="1">
@@ -13159,31 +14012,7 @@
                   <a:schemeClr val="bg1"/>
                 </a:solidFill>
               </a:rPr>
-              <a:t>Proszę</a:t>
-            </a:r>
-            <a:r>
-              <a:rPr lang="en-US" sz="2400" dirty="0">
-                <a:solidFill>
-                  <a:schemeClr val="bg1"/>
-                </a:solidFill>
-              </a:rPr>
-              <a:t> </a:t>
-            </a:r>
-            <a:r>
-              <a:rPr lang="en-US" sz="2400" dirty="0" err="1">
-                <a:solidFill>
-                  <a:schemeClr val="bg1"/>
-                </a:solidFill>
-              </a:rPr>
-              <a:t>teraz</a:t>
-            </a:r>
-            <a:r>
-              <a:rPr lang="pl-PL" sz="2400" dirty="0">
-                <a:solidFill>
-                  <a:schemeClr val="bg1"/>
-                </a:solidFill>
-              </a:rPr>
-              <a:t> położyć palec wskazujący lewej ręki na klawiszu „D” na klawiaturze, a prawej ręki na klawiszu „L”.</a:t>
+              <a:t>Dziękujemy!</a:t>
             </a:r>
             <a:endParaRPr lang="en-US" sz="2400" dirty="0">
               <a:solidFill>
@@ -13193,10 +14022,278 @@
           </a:p>
         </p:txBody>
       </p:sp>
+      <p:sp>
+        <p:nvSpPr>
+          <p:cNvPr id="9" name="Content Placeholder 2">
+            <a:extLst>
+              <a:ext uri="{FF2B5EF4-FFF2-40B4-BE49-F238E27FC236}">
+                <a16:creationId xmlns:a16="http://schemas.microsoft.com/office/drawing/2014/main" xmlns="" id="{6AE46264-68D9-4CE3-A51C-8EC1E628ABC6}"/>
+              </a:ext>
+            </a:extLst>
+          </p:cNvPr>
+          <p:cNvSpPr txBox="1">
+            <a:spLocks/>
+          </p:cNvSpPr>
+          <p:nvPr/>
+        </p:nvSpPr>
+        <p:spPr>
+          <a:xfrm>
+            <a:off x="3031459" y="2476476"/>
+            <a:ext cx="6129074" cy="1078624"/>
+          </a:xfrm>
+          <a:prstGeom prst="rect">
+            <a:avLst/>
+          </a:prstGeom>
+        </p:spPr>
+        <p:txBody>
+          <a:bodyPr vert="horz" lIns="91440" tIns="45720" rIns="91440" bIns="45720" rtlCol="0">
+            <a:normAutofit/>
+          </a:bodyPr>
+          <a:lstStyle>
+            <a:lvl1pPr marL="228600" indent="-228600" algn="l" defTabSz="914400" rtl="0" eaLnBrk="1" latinLnBrk="0" hangingPunct="1">
+              <a:lnSpc>
+                <a:spcPct val="90000"/>
+              </a:lnSpc>
+              <a:spcBef>
+                <a:spcPts val="1000"/>
+              </a:spcBef>
+              <a:buFont typeface="Arial" panose="020B0604020202020204" pitchFamily="34" charset="0"/>
+              <a:buChar char="•"/>
+              <a:defRPr sz="2800" kern="1200">
+                <a:solidFill>
+                  <a:schemeClr val="tx1"/>
+                </a:solidFill>
+                <a:latin typeface="+mn-lt"/>
+                <a:ea typeface="+mn-ea"/>
+                <a:cs typeface="+mn-cs"/>
+              </a:defRPr>
+            </a:lvl1pPr>
+            <a:lvl2pPr marL="685800" indent="-228600" algn="l" defTabSz="914400" rtl="0" eaLnBrk="1" latinLnBrk="0" hangingPunct="1">
+              <a:lnSpc>
+                <a:spcPct val="90000"/>
+              </a:lnSpc>
+              <a:spcBef>
+                <a:spcPts val="500"/>
+              </a:spcBef>
+              <a:buFont typeface="Arial" panose="020B0604020202020204" pitchFamily="34" charset="0"/>
+              <a:buChar char="•"/>
+              <a:defRPr sz="2400" kern="1200">
+                <a:solidFill>
+                  <a:schemeClr val="tx1"/>
+                </a:solidFill>
+                <a:latin typeface="+mn-lt"/>
+                <a:ea typeface="+mn-ea"/>
+                <a:cs typeface="+mn-cs"/>
+              </a:defRPr>
+            </a:lvl2pPr>
+            <a:lvl3pPr marL="1143000" indent="-228600" algn="l" defTabSz="914400" rtl="0" eaLnBrk="1" latinLnBrk="0" hangingPunct="1">
+              <a:lnSpc>
+                <a:spcPct val="90000"/>
+              </a:lnSpc>
+              <a:spcBef>
+                <a:spcPts val="500"/>
+              </a:spcBef>
+              <a:buFont typeface="Arial" panose="020B0604020202020204" pitchFamily="34" charset="0"/>
+              <a:buChar char="•"/>
+              <a:defRPr sz="2000" kern="1200">
+                <a:solidFill>
+                  <a:schemeClr val="tx1"/>
+                </a:solidFill>
+                <a:latin typeface="+mn-lt"/>
+                <a:ea typeface="+mn-ea"/>
+                <a:cs typeface="+mn-cs"/>
+              </a:defRPr>
+            </a:lvl3pPr>
+            <a:lvl4pPr marL="1600200" indent="-228600" algn="l" defTabSz="914400" rtl="0" eaLnBrk="1" latinLnBrk="0" hangingPunct="1">
+              <a:lnSpc>
+                <a:spcPct val="90000"/>
+              </a:lnSpc>
+              <a:spcBef>
+                <a:spcPts val="500"/>
+              </a:spcBef>
+              <a:buFont typeface="Arial" panose="020B0604020202020204" pitchFamily="34" charset="0"/>
+              <a:buChar char="•"/>
+              <a:defRPr sz="1800" kern="1200">
+                <a:solidFill>
+                  <a:schemeClr val="tx1"/>
+                </a:solidFill>
+                <a:latin typeface="+mn-lt"/>
+                <a:ea typeface="+mn-ea"/>
+                <a:cs typeface="+mn-cs"/>
+              </a:defRPr>
+            </a:lvl4pPr>
+            <a:lvl5pPr marL="2057400" indent="-228600" algn="l" defTabSz="914400" rtl="0" eaLnBrk="1" latinLnBrk="0" hangingPunct="1">
+              <a:lnSpc>
+                <a:spcPct val="90000"/>
+              </a:lnSpc>
+              <a:spcBef>
+                <a:spcPts val="500"/>
+              </a:spcBef>
+              <a:buFont typeface="Arial" panose="020B0604020202020204" pitchFamily="34" charset="0"/>
+              <a:buChar char="•"/>
+              <a:defRPr sz="1800" kern="1200">
+                <a:solidFill>
+                  <a:schemeClr val="tx1"/>
+                </a:solidFill>
+                <a:latin typeface="+mn-lt"/>
+                <a:ea typeface="+mn-ea"/>
+                <a:cs typeface="+mn-cs"/>
+              </a:defRPr>
+            </a:lvl5pPr>
+            <a:lvl6pPr marL="2514600" indent="-228600" algn="l" defTabSz="914400" rtl="0" eaLnBrk="1" latinLnBrk="0" hangingPunct="1">
+              <a:lnSpc>
+                <a:spcPct val="90000"/>
+              </a:lnSpc>
+              <a:spcBef>
+                <a:spcPts val="500"/>
+              </a:spcBef>
+              <a:buFont typeface="Arial" panose="020B0604020202020204" pitchFamily="34" charset="0"/>
+              <a:buChar char="•"/>
+              <a:defRPr sz="1800" kern="1200">
+                <a:solidFill>
+                  <a:schemeClr val="tx1"/>
+                </a:solidFill>
+                <a:latin typeface="+mn-lt"/>
+                <a:ea typeface="+mn-ea"/>
+                <a:cs typeface="+mn-cs"/>
+              </a:defRPr>
+            </a:lvl6pPr>
+            <a:lvl7pPr marL="2971800" indent="-228600" algn="l" defTabSz="914400" rtl="0" eaLnBrk="1" latinLnBrk="0" hangingPunct="1">
+              <a:lnSpc>
+                <a:spcPct val="90000"/>
+              </a:lnSpc>
+              <a:spcBef>
+                <a:spcPts val="500"/>
+              </a:spcBef>
+              <a:buFont typeface="Arial" panose="020B0604020202020204" pitchFamily="34" charset="0"/>
+              <a:buChar char="•"/>
+              <a:defRPr sz="1800" kern="1200">
+                <a:solidFill>
+                  <a:schemeClr val="tx1"/>
+                </a:solidFill>
+                <a:latin typeface="+mn-lt"/>
+                <a:ea typeface="+mn-ea"/>
+                <a:cs typeface="+mn-cs"/>
+              </a:defRPr>
+            </a:lvl7pPr>
+            <a:lvl8pPr marL="3429000" indent="-228600" algn="l" defTabSz="914400" rtl="0" eaLnBrk="1" latinLnBrk="0" hangingPunct="1">
+              <a:lnSpc>
+                <a:spcPct val="90000"/>
+              </a:lnSpc>
+              <a:spcBef>
+                <a:spcPts val="500"/>
+              </a:spcBef>
+              <a:buFont typeface="Arial" panose="020B0604020202020204" pitchFamily="34" charset="0"/>
+              <a:buChar char="•"/>
+              <a:defRPr sz="1800" kern="1200">
+                <a:solidFill>
+                  <a:schemeClr val="tx1"/>
+                </a:solidFill>
+                <a:latin typeface="+mn-lt"/>
+                <a:ea typeface="+mn-ea"/>
+                <a:cs typeface="+mn-cs"/>
+              </a:defRPr>
+            </a:lvl8pPr>
+            <a:lvl9pPr marL="3886200" indent="-228600" algn="l" defTabSz="914400" rtl="0" eaLnBrk="1" latinLnBrk="0" hangingPunct="1">
+              <a:lnSpc>
+                <a:spcPct val="90000"/>
+              </a:lnSpc>
+              <a:spcBef>
+                <a:spcPts val="500"/>
+              </a:spcBef>
+              <a:buFont typeface="Arial" panose="020B0604020202020204" pitchFamily="34" charset="0"/>
+              <a:buChar char="•"/>
+              <a:defRPr sz="1800" kern="1200">
+                <a:solidFill>
+                  <a:schemeClr val="tx1"/>
+                </a:solidFill>
+                <a:latin typeface="+mn-lt"/>
+                <a:ea typeface="+mn-ea"/>
+                <a:cs typeface="+mn-cs"/>
+              </a:defRPr>
+            </a:lvl9pPr>
+          </a:lstStyle>
+          <a:p>
+            <a:pPr marL="0" indent="0" algn="ctr">
+              <a:buNone/>
+            </a:pPr>
+            <a:r>
+              <a:rPr lang="pl-PL" sz="2400" dirty="0">
+                <a:solidFill>
+                  <a:schemeClr val="bg1"/>
+                </a:solidFill>
+              </a:rPr>
+              <a:t>To koniec jednego z czterech bloków eksperymentu. Zaraz zacznie się kolejny. </a:t>
+            </a:r>
+            <a:endParaRPr lang="en-US" sz="2400" dirty="0">
+              <a:solidFill>
+                <a:schemeClr val="bg1"/>
+              </a:solidFill>
+            </a:endParaRPr>
+          </a:p>
+        </p:txBody>
+      </p:sp>
+      <p:sp>
+        <p:nvSpPr>
+          <p:cNvPr id="2" name="TextBox 1">
+            <a:extLst>
+              <a:ext uri="{FF2B5EF4-FFF2-40B4-BE49-F238E27FC236}">
+                <a16:creationId xmlns:a16="http://schemas.microsoft.com/office/drawing/2014/main" xmlns="" id="{53F3EEE2-45E7-4906-9DD3-0CFC053FF6C8}"/>
+              </a:ext>
+            </a:extLst>
+          </p:cNvPr>
+          <p:cNvSpPr txBox="1"/>
+          <p:nvPr/>
+        </p:nvSpPr>
+        <p:spPr>
+          <a:xfrm>
+            <a:off x="2068354" y="4017177"/>
+            <a:ext cx="8055284" cy="954107"/>
+          </a:xfrm>
+          <a:prstGeom prst="rect">
+            <a:avLst/>
+          </a:prstGeom>
+          <a:noFill/>
+        </p:spPr>
+        <p:txBody>
+          <a:bodyPr wrap="square" rtlCol="0">
+            <a:spAutoFit/>
+          </a:bodyPr>
+          <a:lstStyle/>
+          <a:p>
+            <a:pPr algn="ctr"/>
+            <a:r>
+              <a:rPr lang="pl-PL" sz="2800" dirty="0">
+                <a:solidFill>
+                  <a:schemeClr val="bg1"/>
+                </a:solidFill>
+              </a:rPr>
+              <a:t>Uwaga! Teraz rozkład kolorów zmieni się, i trzeba będzie </a:t>
+            </a:r>
+            <a:r>
+              <a:rPr lang="pl-PL" sz="2800" dirty="0">
+                <a:solidFill>
+                  <a:srgbClr val="FF0000"/>
+                </a:solidFill>
+              </a:rPr>
+              <a:t>na nowo przypisać do niego poczucie kontroli</a:t>
+            </a:r>
+            <a:r>
+              <a:rPr lang="pl-PL" sz="2800" dirty="0">
+                <a:solidFill>
+                  <a:schemeClr val="bg1"/>
+                </a:solidFill>
+              </a:rPr>
+              <a:t>.</a:t>
+            </a:r>
+            <a:endParaRPr lang="en-US" sz="2800" dirty="0"/>
+          </a:p>
+        </p:txBody>
+      </p:sp>
     </p:spTree>
     <p:extLst>
       <p:ext uri="{BB962C8B-B14F-4D97-AF65-F5344CB8AC3E}">
-        <p14:creationId xmlns:p14="http://schemas.microsoft.com/office/powerpoint/2010/main" val="339610578"/>
+        <p14:creationId xmlns:p14="http://schemas.microsoft.com/office/powerpoint/2010/main" xmlns="" val="73397376"/>
       </p:ext>
     </p:extLst>
   </p:cSld>
@@ -13236,7 +14333,7 @@
           <p:cNvPr id="4" name="Content Placeholder 2">
             <a:extLst>
               <a:ext uri="{FF2B5EF4-FFF2-40B4-BE49-F238E27FC236}">
-                <a16:creationId xmlns:a16="http://schemas.microsoft.com/office/drawing/2014/main" id="{46DF36C4-BF62-41C8-87BC-20EB0ECF88CF}"/>
+                <a16:creationId xmlns:a16="http://schemas.microsoft.com/office/drawing/2014/main" xmlns="" id="{46DF36C4-BF62-41C8-87BC-20EB0ECF88CF}"/>
               </a:ext>
             </a:extLst>
           </p:cNvPr>
@@ -13256,7 +14353,7 @@
         </p:spPr>
         <p:txBody>
           <a:bodyPr vert="horz" lIns="91440" tIns="45720" rIns="91440" bIns="45720" rtlCol="0">
-            <a:normAutofit/>
+            <a:normAutofit lnSpcReduction="10000"/>
           </a:bodyPr>
           <a:lstStyle>
             <a:lvl1pPr marL="228600" indent="-228600" algn="l" defTabSz="914400" rtl="0" eaLnBrk="1" latinLnBrk="0" hangingPunct="1">
@@ -13430,11 +14527,30 @@
             <a:r>
               <a:rPr lang="pl-PL" sz="2000" dirty="0">
                 <a:solidFill>
-                  <a:schemeClr val="bg1"/>
-                </a:solidFill>
-              </a:rPr>
-              <a:t>Proszę nacisnąć „L”, aby kontynuować…</a:t>
-            </a:r>
+                  <a:srgbClr val="FF0000"/>
+                </a:solidFill>
+              </a:rPr>
+              <a:t>Proszę nacisnąć „L”, aby ROZPOCZĄĆ KOLEJNY BLOK…</a:t>
+            </a:r>
+          </a:p>
+          <a:p>
+            <a:pPr marL="0" indent="0" algn="ctr">
+              <a:buFont typeface="Arial" panose="020B0604020202020204" pitchFamily="34" charset="0"/>
+              <a:buNone/>
+            </a:pPr>
+            <a:r>
+              <a:rPr lang="pl-PL" sz="2000" dirty="0">
+                <a:solidFill>
+                  <a:srgbClr val="FF0000"/>
+                </a:solidFill>
+              </a:rPr>
+              <a:t>lub „D”, aby cofnąć się do poprzedniego slajdu…</a:t>
+            </a:r>
+            <a:endParaRPr lang="en-US" sz="2000" dirty="0">
+              <a:solidFill>
+                <a:srgbClr val="FF0000"/>
+              </a:solidFill>
+            </a:endParaRPr>
           </a:p>
         </p:txBody>
       </p:sp>
@@ -13443,7 +14559,7 @@
           <p:cNvPr id="7" name="Content Placeholder 2">
             <a:extLst>
               <a:ext uri="{FF2B5EF4-FFF2-40B4-BE49-F238E27FC236}">
-                <a16:creationId xmlns:a16="http://schemas.microsoft.com/office/drawing/2014/main" id="{02466EF3-302C-4960-8543-BE397448108A}"/>
+                <a16:creationId xmlns:a16="http://schemas.microsoft.com/office/drawing/2014/main" xmlns="" id="{02466EF3-302C-4960-8543-BE397448108A}"/>
               </a:ext>
             </a:extLst>
           </p:cNvPr>
@@ -13454,7 +14570,7 @@
         </p:nvSpPr>
         <p:spPr>
           <a:xfrm>
-            <a:off x="1800723" y="1408634"/>
+            <a:off x="1800727" y="3058661"/>
             <a:ext cx="8590546" cy="740677"/>
           </a:xfrm>
           <a:prstGeom prst="rect">
@@ -13463,7 +14579,7 @@
         </p:spPr>
         <p:txBody>
           <a:bodyPr vert="horz" lIns="91440" tIns="45720" rIns="91440" bIns="45720" rtlCol="0">
-            <a:normAutofit/>
+            <a:normAutofit lnSpcReduction="10000"/>
           </a:bodyPr>
           <a:lstStyle>
             <a:lvl1pPr marL="228600" indent="-228600" algn="l" defTabSz="914400" rtl="0" eaLnBrk="1" latinLnBrk="0" hangingPunct="1">
@@ -13640,211 +14756,32 @@
                   <a:schemeClr val="bg1"/>
                 </a:solidFill>
               </a:rPr>
-              <a:t>To już koniec tej części eksperymentu.</a:t>
-            </a:r>
-            <a:endParaRPr lang="en-US" sz="2400" dirty="0">
-              <a:solidFill>
-                <a:schemeClr val="bg1"/>
-              </a:solidFill>
-            </a:endParaRPr>
-          </a:p>
-        </p:txBody>
-      </p:sp>
-      <p:sp>
-        <p:nvSpPr>
-          <p:cNvPr id="9" name="Content Placeholder 2">
-            <a:extLst>
-              <a:ext uri="{FF2B5EF4-FFF2-40B4-BE49-F238E27FC236}">
-                <a16:creationId xmlns:a16="http://schemas.microsoft.com/office/drawing/2014/main" id="{6AE46264-68D9-4CE3-A51C-8EC1E628ABC6}"/>
-              </a:ext>
-            </a:extLst>
-          </p:cNvPr>
-          <p:cNvSpPr txBox="1">
-            <a:spLocks/>
-          </p:cNvSpPr>
-          <p:nvPr/>
-        </p:nvSpPr>
-        <p:spPr>
-          <a:xfrm>
-            <a:off x="1800723" y="3058661"/>
-            <a:ext cx="8590546" cy="740677"/>
-          </a:xfrm>
-          <a:prstGeom prst="rect">
-            <a:avLst/>
-          </a:prstGeom>
-        </p:spPr>
-        <p:txBody>
-          <a:bodyPr vert="horz" lIns="91440" tIns="45720" rIns="91440" bIns="45720" rtlCol="0">
-            <a:normAutofit/>
-          </a:bodyPr>
-          <a:lstStyle>
-            <a:lvl1pPr marL="228600" indent="-228600" algn="l" defTabSz="914400" rtl="0" eaLnBrk="1" latinLnBrk="0" hangingPunct="1">
-              <a:lnSpc>
-                <a:spcPct val="90000"/>
-              </a:lnSpc>
-              <a:spcBef>
-                <a:spcPts val="1000"/>
-              </a:spcBef>
-              <a:buFont typeface="Arial" panose="020B0604020202020204" pitchFamily="34" charset="0"/>
-              <a:buChar char="•"/>
-              <a:defRPr sz="2800" kern="1200">
-                <a:solidFill>
-                  <a:schemeClr val="tx1"/>
-                </a:solidFill>
-                <a:latin typeface="+mn-lt"/>
-                <a:ea typeface="+mn-ea"/>
-                <a:cs typeface="+mn-cs"/>
-              </a:defRPr>
-            </a:lvl1pPr>
-            <a:lvl2pPr marL="685800" indent="-228600" algn="l" defTabSz="914400" rtl="0" eaLnBrk="1" latinLnBrk="0" hangingPunct="1">
-              <a:lnSpc>
-                <a:spcPct val="90000"/>
-              </a:lnSpc>
-              <a:spcBef>
-                <a:spcPts val="500"/>
-              </a:spcBef>
-              <a:buFont typeface="Arial" panose="020B0604020202020204" pitchFamily="34" charset="0"/>
-              <a:buChar char="•"/>
-              <a:defRPr sz="2400" kern="1200">
-                <a:solidFill>
-                  <a:schemeClr val="tx1"/>
-                </a:solidFill>
-                <a:latin typeface="+mn-lt"/>
-                <a:ea typeface="+mn-ea"/>
-                <a:cs typeface="+mn-cs"/>
-              </a:defRPr>
-            </a:lvl2pPr>
-            <a:lvl3pPr marL="1143000" indent="-228600" algn="l" defTabSz="914400" rtl="0" eaLnBrk="1" latinLnBrk="0" hangingPunct="1">
-              <a:lnSpc>
-                <a:spcPct val="90000"/>
-              </a:lnSpc>
-              <a:spcBef>
-                <a:spcPts val="500"/>
-              </a:spcBef>
-              <a:buFont typeface="Arial" panose="020B0604020202020204" pitchFamily="34" charset="0"/>
-              <a:buChar char="•"/>
-              <a:defRPr sz="2000" kern="1200">
-                <a:solidFill>
-                  <a:schemeClr val="tx1"/>
-                </a:solidFill>
-                <a:latin typeface="+mn-lt"/>
-                <a:ea typeface="+mn-ea"/>
-                <a:cs typeface="+mn-cs"/>
-              </a:defRPr>
-            </a:lvl3pPr>
-            <a:lvl4pPr marL="1600200" indent="-228600" algn="l" defTabSz="914400" rtl="0" eaLnBrk="1" latinLnBrk="0" hangingPunct="1">
-              <a:lnSpc>
-                <a:spcPct val="90000"/>
-              </a:lnSpc>
-              <a:spcBef>
-                <a:spcPts val="500"/>
-              </a:spcBef>
-              <a:buFont typeface="Arial" panose="020B0604020202020204" pitchFamily="34" charset="0"/>
-              <a:buChar char="•"/>
-              <a:defRPr sz="1800" kern="1200">
-                <a:solidFill>
-                  <a:schemeClr val="tx1"/>
-                </a:solidFill>
-                <a:latin typeface="+mn-lt"/>
-                <a:ea typeface="+mn-ea"/>
-                <a:cs typeface="+mn-cs"/>
-              </a:defRPr>
-            </a:lvl4pPr>
-            <a:lvl5pPr marL="2057400" indent="-228600" algn="l" defTabSz="914400" rtl="0" eaLnBrk="1" latinLnBrk="0" hangingPunct="1">
-              <a:lnSpc>
-                <a:spcPct val="90000"/>
-              </a:lnSpc>
-              <a:spcBef>
-                <a:spcPts val="500"/>
-              </a:spcBef>
-              <a:buFont typeface="Arial" panose="020B0604020202020204" pitchFamily="34" charset="0"/>
-              <a:buChar char="•"/>
-              <a:defRPr sz="1800" kern="1200">
-                <a:solidFill>
-                  <a:schemeClr val="tx1"/>
-                </a:solidFill>
-                <a:latin typeface="+mn-lt"/>
-                <a:ea typeface="+mn-ea"/>
-                <a:cs typeface="+mn-cs"/>
-              </a:defRPr>
-            </a:lvl5pPr>
-            <a:lvl6pPr marL="2514600" indent="-228600" algn="l" defTabSz="914400" rtl="0" eaLnBrk="1" latinLnBrk="0" hangingPunct="1">
-              <a:lnSpc>
-                <a:spcPct val="90000"/>
-              </a:lnSpc>
-              <a:spcBef>
-                <a:spcPts val="500"/>
-              </a:spcBef>
-              <a:buFont typeface="Arial" panose="020B0604020202020204" pitchFamily="34" charset="0"/>
-              <a:buChar char="•"/>
-              <a:defRPr sz="1800" kern="1200">
-                <a:solidFill>
-                  <a:schemeClr val="tx1"/>
-                </a:solidFill>
-                <a:latin typeface="+mn-lt"/>
-                <a:ea typeface="+mn-ea"/>
-                <a:cs typeface="+mn-cs"/>
-              </a:defRPr>
-            </a:lvl6pPr>
-            <a:lvl7pPr marL="2971800" indent="-228600" algn="l" defTabSz="914400" rtl="0" eaLnBrk="1" latinLnBrk="0" hangingPunct="1">
-              <a:lnSpc>
-                <a:spcPct val="90000"/>
-              </a:lnSpc>
-              <a:spcBef>
-                <a:spcPts val="500"/>
-              </a:spcBef>
-              <a:buFont typeface="Arial" panose="020B0604020202020204" pitchFamily="34" charset="0"/>
-              <a:buChar char="•"/>
-              <a:defRPr sz="1800" kern="1200">
-                <a:solidFill>
-                  <a:schemeClr val="tx1"/>
-                </a:solidFill>
-                <a:latin typeface="+mn-lt"/>
-                <a:ea typeface="+mn-ea"/>
-                <a:cs typeface="+mn-cs"/>
-              </a:defRPr>
-            </a:lvl7pPr>
-            <a:lvl8pPr marL="3429000" indent="-228600" algn="l" defTabSz="914400" rtl="0" eaLnBrk="1" latinLnBrk="0" hangingPunct="1">
-              <a:lnSpc>
-                <a:spcPct val="90000"/>
-              </a:lnSpc>
-              <a:spcBef>
-                <a:spcPts val="500"/>
-              </a:spcBef>
-              <a:buFont typeface="Arial" panose="020B0604020202020204" pitchFamily="34" charset="0"/>
-              <a:buChar char="•"/>
-              <a:defRPr sz="1800" kern="1200">
-                <a:solidFill>
-                  <a:schemeClr val="tx1"/>
-                </a:solidFill>
-                <a:latin typeface="+mn-lt"/>
-                <a:ea typeface="+mn-ea"/>
-                <a:cs typeface="+mn-cs"/>
-              </a:defRPr>
-            </a:lvl8pPr>
-            <a:lvl9pPr marL="3886200" indent="-228600" algn="l" defTabSz="914400" rtl="0" eaLnBrk="1" latinLnBrk="0" hangingPunct="1">
-              <a:lnSpc>
-                <a:spcPct val="90000"/>
-              </a:lnSpc>
-              <a:spcBef>
-                <a:spcPts val="500"/>
-              </a:spcBef>
-              <a:buFont typeface="Arial" panose="020B0604020202020204" pitchFamily="34" charset="0"/>
-              <a:buChar char="•"/>
-              <a:defRPr sz="1800" kern="1200">
-                <a:solidFill>
-                  <a:schemeClr val="tx1"/>
-                </a:solidFill>
-                <a:latin typeface="+mn-lt"/>
-                <a:ea typeface="+mn-ea"/>
-                <a:cs typeface="+mn-cs"/>
-              </a:defRPr>
-            </a:lvl9pPr>
-          </a:lstStyle>
-          <a:p>
-            <a:pPr marL="0" indent="0" algn="ctr">
-              <a:buNone/>
-            </a:pPr>
+              <a:t>Proszę</a:t>
+            </a:r>
+            <a:r>
+              <a:rPr lang="en-US" sz="2400" dirty="0">
+                <a:solidFill>
+                  <a:schemeClr val="bg1"/>
+                </a:solidFill>
+              </a:rPr>
+              <a:t> </a:t>
+            </a:r>
+            <a:r>
+              <a:rPr lang="en-US" sz="2400" dirty="0" err="1">
+                <a:solidFill>
+                  <a:schemeClr val="bg1"/>
+                </a:solidFill>
+              </a:rPr>
+              <a:t>teraz</a:t>
+            </a:r>
+            <a:r>
+              <a:rPr lang="pl-PL" sz="2400" dirty="0">
+                <a:solidFill>
+                  <a:schemeClr val="bg1"/>
+                </a:solidFill>
+              </a:rPr>
+              <a:t> położyć palec wskazujący lewej ręki na klawiszu „D” na klawiaturze, a prawej ręki na klawiszu „L”.</a:t>
+            </a:r>
             <a:endParaRPr lang="en-US" sz="2400" dirty="0">
               <a:solidFill>
                 <a:schemeClr val="bg1"/>
@@ -13856,7 +14793,7 @@
     </p:spTree>
     <p:extLst>
       <p:ext uri="{BB962C8B-B14F-4D97-AF65-F5344CB8AC3E}">
-        <p14:creationId xmlns:p14="http://schemas.microsoft.com/office/powerpoint/2010/main" val="3762113772"/>
+        <p14:creationId xmlns:p14="http://schemas.microsoft.com/office/powerpoint/2010/main" xmlns="" val="339610578"/>
       </p:ext>
     </p:extLst>
   </p:cSld>
@@ -13896,7 +14833,7 @@
           <p:cNvPr id="4" name="Content Placeholder 2">
             <a:extLst>
               <a:ext uri="{FF2B5EF4-FFF2-40B4-BE49-F238E27FC236}">
-                <a16:creationId xmlns:a16="http://schemas.microsoft.com/office/drawing/2014/main" id="{46DF36C4-BF62-41C8-87BC-20EB0ECF88CF}"/>
+                <a16:creationId xmlns:a16="http://schemas.microsoft.com/office/drawing/2014/main" xmlns="" id="{46DF36C4-BF62-41C8-87BC-20EB0ECF88CF}"/>
               </a:ext>
             </a:extLst>
           </p:cNvPr>
@@ -14103,7 +15040,7 @@
           <p:cNvPr id="7" name="Content Placeholder 2">
             <a:extLst>
               <a:ext uri="{FF2B5EF4-FFF2-40B4-BE49-F238E27FC236}">
-                <a16:creationId xmlns:a16="http://schemas.microsoft.com/office/drawing/2014/main" id="{02466EF3-302C-4960-8543-BE397448108A}"/>
+                <a16:creationId xmlns:a16="http://schemas.microsoft.com/office/drawing/2014/main" xmlns="" id="{02466EF3-302C-4960-8543-BE397448108A}"/>
               </a:ext>
             </a:extLst>
           </p:cNvPr>
@@ -14114,8 +15051,8 @@
         </p:nvSpPr>
         <p:spPr>
           <a:xfrm>
-            <a:off x="575733" y="342849"/>
-            <a:ext cx="11040533" cy="5431623"/>
+            <a:off x="1800723" y="1408634"/>
+            <a:ext cx="8590546" cy="740677"/>
           </a:xfrm>
           <a:prstGeom prst="rect">
             <a:avLst/>
@@ -14290,49 +15227,17 @@
             </a:lvl9pPr>
           </a:lstStyle>
           <a:p>
-            <a:pPr marL="0" indent="0" algn="just">
+            <a:pPr marL="0" indent="0" algn="ctr">
+              <a:buFont typeface="Arial" panose="020B0604020202020204" pitchFamily="34" charset="0"/>
               <a:buNone/>
             </a:pPr>
-            <a:endParaRPr lang="pl-PL" dirty="0">
-              <a:solidFill>
-                <a:schemeClr val="bg1"/>
-              </a:solidFill>
-            </a:endParaRPr>
-          </a:p>
-          <a:p>
-            <a:pPr marL="0" indent="0" algn="ctr">
-              <a:buNone/>
-            </a:pPr>
-            <a:r>
-              <a:rPr lang="pl-PL" b="1" dirty="0">
+            <a:r>
+              <a:rPr lang="pl-PL" sz="2400" dirty="0">
                 <a:solidFill>
                   <a:schemeClr val="bg1"/>
                 </a:solidFill>
               </a:rPr>
-              <a:t>Informacje dla osoby uczestniczącej w badaniu</a:t>
-            </a:r>
-          </a:p>
-          <a:p>
-            <a:pPr marL="0" indent="0" algn="just">
-              <a:buNone/>
-            </a:pPr>
-            <a:endParaRPr lang="pl-PL" dirty="0">
-              <a:solidFill>
-                <a:schemeClr val="bg1"/>
-              </a:solidFill>
-            </a:endParaRPr>
-          </a:p>
-          <a:p>
-            <a:pPr marL="0" indent="0" algn="just">
-              <a:buNone/>
-            </a:pPr>
-            <a:r>
-              <a:rPr lang="pl-PL" dirty="0">
-                <a:solidFill>
-                  <a:schemeClr val="bg1"/>
-                </a:solidFill>
-              </a:rPr>
-              <a:t>W czasie badania były obecne tak zwane prymy podprogowe, czyli strzałki, które są wyświetlane z taką szybkością, że nie są świadomie dostrzegane, jednak minimalnie wpływają one na wybór naciśniętego guzika (średnio o parę procent częściej naciska się klawisz zgodny z kierunkiem prymy), oraz na szybkość Pani/Pana reakcji (mniej więcej o 1/10 sekundy szybciej naciska się klawisz zgodny z kierunkiem prymy). </a:t>
+              <a:t>To już koniec tej części eksperymentu.</a:t>
             </a:r>
             <a:endParaRPr lang="en-US" sz="2400" dirty="0">
               <a:solidFill>
@@ -14347,7 +15252,7 @@
           <p:cNvPr id="9" name="Content Placeholder 2">
             <a:extLst>
               <a:ext uri="{FF2B5EF4-FFF2-40B4-BE49-F238E27FC236}">
-                <a16:creationId xmlns:a16="http://schemas.microsoft.com/office/drawing/2014/main" id="{6AE46264-68D9-4CE3-A51C-8EC1E628ABC6}"/>
+                <a16:creationId xmlns:a16="http://schemas.microsoft.com/office/drawing/2014/main" xmlns="" id="{6AE46264-68D9-4CE3-A51C-8EC1E628ABC6}"/>
               </a:ext>
             </a:extLst>
           </p:cNvPr>
@@ -14548,7 +15453,7 @@
     </p:spTree>
     <p:extLst>
       <p:ext uri="{BB962C8B-B14F-4D97-AF65-F5344CB8AC3E}">
-        <p14:creationId xmlns:p14="http://schemas.microsoft.com/office/powerpoint/2010/main" val="4132754944"/>
+        <p14:creationId xmlns:p14="http://schemas.microsoft.com/office/powerpoint/2010/main" xmlns="" val="3762113772"/>
       </p:ext>
     </p:extLst>
   </p:cSld>
@@ -14588,7 +15493,7 @@
           <p:cNvPr id="4" name="Content Placeholder 2">
             <a:extLst>
               <a:ext uri="{FF2B5EF4-FFF2-40B4-BE49-F238E27FC236}">
-                <a16:creationId xmlns:a16="http://schemas.microsoft.com/office/drawing/2014/main" id="{46DF36C4-BF62-41C8-87BC-20EB0ECF88CF}"/>
+                <a16:creationId xmlns:a16="http://schemas.microsoft.com/office/drawing/2014/main" xmlns="" id="{46DF36C4-BF62-41C8-87BC-20EB0ECF88CF}"/>
               </a:ext>
             </a:extLst>
           </p:cNvPr>
@@ -14785,8 +15690,252 @@
                   <a:schemeClr val="bg1"/>
                 </a:solidFill>
               </a:rPr>
-              <a:t>Prosimy o odpowiedź „TAK” wciskając klawisz „t”, lub „NIE” za pomocą klawisza „n”.</a:t>
-            </a:r>
+              <a:t>Proszę nacisnąć „L”, aby kontynuować…</a:t>
+            </a:r>
+          </a:p>
+        </p:txBody>
+      </p:sp>
+      <p:sp>
+        <p:nvSpPr>
+          <p:cNvPr id="7" name="Content Placeholder 2">
+            <a:extLst>
+              <a:ext uri="{FF2B5EF4-FFF2-40B4-BE49-F238E27FC236}">
+                <a16:creationId xmlns:a16="http://schemas.microsoft.com/office/drawing/2014/main" xmlns="" id="{02466EF3-302C-4960-8543-BE397448108A}"/>
+              </a:ext>
+            </a:extLst>
+          </p:cNvPr>
+          <p:cNvSpPr txBox="1">
+            <a:spLocks/>
+          </p:cNvSpPr>
+          <p:nvPr/>
+        </p:nvSpPr>
+        <p:spPr>
+          <a:xfrm>
+            <a:off x="575733" y="342849"/>
+            <a:ext cx="11040533" cy="5431623"/>
+          </a:xfrm>
+          <a:prstGeom prst="rect">
+            <a:avLst/>
+          </a:prstGeom>
+        </p:spPr>
+        <p:txBody>
+          <a:bodyPr vert="horz" lIns="91440" tIns="45720" rIns="91440" bIns="45720" rtlCol="0">
+            <a:normAutofit/>
+          </a:bodyPr>
+          <a:lstStyle>
+            <a:lvl1pPr marL="228600" indent="-228600" algn="l" defTabSz="914400" rtl="0" eaLnBrk="1" latinLnBrk="0" hangingPunct="1">
+              <a:lnSpc>
+                <a:spcPct val="90000"/>
+              </a:lnSpc>
+              <a:spcBef>
+                <a:spcPts val="1000"/>
+              </a:spcBef>
+              <a:buFont typeface="Arial" panose="020B0604020202020204" pitchFamily="34" charset="0"/>
+              <a:buChar char="•"/>
+              <a:defRPr sz="2800" kern="1200">
+                <a:solidFill>
+                  <a:schemeClr val="tx1"/>
+                </a:solidFill>
+                <a:latin typeface="+mn-lt"/>
+                <a:ea typeface="+mn-ea"/>
+                <a:cs typeface="+mn-cs"/>
+              </a:defRPr>
+            </a:lvl1pPr>
+            <a:lvl2pPr marL="685800" indent="-228600" algn="l" defTabSz="914400" rtl="0" eaLnBrk="1" latinLnBrk="0" hangingPunct="1">
+              <a:lnSpc>
+                <a:spcPct val="90000"/>
+              </a:lnSpc>
+              <a:spcBef>
+                <a:spcPts val="500"/>
+              </a:spcBef>
+              <a:buFont typeface="Arial" panose="020B0604020202020204" pitchFamily="34" charset="0"/>
+              <a:buChar char="•"/>
+              <a:defRPr sz="2400" kern="1200">
+                <a:solidFill>
+                  <a:schemeClr val="tx1"/>
+                </a:solidFill>
+                <a:latin typeface="+mn-lt"/>
+                <a:ea typeface="+mn-ea"/>
+                <a:cs typeface="+mn-cs"/>
+              </a:defRPr>
+            </a:lvl2pPr>
+            <a:lvl3pPr marL="1143000" indent="-228600" algn="l" defTabSz="914400" rtl="0" eaLnBrk="1" latinLnBrk="0" hangingPunct="1">
+              <a:lnSpc>
+                <a:spcPct val="90000"/>
+              </a:lnSpc>
+              <a:spcBef>
+                <a:spcPts val="500"/>
+              </a:spcBef>
+              <a:buFont typeface="Arial" panose="020B0604020202020204" pitchFamily="34" charset="0"/>
+              <a:buChar char="•"/>
+              <a:defRPr sz="2000" kern="1200">
+                <a:solidFill>
+                  <a:schemeClr val="tx1"/>
+                </a:solidFill>
+                <a:latin typeface="+mn-lt"/>
+                <a:ea typeface="+mn-ea"/>
+                <a:cs typeface="+mn-cs"/>
+              </a:defRPr>
+            </a:lvl3pPr>
+            <a:lvl4pPr marL="1600200" indent="-228600" algn="l" defTabSz="914400" rtl="0" eaLnBrk="1" latinLnBrk="0" hangingPunct="1">
+              <a:lnSpc>
+                <a:spcPct val="90000"/>
+              </a:lnSpc>
+              <a:spcBef>
+                <a:spcPts val="500"/>
+              </a:spcBef>
+              <a:buFont typeface="Arial" panose="020B0604020202020204" pitchFamily="34" charset="0"/>
+              <a:buChar char="•"/>
+              <a:defRPr sz="1800" kern="1200">
+                <a:solidFill>
+                  <a:schemeClr val="tx1"/>
+                </a:solidFill>
+                <a:latin typeface="+mn-lt"/>
+                <a:ea typeface="+mn-ea"/>
+                <a:cs typeface="+mn-cs"/>
+              </a:defRPr>
+            </a:lvl4pPr>
+            <a:lvl5pPr marL="2057400" indent="-228600" algn="l" defTabSz="914400" rtl="0" eaLnBrk="1" latinLnBrk="0" hangingPunct="1">
+              <a:lnSpc>
+                <a:spcPct val="90000"/>
+              </a:lnSpc>
+              <a:spcBef>
+                <a:spcPts val="500"/>
+              </a:spcBef>
+              <a:buFont typeface="Arial" panose="020B0604020202020204" pitchFamily="34" charset="0"/>
+              <a:buChar char="•"/>
+              <a:defRPr sz="1800" kern="1200">
+                <a:solidFill>
+                  <a:schemeClr val="tx1"/>
+                </a:solidFill>
+                <a:latin typeface="+mn-lt"/>
+                <a:ea typeface="+mn-ea"/>
+                <a:cs typeface="+mn-cs"/>
+              </a:defRPr>
+            </a:lvl5pPr>
+            <a:lvl6pPr marL="2514600" indent="-228600" algn="l" defTabSz="914400" rtl="0" eaLnBrk="1" latinLnBrk="0" hangingPunct="1">
+              <a:lnSpc>
+                <a:spcPct val="90000"/>
+              </a:lnSpc>
+              <a:spcBef>
+                <a:spcPts val="500"/>
+              </a:spcBef>
+              <a:buFont typeface="Arial" panose="020B0604020202020204" pitchFamily="34" charset="0"/>
+              <a:buChar char="•"/>
+              <a:defRPr sz="1800" kern="1200">
+                <a:solidFill>
+                  <a:schemeClr val="tx1"/>
+                </a:solidFill>
+                <a:latin typeface="+mn-lt"/>
+                <a:ea typeface="+mn-ea"/>
+                <a:cs typeface="+mn-cs"/>
+              </a:defRPr>
+            </a:lvl6pPr>
+            <a:lvl7pPr marL="2971800" indent="-228600" algn="l" defTabSz="914400" rtl="0" eaLnBrk="1" latinLnBrk="0" hangingPunct="1">
+              <a:lnSpc>
+                <a:spcPct val="90000"/>
+              </a:lnSpc>
+              <a:spcBef>
+                <a:spcPts val="500"/>
+              </a:spcBef>
+              <a:buFont typeface="Arial" panose="020B0604020202020204" pitchFamily="34" charset="0"/>
+              <a:buChar char="•"/>
+              <a:defRPr sz="1800" kern="1200">
+                <a:solidFill>
+                  <a:schemeClr val="tx1"/>
+                </a:solidFill>
+                <a:latin typeface="+mn-lt"/>
+                <a:ea typeface="+mn-ea"/>
+                <a:cs typeface="+mn-cs"/>
+              </a:defRPr>
+            </a:lvl7pPr>
+            <a:lvl8pPr marL="3429000" indent="-228600" algn="l" defTabSz="914400" rtl="0" eaLnBrk="1" latinLnBrk="0" hangingPunct="1">
+              <a:lnSpc>
+                <a:spcPct val="90000"/>
+              </a:lnSpc>
+              <a:spcBef>
+                <a:spcPts val="500"/>
+              </a:spcBef>
+              <a:buFont typeface="Arial" panose="020B0604020202020204" pitchFamily="34" charset="0"/>
+              <a:buChar char="•"/>
+              <a:defRPr sz="1800" kern="1200">
+                <a:solidFill>
+                  <a:schemeClr val="tx1"/>
+                </a:solidFill>
+                <a:latin typeface="+mn-lt"/>
+                <a:ea typeface="+mn-ea"/>
+                <a:cs typeface="+mn-cs"/>
+              </a:defRPr>
+            </a:lvl8pPr>
+            <a:lvl9pPr marL="3886200" indent="-228600" algn="l" defTabSz="914400" rtl="0" eaLnBrk="1" latinLnBrk="0" hangingPunct="1">
+              <a:lnSpc>
+                <a:spcPct val="90000"/>
+              </a:lnSpc>
+              <a:spcBef>
+                <a:spcPts val="500"/>
+              </a:spcBef>
+              <a:buFont typeface="Arial" panose="020B0604020202020204" pitchFamily="34" charset="0"/>
+              <a:buChar char="•"/>
+              <a:defRPr sz="1800" kern="1200">
+                <a:solidFill>
+                  <a:schemeClr val="tx1"/>
+                </a:solidFill>
+                <a:latin typeface="+mn-lt"/>
+                <a:ea typeface="+mn-ea"/>
+                <a:cs typeface="+mn-cs"/>
+              </a:defRPr>
+            </a:lvl9pPr>
+          </a:lstStyle>
+          <a:p>
+            <a:pPr marL="0" indent="0" algn="just">
+              <a:buNone/>
+            </a:pPr>
+            <a:endParaRPr lang="pl-PL" dirty="0">
+              <a:solidFill>
+                <a:schemeClr val="bg1"/>
+              </a:solidFill>
+            </a:endParaRPr>
+          </a:p>
+          <a:p>
+            <a:pPr marL="0" indent="0" algn="ctr">
+              <a:buNone/>
+            </a:pPr>
+            <a:r>
+              <a:rPr lang="pl-PL" b="1" dirty="0">
+                <a:solidFill>
+                  <a:schemeClr val="bg1"/>
+                </a:solidFill>
+              </a:rPr>
+              <a:t>Informacje dla osoby uczestniczącej w badaniu</a:t>
+            </a:r>
+          </a:p>
+          <a:p>
+            <a:pPr marL="0" indent="0" algn="just">
+              <a:buNone/>
+            </a:pPr>
+            <a:endParaRPr lang="pl-PL" dirty="0">
+              <a:solidFill>
+                <a:schemeClr val="bg1"/>
+              </a:solidFill>
+            </a:endParaRPr>
+          </a:p>
+          <a:p>
+            <a:pPr marL="0" indent="0" algn="just">
+              <a:buNone/>
+            </a:pPr>
+            <a:r>
+              <a:rPr lang="pl-PL" dirty="0">
+                <a:solidFill>
+                  <a:schemeClr val="bg1"/>
+                </a:solidFill>
+              </a:rPr>
+              <a:t>W czasie badania były obecne tak zwane prymy podprogowe, czyli strzałki, które są wyświetlane z taką szybkością, że nie są świadomie dostrzegane, jednak minimalnie wpływają one na wybór naciśniętego guzika (średnio o parę procent częściej naciska się klawisz zgodny z kierunkiem prymy), oraz na szybkość Pani/Pana reakcji (mniej więcej o 1/10 sekundy szybciej naciska się klawisz zgodny z kierunkiem prymy). </a:t>
+            </a:r>
+            <a:endParaRPr lang="en-US" sz="2400" dirty="0">
+              <a:solidFill>
+                <a:schemeClr val="bg1"/>
+              </a:solidFill>
+            </a:endParaRPr>
           </a:p>
         </p:txBody>
       </p:sp>
@@ -14795,7 +15944,455 @@
           <p:cNvPr id="9" name="Content Placeholder 2">
             <a:extLst>
               <a:ext uri="{FF2B5EF4-FFF2-40B4-BE49-F238E27FC236}">
-                <a16:creationId xmlns:a16="http://schemas.microsoft.com/office/drawing/2014/main" id="{6AE46264-68D9-4CE3-A51C-8EC1E628ABC6}"/>
+                <a16:creationId xmlns:a16="http://schemas.microsoft.com/office/drawing/2014/main" xmlns="" id="{6AE46264-68D9-4CE3-A51C-8EC1E628ABC6}"/>
+              </a:ext>
+            </a:extLst>
+          </p:cNvPr>
+          <p:cNvSpPr txBox="1">
+            <a:spLocks/>
+          </p:cNvSpPr>
+          <p:nvPr/>
+        </p:nvSpPr>
+        <p:spPr>
+          <a:xfrm>
+            <a:off x="1800723" y="3058661"/>
+            <a:ext cx="8590546" cy="740677"/>
+          </a:xfrm>
+          <a:prstGeom prst="rect">
+            <a:avLst/>
+          </a:prstGeom>
+        </p:spPr>
+        <p:txBody>
+          <a:bodyPr vert="horz" lIns="91440" tIns="45720" rIns="91440" bIns="45720" rtlCol="0">
+            <a:normAutofit/>
+          </a:bodyPr>
+          <a:lstStyle>
+            <a:lvl1pPr marL="228600" indent="-228600" algn="l" defTabSz="914400" rtl="0" eaLnBrk="1" latinLnBrk="0" hangingPunct="1">
+              <a:lnSpc>
+                <a:spcPct val="90000"/>
+              </a:lnSpc>
+              <a:spcBef>
+                <a:spcPts val="1000"/>
+              </a:spcBef>
+              <a:buFont typeface="Arial" panose="020B0604020202020204" pitchFamily="34" charset="0"/>
+              <a:buChar char="•"/>
+              <a:defRPr sz="2800" kern="1200">
+                <a:solidFill>
+                  <a:schemeClr val="tx1"/>
+                </a:solidFill>
+                <a:latin typeface="+mn-lt"/>
+                <a:ea typeface="+mn-ea"/>
+                <a:cs typeface="+mn-cs"/>
+              </a:defRPr>
+            </a:lvl1pPr>
+            <a:lvl2pPr marL="685800" indent="-228600" algn="l" defTabSz="914400" rtl="0" eaLnBrk="1" latinLnBrk="0" hangingPunct="1">
+              <a:lnSpc>
+                <a:spcPct val="90000"/>
+              </a:lnSpc>
+              <a:spcBef>
+                <a:spcPts val="500"/>
+              </a:spcBef>
+              <a:buFont typeface="Arial" panose="020B0604020202020204" pitchFamily="34" charset="0"/>
+              <a:buChar char="•"/>
+              <a:defRPr sz="2400" kern="1200">
+                <a:solidFill>
+                  <a:schemeClr val="tx1"/>
+                </a:solidFill>
+                <a:latin typeface="+mn-lt"/>
+                <a:ea typeface="+mn-ea"/>
+                <a:cs typeface="+mn-cs"/>
+              </a:defRPr>
+            </a:lvl2pPr>
+            <a:lvl3pPr marL="1143000" indent="-228600" algn="l" defTabSz="914400" rtl="0" eaLnBrk="1" latinLnBrk="0" hangingPunct="1">
+              <a:lnSpc>
+                <a:spcPct val="90000"/>
+              </a:lnSpc>
+              <a:spcBef>
+                <a:spcPts val="500"/>
+              </a:spcBef>
+              <a:buFont typeface="Arial" panose="020B0604020202020204" pitchFamily="34" charset="0"/>
+              <a:buChar char="•"/>
+              <a:defRPr sz="2000" kern="1200">
+                <a:solidFill>
+                  <a:schemeClr val="tx1"/>
+                </a:solidFill>
+                <a:latin typeface="+mn-lt"/>
+                <a:ea typeface="+mn-ea"/>
+                <a:cs typeface="+mn-cs"/>
+              </a:defRPr>
+            </a:lvl3pPr>
+            <a:lvl4pPr marL="1600200" indent="-228600" algn="l" defTabSz="914400" rtl="0" eaLnBrk="1" latinLnBrk="0" hangingPunct="1">
+              <a:lnSpc>
+                <a:spcPct val="90000"/>
+              </a:lnSpc>
+              <a:spcBef>
+                <a:spcPts val="500"/>
+              </a:spcBef>
+              <a:buFont typeface="Arial" panose="020B0604020202020204" pitchFamily="34" charset="0"/>
+              <a:buChar char="•"/>
+              <a:defRPr sz="1800" kern="1200">
+                <a:solidFill>
+                  <a:schemeClr val="tx1"/>
+                </a:solidFill>
+                <a:latin typeface="+mn-lt"/>
+                <a:ea typeface="+mn-ea"/>
+                <a:cs typeface="+mn-cs"/>
+              </a:defRPr>
+            </a:lvl4pPr>
+            <a:lvl5pPr marL="2057400" indent="-228600" algn="l" defTabSz="914400" rtl="0" eaLnBrk="1" latinLnBrk="0" hangingPunct="1">
+              <a:lnSpc>
+                <a:spcPct val="90000"/>
+              </a:lnSpc>
+              <a:spcBef>
+                <a:spcPts val="500"/>
+              </a:spcBef>
+              <a:buFont typeface="Arial" panose="020B0604020202020204" pitchFamily="34" charset="0"/>
+              <a:buChar char="•"/>
+              <a:defRPr sz="1800" kern="1200">
+                <a:solidFill>
+                  <a:schemeClr val="tx1"/>
+                </a:solidFill>
+                <a:latin typeface="+mn-lt"/>
+                <a:ea typeface="+mn-ea"/>
+                <a:cs typeface="+mn-cs"/>
+              </a:defRPr>
+            </a:lvl5pPr>
+            <a:lvl6pPr marL="2514600" indent="-228600" algn="l" defTabSz="914400" rtl="0" eaLnBrk="1" latinLnBrk="0" hangingPunct="1">
+              <a:lnSpc>
+                <a:spcPct val="90000"/>
+              </a:lnSpc>
+              <a:spcBef>
+                <a:spcPts val="500"/>
+              </a:spcBef>
+              <a:buFont typeface="Arial" panose="020B0604020202020204" pitchFamily="34" charset="0"/>
+              <a:buChar char="•"/>
+              <a:defRPr sz="1800" kern="1200">
+                <a:solidFill>
+                  <a:schemeClr val="tx1"/>
+                </a:solidFill>
+                <a:latin typeface="+mn-lt"/>
+                <a:ea typeface="+mn-ea"/>
+                <a:cs typeface="+mn-cs"/>
+              </a:defRPr>
+            </a:lvl6pPr>
+            <a:lvl7pPr marL="2971800" indent="-228600" algn="l" defTabSz="914400" rtl="0" eaLnBrk="1" latinLnBrk="0" hangingPunct="1">
+              <a:lnSpc>
+                <a:spcPct val="90000"/>
+              </a:lnSpc>
+              <a:spcBef>
+                <a:spcPts val="500"/>
+              </a:spcBef>
+              <a:buFont typeface="Arial" panose="020B0604020202020204" pitchFamily="34" charset="0"/>
+              <a:buChar char="•"/>
+              <a:defRPr sz="1800" kern="1200">
+                <a:solidFill>
+                  <a:schemeClr val="tx1"/>
+                </a:solidFill>
+                <a:latin typeface="+mn-lt"/>
+                <a:ea typeface="+mn-ea"/>
+                <a:cs typeface="+mn-cs"/>
+              </a:defRPr>
+            </a:lvl7pPr>
+            <a:lvl8pPr marL="3429000" indent="-228600" algn="l" defTabSz="914400" rtl="0" eaLnBrk="1" latinLnBrk="0" hangingPunct="1">
+              <a:lnSpc>
+                <a:spcPct val="90000"/>
+              </a:lnSpc>
+              <a:spcBef>
+                <a:spcPts val="500"/>
+              </a:spcBef>
+              <a:buFont typeface="Arial" panose="020B0604020202020204" pitchFamily="34" charset="0"/>
+              <a:buChar char="•"/>
+              <a:defRPr sz="1800" kern="1200">
+                <a:solidFill>
+                  <a:schemeClr val="tx1"/>
+                </a:solidFill>
+                <a:latin typeface="+mn-lt"/>
+                <a:ea typeface="+mn-ea"/>
+                <a:cs typeface="+mn-cs"/>
+              </a:defRPr>
+            </a:lvl8pPr>
+            <a:lvl9pPr marL="3886200" indent="-228600" algn="l" defTabSz="914400" rtl="0" eaLnBrk="1" latinLnBrk="0" hangingPunct="1">
+              <a:lnSpc>
+                <a:spcPct val="90000"/>
+              </a:lnSpc>
+              <a:spcBef>
+                <a:spcPts val="500"/>
+              </a:spcBef>
+              <a:buFont typeface="Arial" panose="020B0604020202020204" pitchFamily="34" charset="0"/>
+              <a:buChar char="•"/>
+              <a:defRPr sz="1800" kern="1200">
+                <a:solidFill>
+                  <a:schemeClr val="tx1"/>
+                </a:solidFill>
+                <a:latin typeface="+mn-lt"/>
+                <a:ea typeface="+mn-ea"/>
+                <a:cs typeface="+mn-cs"/>
+              </a:defRPr>
+            </a:lvl9pPr>
+          </a:lstStyle>
+          <a:p>
+            <a:pPr marL="0" indent="0" algn="ctr">
+              <a:buNone/>
+            </a:pPr>
+            <a:endParaRPr lang="en-US" sz="2400" dirty="0">
+              <a:solidFill>
+                <a:schemeClr val="bg1"/>
+              </a:solidFill>
+            </a:endParaRPr>
+          </a:p>
+        </p:txBody>
+      </p:sp>
+    </p:spTree>
+    <p:extLst>
+      <p:ext uri="{BB962C8B-B14F-4D97-AF65-F5344CB8AC3E}">
+        <p14:creationId xmlns:p14="http://schemas.microsoft.com/office/powerpoint/2010/main" xmlns="" val="4132754944"/>
+      </p:ext>
+    </p:extLst>
+  </p:cSld>
+  <p:clrMapOvr>
+    <a:masterClrMapping/>
+  </p:clrMapOvr>
+</p:sld>
+</file>
+
+<file path=ppt/slides/slide25.xml><?xml version="1.0" encoding="utf-8"?>
+<p:sld xmlns:a="http://schemas.openxmlformats.org/drawingml/2006/main" xmlns:r="http://schemas.openxmlformats.org/officeDocument/2006/relationships" xmlns:p="http://schemas.openxmlformats.org/presentationml/2006/main">
+  <p:cSld>
+    <p:bg>
+      <p:bgPr>
+        <a:solidFill>
+          <a:schemeClr val="tx1"/>
+        </a:solidFill>
+        <a:effectLst/>
+      </p:bgPr>
+    </p:bg>
+    <p:spTree>
+      <p:nvGrpSpPr>
+        <p:cNvPr id="1" name=""/>
+        <p:cNvGrpSpPr/>
+        <p:nvPr/>
+      </p:nvGrpSpPr>
+      <p:grpSpPr>
+        <a:xfrm>
+          <a:off x="0" y="0"/>
+          <a:ext cx="0" cy="0"/>
+          <a:chOff x="0" y="0"/>
+          <a:chExt cx="0" cy="0"/>
+        </a:xfrm>
+      </p:grpSpPr>
+      <p:sp>
+        <p:nvSpPr>
+          <p:cNvPr id="4" name="Content Placeholder 2">
+            <a:extLst>
+              <a:ext uri="{FF2B5EF4-FFF2-40B4-BE49-F238E27FC236}">
+                <a16:creationId xmlns:a16="http://schemas.microsoft.com/office/drawing/2014/main" xmlns="" id="{46DF36C4-BF62-41C8-87BC-20EB0ECF88CF}"/>
+              </a:ext>
+            </a:extLst>
+          </p:cNvPr>
+          <p:cNvSpPr txBox="1">
+            <a:spLocks/>
+          </p:cNvSpPr>
+          <p:nvPr/>
+        </p:nvSpPr>
+        <p:spPr>
+          <a:xfrm>
+            <a:off x="838200" y="6039514"/>
+            <a:ext cx="10515600" cy="730253"/>
+          </a:xfrm>
+          <a:prstGeom prst="rect">
+            <a:avLst/>
+          </a:prstGeom>
+        </p:spPr>
+        <p:txBody>
+          <a:bodyPr vert="horz" lIns="91440" tIns="45720" rIns="91440" bIns="45720" rtlCol="0">
+            <a:normAutofit/>
+          </a:bodyPr>
+          <a:lstStyle>
+            <a:lvl1pPr marL="228600" indent="-228600" algn="l" defTabSz="914400" rtl="0" eaLnBrk="1" latinLnBrk="0" hangingPunct="1">
+              <a:lnSpc>
+                <a:spcPct val="90000"/>
+              </a:lnSpc>
+              <a:spcBef>
+                <a:spcPts val="1000"/>
+              </a:spcBef>
+              <a:buFont typeface="Arial" panose="020B0604020202020204" pitchFamily="34" charset="0"/>
+              <a:buChar char="•"/>
+              <a:defRPr sz="2800" kern="1200">
+                <a:solidFill>
+                  <a:schemeClr val="tx1"/>
+                </a:solidFill>
+                <a:latin typeface="+mn-lt"/>
+                <a:ea typeface="+mn-ea"/>
+                <a:cs typeface="+mn-cs"/>
+              </a:defRPr>
+            </a:lvl1pPr>
+            <a:lvl2pPr marL="685800" indent="-228600" algn="l" defTabSz="914400" rtl="0" eaLnBrk="1" latinLnBrk="0" hangingPunct="1">
+              <a:lnSpc>
+                <a:spcPct val="90000"/>
+              </a:lnSpc>
+              <a:spcBef>
+                <a:spcPts val="500"/>
+              </a:spcBef>
+              <a:buFont typeface="Arial" panose="020B0604020202020204" pitchFamily="34" charset="0"/>
+              <a:buChar char="•"/>
+              <a:defRPr sz="2400" kern="1200">
+                <a:solidFill>
+                  <a:schemeClr val="tx1"/>
+                </a:solidFill>
+                <a:latin typeface="+mn-lt"/>
+                <a:ea typeface="+mn-ea"/>
+                <a:cs typeface="+mn-cs"/>
+              </a:defRPr>
+            </a:lvl2pPr>
+            <a:lvl3pPr marL="1143000" indent="-228600" algn="l" defTabSz="914400" rtl="0" eaLnBrk="1" latinLnBrk="0" hangingPunct="1">
+              <a:lnSpc>
+                <a:spcPct val="90000"/>
+              </a:lnSpc>
+              <a:spcBef>
+                <a:spcPts val="500"/>
+              </a:spcBef>
+              <a:buFont typeface="Arial" panose="020B0604020202020204" pitchFamily="34" charset="0"/>
+              <a:buChar char="•"/>
+              <a:defRPr sz="2000" kern="1200">
+                <a:solidFill>
+                  <a:schemeClr val="tx1"/>
+                </a:solidFill>
+                <a:latin typeface="+mn-lt"/>
+                <a:ea typeface="+mn-ea"/>
+                <a:cs typeface="+mn-cs"/>
+              </a:defRPr>
+            </a:lvl3pPr>
+            <a:lvl4pPr marL="1600200" indent="-228600" algn="l" defTabSz="914400" rtl="0" eaLnBrk="1" latinLnBrk="0" hangingPunct="1">
+              <a:lnSpc>
+                <a:spcPct val="90000"/>
+              </a:lnSpc>
+              <a:spcBef>
+                <a:spcPts val="500"/>
+              </a:spcBef>
+              <a:buFont typeface="Arial" panose="020B0604020202020204" pitchFamily="34" charset="0"/>
+              <a:buChar char="•"/>
+              <a:defRPr sz="1800" kern="1200">
+                <a:solidFill>
+                  <a:schemeClr val="tx1"/>
+                </a:solidFill>
+                <a:latin typeface="+mn-lt"/>
+                <a:ea typeface="+mn-ea"/>
+                <a:cs typeface="+mn-cs"/>
+              </a:defRPr>
+            </a:lvl4pPr>
+            <a:lvl5pPr marL="2057400" indent="-228600" algn="l" defTabSz="914400" rtl="0" eaLnBrk="1" latinLnBrk="0" hangingPunct="1">
+              <a:lnSpc>
+                <a:spcPct val="90000"/>
+              </a:lnSpc>
+              <a:spcBef>
+                <a:spcPts val="500"/>
+              </a:spcBef>
+              <a:buFont typeface="Arial" panose="020B0604020202020204" pitchFamily="34" charset="0"/>
+              <a:buChar char="•"/>
+              <a:defRPr sz="1800" kern="1200">
+                <a:solidFill>
+                  <a:schemeClr val="tx1"/>
+                </a:solidFill>
+                <a:latin typeface="+mn-lt"/>
+                <a:ea typeface="+mn-ea"/>
+                <a:cs typeface="+mn-cs"/>
+              </a:defRPr>
+            </a:lvl5pPr>
+            <a:lvl6pPr marL="2514600" indent="-228600" algn="l" defTabSz="914400" rtl="0" eaLnBrk="1" latinLnBrk="0" hangingPunct="1">
+              <a:lnSpc>
+                <a:spcPct val="90000"/>
+              </a:lnSpc>
+              <a:spcBef>
+                <a:spcPts val="500"/>
+              </a:spcBef>
+              <a:buFont typeface="Arial" panose="020B0604020202020204" pitchFamily="34" charset="0"/>
+              <a:buChar char="•"/>
+              <a:defRPr sz="1800" kern="1200">
+                <a:solidFill>
+                  <a:schemeClr val="tx1"/>
+                </a:solidFill>
+                <a:latin typeface="+mn-lt"/>
+                <a:ea typeface="+mn-ea"/>
+                <a:cs typeface="+mn-cs"/>
+              </a:defRPr>
+            </a:lvl6pPr>
+            <a:lvl7pPr marL="2971800" indent="-228600" algn="l" defTabSz="914400" rtl="0" eaLnBrk="1" latinLnBrk="0" hangingPunct="1">
+              <a:lnSpc>
+                <a:spcPct val="90000"/>
+              </a:lnSpc>
+              <a:spcBef>
+                <a:spcPts val="500"/>
+              </a:spcBef>
+              <a:buFont typeface="Arial" panose="020B0604020202020204" pitchFamily="34" charset="0"/>
+              <a:buChar char="•"/>
+              <a:defRPr sz="1800" kern="1200">
+                <a:solidFill>
+                  <a:schemeClr val="tx1"/>
+                </a:solidFill>
+                <a:latin typeface="+mn-lt"/>
+                <a:ea typeface="+mn-ea"/>
+                <a:cs typeface="+mn-cs"/>
+              </a:defRPr>
+            </a:lvl7pPr>
+            <a:lvl8pPr marL="3429000" indent="-228600" algn="l" defTabSz="914400" rtl="0" eaLnBrk="1" latinLnBrk="0" hangingPunct="1">
+              <a:lnSpc>
+                <a:spcPct val="90000"/>
+              </a:lnSpc>
+              <a:spcBef>
+                <a:spcPts val="500"/>
+              </a:spcBef>
+              <a:buFont typeface="Arial" panose="020B0604020202020204" pitchFamily="34" charset="0"/>
+              <a:buChar char="•"/>
+              <a:defRPr sz="1800" kern="1200">
+                <a:solidFill>
+                  <a:schemeClr val="tx1"/>
+                </a:solidFill>
+                <a:latin typeface="+mn-lt"/>
+                <a:ea typeface="+mn-ea"/>
+                <a:cs typeface="+mn-cs"/>
+              </a:defRPr>
+            </a:lvl8pPr>
+            <a:lvl9pPr marL="3886200" indent="-228600" algn="l" defTabSz="914400" rtl="0" eaLnBrk="1" latinLnBrk="0" hangingPunct="1">
+              <a:lnSpc>
+                <a:spcPct val="90000"/>
+              </a:lnSpc>
+              <a:spcBef>
+                <a:spcPts val="500"/>
+              </a:spcBef>
+              <a:buFont typeface="Arial" panose="020B0604020202020204" pitchFamily="34" charset="0"/>
+              <a:buChar char="•"/>
+              <a:defRPr sz="1800" kern="1200">
+                <a:solidFill>
+                  <a:schemeClr val="tx1"/>
+                </a:solidFill>
+                <a:latin typeface="+mn-lt"/>
+                <a:ea typeface="+mn-ea"/>
+                <a:cs typeface="+mn-cs"/>
+              </a:defRPr>
+            </a:lvl9pPr>
+          </a:lstStyle>
+          <a:p>
+            <a:pPr marL="0" indent="0" algn="ctr">
+              <a:buFont typeface="Arial" panose="020B0604020202020204" pitchFamily="34" charset="0"/>
+              <a:buNone/>
+            </a:pPr>
+            <a:r>
+              <a:rPr lang="pl-PL" sz="2000" dirty="0">
+                <a:solidFill>
+                  <a:schemeClr val="bg1"/>
+                </a:solidFill>
+              </a:rPr>
+              <a:t>Prosimy o odpowiedź „TAK” wciskając klawisz „t”, lub „NIE” za pomocą klawisza „n”.</a:t>
+            </a:r>
+          </a:p>
+        </p:txBody>
+      </p:sp>
+      <p:sp>
+        <p:nvSpPr>
+          <p:cNvPr id="9" name="Content Placeholder 2">
+            <a:extLst>
+              <a:ext uri="{FF2B5EF4-FFF2-40B4-BE49-F238E27FC236}">
+                <a16:creationId xmlns:a16="http://schemas.microsoft.com/office/drawing/2014/main" xmlns="" id="{6AE46264-68D9-4CE3-A51C-8EC1E628ABC6}"/>
               </a:ext>
             </a:extLst>
           </p:cNvPr>
@@ -15006,7 +16603,7 @@
           <p:cNvPr id="3" name="Picture 2">
             <a:extLst>
               <a:ext uri="{FF2B5EF4-FFF2-40B4-BE49-F238E27FC236}">
-                <a16:creationId xmlns:a16="http://schemas.microsoft.com/office/drawing/2014/main" id="{DC5F2BFD-A45B-4A4F-B77D-AC1477C0676A}"/>
+                <a16:creationId xmlns:a16="http://schemas.microsoft.com/office/drawing/2014/main" xmlns="" id="{DC5F2BFD-A45B-4A4F-B77D-AC1477C0676A}"/>
               </a:ext>
             </a:extLst>
           </p:cNvPr>
@@ -15016,10 +16613,10 @@
           <p:nvPr/>
         </p:nvPicPr>
         <p:blipFill>
-          <a:blip r:embed="rId2">
+          <a:blip r:embed="rId2" cstate="print">
             <a:extLst>
               <a:ext uri="{28A0092B-C50C-407E-A947-70E740481C1C}">
-                <a14:useLocalDpi xmlns:a14="http://schemas.microsoft.com/office/drawing/2010/main" val="0"/>
+                <a14:useLocalDpi xmlns:a14="http://schemas.microsoft.com/office/drawing/2010/main" xmlns="" val="0"/>
               </a:ext>
             </a:extLst>
           </a:blip>
@@ -15042,7 +16639,7 @@
           <p:cNvPr id="5" name="TextBox 4">
             <a:extLst>
               <a:ext uri="{FF2B5EF4-FFF2-40B4-BE49-F238E27FC236}">
-                <a16:creationId xmlns:a16="http://schemas.microsoft.com/office/drawing/2014/main" id="{81092F28-2602-4678-A833-0C18CDB0649B}"/>
+                <a16:creationId xmlns:a16="http://schemas.microsoft.com/office/drawing/2014/main" xmlns="" id="{81092F28-2602-4678-A833-0C18CDB0649B}"/>
               </a:ext>
             </a:extLst>
           </p:cNvPr>
@@ -15086,7 +16683,7 @@
           <p:cNvPr id="8" name="Picture 7" descr="A picture containing saw&#10;&#10;Description generated with high confidence">
             <a:extLst>
               <a:ext uri="{FF2B5EF4-FFF2-40B4-BE49-F238E27FC236}">
-                <a16:creationId xmlns:a16="http://schemas.microsoft.com/office/drawing/2014/main" id="{D54D271E-CBE2-4705-AFA4-6FCE8CE60ECC}"/>
+                <a16:creationId xmlns:a16="http://schemas.microsoft.com/office/drawing/2014/main" xmlns="" id="{D54D271E-CBE2-4705-AFA4-6FCE8CE60ECC}"/>
               </a:ext>
             </a:extLst>
           </p:cNvPr>
@@ -15096,10 +16693,10 @@
           <p:nvPr/>
         </p:nvPicPr>
         <p:blipFill>
-          <a:blip r:embed="rId3">
+          <a:blip r:embed="rId3" cstate="print">
             <a:extLst>
               <a:ext uri="{28A0092B-C50C-407E-A947-70E740481C1C}">
-                <a14:useLocalDpi xmlns:a14="http://schemas.microsoft.com/office/drawing/2010/main" val="0"/>
+                <a14:useLocalDpi xmlns:a14="http://schemas.microsoft.com/office/drawing/2010/main" xmlns="" val="0"/>
               </a:ext>
             </a:extLst>
           </a:blip>
@@ -15122,7 +16719,7 @@
           <p:cNvPr id="10" name="Content Placeholder 2">
             <a:extLst>
               <a:ext uri="{FF2B5EF4-FFF2-40B4-BE49-F238E27FC236}">
-                <a16:creationId xmlns:a16="http://schemas.microsoft.com/office/drawing/2014/main" id="{030F1A64-26E7-49A3-BE9D-407E3D8204A9}"/>
+                <a16:creationId xmlns:a16="http://schemas.microsoft.com/office/drawing/2014/main" xmlns="" id="{030F1A64-26E7-49A3-BE9D-407E3D8204A9}"/>
               </a:ext>
             </a:extLst>
           </p:cNvPr>
@@ -15331,7 +16928,7 @@
     </p:spTree>
     <p:extLst>
       <p:ext uri="{BB962C8B-B14F-4D97-AF65-F5344CB8AC3E}">
-        <p14:creationId xmlns:p14="http://schemas.microsoft.com/office/powerpoint/2010/main" val="777734654"/>
+        <p14:creationId xmlns:p14="http://schemas.microsoft.com/office/powerpoint/2010/main" xmlns="" val="777734654"/>
       </p:ext>
     </p:extLst>
   </p:cSld>
@@ -15341,7 +16938,7 @@
 </p:sld>
 </file>
 
-<file path=ppt/slides/slide25.xml><?xml version="1.0" encoding="utf-8"?>
+<file path=ppt/slides/slide26.xml><?xml version="1.0" encoding="utf-8"?>
 <p:sld xmlns:a="http://schemas.openxmlformats.org/drawingml/2006/main" xmlns:r="http://schemas.openxmlformats.org/officeDocument/2006/relationships" xmlns:p="http://schemas.openxmlformats.org/presentationml/2006/main" show="0">
   <p:cSld>
     <p:bg>
@@ -15371,7 +16968,7 @@
           <p:cNvPr id="3" name="Content Placeholder 2">
             <a:extLst>
               <a:ext uri="{FF2B5EF4-FFF2-40B4-BE49-F238E27FC236}">
-                <a16:creationId xmlns:a16="http://schemas.microsoft.com/office/drawing/2014/main" id="{16BDB5AA-CFD0-4303-8B7F-ECCF545847F6}"/>
+                <a16:creationId xmlns:a16="http://schemas.microsoft.com/office/drawing/2014/main" xmlns="" id="{16BDB5AA-CFD0-4303-8B7F-ECCF545847F6}"/>
               </a:ext>
             </a:extLst>
           </p:cNvPr>
@@ -15418,7 +17015,7 @@
           <p:cNvPr id="4" name="Content Placeholder 2">
             <a:extLst>
               <a:ext uri="{FF2B5EF4-FFF2-40B4-BE49-F238E27FC236}">
-                <a16:creationId xmlns:a16="http://schemas.microsoft.com/office/drawing/2014/main" id="{46DF36C4-BF62-41C8-87BC-20EB0ECF88CF}"/>
+                <a16:creationId xmlns:a16="http://schemas.microsoft.com/office/drawing/2014/main" xmlns="" id="{46DF36C4-BF62-41C8-87BC-20EB0ECF88CF}"/>
               </a:ext>
             </a:extLst>
           </p:cNvPr>
@@ -15697,7 +17294,7 @@
           <p:cNvPr id="7" name="Content Placeholder 2">
             <a:extLst>
               <a:ext uri="{FF2B5EF4-FFF2-40B4-BE49-F238E27FC236}">
-                <a16:creationId xmlns:a16="http://schemas.microsoft.com/office/drawing/2014/main" id="{02466EF3-302C-4960-8543-BE397448108A}"/>
+                <a16:creationId xmlns:a16="http://schemas.microsoft.com/office/drawing/2014/main" xmlns="" id="{02466EF3-302C-4960-8543-BE397448108A}"/>
               </a:ext>
             </a:extLst>
           </p:cNvPr>
@@ -15940,7 +17537,7 @@
           <p:cNvPr id="5" name="Picture 4" descr="A picture containing airplane, aircraft, transport&#10;&#10;Description generated with high confidence">
             <a:extLst>
               <a:ext uri="{FF2B5EF4-FFF2-40B4-BE49-F238E27FC236}">
-                <a16:creationId xmlns:a16="http://schemas.microsoft.com/office/drawing/2014/main" id="{0C7EBE7B-4D90-4E4B-8C6C-42C8798CDF8F}"/>
+                <a16:creationId xmlns:a16="http://schemas.microsoft.com/office/drawing/2014/main" xmlns="" id="{0C7EBE7B-4D90-4E4B-8C6C-42C8798CDF8F}"/>
               </a:ext>
             </a:extLst>
           </p:cNvPr>
@@ -15950,10 +17547,10 @@
           <p:nvPr/>
         </p:nvPicPr>
         <p:blipFill>
-          <a:blip r:embed="rId2">
+          <a:blip r:embed="rId2" cstate="print">
             <a:extLst>
               <a:ext uri="{28A0092B-C50C-407E-A947-70E740481C1C}">
-                <a14:useLocalDpi xmlns:a14="http://schemas.microsoft.com/office/drawing/2010/main" val="0"/>
+                <a14:useLocalDpi xmlns:a14="http://schemas.microsoft.com/office/drawing/2010/main" xmlns="" val="0"/>
               </a:ext>
             </a:extLst>
           </a:blip>
@@ -15976,7 +17573,7 @@
           <p:cNvPr id="9" name="Picture 8" descr="A picture containing airplane, aircraft, transport&#10;&#10;Description generated with high confidence">
             <a:extLst>
               <a:ext uri="{FF2B5EF4-FFF2-40B4-BE49-F238E27FC236}">
-                <a16:creationId xmlns:a16="http://schemas.microsoft.com/office/drawing/2014/main" id="{101DA740-24E7-4C31-8275-C9A4A6E86BD2}"/>
+                <a16:creationId xmlns:a16="http://schemas.microsoft.com/office/drawing/2014/main" xmlns="" id="{101DA740-24E7-4C31-8275-C9A4A6E86BD2}"/>
               </a:ext>
             </a:extLst>
           </p:cNvPr>
@@ -15986,10 +17583,10 @@
           <p:nvPr/>
         </p:nvPicPr>
         <p:blipFill>
-          <a:blip r:embed="rId3">
+          <a:blip r:embed="rId3" cstate="print">
             <a:extLst>
               <a:ext uri="{28A0092B-C50C-407E-A947-70E740481C1C}">
-                <a14:useLocalDpi xmlns:a14="http://schemas.microsoft.com/office/drawing/2010/main" val="0"/>
+                <a14:useLocalDpi xmlns:a14="http://schemas.microsoft.com/office/drawing/2010/main" xmlns="" val="0"/>
               </a:ext>
             </a:extLst>
           </a:blip>
@@ -16012,7 +17609,7 @@
           <p:cNvPr id="11" name="Content Placeholder 2">
             <a:extLst>
               <a:ext uri="{FF2B5EF4-FFF2-40B4-BE49-F238E27FC236}">
-                <a16:creationId xmlns:a16="http://schemas.microsoft.com/office/drawing/2014/main" id="{5275D355-6162-4923-9B5A-7B5128BAFABD}"/>
+                <a16:creationId xmlns:a16="http://schemas.microsoft.com/office/drawing/2014/main" xmlns="" id="{5275D355-6162-4923-9B5A-7B5128BAFABD}"/>
               </a:ext>
             </a:extLst>
           </p:cNvPr>
@@ -16255,7 +17852,7 @@
           <p:cNvPr id="14" name="Picture 13" descr="A picture containing airplane, aircraft, transport&#10;&#10;Description generated with very high confidence">
             <a:extLst>
               <a:ext uri="{FF2B5EF4-FFF2-40B4-BE49-F238E27FC236}">
-                <a16:creationId xmlns:a16="http://schemas.microsoft.com/office/drawing/2014/main" id="{3FE03369-5961-44B5-8EFE-C6B145F6F0AF}"/>
+                <a16:creationId xmlns:a16="http://schemas.microsoft.com/office/drawing/2014/main" xmlns="" id="{3FE03369-5961-44B5-8EFE-C6B145F6F0AF}"/>
               </a:ext>
             </a:extLst>
           </p:cNvPr>
@@ -16265,10 +17862,10 @@
           <p:nvPr/>
         </p:nvPicPr>
         <p:blipFill>
-          <a:blip r:embed="rId4">
+          <a:blip r:embed="rId4" cstate="print">
             <a:extLst>
               <a:ext uri="{28A0092B-C50C-407E-A947-70E740481C1C}">
-                <a14:useLocalDpi xmlns:a14="http://schemas.microsoft.com/office/drawing/2010/main" val="0"/>
+                <a14:useLocalDpi xmlns:a14="http://schemas.microsoft.com/office/drawing/2010/main" xmlns="" val="0"/>
               </a:ext>
             </a:extLst>
           </a:blip>
@@ -16289,13 +17886,14 @@
     </p:spTree>
     <p:extLst>
       <p:ext uri="{BB962C8B-B14F-4D97-AF65-F5344CB8AC3E}">
-        <p14:creationId xmlns:p14="http://schemas.microsoft.com/office/powerpoint/2010/main" val="1898725252"/>
+        <p14:creationId xmlns:p14="http://schemas.microsoft.com/office/powerpoint/2010/main" xmlns="" val="1898725252"/>
       </p:ext>
     </p:extLst>
   </p:cSld>
   <p:clrMapOvr>
     <a:masterClrMapping/>
   </p:clrMapOvr>
+  <p:transition/>
 </p:sld>
 </file>
 
@@ -16329,7 +17927,7 @@
           <p:cNvPr id="2" name="Title 1">
             <a:extLst>
               <a:ext uri="{FF2B5EF4-FFF2-40B4-BE49-F238E27FC236}">
-                <a16:creationId xmlns:a16="http://schemas.microsoft.com/office/drawing/2014/main" id="{3DCF10C7-1E36-42DA-A991-D7FE6F3CC399}"/>
+                <a16:creationId xmlns:a16="http://schemas.microsoft.com/office/drawing/2014/main" xmlns="" id="{3DCF10C7-1E36-42DA-A991-D7FE6F3CC399}"/>
               </a:ext>
             </a:extLst>
           </p:cNvPr>
@@ -16367,7 +17965,7 @@
           <p:cNvPr id="3" name="Content Placeholder 2">
             <a:extLst>
               <a:ext uri="{FF2B5EF4-FFF2-40B4-BE49-F238E27FC236}">
-                <a16:creationId xmlns:a16="http://schemas.microsoft.com/office/drawing/2014/main" id="{16BDB5AA-CFD0-4303-8B7F-ECCF545847F6}"/>
+                <a16:creationId xmlns:a16="http://schemas.microsoft.com/office/drawing/2014/main" xmlns="" id="{16BDB5AA-CFD0-4303-8B7F-ECCF545847F6}"/>
               </a:ext>
             </a:extLst>
           </p:cNvPr>
@@ -16414,7 +18012,7 @@
           <p:cNvPr id="4" name="Content Placeholder 2">
             <a:extLst>
               <a:ext uri="{FF2B5EF4-FFF2-40B4-BE49-F238E27FC236}">
-                <a16:creationId xmlns:a16="http://schemas.microsoft.com/office/drawing/2014/main" id="{46DF36C4-BF62-41C8-87BC-20EB0ECF88CF}"/>
+                <a16:creationId xmlns:a16="http://schemas.microsoft.com/office/drawing/2014/main" xmlns="" id="{46DF36C4-BF62-41C8-87BC-20EB0ECF88CF}"/>
               </a:ext>
             </a:extLst>
           </p:cNvPr>
@@ -16666,7 +18264,7 @@
           <p:cNvPr id="6" name="Content Placeholder 2">
             <a:extLst>
               <a:ext uri="{FF2B5EF4-FFF2-40B4-BE49-F238E27FC236}">
-                <a16:creationId xmlns:a16="http://schemas.microsoft.com/office/drawing/2014/main" id="{87A2E6C3-E1CB-4565-87E3-1776C80BA978}"/>
+                <a16:creationId xmlns:a16="http://schemas.microsoft.com/office/drawing/2014/main" xmlns="" id="{87A2E6C3-E1CB-4565-87E3-1776C80BA978}"/>
               </a:ext>
             </a:extLst>
           </p:cNvPr>
@@ -16686,7 +18284,7 @@
         </p:spPr>
         <p:txBody>
           <a:bodyPr vert="horz" lIns="91440" tIns="45720" rIns="91440" bIns="45720" rtlCol="0">
-            <a:normAutofit fontScale="92500" lnSpcReduction="10000"/>
+            <a:normAutofit/>
           </a:bodyPr>
           <a:lstStyle>
             <a:lvl1pPr marL="228600" indent="-228600" algn="l" defTabSz="914400" rtl="0" eaLnBrk="1" latinLnBrk="0" hangingPunct="1">
@@ -16862,7 +18460,23 @@
                   <a:schemeClr val="bg1"/>
                 </a:solidFill>
               </a:rPr>
-              <a:t>W tym eksperymencie interesuje nas Pani/Pana poczucie kontroli. Procedura polega na tym, że naciska się klawisze, po których na ekranie pojawiają się kolorowe koła. Chcielibyśmy dowiedzieć się, czy uważa Pani/Pan, że kontroluje wydarzenia na ekranie. Zadanie eksperymentalne polega na tym, że należy odkryć – naciskając lewy, bądź prawy klawisz – w jakim stopniu Pani/Pana naciśnięcie lewego, bądź prawego klawisza powodują wyświetlenie się konkretnego koloru.</a:t>
+              <a:t>W tym eksperymencie interesuje nas Pani/Pana poczucie kontroli. Procedura polega na tym, że naciska się klawisze, po których na ekranie pojawiają się kolorowe koła. Chcielibyśmy dowiedzieć się, </a:t>
+            </a:r>
+            <a:r>
+              <a:rPr lang="pl-PL" dirty="0" smtClean="0">
+                <a:solidFill>
+                  <a:schemeClr val="bg1"/>
+                </a:solidFill>
+              </a:rPr>
+              <a:t>w jakim stopniu czuje Pani/Pan</a:t>
+            </a:r>
+            <a:r>
+              <a:rPr lang="pl-PL" dirty="0">
+                <a:solidFill>
+                  <a:schemeClr val="bg1"/>
+                </a:solidFill>
+              </a:rPr>
+              <a:t>, że kontroluje wydarzenia na ekranie. </a:t>
             </a:r>
           </a:p>
         </p:txBody>
@@ -16870,7 +18484,7 @@
     </p:spTree>
     <p:extLst>
       <p:ext uri="{BB962C8B-B14F-4D97-AF65-F5344CB8AC3E}">
-        <p14:creationId xmlns:p14="http://schemas.microsoft.com/office/powerpoint/2010/main" val="388295466"/>
+        <p14:creationId xmlns:p14="http://schemas.microsoft.com/office/powerpoint/2010/main" xmlns="" val="388295466"/>
       </p:ext>
     </p:extLst>
   </p:cSld>
@@ -16910,7 +18524,7 @@
           <p:cNvPr id="3" name="Content Placeholder 2">
             <a:extLst>
               <a:ext uri="{FF2B5EF4-FFF2-40B4-BE49-F238E27FC236}">
-                <a16:creationId xmlns:a16="http://schemas.microsoft.com/office/drawing/2014/main" id="{16BDB5AA-CFD0-4303-8B7F-ECCF545847F6}"/>
+                <a16:creationId xmlns:a16="http://schemas.microsoft.com/office/drawing/2014/main" xmlns="" id="{16BDB5AA-CFD0-4303-8B7F-ECCF545847F6}"/>
               </a:ext>
             </a:extLst>
           </p:cNvPr>
@@ -16973,7 +18587,7 @@
           <p:cNvPr id="4" name="Content Placeholder 2">
             <a:extLst>
               <a:ext uri="{FF2B5EF4-FFF2-40B4-BE49-F238E27FC236}">
-                <a16:creationId xmlns:a16="http://schemas.microsoft.com/office/drawing/2014/main" id="{46DF36C4-BF62-41C8-87BC-20EB0ECF88CF}"/>
+                <a16:creationId xmlns:a16="http://schemas.microsoft.com/office/drawing/2014/main" xmlns="" id="{46DF36C4-BF62-41C8-87BC-20EB0ECF88CF}"/>
               </a:ext>
             </a:extLst>
           </p:cNvPr>
@@ -17261,7 +18875,7 @@
           <p:cNvPr id="7" name="Content Placeholder 2">
             <a:extLst>
               <a:ext uri="{FF2B5EF4-FFF2-40B4-BE49-F238E27FC236}">
-                <a16:creationId xmlns:a16="http://schemas.microsoft.com/office/drawing/2014/main" id="{02466EF3-302C-4960-8543-BE397448108A}"/>
+                <a16:creationId xmlns:a16="http://schemas.microsoft.com/office/drawing/2014/main" xmlns="" id="{02466EF3-302C-4960-8543-BE397448108A}"/>
               </a:ext>
             </a:extLst>
           </p:cNvPr>
@@ -17489,7 +19103,7 @@
           <p:cNvPr id="9" name="Picture 8" descr="A picture containing airplane, aircraft, transport&#10;&#10;Description generated with high confidence">
             <a:extLst>
               <a:ext uri="{FF2B5EF4-FFF2-40B4-BE49-F238E27FC236}">
-                <a16:creationId xmlns:a16="http://schemas.microsoft.com/office/drawing/2014/main" id="{F557D5BC-CDC8-40D6-A07A-192CC8FC1109}"/>
+                <a16:creationId xmlns:a16="http://schemas.microsoft.com/office/drawing/2014/main" xmlns="" id="{F557D5BC-CDC8-40D6-A07A-192CC8FC1109}"/>
               </a:ext>
             </a:extLst>
           </p:cNvPr>
@@ -17499,10 +19113,10 @@
           <p:nvPr/>
         </p:nvPicPr>
         <p:blipFill>
-          <a:blip r:embed="rId2">
+          <a:blip r:embed="rId2" cstate="print">
             <a:extLst>
               <a:ext uri="{28A0092B-C50C-407E-A947-70E740481C1C}">
-                <a14:useLocalDpi xmlns:a14="http://schemas.microsoft.com/office/drawing/2010/main" val="0"/>
+                <a14:useLocalDpi xmlns:a14="http://schemas.microsoft.com/office/drawing/2010/main" xmlns="" val="0"/>
               </a:ext>
             </a:extLst>
           </a:blip>
@@ -17525,7 +19139,7 @@
           <p:cNvPr id="11" name="Picture 10" descr="A picture containing airplane, aircraft, transport&#10;&#10;Description generated with high confidence">
             <a:extLst>
               <a:ext uri="{FF2B5EF4-FFF2-40B4-BE49-F238E27FC236}">
-                <a16:creationId xmlns:a16="http://schemas.microsoft.com/office/drawing/2014/main" id="{AEB79E9F-3A06-4E77-9B3F-2D6920CFFF57}"/>
+                <a16:creationId xmlns:a16="http://schemas.microsoft.com/office/drawing/2014/main" xmlns="" id="{AEB79E9F-3A06-4E77-9B3F-2D6920CFFF57}"/>
               </a:ext>
             </a:extLst>
           </p:cNvPr>
@@ -17535,10 +19149,10 @@
           <p:nvPr/>
         </p:nvPicPr>
         <p:blipFill>
-          <a:blip r:embed="rId3">
+          <a:blip r:embed="rId3" cstate="print">
             <a:extLst>
               <a:ext uri="{28A0092B-C50C-407E-A947-70E740481C1C}">
-                <a14:useLocalDpi xmlns:a14="http://schemas.microsoft.com/office/drawing/2010/main" val="0"/>
+                <a14:useLocalDpi xmlns:a14="http://schemas.microsoft.com/office/drawing/2010/main" xmlns="" val="0"/>
               </a:ext>
             </a:extLst>
           </a:blip>
@@ -17559,7 +19173,7 @@
     </p:spTree>
     <p:extLst>
       <p:ext uri="{BB962C8B-B14F-4D97-AF65-F5344CB8AC3E}">
-        <p14:creationId xmlns:p14="http://schemas.microsoft.com/office/powerpoint/2010/main" val="2087171550"/>
+        <p14:creationId xmlns:p14="http://schemas.microsoft.com/office/powerpoint/2010/main" xmlns="" val="2087171550"/>
       </p:ext>
     </p:extLst>
   </p:cSld>
@@ -17599,7 +19213,7 @@
           <p:cNvPr id="3" name="Content Placeholder 2">
             <a:extLst>
               <a:ext uri="{FF2B5EF4-FFF2-40B4-BE49-F238E27FC236}">
-                <a16:creationId xmlns:a16="http://schemas.microsoft.com/office/drawing/2014/main" id="{16BDB5AA-CFD0-4303-8B7F-ECCF545847F6}"/>
+                <a16:creationId xmlns:a16="http://schemas.microsoft.com/office/drawing/2014/main" xmlns="" id="{16BDB5AA-CFD0-4303-8B7F-ECCF545847F6}"/>
               </a:ext>
             </a:extLst>
           </p:cNvPr>
@@ -17634,52 +19248,20 @@
               <a:t>Po poprawnej odpowiedzi na wskazówkę, zostanie </a:t>
             </a:r>
             <a:r>
-              <a:rPr lang="pl-PL" sz="2400" dirty="0" err="1">
+              <a:rPr lang="pl-PL" sz="2400" dirty="0" smtClean="0">
                 <a:solidFill>
                   <a:schemeClr val="bg1"/>
                 </a:solidFill>
               </a:rPr>
-              <a:t>wyś</a:t>
-            </a:r>
-            <a:r>
-              <a:rPr lang="en-US" sz="2400" dirty="0" err="1">
+              <a:t>wyświetlony następujący </a:t>
+            </a:r>
+            <a:r>
+              <a:rPr lang="pl-PL" sz="2400" dirty="0">
                 <a:solidFill>
                   <a:schemeClr val="bg1"/>
                 </a:solidFill>
               </a:rPr>
-              <a:t>wietlony</a:t>
-            </a:r>
-            <a:r>
-              <a:rPr lang="en-US" sz="2400" dirty="0">
-                <a:solidFill>
-                  <a:schemeClr val="bg1"/>
-                </a:solidFill>
-              </a:rPr>
-              <a:t> </a:t>
-            </a:r>
-            <a:r>
-              <a:rPr lang="en-US" sz="2400" dirty="0" err="1">
-                <a:solidFill>
-                  <a:schemeClr val="bg1"/>
-                </a:solidFill>
-              </a:rPr>
-              <a:t>nast</a:t>
-            </a:r>
-            <a:r>
-              <a:rPr lang="pl-PL" sz="2400" dirty="0" err="1">
-                <a:solidFill>
-                  <a:schemeClr val="bg1"/>
-                </a:solidFill>
-              </a:rPr>
-              <a:t>ępujący</a:t>
-            </a:r>
-            <a:r>
-              <a:rPr lang="pl-PL" sz="2400" dirty="0">
-                <a:solidFill>
-                  <a:schemeClr val="bg1"/>
-                </a:solidFill>
-              </a:rPr>
-              <a:t> obrazek (w kolorze):</a:t>
+              <a:t>obrazek (w kolorze):</a:t>
             </a:r>
             <a:endParaRPr lang="en-US" sz="2400" dirty="0">
               <a:solidFill>
@@ -17694,7 +19276,7 @@
           <p:cNvPr id="7" name="Content Placeholder 2">
             <a:extLst>
               <a:ext uri="{FF2B5EF4-FFF2-40B4-BE49-F238E27FC236}">
-                <a16:creationId xmlns:a16="http://schemas.microsoft.com/office/drawing/2014/main" id="{02466EF3-302C-4960-8543-BE397448108A}"/>
+                <a16:creationId xmlns:a16="http://schemas.microsoft.com/office/drawing/2014/main" xmlns="" id="{02466EF3-302C-4960-8543-BE397448108A}"/>
               </a:ext>
             </a:extLst>
           </p:cNvPr>
@@ -17906,7 +19488,7 @@
           <p:cNvPr id="5" name="Picture 4">
             <a:extLst>
               <a:ext uri="{FF2B5EF4-FFF2-40B4-BE49-F238E27FC236}">
-                <a16:creationId xmlns:a16="http://schemas.microsoft.com/office/drawing/2014/main" id="{F5CE8487-68DE-4EFD-B5D7-BC608524C7CD}"/>
+                <a16:creationId xmlns:a16="http://schemas.microsoft.com/office/drawing/2014/main" xmlns="" id="{F5CE8487-68DE-4EFD-B5D7-BC608524C7CD}"/>
               </a:ext>
             </a:extLst>
           </p:cNvPr>
@@ -17916,10 +19498,10 @@
           <p:nvPr/>
         </p:nvPicPr>
         <p:blipFill>
-          <a:blip r:embed="rId2">
+          <a:blip r:embed="rId2" cstate="print">
             <a:extLst>
               <a:ext uri="{28A0092B-C50C-407E-A947-70E740481C1C}">
-                <a14:useLocalDpi xmlns:a14="http://schemas.microsoft.com/office/drawing/2010/main" val="0"/>
+                <a14:useLocalDpi xmlns:a14="http://schemas.microsoft.com/office/drawing/2010/main" xmlns="" val="0"/>
               </a:ext>
             </a:extLst>
           </a:blip>
@@ -17942,7 +19524,7 @@
           <p:cNvPr id="8" name="Picture 7" descr="A picture containing object&#10;&#10;Description generated with very high confidence">
             <a:extLst>
               <a:ext uri="{FF2B5EF4-FFF2-40B4-BE49-F238E27FC236}">
-                <a16:creationId xmlns:a16="http://schemas.microsoft.com/office/drawing/2014/main" id="{543C77A2-FEBB-4E77-AF01-2B4A36D092DA}"/>
+                <a16:creationId xmlns:a16="http://schemas.microsoft.com/office/drawing/2014/main" xmlns="" id="{543C77A2-FEBB-4E77-AF01-2B4A36D092DA}"/>
               </a:ext>
             </a:extLst>
           </p:cNvPr>
@@ -17952,10 +19534,10 @@
           <p:nvPr/>
         </p:nvPicPr>
         <p:blipFill>
-          <a:blip r:embed="rId3">
+          <a:blip r:embed="rId3" cstate="print">
             <a:extLst>
               <a:ext uri="{28A0092B-C50C-407E-A947-70E740481C1C}">
-                <a14:useLocalDpi xmlns:a14="http://schemas.microsoft.com/office/drawing/2010/main" val="0"/>
+                <a14:useLocalDpi xmlns:a14="http://schemas.microsoft.com/office/drawing/2010/main" xmlns="" val="0"/>
               </a:ext>
             </a:extLst>
           </a:blip>
@@ -17978,7 +19560,7 @@
           <p:cNvPr id="9" name="Content Placeholder 2">
             <a:extLst>
               <a:ext uri="{FF2B5EF4-FFF2-40B4-BE49-F238E27FC236}">
-                <a16:creationId xmlns:a16="http://schemas.microsoft.com/office/drawing/2014/main" id="{59F5F74E-ECB9-4114-8605-85A5BE5C282E}"/>
+                <a16:creationId xmlns:a16="http://schemas.microsoft.com/office/drawing/2014/main" xmlns="" id="{59F5F74E-ECB9-4114-8605-85A5BE5C282E}"/>
               </a:ext>
             </a:extLst>
           </p:cNvPr>
@@ -18264,7 +19846,7 @@
     </p:spTree>
     <p:extLst>
       <p:ext uri="{BB962C8B-B14F-4D97-AF65-F5344CB8AC3E}">
-        <p14:creationId xmlns:p14="http://schemas.microsoft.com/office/powerpoint/2010/main" val="2454505230"/>
+        <p14:creationId xmlns:p14="http://schemas.microsoft.com/office/powerpoint/2010/main" xmlns="" val="2454505230"/>
       </p:ext>
     </p:extLst>
   </p:cSld>
@@ -18304,7 +19886,7 @@
           <p:cNvPr id="3" name="Content Placeholder 2">
             <a:extLst>
               <a:ext uri="{FF2B5EF4-FFF2-40B4-BE49-F238E27FC236}">
-                <a16:creationId xmlns:a16="http://schemas.microsoft.com/office/drawing/2014/main" id="{16BDB5AA-CFD0-4303-8B7F-ECCF545847F6}"/>
+                <a16:creationId xmlns:a16="http://schemas.microsoft.com/office/drawing/2014/main" xmlns="" id="{16BDB5AA-CFD0-4303-8B7F-ECCF545847F6}"/>
               </a:ext>
             </a:extLst>
           </p:cNvPr>
@@ -18351,7 +19933,7 @@
           <p:cNvPr id="7" name="Content Placeholder 2">
             <a:extLst>
               <a:ext uri="{FF2B5EF4-FFF2-40B4-BE49-F238E27FC236}">
-                <a16:creationId xmlns:a16="http://schemas.microsoft.com/office/drawing/2014/main" id="{02466EF3-302C-4960-8543-BE397448108A}"/>
+                <a16:creationId xmlns:a16="http://schemas.microsoft.com/office/drawing/2014/main" xmlns="" id="{02466EF3-302C-4960-8543-BE397448108A}"/>
               </a:ext>
             </a:extLst>
           </p:cNvPr>
@@ -18563,7 +20145,7 @@
           <p:cNvPr id="5" name="Picture 4" descr="A picture containing airplane, aircraft, transport&#10;&#10;Description generated with high confidence">
             <a:extLst>
               <a:ext uri="{FF2B5EF4-FFF2-40B4-BE49-F238E27FC236}">
-                <a16:creationId xmlns:a16="http://schemas.microsoft.com/office/drawing/2014/main" id="{0C7EBE7B-4D90-4E4B-8C6C-42C8798CDF8F}"/>
+                <a16:creationId xmlns:a16="http://schemas.microsoft.com/office/drawing/2014/main" xmlns="" id="{0C7EBE7B-4D90-4E4B-8C6C-42C8798CDF8F}"/>
               </a:ext>
             </a:extLst>
           </p:cNvPr>
@@ -18573,10 +20155,10 @@
           <p:nvPr/>
         </p:nvPicPr>
         <p:blipFill>
-          <a:blip r:embed="rId2">
+          <a:blip r:embed="rId2" cstate="print">
             <a:extLst>
               <a:ext uri="{28A0092B-C50C-407E-A947-70E740481C1C}">
-                <a14:useLocalDpi xmlns:a14="http://schemas.microsoft.com/office/drawing/2010/main" val="0"/>
+                <a14:useLocalDpi xmlns:a14="http://schemas.microsoft.com/office/drawing/2010/main" xmlns="" val="0"/>
               </a:ext>
             </a:extLst>
           </a:blip>
@@ -18599,7 +20181,7 @@
           <p:cNvPr id="9" name="Picture 8" descr="A picture containing airplane, aircraft, transport&#10;&#10;Description generated with high confidence">
             <a:extLst>
               <a:ext uri="{FF2B5EF4-FFF2-40B4-BE49-F238E27FC236}">
-                <a16:creationId xmlns:a16="http://schemas.microsoft.com/office/drawing/2014/main" id="{101DA740-24E7-4C31-8275-C9A4A6E86BD2}"/>
+                <a16:creationId xmlns:a16="http://schemas.microsoft.com/office/drawing/2014/main" xmlns="" id="{101DA740-24E7-4C31-8275-C9A4A6E86BD2}"/>
               </a:ext>
             </a:extLst>
           </p:cNvPr>
@@ -18609,10 +20191,10 @@
           <p:nvPr/>
         </p:nvPicPr>
         <p:blipFill>
-          <a:blip r:embed="rId3">
+          <a:blip r:embed="rId3" cstate="print">
             <a:extLst>
               <a:ext uri="{28A0092B-C50C-407E-A947-70E740481C1C}">
-                <a14:useLocalDpi xmlns:a14="http://schemas.microsoft.com/office/drawing/2010/main" val="0"/>
+                <a14:useLocalDpi xmlns:a14="http://schemas.microsoft.com/office/drawing/2010/main" xmlns="" val="0"/>
               </a:ext>
             </a:extLst>
           </a:blip>
@@ -18635,7 +20217,7 @@
           <p:cNvPr id="11" name="Content Placeholder 2">
             <a:extLst>
               <a:ext uri="{FF2B5EF4-FFF2-40B4-BE49-F238E27FC236}">
-                <a16:creationId xmlns:a16="http://schemas.microsoft.com/office/drawing/2014/main" id="{5275D355-6162-4923-9B5A-7B5128BAFABD}"/>
+                <a16:creationId xmlns:a16="http://schemas.microsoft.com/office/drawing/2014/main" xmlns="" id="{5275D355-6162-4923-9B5A-7B5128BAFABD}"/>
               </a:ext>
             </a:extLst>
           </p:cNvPr>
@@ -18847,7 +20429,7 @@
           <p:cNvPr id="14" name="Picture 13" descr="A picture containing airplane, aircraft, transport&#10;&#10;Description generated with very high confidence">
             <a:extLst>
               <a:ext uri="{FF2B5EF4-FFF2-40B4-BE49-F238E27FC236}">
-                <a16:creationId xmlns:a16="http://schemas.microsoft.com/office/drawing/2014/main" id="{3FE03369-5961-44B5-8EFE-C6B145F6F0AF}"/>
+                <a16:creationId xmlns:a16="http://schemas.microsoft.com/office/drawing/2014/main" xmlns="" id="{3FE03369-5961-44B5-8EFE-C6B145F6F0AF}"/>
               </a:ext>
             </a:extLst>
           </p:cNvPr>
@@ -18857,10 +20439,10 @@
           <p:nvPr/>
         </p:nvPicPr>
         <p:blipFill>
-          <a:blip r:embed="rId4">
+          <a:blip r:embed="rId4" cstate="print">
             <a:extLst>
               <a:ext uri="{28A0092B-C50C-407E-A947-70E740481C1C}">
-                <a14:useLocalDpi xmlns:a14="http://schemas.microsoft.com/office/drawing/2010/main" val="0"/>
+                <a14:useLocalDpi xmlns:a14="http://schemas.microsoft.com/office/drawing/2010/main" xmlns="" val="0"/>
               </a:ext>
             </a:extLst>
           </a:blip>
@@ -18883,7 +20465,7 @@
           <p:cNvPr id="10" name="Content Placeholder 2">
             <a:extLst>
               <a:ext uri="{FF2B5EF4-FFF2-40B4-BE49-F238E27FC236}">
-                <a16:creationId xmlns:a16="http://schemas.microsoft.com/office/drawing/2014/main" id="{D448283F-6F2D-4F37-90DF-09333F810EAA}"/>
+                <a16:creationId xmlns:a16="http://schemas.microsoft.com/office/drawing/2014/main" xmlns="" id="{D448283F-6F2D-4F37-90DF-09333F810EAA}"/>
               </a:ext>
             </a:extLst>
           </p:cNvPr>
@@ -19169,7 +20751,7 @@
     </p:spTree>
     <p:extLst>
       <p:ext uri="{BB962C8B-B14F-4D97-AF65-F5344CB8AC3E}">
-        <p14:creationId xmlns:p14="http://schemas.microsoft.com/office/powerpoint/2010/main" val="3423828187"/>
+        <p14:creationId xmlns:p14="http://schemas.microsoft.com/office/powerpoint/2010/main" xmlns="" val="3423828187"/>
       </p:ext>
     </p:extLst>
   </p:cSld>
@@ -19209,7 +20791,7 @@
           <p:cNvPr id="9" name="Content Placeholder 2">
             <a:extLst>
               <a:ext uri="{FF2B5EF4-FFF2-40B4-BE49-F238E27FC236}">
-                <a16:creationId xmlns:a16="http://schemas.microsoft.com/office/drawing/2014/main" id="{6AE46264-68D9-4CE3-A51C-8EC1E628ABC6}"/>
+                <a16:creationId xmlns:a16="http://schemas.microsoft.com/office/drawing/2014/main" xmlns="" id="{6AE46264-68D9-4CE3-A51C-8EC1E628ABC6}"/>
               </a:ext>
             </a:extLst>
           </p:cNvPr>
@@ -19445,7 +21027,7 @@
           <p:cNvPr id="3" name="Picture 2">
             <a:extLst>
               <a:ext uri="{FF2B5EF4-FFF2-40B4-BE49-F238E27FC236}">
-                <a16:creationId xmlns:a16="http://schemas.microsoft.com/office/drawing/2014/main" id="{DC5F2BFD-A45B-4A4F-B77D-AC1477C0676A}"/>
+                <a16:creationId xmlns:a16="http://schemas.microsoft.com/office/drawing/2014/main" xmlns="" id="{DC5F2BFD-A45B-4A4F-B77D-AC1477C0676A}"/>
               </a:ext>
             </a:extLst>
           </p:cNvPr>
@@ -19455,10 +21037,10 @@
           <p:nvPr/>
         </p:nvPicPr>
         <p:blipFill>
-          <a:blip r:embed="rId2">
+          <a:blip r:embed="rId2" cstate="print">
             <a:extLst>
               <a:ext uri="{28A0092B-C50C-407E-A947-70E740481C1C}">
-                <a14:useLocalDpi xmlns:a14="http://schemas.microsoft.com/office/drawing/2010/main" val="0"/>
+                <a14:useLocalDpi xmlns:a14="http://schemas.microsoft.com/office/drawing/2010/main" xmlns="" val="0"/>
               </a:ext>
             </a:extLst>
           </a:blip>
@@ -19481,7 +21063,7 @@
           <p:cNvPr id="5" name="TextBox 4">
             <a:extLst>
               <a:ext uri="{FF2B5EF4-FFF2-40B4-BE49-F238E27FC236}">
-                <a16:creationId xmlns:a16="http://schemas.microsoft.com/office/drawing/2014/main" id="{81092F28-2602-4678-A833-0C18CDB0649B}"/>
+                <a16:creationId xmlns:a16="http://schemas.microsoft.com/office/drawing/2014/main" xmlns="" id="{81092F28-2602-4678-A833-0C18CDB0649B}"/>
               </a:ext>
             </a:extLst>
           </p:cNvPr>
@@ -19560,7 +21142,7 @@
           <p:cNvPr id="8" name="Picture 7" descr="A picture containing saw&#10;&#10;Description generated with high confidence">
             <a:extLst>
               <a:ext uri="{FF2B5EF4-FFF2-40B4-BE49-F238E27FC236}">
-                <a16:creationId xmlns:a16="http://schemas.microsoft.com/office/drawing/2014/main" id="{D54D271E-CBE2-4705-AFA4-6FCE8CE60ECC}"/>
+                <a16:creationId xmlns:a16="http://schemas.microsoft.com/office/drawing/2014/main" xmlns="" id="{D54D271E-CBE2-4705-AFA4-6FCE8CE60ECC}"/>
               </a:ext>
             </a:extLst>
           </p:cNvPr>
@@ -19570,10 +21152,10 @@
           <p:nvPr/>
         </p:nvPicPr>
         <p:blipFill>
-          <a:blip r:embed="rId3">
+          <a:blip r:embed="rId3" cstate="print">
             <a:extLst>
               <a:ext uri="{28A0092B-C50C-407E-A947-70E740481C1C}">
-                <a14:useLocalDpi xmlns:a14="http://schemas.microsoft.com/office/drawing/2010/main" val="0"/>
+                <a14:useLocalDpi xmlns:a14="http://schemas.microsoft.com/office/drawing/2010/main" xmlns="" val="0"/>
               </a:ext>
             </a:extLst>
           </a:blip>
@@ -19596,7 +21178,7 @@
           <p:cNvPr id="10" name="Content Placeholder 2">
             <a:extLst>
               <a:ext uri="{FF2B5EF4-FFF2-40B4-BE49-F238E27FC236}">
-                <a16:creationId xmlns:a16="http://schemas.microsoft.com/office/drawing/2014/main" id="{030F1A64-26E7-49A3-BE9D-407E3D8204A9}"/>
+                <a16:creationId xmlns:a16="http://schemas.microsoft.com/office/drawing/2014/main" xmlns="" id="{030F1A64-26E7-49A3-BE9D-407E3D8204A9}"/>
               </a:ext>
             </a:extLst>
           </p:cNvPr>
@@ -19839,7 +21421,7 @@
           <p:cNvPr id="11" name="Content Placeholder 2">
             <a:extLst>
               <a:ext uri="{FF2B5EF4-FFF2-40B4-BE49-F238E27FC236}">
-                <a16:creationId xmlns:a16="http://schemas.microsoft.com/office/drawing/2014/main" id="{391A4DF8-95FE-41DD-81E1-5769A76C1D24}"/>
+                <a16:creationId xmlns:a16="http://schemas.microsoft.com/office/drawing/2014/main" xmlns="" id="{391A4DF8-95FE-41DD-81E1-5769A76C1D24}"/>
               </a:ext>
             </a:extLst>
           </p:cNvPr>
@@ -20125,7 +21707,7 @@
     </p:spTree>
     <p:extLst>
       <p:ext uri="{BB962C8B-B14F-4D97-AF65-F5344CB8AC3E}">
-        <p14:creationId xmlns:p14="http://schemas.microsoft.com/office/powerpoint/2010/main" val="704539356"/>
+        <p14:creationId xmlns:p14="http://schemas.microsoft.com/office/powerpoint/2010/main" xmlns="" val="704539356"/>
       </p:ext>
     </p:extLst>
   </p:cSld>
@@ -20165,7 +21747,7 @@
           <p:cNvPr id="3" name="Content Placeholder 2">
             <a:extLst>
               <a:ext uri="{FF2B5EF4-FFF2-40B4-BE49-F238E27FC236}">
-                <a16:creationId xmlns:a16="http://schemas.microsoft.com/office/drawing/2014/main" id="{16BDB5AA-CFD0-4303-8B7F-ECCF545847F6}"/>
+                <a16:creationId xmlns:a16="http://schemas.microsoft.com/office/drawing/2014/main" xmlns="" id="{16BDB5AA-CFD0-4303-8B7F-ECCF545847F6}"/>
               </a:ext>
             </a:extLst>
           </p:cNvPr>
@@ -20212,7 +21794,7 @@
           <p:cNvPr id="7" name="Content Placeholder 2">
             <a:extLst>
               <a:ext uri="{FF2B5EF4-FFF2-40B4-BE49-F238E27FC236}">
-                <a16:creationId xmlns:a16="http://schemas.microsoft.com/office/drawing/2014/main" id="{02466EF3-302C-4960-8543-BE397448108A}"/>
+                <a16:creationId xmlns:a16="http://schemas.microsoft.com/office/drawing/2014/main" xmlns="" id="{02466EF3-302C-4960-8543-BE397448108A}"/>
               </a:ext>
             </a:extLst>
           </p:cNvPr>
@@ -20424,7 +22006,7 @@
           <p:cNvPr id="12" name="Picture 11" descr="A picture containing object&#10;&#10;Description generated with high confidence">
             <a:extLst>
               <a:ext uri="{FF2B5EF4-FFF2-40B4-BE49-F238E27FC236}">
-                <a16:creationId xmlns:a16="http://schemas.microsoft.com/office/drawing/2014/main" id="{0F11ADEB-95C5-4C9C-9ED0-B760B3493A43}"/>
+                <a16:creationId xmlns:a16="http://schemas.microsoft.com/office/drawing/2014/main" xmlns="" id="{0F11ADEB-95C5-4C9C-9ED0-B760B3493A43}"/>
               </a:ext>
             </a:extLst>
           </p:cNvPr>
@@ -20434,10 +22016,10 @@
           <p:nvPr/>
         </p:nvPicPr>
         <p:blipFill>
-          <a:blip r:embed="rId2">
+          <a:blip r:embed="rId2" cstate="print">
             <a:extLst>
               <a:ext uri="{28A0092B-C50C-407E-A947-70E740481C1C}">
-                <a14:useLocalDpi xmlns:a14="http://schemas.microsoft.com/office/drawing/2010/main" val="0"/>
+                <a14:useLocalDpi xmlns:a14="http://schemas.microsoft.com/office/drawing/2010/main" xmlns="" val="0"/>
               </a:ext>
             </a:extLst>
           </a:blip>
@@ -20460,7 +22042,7 @@
           <p:cNvPr id="9" name="Content Placeholder 2">
             <a:extLst>
               <a:ext uri="{FF2B5EF4-FFF2-40B4-BE49-F238E27FC236}">
-                <a16:creationId xmlns:a16="http://schemas.microsoft.com/office/drawing/2014/main" id="{4EF53457-C4EA-4F98-B682-2CECBF99F20B}"/>
+                <a16:creationId xmlns:a16="http://schemas.microsoft.com/office/drawing/2014/main" xmlns="" id="{4EF53457-C4EA-4F98-B682-2CECBF99F20B}"/>
               </a:ext>
             </a:extLst>
           </p:cNvPr>
@@ -20657,7 +22239,23 @@
                   <a:schemeClr val="bg1"/>
                 </a:solidFill>
               </a:rPr>
-              <a:t>Po skali porusza się używając klawiszy „</a:t>
+              <a:t>Po skali </a:t>
+            </a:r>
+            <a:r>
+              <a:rPr lang="pl-PL" sz="2400" dirty="0" smtClean="0">
+                <a:solidFill>
+                  <a:schemeClr val="bg1"/>
+                </a:solidFill>
+              </a:rPr>
+              <a:t>należy poruszać </a:t>
+            </a:r>
+            <a:r>
+              <a:rPr lang="pl-PL" sz="2400" dirty="0">
+                <a:solidFill>
+                  <a:schemeClr val="bg1"/>
+                </a:solidFill>
+              </a:rPr>
+              <a:t>się używając klawiszy „</a:t>
             </a:r>
             <a:r>
               <a:rPr lang="en-US" sz="2400" dirty="0">
@@ -20752,7 +22350,7 @@
           <p:cNvPr id="10" name="Content Placeholder 2">
             <a:extLst>
               <a:ext uri="{FF2B5EF4-FFF2-40B4-BE49-F238E27FC236}">
-                <a16:creationId xmlns:a16="http://schemas.microsoft.com/office/drawing/2014/main" id="{D509D985-8D79-4F4F-B16C-CBD1ED1FBCF6}"/>
+                <a16:creationId xmlns:a16="http://schemas.microsoft.com/office/drawing/2014/main" xmlns="" id="{D509D985-8D79-4F4F-B16C-CBD1ED1FBCF6}"/>
               </a:ext>
             </a:extLst>
           </p:cNvPr>
@@ -20956,7 +22554,7 @@
           <p:cNvPr id="2" name="Picture 1">
             <a:extLst>
               <a:ext uri="{FF2B5EF4-FFF2-40B4-BE49-F238E27FC236}">
-                <a16:creationId xmlns:a16="http://schemas.microsoft.com/office/drawing/2014/main" id="{E8756F97-DA66-4705-98BF-14ABCD4D7DCA}"/>
+                <a16:creationId xmlns:a16="http://schemas.microsoft.com/office/drawing/2014/main" xmlns="" id="{E8756F97-DA66-4705-98BF-14ABCD4D7DCA}"/>
               </a:ext>
             </a:extLst>
           </p:cNvPr>
@@ -20966,7 +22564,7 @@
           <p:nvPr/>
         </p:nvPicPr>
         <p:blipFill>
-          <a:blip r:embed="rId3"/>
+          <a:blip r:embed="rId3" cstate="print"/>
           <a:stretch>
             <a:fillRect/>
           </a:stretch>
@@ -20986,7 +22584,7 @@
           <p:cNvPr id="11" name="Content Placeholder 2">
             <a:extLst>
               <a:ext uri="{FF2B5EF4-FFF2-40B4-BE49-F238E27FC236}">
-                <a16:creationId xmlns:a16="http://schemas.microsoft.com/office/drawing/2014/main" id="{45F9B9AB-32F4-41B5-BEB2-F8CFAA6565AD}"/>
+                <a16:creationId xmlns:a16="http://schemas.microsoft.com/office/drawing/2014/main" xmlns="" id="{45F9B9AB-32F4-41B5-BEB2-F8CFAA6565AD}"/>
               </a:ext>
             </a:extLst>
           </p:cNvPr>
@@ -21272,7 +22870,7 @@
     </p:spTree>
     <p:extLst>
       <p:ext uri="{BB962C8B-B14F-4D97-AF65-F5344CB8AC3E}">
-        <p14:creationId xmlns:p14="http://schemas.microsoft.com/office/powerpoint/2010/main" val="476660639"/>
+        <p14:creationId xmlns:p14="http://schemas.microsoft.com/office/powerpoint/2010/main" xmlns="" val="476660639"/>
       </p:ext>
     </p:extLst>
   </p:cSld>
@@ -21312,7 +22910,7 @@
           <p:cNvPr id="3" name="Content Placeholder 2">
             <a:extLst>
               <a:ext uri="{FF2B5EF4-FFF2-40B4-BE49-F238E27FC236}">
-                <a16:creationId xmlns:a16="http://schemas.microsoft.com/office/drawing/2014/main" id="{16BDB5AA-CFD0-4303-8B7F-ECCF545847F6}"/>
+                <a16:creationId xmlns:a16="http://schemas.microsoft.com/office/drawing/2014/main" xmlns="" id="{16BDB5AA-CFD0-4303-8B7F-ECCF545847F6}"/>
               </a:ext>
             </a:extLst>
           </p:cNvPr>
@@ -21374,7 +22972,7 @@
           <p:cNvPr id="6" name="Content Placeholder 2">
             <a:extLst>
               <a:ext uri="{FF2B5EF4-FFF2-40B4-BE49-F238E27FC236}">
-                <a16:creationId xmlns:a16="http://schemas.microsoft.com/office/drawing/2014/main" id="{90248FE6-6618-4FD8-BEE5-96F4327C0356}"/>
+                <a16:creationId xmlns:a16="http://schemas.microsoft.com/office/drawing/2014/main" xmlns="" id="{90248FE6-6618-4FD8-BEE5-96F4327C0356}"/>
               </a:ext>
             </a:extLst>
           </p:cNvPr>
@@ -21586,7 +23184,7 @@
           <p:cNvPr id="8" name="Picture 7" descr="A picture containing airplane, aircraft, transport&#10;&#10;Description generated with high confidence">
             <a:extLst>
               <a:ext uri="{FF2B5EF4-FFF2-40B4-BE49-F238E27FC236}">
-                <a16:creationId xmlns:a16="http://schemas.microsoft.com/office/drawing/2014/main" id="{41CF9B35-C66C-4E88-8CF1-0309EE0D6159}"/>
+                <a16:creationId xmlns:a16="http://schemas.microsoft.com/office/drawing/2014/main" xmlns="" id="{41CF9B35-C66C-4E88-8CF1-0309EE0D6159}"/>
               </a:ext>
             </a:extLst>
           </p:cNvPr>
@@ -21596,10 +23194,10 @@
           <p:nvPr/>
         </p:nvPicPr>
         <p:blipFill>
-          <a:blip r:embed="rId2">
+          <a:blip r:embed="rId2" cstate="print">
             <a:extLst>
               <a:ext uri="{28A0092B-C50C-407E-A947-70E740481C1C}">
-                <a14:useLocalDpi xmlns:a14="http://schemas.microsoft.com/office/drawing/2010/main" val="0"/>
+                <a14:useLocalDpi xmlns:a14="http://schemas.microsoft.com/office/drawing/2010/main" xmlns="" val="0"/>
               </a:ext>
             </a:extLst>
           </a:blip>
@@ -21622,7 +23220,7 @@
           <p:cNvPr id="10" name="Content Placeholder 2">
             <a:extLst>
               <a:ext uri="{FF2B5EF4-FFF2-40B4-BE49-F238E27FC236}">
-                <a16:creationId xmlns:a16="http://schemas.microsoft.com/office/drawing/2014/main" id="{2A609798-F616-4492-871F-ADF6E6A88AA8}"/>
+                <a16:creationId xmlns:a16="http://schemas.microsoft.com/office/drawing/2014/main" xmlns="" id="{2A609798-F616-4492-871F-ADF6E6A88AA8}"/>
               </a:ext>
             </a:extLst>
           </p:cNvPr>
@@ -21848,7 +23446,7 @@
           <p:cNvPr id="12" name="Picture 11">
             <a:extLst>
               <a:ext uri="{FF2B5EF4-FFF2-40B4-BE49-F238E27FC236}">
-                <a16:creationId xmlns:a16="http://schemas.microsoft.com/office/drawing/2014/main" id="{69735B1A-9BF1-45B5-8F6A-251D995AF2B6}"/>
+                <a16:creationId xmlns:a16="http://schemas.microsoft.com/office/drawing/2014/main" xmlns="" id="{69735B1A-9BF1-45B5-8F6A-251D995AF2B6}"/>
               </a:ext>
             </a:extLst>
           </p:cNvPr>
@@ -21858,7 +23456,7 @@
           <p:nvPr/>
         </p:nvPicPr>
         <p:blipFill>
-          <a:blip r:embed="rId3"/>
+          <a:blip r:embed="rId3" cstate="print"/>
           <a:stretch>
             <a:fillRect/>
           </a:stretch>
@@ -21878,7 +23476,7 @@
           <p:cNvPr id="13" name="Content Placeholder 2">
             <a:extLst>
               <a:ext uri="{FF2B5EF4-FFF2-40B4-BE49-F238E27FC236}">
-                <a16:creationId xmlns:a16="http://schemas.microsoft.com/office/drawing/2014/main" id="{847EE45E-8487-4607-B6E0-7CB449999FBA}"/>
+                <a16:creationId xmlns:a16="http://schemas.microsoft.com/office/drawing/2014/main" xmlns="" id="{847EE45E-8487-4607-B6E0-7CB449999FBA}"/>
               </a:ext>
             </a:extLst>
           </p:cNvPr>
@@ -22104,7 +23702,7 @@
           <p:cNvPr id="14" name="Straight Arrow Connector 13">
             <a:extLst>
               <a:ext uri="{FF2B5EF4-FFF2-40B4-BE49-F238E27FC236}">
-                <a16:creationId xmlns:a16="http://schemas.microsoft.com/office/drawing/2014/main" id="{44DEBD10-9C76-4102-BF07-5E0FD982019A}"/>
+                <a16:creationId xmlns:a16="http://schemas.microsoft.com/office/drawing/2014/main" xmlns="" id="{44DEBD10-9C76-4102-BF07-5E0FD982019A}"/>
               </a:ext>
             </a:extLst>
           </p:cNvPr>
@@ -22148,7 +23746,7 @@
           <p:cNvPr id="15" name="Picture 14">
             <a:extLst>
               <a:ext uri="{FF2B5EF4-FFF2-40B4-BE49-F238E27FC236}">
-                <a16:creationId xmlns:a16="http://schemas.microsoft.com/office/drawing/2014/main" id="{943850CB-013A-4770-928B-E40F81675EFD}"/>
+                <a16:creationId xmlns:a16="http://schemas.microsoft.com/office/drawing/2014/main" xmlns="" id="{943850CB-013A-4770-928B-E40F81675EFD}"/>
               </a:ext>
             </a:extLst>
           </p:cNvPr>
@@ -22158,10 +23756,10 @@
           <p:nvPr/>
         </p:nvPicPr>
         <p:blipFill>
-          <a:blip r:embed="rId4">
+          <a:blip r:embed="rId4" cstate="print">
             <a:extLst>
               <a:ext uri="{28A0092B-C50C-407E-A947-70E740481C1C}">
-                <a14:useLocalDpi xmlns:a14="http://schemas.microsoft.com/office/drawing/2010/main" val="0"/>
+                <a14:useLocalDpi xmlns:a14="http://schemas.microsoft.com/office/drawing/2010/main" xmlns="" val="0"/>
               </a:ext>
             </a:extLst>
           </a:blip>
@@ -22184,7 +23782,7 @@
           <p:cNvPr id="16" name="Straight Arrow Connector 15">
             <a:extLst>
               <a:ext uri="{FF2B5EF4-FFF2-40B4-BE49-F238E27FC236}">
-                <a16:creationId xmlns:a16="http://schemas.microsoft.com/office/drawing/2014/main" id="{D98D56B1-5F73-4954-8DD6-F35556054035}"/>
+                <a16:creationId xmlns:a16="http://schemas.microsoft.com/office/drawing/2014/main" xmlns="" id="{D98D56B1-5F73-4954-8DD6-F35556054035}"/>
               </a:ext>
             </a:extLst>
           </p:cNvPr>
@@ -22228,7 +23826,7 @@
           <p:cNvPr id="17" name="Content Placeholder 2">
             <a:extLst>
               <a:ext uri="{FF2B5EF4-FFF2-40B4-BE49-F238E27FC236}">
-                <a16:creationId xmlns:a16="http://schemas.microsoft.com/office/drawing/2014/main" id="{419409FA-A156-46C0-B0AA-FDE26E8E0842}"/>
+                <a16:creationId xmlns:a16="http://schemas.microsoft.com/office/drawing/2014/main" xmlns="" id="{419409FA-A156-46C0-B0AA-FDE26E8E0842}"/>
               </a:ext>
             </a:extLst>
           </p:cNvPr>
@@ -22440,7 +24038,7 @@
           <p:cNvPr id="18" name="Content Placeholder 2">
             <a:extLst>
               <a:ext uri="{FF2B5EF4-FFF2-40B4-BE49-F238E27FC236}">
-                <a16:creationId xmlns:a16="http://schemas.microsoft.com/office/drawing/2014/main" id="{69F423C4-AB47-45E6-AD28-5C2EF617DD16}"/>
+                <a16:creationId xmlns:a16="http://schemas.microsoft.com/office/drawing/2014/main" xmlns="" id="{69F423C4-AB47-45E6-AD28-5C2EF617DD16}"/>
               </a:ext>
             </a:extLst>
           </p:cNvPr>
@@ -22652,7 +24250,7 @@
           <p:cNvPr id="20" name="Content Placeholder 2">
             <a:extLst>
               <a:ext uri="{FF2B5EF4-FFF2-40B4-BE49-F238E27FC236}">
-                <a16:creationId xmlns:a16="http://schemas.microsoft.com/office/drawing/2014/main" id="{93CE3C6B-1CE0-4F49-9821-5AEEA2814F9C}"/>
+                <a16:creationId xmlns:a16="http://schemas.microsoft.com/office/drawing/2014/main" xmlns="" id="{93CE3C6B-1CE0-4F49-9821-5AEEA2814F9C}"/>
               </a:ext>
             </a:extLst>
           </p:cNvPr>
@@ -22940,7 +24538,7 @@
           <p:cNvPr id="21" name="Picture 20">
             <a:extLst>
               <a:ext uri="{FF2B5EF4-FFF2-40B4-BE49-F238E27FC236}">
-                <a16:creationId xmlns:a16="http://schemas.microsoft.com/office/drawing/2014/main" id="{26B96B04-0101-4979-9CE5-95591F7E44ED}"/>
+                <a16:creationId xmlns:a16="http://schemas.microsoft.com/office/drawing/2014/main" xmlns="" id="{26B96B04-0101-4979-9CE5-95591F7E44ED}"/>
               </a:ext>
             </a:extLst>
           </p:cNvPr>
@@ -22950,7 +24548,7 @@
           <p:nvPr/>
         </p:nvPicPr>
         <p:blipFill>
-          <a:blip r:embed="rId5"/>
+          <a:blip r:embed="rId5" cstate="print"/>
           <a:stretch>
             <a:fillRect/>
           </a:stretch>
@@ -22970,7 +24568,7 @@
           <p:cNvPr id="5" name="Straight Arrow Connector 4">
             <a:extLst>
               <a:ext uri="{FF2B5EF4-FFF2-40B4-BE49-F238E27FC236}">
-                <a16:creationId xmlns:a16="http://schemas.microsoft.com/office/drawing/2014/main" id="{2F48A442-F17A-49B3-A499-66A8D0AC1D9D}"/>
+                <a16:creationId xmlns:a16="http://schemas.microsoft.com/office/drawing/2014/main" xmlns="" id="{2F48A442-F17A-49B3-A499-66A8D0AC1D9D}"/>
               </a:ext>
             </a:extLst>
           </p:cNvPr>
@@ -23012,7 +24610,7 @@
     </p:spTree>
     <p:extLst>
       <p:ext uri="{BB962C8B-B14F-4D97-AF65-F5344CB8AC3E}">
-        <p14:creationId xmlns:p14="http://schemas.microsoft.com/office/powerpoint/2010/main" val="2650213499"/>
+        <p14:creationId xmlns:p14="http://schemas.microsoft.com/office/powerpoint/2010/main" xmlns="" val="2650213499"/>
       </p:ext>
     </p:extLst>
   </p:cSld>
@@ -23065,7 +24663,7 @@
     </a:clrScheme>
     <a:fontScheme name="Office">
       <a:majorFont>
-        <a:latin typeface="Calibri Light" panose="020F0302020204030204"/>
+        <a:latin typeface="Calibri Light"/>
         <a:ea typeface=""/>
         <a:cs typeface=""/>
         <a:font script="Jpan" typeface="游ゴシック Light"/>
@@ -23117,7 +24715,7 @@
         <a:font script="Tfng" typeface="Ebrima"/>
       </a:majorFont>
       <a:minorFont>
-        <a:latin typeface="Calibri" panose="020F0502020204030204"/>
+        <a:latin typeface="Calibri"/>
         <a:ea typeface=""/>
         <a:cs typeface=""/>
         <a:font script="Jpan" typeface="游ゴシック"/>
@@ -23311,7 +24909,7 @@
   <a:extraClrSchemeLst/>
   <a:extLst>
     <a:ext uri="{05A4C25C-085E-4340-85A3-A5531E510DB2}">
-      <thm15:themeFamily xmlns:thm15="http://schemas.microsoft.com/office/thememl/2012/main" name="Office Theme" id="{62F939B6-93AF-4DB8-9C6B-D6C7DFDC589F}" vid="{4A3C46E8-61CC-4603-A589-7422A47A8E4A}"/>
+      <thm15:themeFamily xmlns:thm15="http://schemas.microsoft.com/office/thememl/2012/main" xmlns="" name="Office Theme" id="{62F939B6-93AF-4DB8-9C6B-D6C7DFDC589F}" vid="{4A3C46E8-61CC-4603-A589-7422A47A8E4A}"/>
     </a:ext>
   </a:extLst>
 </a:theme>
@@ -23360,7 +24958,7 @@
     </a:clrScheme>
     <a:fontScheme name="Office">
       <a:majorFont>
-        <a:latin typeface="Calibri Light" panose="020F0302020204030204"/>
+        <a:latin typeface="Calibri Light"/>
         <a:ea typeface=""/>
         <a:cs typeface=""/>
         <a:font script="Jpan" typeface="游ゴシック Light"/>
@@ -23412,7 +25010,7 @@
         <a:font script="Tfng" typeface="Ebrima"/>
       </a:majorFont>
       <a:minorFont>
-        <a:latin typeface="Calibri" panose="020F0502020204030204"/>
+        <a:latin typeface="Calibri"/>
         <a:ea typeface=""/>
         <a:cs typeface=""/>
         <a:font script="Jpan" typeface="游ゴシック"/>
@@ -23606,7 +25204,7 @@
   <a:extraClrSchemeLst/>
   <a:extLst>
     <a:ext uri="{05A4C25C-085E-4340-85A3-A5531E510DB2}">
-      <thm15:themeFamily xmlns:thm15="http://schemas.microsoft.com/office/thememl/2012/main" name="Office Theme" id="{62F939B6-93AF-4DB8-9C6B-D6C7DFDC589F}" vid="{4A3C46E8-61CC-4603-A589-7422A47A8E4A}"/>
+      <thm15:themeFamily xmlns:thm15="http://schemas.microsoft.com/office/thememl/2012/main" xmlns="" name="Office Theme" id="{62F939B6-93AF-4DB8-9C6B-D6C7DFDC589F}" vid="{4A3C46E8-61CC-4603-A589-7422A47A8E4A}"/>
     </a:ext>
   </a:extLst>
 </a:theme>
